--- a/Documentation/RDMPUniverse.pptx
+++ b/Documentation/RDMPUniverse.pptx
@@ -5,15 +5,17 @@
     <p:sldMasterId id="2147483648" r:id="rId1"/>
   </p:sldMasterIdLst>
   <p:notesMasterIdLst>
-    <p:notesMasterId r:id="rId8"/>
+    <p:notesMasterId r:id="rId10"/>
   </p:notesMasterIdLst>
   <p:sldIdLst>
-    <p:sldId id="256" r:id="rId2"/>
-    <p:sldId id="257" r:id="rId3"/>
-    <p:sldId id="261" r:id="rId4"/>
-    <p:sldId id="258" r:id="rId5"/>
-    <p:sldId id="259" r:id="rId6"/>
-    <p:sldId id="260" r:id="rId7"/>
+    <p:sldId id="262" r:id="rId2"/>
+    <p:sldId id="263" r:id="rId3"/>
+    <p:sldId id="256" r:id="rId4"/>
+    <p:sldId id="257" r:id="rId5"/>
+    <p:sldId id="261" r:id="rId6"/>
+    <p:sldId id="258" r:id="rId7"/>
+    <p:sldId id="259" r:id="rId8"/>
+    <p:sldId id="260" r:id="rId9"/>
   </p:sldIdLst>
   <p:sldSz cx="12192000" cy="6858000"/>
   <p:notesSz cx="6858000" cy="9144000"/>
@@ -30352,7 +30354,7 @@
           <a:p>
             <a:fld id="{DFF83554-E58E-427A-AA44-76F2B1DA92C2}" type="datetimeFigureOut">
               <a:rPr lang="en-GB" smtClean="0"/>
-              <a:t>29/06/2017</a:t>
+              <a:t>12/09/2017</a:t>
             </a:fld>
             <a:endParaRPr lang="en-GB" dirty="0"/>
           </a:p>
@@ -30685,7 +30687,7 @@
           <a:p>
             <a:fld id="{EE3BBC52-ABBD-4F4C-AF69-27CD2273FA71}" type="slidenum">
               <a:rPr lang="en-GB" smtClean="0"/>
-              <a:t>2</a:t>
+              <a:t>4</a:t>
             </a:fld>
             <a:endParaRPr lang="en-GB" dirty="0"/>
           </a:p>
@@ -30769,7 +30771,7 @@
           <a:p>
             <a:fld id="{EE3BBC52-ABBD-4F4C-AF69-27CD2273FA71}" type="slidenum">
               <a:rPr lang="en-GB" smtClean="0"/>
-              <a:t>3</a:t>
+              <a:t>5</a:t>
             </a:fld>
             <a:endParaRPr lang="en-GB" dirty="0"/>
           </a:p>
@@ -30853,7 +30855,7 @@
           <a:p>
             <a:fld id="{EE3BBC52-ABBD-4F4C-AF69-27CD2273FA71}" type="slidenum">
               <a:rPr lang="en-GB" smtClean="0"/>
-              <a:t>4</a:t>
+              <a:t>6</a:t>
             </a:fld>
             <a:endParaRPr lang="en-GB" dirty="0"/>
           </a:p>
@@ -31003,7 +31005,7 @@
           <a:p>
             <a:fld id="{1181E1B5-2943-42CC-8B73-D17041E08522}" type="datetimeFigureOut">
               <a:rPr lang="en-GB" smtClean="0"/>
-              <a:t>29/06/2017</a:t>
+              <a:t>12/09/2017</a:t>
             </a:fld>
             <a:endParaRPr lang="en-GB" dirty="0"/>
           </a:p>
@@ -31173,7 +31175,7 @@
           <a:p>
             <a:fld id="{1181E1B5-2943-42CC-8B73-D17041E08522}" type="datetimeFigureOut">
               <a:rPr lang="en-GB" smtClean="0"/>
-              <a:t>29/06/2017</a:t>
+              <a:t>12/09/2017</a:t>
             </a:fld>
             <a:endParaRPr lang="en-GB" dirty="0"/>
           </a:p>
@@ -31353,7 +31355,7 @@
           <a:p>
             <a:fld id="{1181E1B5-2943-42CC-8B73-D17041E08522}" type="datetimeFigureOut">
               <a:rPr lang="en-GB" smtClean="0"/>
-              <a:t>29/06/2017</a:t>
+              <a:t>12/09/2017</a:t>
             </a:fld>
             <a:endParaRPr lang="en-GB" dirty="0"/>
           </a:p>
@@ -31523,7 +31525,7 @@
           <a:p>
             <a:fld id="{1181E1B5-2943-42CC-8B73-D17041E08522}" type="datetimeFigureOut">
               <a:rPr lang="en-GB" smtClean="0"/>
-              <a:t>29/06/2017</a:t>
+              <a:t>12/09/2017</a:t>
             </a:fld>
             <a:endParaRPr lang="en-GB" dirty="0"/>
           </a:p>
@@ -31769,7 +31771,7 @@
           <a:p>
             <a:fld id="{1181E1B5-2943-42CC-8B73-D17041E08522}" type="datetimeFigureOut">
               <a:rPr lang="en-GB" smtClean="0"/>
-              <a:t>29/06/2017</a:t>
+              <a:t>12/09/2017</a:t>
             </a:fld>
             <a:endParaRPr lang="en-GB" dirty="0"/>
           </a:p>
@@ -32001,7 +32003,7 @@
           <a:p>
             <a:fld id="{1181E1B5-2943-42CC-8B73-D17041E08522}" type="datetimeFigureOut">
               <a:rPr lang="en-GB" smtClean="0"/>
-              <a:t>29/06/2017</a:t>
+              <a:t>12/09/2017</a:t>
             </a:fld>
             <a:endParaRPr lang="en-GB" dirty="0"/>
           </a:p>
@@ -32368,7 +32370,7 @@
           <a:p>
             <a:fld id="{1181E1B5-2943-42CC-8B73-D17041E08522}" type="datetimeFigureOut">
               <a:rPr lang="en-GB" smtClean="0"/>
-              <a:t>29/06/2017</a:t>
+              <a:t>12/09/2017</a:t>
             </a:fld>
             <a:endParaRPr lang="en-GB" dirty="0"/>
           </a:p>
@@ -32486,7 +32488,7 @@
           <a:p>
             <a:fld id="{1181E1B5-2943-42CC-8B73-D17041E08522}" type="datetimeFigureOut">
               <a:rPr lang="en-GB" smtClean="0"/>
-              <a:t>29/06/2017</a:t>
+              <a:t>12/09/2017</a:t>
             </a:fld>
             <a:endParaRPr lang="en-GB" dirty="0"/>
           </a:p>
@@ -32581,7 +32583,7 @@
           <a:p>
             <a:fld id="{1181E1B5-2943-42CC-8B73-D17041E08522}" type="datetimeFigureOut">
               <a:rPr lang="en-GB" smtClean="0"/>
-              <a:t>29/06/2017</a:t>
+              <a:t>12/09/2017</a:t>
             </a:fld>
             <a:endParaRPr lang="en-GB" dirty="0"/>
           </a:p>
@@ -32858,7 +32860,7 @@
           <a:p>
             <a:fld id="{1181E1B5-2943-42CC-8B73-D17041E08522}" type="datetimeFigureOut">
               <a:rPr lang="en-GB" smtClean="0"/>
-              <a:t>29/06/2017</a:t>
+              <a:t>12/09/2017</a:t>
             </a:fld>
             <a:endParaRPr lang="en-GB" dirty="0"/>
           </a:p>
@@ -33111,7 +33113,7 @@
           <a:p>
             <a:fld id="{1181E1B5-2943-42CC-8B73-D17041E08522}" type="datetimeFigureOut">
               <a:rPr lang="en-GB" smtClean="0"/>
-              <a:t>29/06/2017</a:t>
+              <a:t>12/09/2017</a:t>
             </a:fld>
             <a:endParaRPr lang="en-GB" dirty="0"/>
           </a:p>
@@ -33324,7 +33326,7 @@
           <a:p>
             <a:fld id="{1181E1B5-2943-42CC-8B73-D17041E08522}" type="datetimeFigureOut">
               <a:rPr lang="en-GB" smtClean="0"/>
-              <a:t>29/06/2017</a:t>
+              <a:t>12/09/2017</a:t>
             </a:fld>
             <a:endParaRPr lang="en-GB" dirty="0"/>
           </a:p>
@@ -33713,6 +33715,1337 @@
 </file>
 
 <file path=ppt/slides/slide1.xml><?xml version="1.0" encoding="utf-8"?>
+<p:sld xmlns:a="http://schemas.openxmlformats.org/drawingml/2006/main" xmlns:r="http://schemas.openxmlformats.org/officeDocument/2006/relationships" xmlns:p="http://schemas.openxmlformats.org/presentationml/2006/main">
+  <p:cSld>
+    <p:spTree>
+      <p:nvGrpSpPr>
+        <p:cNvPr id="1" name=""/>
+        <p:cNvGrpSpPr/>
+        <p:nvPr/>
+      </p:nvGrpSpPr>
+      <p:grpSpPr>
+        <a:xfrm>
+          <a:off x="0" y="0"/>
+          <a:ext cx="0" cy="0"/>
+          <a:chOff x="0" y="0"/>
+          <a:chExt cx="0" cy="0"/>
+        </a:xfrm>
+      </p:grpSpPr>
+      <p:sp>
+        <p:nvSpPr>
+          <p:cNvPr id="2" name="Title 1"/>
+          <p:cNvSpPr>
+            <a:spLocks noGrp="1"/>
+          </p:cNvSpPr>
+          <p:nvPr>
+            <p:ph type="title"/>
+          </p:nvPr>
+        </p:nvSpPr>
+        <p:spPr/>
+        <p:txBody>
+          <a:bodyPr/>
+          <a:lstStyle/>
+          <a:p>
+            <a:r>
+              <a:rPr lang="en-GB" dirty="0"/>
+              <a:t>Minimum Deployment</a:t>
+            </a:r>
+          </a:p>
+        </p:txBody>
+      </p:sp>
+      <p:sp>
+        <p:nvSpPr>
+          <p:cNvPr id="4" name="Rectangle 3"/>
+          <p:cNvSpPr/>
+          <p:nvPr/>
+        </p:nvSpPr>
+        <p:spPr>
+          <a:xfrm>
+            <a:off x="838200" y="2306972"/>
+            <a:ext cx="4396530" cy="3791824"/>
+          </a:xfrm>
+          <a:prstGeom prst="rect">
+            <a:avLst/>
+          </a:prstGeom>
+        </p:spPr>
+        <p:style>
+          <a:lnRef idx="2">
+            <a:schemeClr val="accent1">
+              <a:shade val="50000"/>
+            </a:schemeClr>
+          </a:lnRef>
+          <a:fillRef idx="1">
+            <a:schemeClr val="accent1"/>
+          </a:fillRef>
+          <a:effectRef idx="0">
+            <a:schemeClr val="accent1"/>
+          </a:effectRef>
+          <a:fontRef idx="minor">
+            <a:schemeClr val="lt1"/>
+          </a:fontRef>
+        </p:style>
+        <p:txBody>
+          <a:bodyPr rtlCol="0" anchor="t"/>
+          <a:lstStyle/>
+          <a:p>
+            <a:pPr algn="ctr"/>
+            <a:r>
+              <a:rPr lang="en-GB" dirty="0"/>
+              <a:t>Data Analyst PC</a:t>
+            </a:r>
+          </a:p>
+        </p:txBody>
+      </p:sp>
+      <p:sp>
+        <p:nvSpPr>
+          <p:cNvPr id="5" name="Rectangle 4"/>
+          <p:cNvSpPr/>
+          <p:nvPr/>
+        </p:nvSpPr>
+        <p:spPr>
+          <a:xfrm>
+            <a:off x="2064391" y="4074953"/>
+            <a:ext cx="1770078" cy="327170"/>
+          </a:xfrm>
+          <a:prstGeom prst="rect">
+            <a:avLst/>
+          </a:prstGeom>
+        </p:spPr>
+        <p:style>
+          <a:lnRef idx="2">
+            <a:schemeClr val="accent1">
+              <a:shade val="50000"/>
+            </a:schemeClr>
+          </a:lnRef>
+          <a:fillRef idx="1">
+            <a:schemeClr val="accent1"/>
+          </a:fillRef>
+          <a:effectRef idx="0">
+            <a:schemeClr val="accent1"/>
+          </a:effectRef>
+          <a:fontRef idx="minor">
+            <a:schemeClr val="lt1"/>
+          </a:fontRef>
+        </p:style>
+        <p:txBody>
+          <a:bodyPr rtlCol="0" anchor="ctr"/>
+          <a:lstStyle/>
+          <a:p>
+            <a:pPr algn="ctr"/>
+            <a:r>
+              <a:rPr lang="en-GB" dirty="0"/>
+              <a:t>RDMP Software</a:t>
+            </a:r>
+          </a:p>
+        </p:txBody>
+      </p:sp>
+      <p:sp>
+        <p:nvSpPr>
+          <p:cNvPr id="6" name="Rectangle 5"/>
+          <p:cNvSpPr/>
+          <p:nvPr/>
+        </p:nvSpPr>
+        <p:spPr>
+          <a:xfrm>
+            <a:off x="1098958" y="2697061"/>
+            <a:ext cx="3700944" cy="1033945"/>
+          </a:xfrm>
+          <a:prstGeom prst="rect">
+            <a:avLst/>
+          </a:prstGeom>
+        </p:spPr>
+        <p:style>
+          <a:lnRef idx="2">
+            <a:schemeClr val="accent1">
+              <a:shade val="50000"/>
+            </a:schemeClr>
+          </a:lnRef>
+          <a:fillRef idx="1">
+            <a:schemeClr val="accent1"/>
+          </a:fillRef>
+          <a:effectRef idx="0">
+            <a:schemeClr val="accent1"/>
+          </a:effectRef>
+          <a:fontRef idx="minor">
+            <a:schemeClr val="lt1"/>
+          </a:fontRef>
+        </p:style>
+        <p:txBody>
+          <a:bodyPr rtlCol="0" anchor="ctr"/>
+          <a:lstStyle/>
+          <a:p>
+            <a:pPr algn="ctr"/>
+            <a:r>
+              <a:rPr lang="en-GB" dirty="0"/>
+              <a:t>Microsoft SQL Express Server</a:t>
+            </a:r>
+          </a:p>
+          <a:p>
+            <a:pPr algn="ctr"/>
+            <a:r>
+              <a:rPr lang="en-GB" sz="1000" dirty="0" err="1"/>
+              <a:t>RDMP_Catalogue</a:t>
+            </a:r>
+            <a:endParaRPr lang="en-GB" sz="1000" dirty="0"/>
+          </a:p>
+          <a:p>
+            <a:pPr algn="ctr"/>
+            <a:r>
+              <a:rPr lang="en-GB" sz="1000" dirty="0" err="1"/>
+              <a:t>RDMP_DataExport</a:t>
+            </a:r>
+            <a:endParaRPr lang="en-GB" sz="1000" dirty="0"/>
+          </a:p>
+          <a:p>
+            <a:pPr algn="ctr"/>
+            <a:r>
+              <a:rPr lang="en-GB" sz="1000" dirty="0"/>
+              <a:t>RDMP_DQE</a:t>
+            </a:r>
+          </a:p>
+          <a:p>
+            <a:pPr algn="ctr"/>
+            <a:r>
+              <a:rPr lang="en-GB" sz="1000" dirty="0" err="1"/>
+              <a:t>RDMP_Logging</a:t>
+            </a:r>
+            <a:endParaRPr lang="en-GB" sz="1000" dirty="0"/>
+          </a:p>
+          <a:p>
+            <a:pPr algn="ctr"/>
+            <a:endParaRPr lang="en-GB" sz="1000" dirty="0"/>
+          </a:p>
+        </p:txBody>
+      </p:sp>
+      <p:sp>
+        <p:nvSpPr>
+          <p:cNvPr id="7" name="Rectangle 6"/>
+          <p:cNvSpPr/>
+          <p:nvPr/>
+        </p:nvSpPr>
+        <p:spPr>
+          <a:xfrm>
+            <a:off x="6291043" y="2306972"/>
+            <a:ext cx="4396530" cy="2248250"/>
+          </a:xfrm>
+          <a:prstGeom prst="rect">
+            <a:avLst/>
+          </a:prstGeom>
+        </p:spPr>
+        <p:style>
+          <a:lnRef idx="2">
+            <a:schemeClr val="accent1">
+              <a:shade val="50000"/>
+            </a:schemeClr>
+          </a:lnRef>
+          <a:fillRef idx="1">
+            <a:schemeClr val="accent1"/>
+          </a:fillRef>
+          <a:effectRef idx="0">
+            <a:schemeClr val="accent1"/>
+          </a:effectRef>
+          <a:fontRef idx="minor">
+            <a:schemeClr val="lt1"/>
+          </a:fontRef>
+        </p:style>
+        <p:txBody>
+          <a:bodyPr rtlCol="0" anchor="t"/>
+          <a:lstStyle/>
+          <a:p>
+            <a:pPr algn="ctr"/>
+            <a:r>
+              <a:rPr lang="en-GB" dirty="0"/>
+              <a:t>Data Repository Server </a:t>
+            </a:r>
+          </a:p>
+          <a:p>
+            <a:pPr algn="ctr"/>
+            <a:r>
+              <a:rPr lang="en-GB" dirty="0"/>
+              <a:t>(assumed to already exist)</a:t>
+            </a:r>
+          </a:p>
+        </p:txBody>
+      </p:sp>
+      <p:sp>
+        <p:nvSpPr>
+          <p:cNvPr id="9" name="Rectangle 8"/>
+          <p:cNvSpPr/>
+          <p:nvPr/>
+        </p:nvSpPr>
+        <p:spPr>
+          <a:xfrm>
+            <a:off x="7106173" y="3041009"/>
+            <a:ext cx="3010950" cy="1033944"/>
+          </a:xfrm>
+          <a:prstGeom prst="rect">
+            <a:avLst/>
+          </a:prstGeom>
+        </p:spPr>
+        <p:style>
+          <a:lnRef idx="2">
+            <a:schemeClr val="accent1">
+              <a:shade val="50000"/>
+            </a:schemeClr>
+          </a:lnRef>
+          <a:fillRef idx="1">
+            <a:schemeClr val="accent1"/>
+          </a:fillRef>
+          <a:effectRef idx="0">
+            <a:schemeClr val="accent1"/>
+          </a:effectRef>
+          <a:fontRef idx="minor">
+            <a:schemeClr val="lt1"/>
+          </a:fontRef>
+        </p:style>
+        <p:txBody>
+          <a:bodyPr rtlCol="0" anchor="ctr"/>
+          <a:lstStyle/>
+          <a:p>
+            <a:pPr algn="ctr"/>
+            <a:r>
+              <a:rPr lang="en-GB" dirty="0"/>
+              <a:t>Microsoft SQL Server</a:t>
+            </a:r>
+          </a:p>
+          <a:p>
+            <a:pPr algn="ctr"/>
+            <a:r>
+              <a:rPr lang="en-GB" dirty="0"/>
+              <a:t>Clinical Datasets</a:t>
+            </a:r>
+          </a:p>
+          <a:p>
+            <a:pPr algn="ctr"/>
+            <a:r>
+              <a:rPr lang="en-GB" dirty="0"/>
+              <a:t>Project Cohorts</a:t>
+            </a:r>
+          </a:p>
+        </p:txBody>
+      </p:sp>
+      <p:sp>
+        <p:nvSpPr>
+          <p:cNvPr id="10" name="Rectangle 9"/>
+          <p:cNvSpPr/>
+          <p:nvPr/>
+        </p:nvSpPr>
+        <p:spPr>
+          <a:xfrm>
+            <a:off x="1098958" y="4655891"/>
+            <a:ext cx="3700944" cy="1124124"/>
+          </a:xfrm>
+          <a:prstGeom prst="rect">
+            <a:avLst/>
+          </a:prstGeom>
+        </p:spPr>
+        <p:style>
+          <a:lnRef idx="2">
+            <a:schemeClr val="accent1">
+              <a:shade val="50000"/>
+            </a:schemeClr>
+          </a:lnRef>
+          <a:fillRef idx="1">
+            <a:schemeClr val="accent1"/>
+          </a:fillRef>
+          <a:effectRef idx="0">
+            <a:schemeClr val="accent1"/>
+          </a:effectRef>
+          <a:fontRef idx="minor">
+            <a:schemeClr val="lt1"/>
+          </a:fontRef>
+        </p:style>
+        <p:txBody>
+          <a:bodyPr rtlCol="0" anchor="t"/>
+          <a:lstStyle/>
+          <a:p>
+            <a:pPr algn="ctr"/>
+            <a:r>
+              <a:rPr lang="en-GB" dirty="0"/>
+              <a:t>Anonymous Extracts Directory</a:t>
+            </a:r>
+            <a:endParaRPr lang="en-GB" sz="1000" dirty="0"/>
+          </a:p>
+          <a:p>
+            <a:pPr algn="ctr"/>
+            <a:endParaRPr lang="en-GB" sz="1000" dirty="0"/>
+          </a:p>
+        </p:txBody>
+      </p:sp>
+      <p:cxnSp>
+        <p:nvCxnSpPr>
+          <p:cNvPr id="13" name="Straight Arrow Connector 12"/>
+          <p:cNvCxnSpPr>
+            <a:endCxn id="9" idx="1"/>
+          </p:cNvCxnSpPr>
+          <p:nvPr/>
+        </p:nvCxnSpPr>
+        <p:spPr>
+          <a:xfrm flipV="1">
+            <a:off x="3834469" y="3557981"/>
+            <a:ext cx="3271704" cy="653294"/>
+          </a:xfrm>
+          <a:prstGeom prst="straightConnector1">
+            <a:avLst/>
+          </a:prstGeom>
+          <a:ln>
+            <a:solidFill>
+              <a:schemeClr val="tx1"/>
+            </a:solidFill>
+            <a:headEnd type="none" w="med" len="med"/>
+            <a:tailEnd type="arrow" w="med" len="med"/>
+          </a:ln>
+        </p:spPr>
+        <p:style>
+          <a:lnRef idx="3">
+            <a:schemeClr val="accent3"/>
+          </a:lnRef>
+          <a:fillRef idx="0">
+            <a:schemeClr val="accent3"/>
+          </a:fillRef>
+          <a:effectRef idx="2">
+            <a:schemeClr val="accent3"/>
+          </a:effectRef>
+          <a:fontRef idx="minor">
+            <a:schemeClr val="tx1"/>
+          </a:fontRef>
+        </p:style>
+      </p:cxnSp>
+      <p:cxnSp>
+        <p:nvCxnSpPr>
+          <p:cNvPr id="17" name="Straight Arrow Connector 16"/>
+          <p:cNvCxnSpPr>
+            <a:stCxn id="5" idx="0"/>
+            <a:endCxn id="6" idx="2"/>
+          </p:cNvCxnSpPr>
+          <p:nvPr/>
+        </p:nvCxnSpPr>
+        <p:spPr>
+          <a:xfrm flipV="1">
+            <a:off x="2949430" y="3731006"/>
+            <a:ext cx="0" cy="343947"/>
+          </a:xfrm>
+          <a:prstGeom prst="straightConnector1">
+            <a:avLst/>
+          </a:prstGeom>
+          <a:ln>
+            <a:solidFill>
+              <a:schemeClr val="tx1"/>
+            </a:solidFill>
+            <a:headEnd type="none" w="med" len="med"/>
+            <a:tailEnd type="arrow" w="med" len="med"/>
+          </a:ln>
+        </p:spPr>
+        <p:style>
+          <a:lnRef idx="3">
+            <a:schemeClr val="accent3"/>
+          </a:lnRef>
+          <a:fillRef idx="0">
+            <a:schemeClr val="accent3"/>
+          </a:fillRef>
+          <a:effectRef idx="2">
+            <a:schemeClr val="accent3"/>
+          </a:effectRef>
+          <a:fontRef idx="minor">
+            <a:schemeClr val="tx1"/>
+          </a:fontRef>
+        </p:style>
+      </p:cxnSp>
+      <p:sp>
+        <p:nvSpPr>
+          <p:cNvPr id="22" name="TextBox 21"/>
+          <p:cNvSpPr txBox="1"/>
+          <p:nvPr/>
+        </p:nvSpPr>
+        <p:spPr>
+          <a:xfrm>
+            <a:off x="1966518" y="3802014"/>
+            <a:ext cx="2244755" cy="253916"/>
+          </a:xfrm>
+          <a:prstGeom prst="rect">
+            <a:avLst/>
+          </a:prstGeom>
+          <a:noFill/>
+        </p:spPr>
+        <p:txBody>
+          <a:bodyPr wrap="square" rtlCol="0">
+            <a:spAutoFit/>
+          </a:bodyPr>
+          <a:lstStyle/>
+          <a:p>
+            <a:r>
+              <a:rPr lang="en-GB" sz="1050" dirty="0"/>
+              <a:t>SQL queries and other metadata only</a:t>
+            </a:r>
+          </a:p>
+        </p:txBody>
+      </p:sp>
+      <p:sp>
+        <p:nvSpPr>
+          <p:cNvPr id="23" name="TextBox 22"/>
+          <p:cNvSpPr txBox="1"/>
+          <p:nvPr/>
+        </p:nvSpPr>
+        <p:spPr>
+          <a:xfrm>
+            <a:off x="5309532" y="3831429"/>
+            <a:ext cx="1775670" cy="415498"/>
+          </a:xfrm>
+          <a:prstGeom prst="rect">
+            <a:avLst/>
+          </a:prstGeom>
+          <a:noFill/>
+        </p:spPr>
+        <p:txBody>
+          <a:bodyPr wrap="square" rtlCol="0">
+            <a:spAutoFit/>
+          </a:bodyPr>
+          <a:lstStyle/>
+          <a:p>
+            <a:r>
+              <a:rPr lang="en-GB" sz="1050" dirty="0"/>
+              <a:t>Queries executed as current windows user account</a:t>
+            </a:r>
+          </a:p>
+        </p:txBody>
+      </p:sp>
+      <p:cxnSp>
+        <p:nvCxnSpPr>
+          <p:cNvPr id="24" name="Straight Arrow Connector 23"/>
+          <p:cNvCxnSpPr/>
+          <p:nvPr/>
+        </p:nvCxnSpPr>
+        <p:spPr>
+          <a:xfrm>
+            <a:off x="2949430" y="4402123"/>
+            <a:ext cx="0" cy="698383"/>
+          </a:xfrm>
+          <a:prstGeom prst="straightConnector1">
+            <a:avLst/>
+          </a:prstGeom>
+          <a:ln>
+            <a:solidFill>
+              <a:schemeClr val="tx1"/>
+            </a:solidFill>
+            <a:headEnd type="none" w="med" len="med"/>
+            <a:tailEnd type="arrow" w="med" len="med"/>
+          </a:ln>
+        </p:spPr>
+        <p:style>
+          <a:lnRef idx="3">
+            <a:schemeClr val="accent3"/>
+          </a:lnRef>
+          <a:fillRef idx="0">
+            <a:schemeClr val="accent3"/>
+          </a:fillRef>
+          <a:effectRef idx="2">
+            <a:schemeClr val="accent3"/>
+          </a:effectRef>
+          <a:fontRef idx="minor">
+            <a:schemeClr val="tx1"/>
+          </a:fontRef>
+        </p:style>
+      </p:cxnSp>
+      <p:sp>
+        <p:nvSpPr>
+          <p:cNvPr id="28" name="TextBox 27"/>
+          <p:cNvSpPr txBox="1"/>
+          <p:nvPr/>
+        </p:nvSpPr>
+        <p:spPr>
+          <a:xfrm>
+            <a:off x="2064391" y="5108898"/>
+            <a:ext cx="1775670" cy="253916"/>
+          </a:xfrm>
+          <a:prstGeom prst="rect">
+            <a:avLst/>
+          </a:prstGeom>
+          <a:noFill/>
+        </p:spPr>
+        <p:txBody>
+          <a:bodyPr wrap="square" rtlCol="0">
+            <a:spAutoFit/>
+          </a:bodyPr>
+          <a:lstStyle/>
+          <a:p>
+            <a:r>
+              <a:rPr lang="en-GB" sz="1050" dirty="0"/>
+              <a:t>Anonymous Project Extracts</a:t>
+            </a:r>
+          </a:p>
+        </p:txBody>
+      </p:sp>
+    </p:spTree>
+    <p:extLst>
+      <p:ext uri="{BB962C8B-B14F-4D97-AF65-F5344CB8AC3E}">
+        <p14:creationId xmlns:p14="http://schemas.microsoft.com/office/powerpoint/2010/main" val="4244059504"/>
+      </p:ext>
+    </p:extLst>
+  </p:cSld>
+  <p:clrMapOvr>
+    <a:masterClrMapping/>
+  </p:clrMapOvr>
+</p:sld>
+</file>
+
+<file path=ppt/slides/slide2.xml><?xml version="1.0" encoding="utf-8"?>
+<p:sld xmlns:a="http://schemas.openxmlformats.org/drawingml/2006/main" xmlns:r="http://schemas.openxmlformats.org/officeDocument/2006/relationships" xmlns:p="http://schemas.openxmlformats.org/presentationml/2006/main">
+  <p:cSld>
+    <p:spTree>
+      <p:nvGrpSpPr>
+        <p:cNvPr id="1" name=""/>
+        <p:cNvGrpSpPr/>
+        <p:nvPr/>
+      </p:nvGrpSpPr>
+      <p:grpSpPr>
+        <a:xfrm>
+          <a:off x="0" y="0"/>
+          <a:ext cx="0" cy="0"/>
+          <a:chOff x="0" y="0"/>
+          <a:chExt cx="0" cy="0"/>
+        </a:xfrm>
+      </p:grpSpPr>
+      <p:sp>
+        <p:nvSpPr>
+          <p:cNvPr id="2" name="Title 1"/>
+          <p:cNvSpPr>
+            <a:spLocks noGrp="1"/>
+          </p:cNvSpPr>
+          <p:nvPr>
+            <p:ph type="title"/>
+          </p:nvPr>
+        </p:nvSpPr>
+        <p:spPr>
+          <a:xfrm>
+            <a:off x="930479" y="228680"/>
+            <a:ext cx="10515600" cy="1325563"/>
+          </a:xfrm>
+        </p:spPr>
+        <p:txBody>
+          <a:bodyPr/>
+          <a:lstStyle/>
+          <a:p>
+            <a:r>
+              <a:rPr lang="en-GB" dirty="0"/>
+              <a:t>Recommended Deployment</a:t>
+            </a:r>
+          </a:p>
+        </p:txBody>
+      </p:sp>
+      <p:sp>
+        <p:nvSpPr>
+          <p:cNvPr id="4" name="Rectangle 3"/>
+          <p:cNvSpPr/>
+          <p:nvPr/>
+        </p:nvSpPr>
+        <p:spPr>
+          <a:xfrm>
+            <a:off x="838200" y="3533618"/>
+            <a:ext cx="4396530" cy="1032090"/>
+          </a:xfrm>
+          <a:prstGeom prst="rect">
+            <a:avLst/>
+          </a:prstGeom>
+        </p:spPr>
+        <p:style>
+          <a:lnRef idx="2">
+            <a:schemeClr val="accent1">
+              <a:shade val="50000"/>
+            </a:schemeClr>
+          </a:lnRef>
+          <a:fillRef idx="1">
+            <a:schemeClr val="accent1"/>
+          </a:fillRef>
+          <a:effectRef idx="0">
+            <a:schemeClr val="accent1"/>
+          </a:effectRef>
+          <a:fontRef idx="minor">
+            <a:schemeClr val="lt1"/>
+          </a:fontRef>
+        </p:style>
+        <p:txBody>
+          <a:bodyPr rtlCol="0" anchor="t"/>
+          <a:lstStyle/>
+          <a:p>
+            <a:pPr algn="ctr"/>
+            <a:r>
+              <a:rPr lang="en-GB" dirty="0"/>
+              <a:t>Data Analyst 2 - PC</a:t>
+            </a:r>
+          </a:p>
+        </p:txBody>
+      </p:sp>
+      <p:sp>
+        <p:nvSpPr>
+          <p:cNvPr id="5" name="Rectangle 4"/>
+          <p:cNvSpPr/>
+          <p:nvPr/>
+        </p:nvSpPr>
+        <p:spPr>
+          <a:xfrm>
+            <a:off x="2064391" y="4074953"/>
+            <a:ext cx="1770078" cy="327170"/>
+          </a:xfrm>
+          <a:prstGeom prst="rect">
+            <a:avLst/>
+          </a:prstGeom>
+        </p:spPr>
+        <p:style>
+          <a:lnRef idx="2">
+            <a:schemeClr val="accent1">
+              <a:shade val="50000"/>
+            </a:schemeClr>
+          </a:lnRef>
+          <a:fillRef idx="1">
+            <a:schemeClr val="accent1"/>
+          </a:fillRef>
+          <a:effectRef idx="0">
+            <a:schemeClr val="accent1"/>
+          </a:effectRef>
+          <a:fontRef idx="minor">
+            <a:schemeClr val="lt1"/>
+          </a:fontRef>
+        </p:style>
+        <p:txBody>
+          <a:bodyPr rtlCol="0" anchor="ctr"/>
+          <a:lstStyle/>
+          <a:p>
+            <a:pPr algn="ctr"/>
+            <a:r>
+              <a:rPr lang="en-GB" dirty="0"/>
+              <a:t>RDMP Software</a:t>
+            </a:r>
+          </a:p>
+        </p:txBody>
+      </p:sp>
+      <p:sp>
+        <p:nvSpPr>
+          <p:cNvPr id="7" name="Rectangle 6"/>
+          <p:cNvSpPr/>
+          <p:nvPr/>
+        </p:nvSpPr>
+        <p:spPr>
+          <a:xfrm>
+            <a:off x="6431036" y="1396843"/>
+            <a:ext cx="4396530" cy="2848649"/>
+          </a:xfrm>
+          <a:prstGeom prst="rect">
+            <a:avLst/>
+          </a:prstGeom>
+        </p:spPr>
+        <p:style>
+          <a:lnRef idx="2">
+            <a:schemeClr val="accent1">
+              <a:shade val="50000"/>
+            </a:schemeClr>
+          </a:lnRef>
+          <a:fillRef idx="1">
+            <a:schemeClr val="accent1"/>
+          </a:fillRef>
+          <a:effectRef idx="0">
+            <a:schemeClr val="accent1"/>
+          </a:effectRef>
+          <a:fontRef idx="minor">
+            <a:schemeClr val="lt1"/>
+          </a:fontRef>
+        </p:style>
+        <p:txBody>
+          <a:bodyPr rtlCol="0" anchor="t"/>
+          <a:lstStyle/>
+          <a:p>
+            <a:pPr algn="ctr"/>
+            <a:r>
+              <a:rPr lang="en-GB" dirty="0"/>
+              <a:t>Data Repository Server</a:t>
+            </a:r>
+          </a:p>
+          <a:p>
+            <a:pPr algn="ctr"/>
+            <a:r>
+              <a:rPr lang="en-GB" dirty="0"/>
+              <a:t>(assumed to already exist)</a:t>
+            </a:r>
+          </a:p>
+          <a:p>
+            <a:pPr algn="ctr"/>
+            <a:endParaRPr lang="en-GB" dirty="0"/>
+          </a:p>
+        </p:txBody>
+      </p:sp>
+      <p:sp>
+        <p:nvSpPr>
+          <p:cNvPr id="8" name="Rectangle 7"/>
+          <p:cNvSpPr/>
+          <p:nvPr/>
+        </p:nvSpPr>
+        <p:spPr>
+          <a:xfrm>
+            <a:off x="7246166" y="2130882"/>
+            <a:ext cx="3010950" cy="838478"/>
+          </a:xfrm>
+          <a:prstGeom prst="rect">
+            <a:avLst/>
+          </a:prstGeom>
+        </p:spPr>
+        <p:style>
+          <a:lnRef idx="2">
+            <a:schemeClr val="accent1">
+              <a:shade val="50000"/>
+            </a:schemeClr>
+          </a:lnRef>
+          <a:fillRef idx="1">
+            <a:schemeClr val="accent1"/>
+          </a:fillRef>
+          <a:effectRef idx="0">
+            <a:schemeClr val="accent1"/>
+          </a:effectRef>
+          <a:fontRef idx="minor">
+            <a:schemeClr val="lt1"/>
+          </a:fontRef>
+        </p:style>
+        <p:txBody>
+          <a:bodyPr rtlCol="0" anchor="ctr"/>
+          <a:lstStyle/>
+          <a:p>
+            <a:pPr algn="ctr"/>
+            <a:r>
+              <a:rPr lang="en-GB" dirty="0"/>
+              <a:t>Microsoft SQL Server</a:t>
+            </a:r>
+          </a:p>
+          <a:p>
+            <a:pPr algn="ctr"/>
+            <a:r>
+              <a:rPr lang="en-GB" dirty="0"/>
+              <a:t>Clinical Datasets</a:t>
+            </a:r>
+          </a:p>
+          <a:p>
+            <a:pPr algn="ctr"/>
+            <a:r>
+              <a:rPr lang="en-GB" dirty="0"/>
+              <a:t>Project Cohorts</a:t>
+            </a:r>
+          </a:p>
+        </p:txBody>
+      </p:sp>
+      <p:sp>
+        <p:nvSpPr>
+          <p:cNvPr id="9" name="Rectangle 8"/>
+          <p:cNvSpPr/>
+          <p:nvPr/>
+        </p:nvSpPr>
+        <p:spPr>
+          <a:xfrm>
+            <a:off x="6638835" y="5175765"/>
+            <a:ext cx="4392687" cy="1124124"/>
+          </a:xfrm>
+          <a:prstGeom prst="rect">
+            <a:avLst/>
+          </a:prstGeom>
+        </p:spPr>
+        <p:style>
+          <a:lnRef idx="2">
+            <a:schemeClr val="accent1">
+              <a:shade val="50000"/>
+            </a:schemeClr>
+          </a:lnRef>
+          <a:fillRef idx="1">
+            <a:schemeClr val="accent1"/>
+          </a:fillRef>
+          <a:effectRef idx="0">
+            <a:schemeClr val="accent1"/>
+          </a:effectRef>
+          <a:fontRef idx="minor">
+            <a:schemeClr val="lt1"/>
+          </a:fontRef>
+        </p:style>
+        <p:txBody>
+          <a:bodyPr rtlCol="0" anchor="t"/>
+          <a:lstStyle/>
+          <a:p>
+            <a:pPr algn="ctr"/>
+            <a:r>
+              <a:rPr lang="en-GB" dirty="0"/>
+              <a:t>Encrypted Backed Up Network Storage </a:t>
+            </a:r>
+            <a:br>
+              <a:rPr lang="en-GB" dirty="0"/>
+            </a:br>
+            <a:r>
+              <a:rPr lang="en-GB" dirty="0"/>
+              <a:t>(assumed to already exist)</a:t>
+            </a:r>
+          </a:p>
+          <a:p>
+            <a:pPr algn="ctr"/>
+            <a:endParaRPr lang="en-GB" sz="1000" dirty="0"/>
+          </a:p>
+        </p:txBody>
+      </p:sp>
+      <p:cxnSp>
+        <p:nvCxnSpPr>
+          <p:cNvPr id="10" name="Straight Arrow Connector 9"/>
+          <p:cNvCxnSpPr>
+            <a:stCxn id="5" idx="3"/>
+            <a:endCxn id="8" idx="1"/>
+          </p:cNvCxnSpPr>
+          <p:nvPr/>
+        </p:nvCxnSpPr>
+        <p:spPr>
+          <a:xfrm flipV="1">
+            <a:off x="3834469" y="2550121"/>
+            <a:ext cx="3411697" cy="1688417"/>
+          </a:xfrm>
+          <a:prstGeom prst="straightConnector1">
+            <a:avLst/>
+          </a:prstGeom>
+          <a:ln>
+            <a:solidFill>
+              <a:schemeClr val="tx1"/>
+            </a:solidFill>
+            <a:headEnd type="none" w="med" len="med"/>
+            <a:tailEnd type="arrow" w="med" len="med"/>
+          </a:ln>
+        </p:spPr>
+        <p:style>
+          <a:lnRef idx="3">
+            <a:schemeClr val="accent3"/>
+          </a:lnRef>
+          <a:fillRef idx="0">
+            <a:schemeClr val="accent3"/>
+          </a:fillRef>
+          <a:effectRef idx="2">
+            <a:schemeClr val="accent3"/>
+          </a:effectRef>
+          <a:fontRef idx="minor">
+            <a:schemeClr val="tx1"/>
+          </a:fontRef>
+        </p:style>
+      </p:cxnSp>
+      <p:cxnSp>
+        <p:nvCxnSpPr>
+          <p:cNvPr id="11" name="Straight Arrow Connector 10"/>
+          <p:cNvCxnSpPr/>
+          <p:nvPr/>
+        </p:nvCxnSpPr>
+        <p:spPr>
+          <a:xfrm flipV="1">
+            <a:off x="3860684" y="3648931"/>
+            <a:ext cx="3370801" cy="596562"/>
+          </a:xfrm>
+          <a:prstGeom prst="straightConnector1">
+            <a:avLst/>
+          </a:prstGeom>
+          <a:ln>
+            <a:solidFill>
+              <a:schemeClr val="tx1"/>
+            </a:solidFill>
+            <a:headEnd type="none" w="med" len="med"/>
+            <a:tailEnd type="arrow" w="med" len="med"/>
+          </a:ln>
+        </p:spPr>
+        <p:style>
+          <a:lnRef idx="3">
+            <a:schemeClr val="accent3"/>
+          </a:lnRef>
+          <a:fillRef idx="0">
+            <a:schemeClr val="accent3"/>
+          </a:fillRef>
+          <a:effectRef idx="2">
+            <a:schemeClr val="accent3"/>
+          </a:effectRef>
+          <a:fontRef idx="minor">
+            <a:schemeClr val="tx1"/>
+          </a:fontRef>
+        </p:style>
+      </p:cxnSp>
+      <p:cxnSp>
+        <p:nvCxnSpPr>
+          <p:cNvPr id="14" name="Straight Arrow Connector 13"/>
+          <p:cNvCxnSpPr>
+            <a:endCxn id="15" idx="1"/>
+          </p:cNvCxnSpPr>
+          <p:nvPr/>
+        </p:nvCxnSpPr>
+        <p:spPr>
+          <a:xfrm>
+            <a:off x="2949430" y="4402123"/>
+            <a:ext cx="4095227" cy="1569715"/>
+          </a:xfrm>
+          <a:prstGeom prst="straightConnector1">
+            <a:avLst/>
+          </a:prstGeom>
+          <a:ln>
+            <a:solidFill>
+              <a:schemeClr val="tx1"/>
+            </a:solidFill>
+            <a:headEnd type="none" w="med" len="med"/>
+            <a:tailEnd type="arrow" w="med" len="med"/>
+          </a:ln>
+        </p:spPr>
+        <p:style>
+          <a:lnRef idx="3">
+            <a:schemeClr val="accent3"/>
+          </a:lnRef>
+          <a:fillRef idx="0">
+            <a:schemeClr val="accent3"/>
+          </a:fillRef>
+          <a:effectRef idx="2">
+            <a:schemeClr val="accent3"/>
+          </a:effectRef>
+          <a:fontRef idx="minor">
+            <a:schemeClr val="tx1"/>
+          </a:fontRef>
+        </p:style>
+      </p:cxnSp>
+      <p:sp>
+        <p:nvSpPr>
+          <p:cNvPr id="15" name="TextBox 14"/>
+          <p:cNvSpPr txBox="1"/>
+          <p:nvPr/>
+        </p:nvSpPr>
+        <p:spPr>
+          <a:xfrm>
+            <a:off x="7044657" y="5844880"/>
+            <a:ext cx="1775670" cy="253916"/>
+          </a:xfrm>
+          <a:prstGeom prst="rect">
+            <a:avLst/>
+          </a:prstGeom>
+          <a:noFill/>
+        </p:spPr>
+        <p:txBody>
+          <a:bodyPr wrap="square" rtlCol="0">
+            <a:spAutoFit/>
+          </a:bodyPr>
+          <a:lstStyle/>
+          <a:p>
+            <a:r>
+              <a:rPr lang="en-GB" sz="1050" dirty="0"/>
+              <a:t>Anonymous Project Extracts</a:t>
+            </a:r>
+          </a:p>
+        </p:txBody>
+      </p:sp>
+      <p:sp>
+        <p:nvSpPr>
+          <p:cNvPr id="30" name="Rectangle 29"/>
+          <p:cNvSpPr/>
+          <p:nvPr/>
+        </p:nvSpPr>
+        <p:spPr>
+          <a:xfrm>
+            <a:off x="838200" y="2100854"/>
+            <a:ext cx="4396530" cy="1032090"/>
+          </a:xfrm>
+          <a:prstGeom prst="rect">
+            <a:avLst/>
+          </a:prstGeom>
+        </p:spPr>
+        <p:style>
+          <a:lnRef idx="2">
+            <a:schemeClr val="accent1">
+              <a:shade val="50000"/>
+            </a:schemeClr>
+          </a:lnRef>
+          <a:fillRef idx="1">
+            <a:schemeClr val="accent1"/>
+          </a:fillRef>
+          <a:effectRef idx="0">
+            <a:schemeClr val="accent1"/>
+          </a:effectRef>
+          <a:fontRef idx="minor">
+            <a:schemeClr val="lt1"/>
+          </a:fontRef>
+        </p:style>
+        <p:txBody>
+          <a:bodyPr rtlCol="0" anchor="t"/>
+          <a:lstStyle/>
+          <a:p>
+            <a:pPr algn="ctr"/>
+            <a:r>
+              <a:rPr lang="en-GB" dirty="0"/>
+              <a:t>Data Analyst 1 - PC</a:t>
+            </a:r>
+          </a:p>
+        </p:txBody>
+      </p:sp>
+      <p:sp>
+        <p:nvSpPr>
+          <p:cNvPr id="31" name="Rectangle 30"/>
+          <p:cNvSpPr/>
+          <p:nvPr/>
+        </p:nvSpPr>
+        <p:spPr>
+          <a:xfrm>
+            <a:off x="2064391" y="2642189"/>
+            <a:ext cx="1770078" cy="327170"/>
+          </a:xfrm>
+          <a:prstGeom prst="rect">
+            <a:avLst/>
+          </a:prstGeom>
+        </p:spPr>
+        <p:style>
+          <a:lnRef idx="2">
+            <a:schemeClr val="accent1">
+              <a:shade val="50000"/>
+            </a:schemeClr>
+          </a:lnRef>
+          <a:fillRef idx="1">
+            <a:schemeClr val="accent1"/>
+          </a:fillRef>
+          <a:effectRef idx="0">
+            <a:schemeClr val="accent1"/>
+          </a:effectRef>
+          <a:fontRef idx="minor">
+            <a:schemeClr val="lt1"/>
+          </a:fontRef>
+        </p:style>
+        <p:txBody>
+          <a:bodyPr rtlCol="0" anchor="ctr"/>
+          <a:lstStyle/>
+          <a:p>
+            <a:pPr algn="ctr"/>
+            <a:r>
+              <a:rPr lang="en-GB" dirty="0"/>
+              <a:t>RDMP Software</a:t>
+            </a:r>
+          </a:p>
+        </p:txBody>
+      </p:sp>
+      <p:cxnSp>
+        <p:nvCxnSpPr>
+          <p:cNvPr id="32" name="Straight Arrow Connector 31"/>
+          <p:cNvCxnSpPr>
+            <a:stCxn id="31" idx="3"/>
+            <a:endCxn id="8" idx="1"/>
+          </p:cNvCxnSpPr>
+          <p:nvPr/>
+        </p:nvCxnSpPr>
+        <p:spPr>
+          <a:xfrm flipV="1">
+            <a:off x="3834469" y="2550121"/>
+            <a:ext cx="3411697" cy="255653"/>
+          </a:xfrm>
+          <a:prstGeom prst="straightConnector1">
+            <a:avLst/>
+          </a:prstGeom>
+          <a:ln>
+            <a:solidFill>
+              <a:schemeClr val="tx1"/>
+            </a:solidFill>
+            <a:headEnd type="none" w="med" len="med"/>
+            <a:tailEnd type="arrow" w="med" len="med"/>
+          </a:ln>
+        </p:spPr>
+        <p:style>
+          <a:lnRef idx="3">
+            <a:schemeClr val="accent3"/>
+          </a:lnRef>
+          <a:fillRef idx="0">
+            <a:schemeClr val="accent3"/>
+          </a:fillRef>
+          <a:effectRef idx="2">
+            <a:schemeClr val="accent3"/>
+          </a:effectRef>
+          <a:fontRef idx="minor">
+            <a:schemeClr val="tx1"/>
+          </a:fontRef>
+        </p:style>
+      </p:cxnSp>
+      <p:sp>
+        <p:nvSpPr>
+          <p:cNvPr id="13" name="TextBox 12"/>
+          <p:cNvSpPr txBox="1"/>
+          <p:nvPr/>
+        </p:nvSpPr>
+        <p:spPr>
+          <a:xfrm>
+            <a:off x="5234730" y="2178731"/>
+            <a:ext cx="1775670" cy="415498"/>
+          </a:xfrm>
+          <a:prstGeom prst="rect">
+            <a:avLst/>
+          </a:prstGeom>
+          <a:noFill/>
+        </p:spPr>
+        <p:txBody>
+          <a:bodyPr wrap="square" rtlCol="0">
+            <a:spAutoFit/>
+          </a:bodyPr>
+          <a:lstStyle/>
+          <a:p>
+            <a:r>
+              <a:rPr lang="en-GB" sz="1050" dirty="0"/>
+              <a:t>Queries executed as current windows user account</a:t>
+            </a:r>
+          </a:p>
+        </p:txBody>
+      </p:sp>
+      <p:sp>
+        <p:nvSpPr>
+          <p:cNvPr id="43" name="Rectangle 42"/>
+          <p:cNvSpPr/>
+          <p:nvPr/>
+        </p:nvSpPr>
+        <p:spPr>
+          <a:xfrm>
+            <a:off x="7231485" y="3104231"/>
+            <a:ext cx="3010950" cy="1064426"/>
+          </a:xfrm>
+          <a:prstGeom prst="rect">
+            <a:avLst/>
+          </a:prstGeom>
+        </p:spPr>
+        <p:style>
+          <a:lnRef idx="2">
+            <a:schemeClr val="accent1">
+              <a:shade val="50000"/>
+            </a:schemeClr>
+          </a:lnRef>
+          <a:fillRef idx="1">
+            <a:schemeClr val="accent1"/>
+          </a:fillRef>
+          <a:effectRef idx="0">
+            <a:schemeClr val="accent1"/>
+          </a:effectRef>
+          <a:fontRef idx="minor">
+            <a:schemeClr val="lt1"/>
+          </a:fontRef>
+        </p:style>
+        <p:txBody>
+          <a:bodyPr rtlCol="0" anchor="ctr"/>
+          <a:lstStyle/>
+          <a:p>
+            <a:pPr algn="ctr"/>
+            <a:r>
+              <a:rPr lang="en-GB" dirty="0"/>
+              <a:t>Microsoft SQL Server</a:t>
+            </a:r>
+          </a:p>
+          <a:p>
+            <a:pPr algn="ctr"/>
+            <a:r>
+              <a:rPr lang="en-GB" sz="1200" dirty="0"/>
+              <a:t>(can be on same server as above)</a:t>
+            </a:r>
+          </a:p>
+          <a:p>
+            <a:pPr algn="ctr"/>
+            <a:r>
+              <a:rPr lang="en-GB" sz="800" dirty="0" err="1"/>
+              <a:t>RDMP_Catalogue</a:t>
+            </a:r>
+            <a:endParaRPr lang="en-GB" sz="800" dirty="0"/>
+          </a:p>
+          <a:p>
+            <a:pPr algn="ctr"/>
+            <a:r>
+              <a:rPr lang="en-GB" sz="800" dirty="0" err="1"/>
+              <a:t>RDMP_DataExport</a:t>
+            </a:r>
+            <a:endParaRPr lang="en-GB" sz="800" dirty="0"/>
+          </a:p>
+          <a:p>
+            <a:pPr algn="ctr"/>
+            <a:r>
+              <a:rPr lang="en-GB" sz="800" dirty="0"/>
+              <a:t>RDMP_DQE</a:t>
+            </a:r>
+          </a:p>
+          <a:p>
+            <a:pPr algn="ctr"/>
+            <a:r>
+              <a:rPr lang="en-GB" sz="800" dirty="0" err="1"/>
+              <a:t>RDMP_Logging</a:t>
+            </a:r>
+            <a:endParaRPr lang="en-GB" sz="800" dirty="0"/>
+          </a:p>
+        </p:txBody>
+      </p:sp>
+      <p:cxnSp>
+        <p:nvCxnSpPr>
+          <p:cNvPr id="45" name="Straight Arrow Connector 44"/>
+          <p:cNvCxnSpPr>
+            <a:endCxn id="43" idx="1"/>
+          </p:cNvCxnSpPr>
+          <p:nvPr/>
+        </p:nvCxnSpPr>
+        <p:spPr>
+          <a:xfrm>
+            <a:off x="3834469" y="2805774"/>
+            <a:ext cx="3397016" cy="830670"/>
+          </a:xfrm>
+          <a:prstGeom prst="straightConnector1">
+            <a:avLst/>
+          </a:prstGeom>
+          <a:ln>
+            <a:solidFill>
+              <a:schemeClr val="tx1"/>
+            </a:solidFill>
+            <a:headEnd type="none" w="med" len="med"/>
+            <a:tailEnd type="arrow" w="med" len="med"/>
+          </a:ln>
+        </p:spPr>
+        <p:style>
+          <a:lnRef idx="3">
+            <a:schemeClr val="accent3"/>
+          </a:lnRef>
+          <a:fillRef idx="0">
+            <a:schemeClr val="accent3"/>
+          </a:fillRef>
+          <a:effectRef idx="2">
+            <a:schemeClr val="accent3"/>
+          </a:effectRef>
+          <a:fontRef idx="minor">
+            <a:schemeClr val="tx1"/>
+          </a:fontRef>
+        </p:style>
+      </p:cxnSp>
+      <p:sp>
+        <p:nvSpPr>
+          <p:cNvPr id="12" name="TextBox 11"/>
+          <p:cNvSpPr txBox="1"/>
+          <p:nvPr/>
+        </p:nvSpPr>
+        <p:spPr>
+          <a:xfrm>
+            <a:off x="6499545" y="3787784"/>
+            <a:ext cx="2244755" cy="253916"/>
+          </a:xfrm>
+          <a:prstGeom prst="rect">
+            <a:avLst/>
+          </a:prstGeom>
+          <a:noFill/>
+        </p:spPr>
+        <p:txBody>
+          <a:bodyPr wrap="square" rtlCol="0">
+            <a:spAutoFit/>
+          </a:bodyPr>
+          <a:lstStyle/>
+          <a:p>
+            <a:r>
+              <a:rPr lang="en-GB" sz="1050" dirty="0"/>
+              <a:t>SQL queries and other metadata</a:t>
+            </a:r>
+          </a:p>
+        </p:txBody>
+      </p:sp>
+    </p:spTree>
+    <p:extLst>
+      <p:ext uri="{BB962C8B-B14F-4D97-AF65-F5344CB8AC3E}">
+        <p14:creationId xmlns:p14="http://schemas.microsoft.com/office/powerpoint/2010/main" val="1453842662"/>
+      </p:ext>
+    </p:extLst>
+  </p:cSld>
+  <p:clrMapOvr>
+    <a:masterClrMapping/>
+  </p:clrMapOvr>
+</p:sld>
+</file>
+
+<file path=ppt/slides/slide3.xml><?xml version="1.0" encoding="utf-8"?>
 <p:sld xmlns:a="http://schemas.openxmlformats.org/drawingml/2006/main" xmlns:r="http://schemas.openxmlformats.org/officeDocument/2006/relationships" xmlns:p="http://schemas.openxmlformats.org/presentationml/2006/main">
   <p:cSld>
     <p:spTree>
@@ -36111,7 +37444,7 @@
 </p:sld>
 </file>
 
-<file path=ppt/slides/slide2.xml><?xml version="1.0" encoding="utf-8"?>
+<file path=ppt/slides/slide4.xml><?xml version="1.0" encoding="utf-8"?>
 <p:sld xmlns:a="http://schemas.openxmlformats.org/drawingml/2006/main" xmlns:r="http://schemas.openxmlformats.org/officeDocument/2006/relationships" xmlns:p="http://schemas.openxmlformats.org/presentationml/2006/main">
   <p:cSld>
     <p:spTree>
@@ -36451,7 +37784,7 @@
 </p:sld>
 </file>
 
-<file path=ppt/slides/slide3.xml><?xml version="1.0" encoding="utf-8"?>
+<file path=ppt/slides/slide5.xml><?xml version="1.0" encoding="utf-8"?>
 <p:sld xmlns:a="http://schemas.openxmlformats.org/drawingml/2006/main" xmlns:r="http://schemas.openxmlformats.org/officeDocument/2006/relationships" xmlns:p="http://schemas.openxmlformats.org/presentationml/2006/main">
   <p:cSld>
     <p:spTree>
@@ -36757,7 +38090,7 @@
 </p:sld>
 </file>
 
-<file path=ppt/slides/slide4.xml><?xml version="1.0" encoding="utf-8"?>
+<file path=ppt/slides/slide6.xml><?xml version="1.0" encoding="utf-8"?>
 <p:sld xmlns:a="http://schemas.openxmlformats.org/drawingml/2006/main" xmlns:r="http://schemas.openxmlformats.org/officeDocument/2006/relationships" xmlns:p="http://schemas.openxmlformats.org/presentationml/2006/main">
   <p:cSld>
     <p:spTree>
@@ -36942,7 +38275,7 @@
 </p:sld>
 </file>
 
-<file path=ppt/slides/slide5.xml><?xml version="1.0" encoding="utf-8"?>
+<file path=ppt/slides/slide7.xml><?xml version="1.0" encoding="utf-8"?>
 <p:sld xmlns:a="http://schemas.openxmlformats.org/drawingml/2006/main" xmlns:r="http://schemas.openxmlformats.org/officeDocument/2006/relationships" xmlns:p="http://schemas.openxmlformats.org/presentationml/2006/main">
   <p:cSld>
     <p:spTree>
@@ -37105,7 +38438,7 @@
 </p:sld>
 </file>
 
-<file path=ppt/slides/slide6.xml><?xml version="1.0" encoding="utf-8"?>
+<file path=ppt/slides/slide8.xml><?xml version="1.0" encoding="utf-8"?>
 <p:sld xmlns:a="http://schemas.openxmlformats.org/drawingml/2006/main" xmlns:r="http://schemas.openxmlformats.org/officeDocument/2006/relationships" xmlns:p="http://schemas.openxmlformats.org/presentationml/2006/main">
   <p:cSld>
     <p:spTree>

--- a/Documentation/RDMPUniverse.pptx
+++ b/Documentation/RDMPUniverse.pptx
@@ -33733,6 +33733,45 @@
       </p:grpSpPr>
       <p:sp>
         <p:nvSpPr>
+          <p:cNvPr id="32" name="Rectangle 31"/>
+          <p:cNvSpPr/>
+          <p:nvPr/>
+        </p:nvSpPr>
+        <p:spPr>
+          <a:xfrm>
+            <a:off x="1065401" y="1336898"/>
+            <a:ext cx="10956022" cy="4443117"/>
+          </a:xfrm>
+          <a:prstGeom prst="rect">
+            <a:avLst/>
+          </a:prstGeom>
+          <a:ln w="28575"/>
+        </p:spPr>
+        <p:style>
+          <a:lnRef idx="2">
+            <a:schemeClr val="dk1"/>
+          </a:lnRef>
+          <a:fillRef idx="1">
+            <a:schemeClr val="lt1"/>
+          </a:fillRef>
+          <a:effectRef idx="0">
+            <a:schemeClr val="dk1"/>
+          </a:effectRef>
+          <a:fontRef idx="minor">
+            <a:schemeClr val="dk1"/>
+          </a:fontRef>
+        </p:style>
+        <p:txBody>
+          <a:bodyPr rtlCol="0" anchor="ctr"/>
+          <a:lstStyle/>
+          <a:p>
+            <a:pPr algn="ctr"/>
+            <a:endParaRPr lang="en-GB" dirty="0"/>
+          </a:p>
+        </p:txBody>
+      </p:sp>
+      <p:sp>
+        <p:nvSpPr>
           <p:cNvPr id="2" name="Title 1"/>
           <p:cNvSpPr>
             <a:spLocks noGrp="1"/>
@@ -33761,24 +33800,22 @@
         </p:nvSpPr>
         <p:spPr>
           <a:xfrm>
-            <a:off x="838200" y="2306972"/>
-            <a:ext cx="4396530" cy="3791824"/>
+            <a:off x="1408651" y="1664068"/>
+            <a:ext cx="4396530" cy="2509802"/>
           </a:xfrm>
           <a:prstGeom prst="rect">
             <a:avLst/>
           </a:prstGeom>
         </p:spPr>
         <p:style>
-          <a:lnRef idx="2">
-            <a:schemeClr val="accent1">
-              <a:shade val="50000"/>
-            </a:schemeClr>
+          <a:lnRef idx="1">
+            <a:schemeClr val="accent6"/>
           </a:lnRef>
-          <a:fillRef idx="1">
-            <a:schemeClr val="accent1"/>
+          <a:fillRef idx="3">
+            <a:schemeClr val="accent6"/>
           </a:fillRef>
-          <a:effectRef idx="0">
-            <a:schemeClr val="accent1"/>
+          <a:effectRef idx="2">
+            <a:schemeClr val="accent6"/>
           </a:effectRef>
           <a:fontRef idx="minor">
             <a:schemeClr val="lt1"/>
@@ -33793,6 +33830,18 @@
               <a:rPr lang="en-GB" dirty="0"/>
               <a:t>Data Analyst PC</a:t>
             </a:r>
+            <a:r>
+              <a:rPr lang="en-GB"/>
+              <a:t>/VM</a:t>
+            </a:r>
+          </a:p>
+          <a:p>
+            <a:pPr algn="ctr"/>
+            <a:r>
+              <a:rPr lang="en-US"/>
+              <a:t>(assumed to already exist)</a:t>
+            </a:r>
+            <a:endParaRPr lang="en-GB" dirty="0"/>
           </a:p>
         </p:txBody>
       </p:sp>
@@ -33804,7 +33853,7 @@
         </p:nvSpPr>
         <p:spPr>
           <a:xfrm>
-            <a:off x="2064391" y="4074953"/>
+            <a:off x="2634842" y="3721163"/>
             <a:ext cx="1770078" cy="327170"/>
           </a:xfrm>
           <a:prstGeom prst="rect">
@@ -33847,7 +33896,7 @@
         </p:nvSpPr>
         <p:spPr>
           <a:xfrm>
-            <a:off x="1098958" y="2697061"/>
+            <a:off x="1669409" y="2343271"/>
             <a:ext cx="3700944" cy="1033945"/>
           </a:xfrm>
           <a:prstGeom prst="rect">
@@ -33925,7 +33974,7 @@
         </p:nvSpPr>
         <p:spPr>
           <a:xfrm>
-            <a:off x="6291043" y="2306972"/>
+            <a:off x="6861494" y="1953182"/>
             <a:ext cx="4396530" cy="2248250"/>
           </a:xfrm>
           <a:prstGeom prst="rect">
@@ -33933,16 +33982,14 @@
           </a:prstGeom>
         </p:spPr>
         <p:style>
-          <a:lnRef idx="2">
-            <a:schemeClr val="accent1">
-              <a:shade val="50000"/>
-            </a:schemeClr>
+          <a:lnRef idx="3">
+            <a:schemeClr val="lt1"/>
           </a:lnRef>
           <a:fillRef idx="1">
-            <a:schemeClr val="accent1"/>
+            <a:schemeClr val="accent6"/>
           </a:fillRef>
-          <a:effectRef idx="0">
-            <a:schemeClr val="accent1"/>
+          <a:effectRef idx="1">
+            <a:schemeClr val="accent6"/>
           </a:effectRef>
           <a:fontRef idx="minor">
             <a:schemeClr val="lt1"/>
@@ -33975,7 +34022,7 @@
         </p:nvSpPr>
         <p:spPr>
           <a:xfrm>
-            <a:off x="7106173" y="3041009"/>
+            <a:off x="7676624" y="2687219"/>
             <a:ext cx="3010950" cy="1033944"/>
           </a:xfrm>
           <a:prstGeom prst="rect">
@@ -33983,16 +34030,14 @@
           </a:prstGeom>
         </p:spPr>
         <p:style>
-          <a:lnRef idx="2">
-            <a:schemeClr val="accent1">
-              <a:shade val="50000"/>
-            </a:schemeClr>
+          <a:lnRef idx="3">
+            <a:schemeClr val="lt1"/>
           </a:lnRef>
           <a:fillRef idx="1">
-            <a:schemeClr val="accent1"/>
+            <a:schemeClr val="accent6"/>
           </a:fillRef>
-          <a:effectRef idx="0">
-            <a:schemeClr val="accent1"/>
+          <a:effectRef idx="1">
+            <a:schemeClr val="accent6"/>
           </a:effectRef>
           <a:fontRef idx="minor">
             <a:schemeClr val="lt1"/>
@@ -34024,54 +34069,6 @@
           </a:p>
         </p:txBody>
       </p:sp>
-      <p:sp>
-        <p:nvSpPr>
-          <p:cNvPr id="10" name="Rectangle 9"/>
-          <p:cNvSpPr/>
-          <p:nvPr/>
-        </p:nvSpPr>
-        <p:spPr>
-          <a:xfrm>
-            <a:off x="1098958" y="4655891"/>
-            <a:ext cx="3700944" cy="1124124"/>
-          </a:xfrm>
-          <a:prstGeom prst="rect">
-            <a:avLst/>
-          </a:prstGeom>
-        </p:spPr>
-        <p:style>
-          <a:lnRef idx="2">
-            <a:schemeClr val="accent1">
-              <a:shade val="50000"/>
-            </a:schemeClr>
-          </a:lnRef>
-          <a:fillRef idx="1">
-            <a:schemeClr val="accent1"/>
-          </a:fillRef>
-          <a:effectRef idx="0">
-            <a:schemeClr val="accent1"/>
-          </a:effectRef>
-          <a:fontRef idx="minor">
-            <a:schemeClr val="lt1"/>
-          </a:fontRef>
-        </p:style>
-        <p:txBody>
-          <a:bodyPr rtlCol="0" anchor="t"/>
-          <a:lstStyle/>
-          <a:p>
-            <a:pPr algn="ctr"/>
-            <a:r>
-              <a:rPr lang="en-GB" dirty="0"/>
-              <a:t>Anonymous Extracts Directory</a:t>
-            </a:r>
-            <a:endParaRPr lang="en-GB" sz="1000" dirty="0"/>
-          </a:p>
-          <a:p>
-            <a:pPr algn="ctr"/>
-            <a:endParaRPr lang="en-GB" sz="1000" dirty="0"/>
-          </a:p>
-        </p:txBody>
-      </p:sp>
       <p:cxnSp>
         <p:nvCxnSpPr>
           <p:cNvPr id="13" name="Straight Arrow Connector 12"/>
@@ -34082,7 +34079,7 @@
         </p:nvCxnSpPr>
         <p:spPr>
           <a:xfrm flipV="1">
-            <a:off x="3834469" y="3557981"/>
+            <a:off x="4404920" y="3204191"/>
             <a:ext cx="3271704" cy="653294"/>
           </a:xfrm>
           <a:prstGeom prst="straightConnector1">
@@ -34122,7 +34119,7 @@
         </p:nvCxnSpPr>
         <p:spPr>
           <a:xfrm flipV="1">
-            <a:off x="2949430" y="3731006"/>
+            <a:off x="3519881" y="3377216"/>
             <a:ext cx="0" cy="343947"/>
           </a:xfrm>
           <a:prstGeom prst="straightConnector1">
@@ -34159,7 +34156,7 @@
         </p:nvSpPr>
         <p:spPr>
           <a:xfrm>
-            <a:off x="1966518" y="3802014"/>
+            <a:off x="2536969" y="3448224"/>
             <a:ext cx="2244755" cy="253916"/>
           </a:xfrm>
           <a:prstGeom prst="rect">
@@ -34188,7 +34185,7 @@
         </p:nvSpPr>
         <p:spPr>
           <a:xfrm>
-            <a:off x="5309532" y="3831429"/>
+            <a:off x="5879983" y="3477639"/>
             <a:ext cx="1775670" cy="415498"/>
           </a:xfrm>
           <a:prstGeom prst="rect">
@@ -34217,8 +34214,8 @@
         </p:nvCxnSpPr>
         <p:spPr>
           <a:xfrm>
-            <a:off x="2949430" y="4402123"/>
-            <a:ext cx="0" cy="698383"/>
+            <a:off x="3519881" y="4048333"/>
+            <a:ext cx="3341613" cy="960691"/>
           </a:xfrm>
           <a:prstGeom prst="straightConnector1">
             <a:avLst/>
@@ -34254,7 +34251,7 @@
         </p:nvSpPr>
         <p:spPr>
           <a:xfrm>
-            <a:off x="2064391" y="5108898"/>
+            <a:off x="4781724" y="4464489"/>
             <a:ext cx="1775670" cy="253916"/>
           </a:xfrm>
           <a:prstGeom prst="rect">
@@ -34275,6 +34272,309 @@
           </a:p>
         </p:txBody>
       </p:sp>
+      <p:sp>
+        <p:nvSpPr>
+          <p:cNvPr id="29" name="Rectangle 28"/>
+          <p:cNvSpPr/>
+          <p:nvPr/>
+        </p:nvSpPr>
+        <p:spPr>
+          <a:xfrm>
+            <a:off x="6861494" y="4582083"/>
+            <a:ext cx="4392687" cy="1124124"/>
+          </a:xfrm>
+          <a:prstGeom prst="rect">
+            <a:avLst/>
+          </a:prstGeom>
+        </p:spPr>
+        <p:style>
+          <a:lnRef idx="3">
+            <a:schemeClr val="lt1"/>
+          </a:lnRef>
+          <a:fillRef idx="1">
+            <a:schemeClr val="accent6"/>
+          </a:fillRef>
+          <a:effectRef idx="1">
+            <a:schemeClr val="accent6"/>
+          </a:effectRef>
+          <a:fontRef idx="minor">
+            <a:schemeClr val="lt1"/>
+          </a:fontRef>
+        </p:style>
+        <p:txBody>
+          <a:bodyPr rtlCol="0" anchor="t"/>
+          <a:lstStyle/>
+          <a:p>
+            <a:pPr algn="ctr"/>
+            <a:r>
+              <a:rPr lang="en-GB" dirty="0"/>
+              <a:t>Anonymous Project Extractions File Server </a:t>
+            </a:r>
+          </a:p>
+          <a:p>
+            <a:pPr algn="ctr"/>
+            <a:r>
+              <a:rPr lang="en-GB" dirty="0"/>
+              <a:t>(assumed to already exist)</a:t>
+            </a:r>
+          </a:p>
+          <a:p>
+            <a:pPr algn="ctr"/>
+            <a:endParaRPr lang="en-GB" sz="1000" dirty="0"/>
+          </a:p>
+        </p:txBody>
+      </p:sp>
+      <p:sp>
+        <p:nvSpPr>
+          <p:cNvPr id="33" name="TextBox 32"/>
+          <p:cNvSpPr txBox="1"/>
+          <p:nvPr/>
+        </p:nvSpPr>
+        <p:spPr>
+          <a:xfrm>
+            <a:off x="1198924" y="5332815"/>
+            <a:ext cx="2202719" cy="369332"/>
+          </a:xfrm>
+          <a:prstGeom prst="rect">
+            <a:avLst/>
+          </a:prstGeom>
+          <a:noFill/>
+        </p:spPr>
+        <p:txBody>
+          <a:bodyPr wrap="none" rtlCol="0">
+            <a:spAutoFit/>
+          </a:bodyPr>
+          <a:lstStyle/>
+          <a:p>
+            <a:r>
+              <a:rPr lang="en-US"/>
+              <a:t>NHS Lothian Network</a:t>
+            </a:r>
+            <a:endParaRPr lang="en-GB"/>
+          </a:p>
+        </p:txBody>
+      </p:sp>
+      <p:grpSp>
+        <p:nvGrpSpPr>
+          <p:cNvPr id="43" name="Group 42"/>
+          <p:cNvGrpSpPr/>
+          <p:nvPr/>
+        </p:nvGrpSpPr>
+        <p:grpSpPr>
+          <a:xfrm>
+            <a:off x="1065401" y="5851023"/>
+            <a:ext cx="2374085" cy="1237856"/>
+            <a:chOff x="7927596" y="452832"/>
+            <a:chExt cx="2374085" cy="1237856"/>
+          </a:xfrm>
+        </p:grpSpPr>
+        <p:sp>
+          <p:nvSpPr>
+            <p:cNvPr id="42" name="Rectangle 41"/>
+            <p:cNvSpPr/>
+            <p:nvPr/>
+          </p:nvSpPr>
+          <p:spPr>
+            <a:xfrm>
+              <a:off x="7927596" y="452832"/>
+              <a:ext cx="2189527" cy="1237856"/>
+            </a:xfrm>
+            <a:prstGeom prst="rect">
+              <a:avLst/>
+            </a:prstGeom>
+          </p:spPr>
+          <p:style>
+            <a:lnRef idx="2">
+              <a:schemeClr val="dk1"/>
+            </a:lnRef>
+            <a:fillRef idx="1">
+              <a:schemeClr val="lt1"/>
+            </a:fillRef>
+            <a:effectRef idx="0">
+              <a:schemeClr val="dk1"/>
+            </a:effectRef>
+            <a:fontRef idx="minor">
+              <a:schemeClr val="dk1"/>
+            </a:fontRef>
+          </p:style>
+          <p:txBody>
+            <a:bodyPr rtlCol="0" anchor="ctr"/>
+            <a:lstStyle/>
+            <a:p>
+              <a:pPr algn="ctr"/>
+              <a:endParaRPr lang="en-GB"/>
+            </a:p>
+          </p:txBody>
+        </p:sp>
+        <p:sp>
+          <p:nvSpPr>
+            <p:cNvPr id="34" name="Rectangle 33"/>
+            <p:cNvSpPr/>
+            <p:nvPr/>
+          </p:nvSpPr>
+          <p:spPr>
+            <a:xfrm>
+              <a:off x="8072747" y="867132"/>
+              <a:ext cx="425301" cy="321550"/>
+            </a:xfrm>
+            <a:prstGeom prst="rect">
+              <a:avLst/>
+            </a:prstGeom>
+          </p:spPr>
+          <p:style>
+            <a:lnRef idx="1">
+              <a:schemeClr val="accent6"/>
+            </a:lnRef>
+            <a:fillRef idx="3">
+              <a:schemeClr val="accent6"/>
+            </a:fillRef>
+            <a:effectRef idx="2">
+              <a:schemeClr val="accent6"/>
+            </a:effectRef>
+            <a:fontRef idx="minor">
+              <a:schemeClr val="lt1"/>
+            </a:fontRef>
+          </p:style>
+          <p:txBody>
+            <a:bodyPr rtlCol="0" anchor="t"/>
+            <a:lstStyle/>
+            <a:p>
+              <a:pPr algn="ctr"/>
+              <a:endParaRPr lang="en-GB" dirty="0"/>
+            </a:p>
+          </p:txBody>
+        </p:sp>
+        <p:sp>
+          <p:nvSpPr>
+            <p:cNvPr id="38" name="TextBox 37"/>
+            <p:cNvSpPr txBox="1"/>
+            <p:nvPr/>
+          </p:nvSpPr>
+          <p:spPr>
+            <a:xfrm>
+              <a:off x="7989631" y="452832"/>
+              <a:ext cx="581379" cy="369332"/>
+            </a:xfrm>
+            <a:prstGeom prst="rect">
+              <a:avLst/>
+            </a:prstGeom>
+            <a:noFill/>
+          </p:spPr>
+          <p:txBody>
+            <a:bodyPr wrap="square" rtlCol="0">
+              <a:spAutoFit/>
+            </a:bodyPr>
+            <a:lstStyle/>
+            <a:p>
+              <a:r>
+                <a:rPr lang="en-US"/>
+                <a:t>Key</a:t>
+              </a:r>
+              <a:endParaRPr lang="en-GB"/>
+            </a:p>
+          </p:txBody>
+        </p:sp>
+        <p:sp>
+          <p:nvSpPr>
+            <p:cNvPr id="39" name="TextBox 38"/>
+            <p:cNvSpPr txBox="1"/>
+            <p:nvPr/>
+          </p:nvSpPr>
+          <p:spPr>
+            <a:xfrm>
+              <a:off x="8550608" y="838899"/>
+              <a:ext cx="1751073" cy="369332"/>
+            </a:xfrm>
+            <a:prstGeom prst="rect">
+              <a:avLst/>
+            </a:prstGeom>
+            <a:noFill/>
+          </p:spPr>
+          <p:txBody>
+            <a:bodyPr wrap="square" rtlCol="0">
+              <a:spAutoFit/>
+            </a:bodyPr>
+            <a:lstStyle/>
+            <a:p>
+              <a:r>
+                <a:rPr lang="en-US"/>
+                <a:t>Existing Assets</a:t>
+              </a:r>
+              <a:endParaRPr lang="en-GB"/>
+            </a:p>
+          </p:txBody>
+        </p:sp>
+        <p:sp>
+          <p:nvSpPr>
+            <p:cNvPr id="40" name="Rectangle 39"/>
+            <p:cNvSpPr/>
+            <p:nvPr/>
+          </p:nvSpPr>
+          <p:spPr>
+            <a:xfrm>
+              <a:off x="8072747" y="1253617"/>
+              <a:ext cx="425301" cy="321550"/>
+            </a:xfrm>
+            <a:prstGeom prst="rect">
+              <a:avLst/>
+            </a:prstGeom>
+          </p:spPr>
+          <p:style>
+            <a:lnRef idx="2">
+              <a:schemeClr val="accent1">
+                <a:shade val="50000"/>
+              </a:schemeClr>
+            </a:lnRef>
+            <a:fillRef idx="1">
+              <a:schemeClr val="accent1"/>
+            </a:fillRef>
+            <a:effectRef idx="0">
+              <a:schemeClr val="accent1"/>
+            </a:effectRef>
+            <a:fontRef idx="minor">
+              <a:schemeClr val="lt1"/>
+            </a:fontRef>
+          </p:style>
+          <p:txBody>
+            <a:bodyPr rtlCol="0" anchor="t"/>
+            <a:lstStyle/>
+            <a:p>
+              <a:pPr algn="ctr"/>
+              <a:endParaRPr lang="en-GB" dirty="0"/>
+            </a:p>
+          </p:txBody>
+        </p:sp>
+        <p:sp>
+          <p:nvSpPr>
+            <p:cNvPr id="41" name="TextBox 40"/>
+            <p:cNvSpPr txBox="1"/>
+            <p:nvPr/>
+          </p:nvSpPr>
+          <p:spPr>
+            <a:xfrm>
+              <a:off x="8550608" y="1225384"/>
+              <a:ext cx="1751073" cy="369332"/>
+            </a:xfrm>
+            <a:prstGeom prst="rect">
+              <a:avLst/>
+            </a:prstGeom>
+            <a:noFill/>
+          </p:spPr>
+          <p:txBody>
+            <a:bodyPr wrap="square" rtlCol="0">
+              <a:spAutoFit/>
+            </a:bodyPr>
+            <a:lstStyle/>
+            <a:p>
+              <a:r>
+                <a:rPr lang="en-US"/>
+                <a:t>New Assets</a:t>
+              </a:r>
+              <a:endParaRPr lang="en-GB"/>
+            </a:p>
+          </p:txBody>
+        </p:sp>
+      </p:grpSp>
     </p:spTree>
     <p:extLst>
       <p:ext uri="{BB962C8B-B14F-4D97-AF65-F5344CB8AC3E}">
@@ -34305,6 +34605,75 @@
           <a:chExt cx="0" cy="0"/>
         </a:xfrm>
       </p:grpSpPr>
+      <p:sp>
+        <p:nvSpPr>
+          <p:cNvPr id="48" name="Rectangle 47"/>
+          <p:cNvSpPr/>
+          <p:nvPr/>
+        </p:nvSpPr>
+        <p:spPr>
+          <a:xfrm>
+            <a:off x="494950" y="1291906"/>
+            <a:ext cx="10956022" cy="4555221"/>
+          </a:xfrm>
+          <a:prstGeom prst="rect">
+            <a:avLst/>
+          </a:prstGeom>
+          <a:ln w="28575"/>
+        </p:spPr>
+        <p:style>
+          <a:lnRef idx="2">
+            <a:schemeClr val="dk1"/>
+          </a:lnRef>
+          <a:fillRef idx="1">
+            <a:schemeClr val="lt1"/>
+          </a:fillRef>
+          <a:effectRef idx="0">
+            <a:schemeClr val="dk1"/>
+          </a:effectRef>
+          <a:fontRef idx="minor">
+            <a:schemeClr val="dk1"/>
+          </a:fontRef>
+        </p:style>
+        <p:txBody>
+          <a:bodyPr rtlCol="0" anchor="ctr"/>
+          <a:lstStyle/>
+          <a:p>
+            <a:pPr algn="ctr"/>
+            <a:endParaRPr lang="en-GB" dirty="0"/>
+          </a:p>
+        </p:txBody>
+      </p:sp>
+      <p:sp>
+        <p:nvSpPr>
+          <p:cNvPr id="49" name="TextBox 48"/>
+          <p:cNvSpPr txBox="1"/>
+          <p:nvPr/>
+        </p:nvSpPr>
+        <p:spPr>
+          <a:xfrm>
+            <a:off x="494950" y="5465349"/>
+            <a:ext cx="2202719" cy="369332"/>
+          </a:xfrm>
+          <a:prstGeom prst="rect">
+            <a:avLst/>
+          </a:prstGeom>
+          <a:noFill/>
+        </p:spPr>
+        <p:txBody>
+          <a:bodyPr wrap="none" rtlCol="0">
+            <a:spAutoFit/>
+          </a:bodyPr>
+          <a:lstStyle/>
+          <a:p>
+            <a:r>
+              <a:rPr lang="en-US"/>
+              <a:t>NHS Lothian Network</a:t>
+            </a:r>
+            <a:endParaRPr lang="en-GB"/>
+          </a:p>
+        </p:txBody>
+      </p:sp>
       <p:sp>
         <p:nvSpPr>
           <p:cNvPr id="2" name="Title 1"/>
@@ -34348,16 +34717,14 @@
           </a:prstGeom>
         </p:spPr>
         <p:style>
-          <a:lnRef idx="2">
-            <a:schemeClr val="accent1">
-              <a:shade val="50000"/>
-            </a:schemeClr>
+          <a:lnRef idx="3">
+            <a:schemeClr val="lt1"/>
           </a:lnRef>
           <a:fillRef idx="1">
-            <a:schemeClr val="accent1"/>
+            <a:schemeClr val="accent6"/>
           </a:fillRef>
-          <a:effectRef idx="0">
-            <a:schemeClr val="accent1"/>
+          <a:effectRef idx="1">
+            <a:schemeClr val="accent6"/>
           </a:effectRef>
           <a:fontRef idx="minor">
             <a:schemeClr val="lt1"/>
@@ -34434,16 +34801,14 @@
           </a:prstGeom>
         </p:spPr>
         <p:style>
-          <a:lnRef idx="2">
-            <a:schemeClr val="accent1">
-              <a:shade val="50000"/>
-            </a:schemeClr>
+          <a:lnRef idx="3">
+            <a:schemeClr val="lt1"/>
           </a:lnRef>
           <a:fillRef idx="1">
-            <a:schemeClr val="accent1"/>
+            <a:schemeClr val="accent6"/>
           </a:fillRef>
-          <a:effectRef idx="0">
-            <a:schemeClr val="accent1"/>
+          <a:effectRef idx="1">
+            <a:schemeClr val="accent6"/>
           </a:effectRef>
           <a:fontRef idx="minor">
             <a:schemeClr val="lt1"/>
@@ -34488,16 +34853,14 @@
           </a:prstGeom>
         </p:spPr>
         <p:style>
-          <a:lnRef idx="2">
-            <a:schemeClr val="accent1">
-              <a:shade val="50000"/>
-            </a:schemeClr>
+          <a:lnRef idx="3">
+            <a:schemeClr val="lt1"/>
           </a:lnRef>
           <a:fillRef idx="1">
-            <a:schemeClr val="accent1"/>
+            <a:schemeClr val="accent6"/>
           </a:fillRef>
-          <a:effectRef idx="0">
-            <a:schemeClr val="accent1"/>
+          <a:effectRef idx="1">
+            <a:schemeClr val="accent6"/>
           </a:effectRef>
           <a:fontRef idx="minor">
             <a:schemeClr val="lt1"/>
@@ -34537,7 +34900,7 @@
         </p:nvSpPr>
         <p:spPr>
           <a:xfrm>
-            <a:off x="6638835" y="5175765"/>
+            <a:off x="6499545" y="4502964"/>
             <a:ext cx="4392687" cy="1124124"/>
           </a:xfrm>
           <a:prstGeom prst="rect">
@@ -34545,16 +34908,14 @@
           </a:prstGeom>
         </p:spPr>
         <p:style>
-          <a:lnRef idx="2">
-            <a:schemeClr val="accent1">
-              <a:shade val="50000"/>
-            </a:schemeClr>
+          <a:lnRef idx="3">
+            <a:schemeClr val="lt1"/>
           </a:lnRef>
           <a:fillRef idx="1">
-            <a:schemeClr val="accent1"/>
+            <a:schemeClr val="accent6"/>
           </a:fillRef>
-          <a:effectRef idx="0">
-            <a:schemeClr val="accent1"/>
+          <a:effectRef idx="1">
+            <a:schemeClr val="accent6"/>
           </a:effectRef>
           <a:fontRef idx="minor">
             <a:schemeClr val="lt1"/>
@@ -34670,8 +35031,8 @@
         </p:nvCxnSpPr>
         <p:spPr>
           <a:xfrm>
-            <a:off x="2949430" y="4402123"/>
-            <a:ext cx="4095227" cy="1569715"/>
+            <a:off x="3853779" y="4238538"/>
+            <a:ext cx="3051588" cy="1060499"/>
           </a:xfrm>
           <a:prstGeom prst="straightConnector1">
             <a:avLst/>
@@ -34707,7 +35068,7 @@
         </p:nvSpPr>
         <p:spPr>
           <a:xfrm>
-            <a:off x="7044657" y="5844880"/>
+            <a:off x="6905367" y="5172079"/>
             <a:ext cx="1775670" cy="253916"/>
           </a:xfrm>
           <a:prstGeom prst="rect">
@@ -34744,16 +35105,14 @@
           </a:prstGeom>
         </p:spPr>
         <p:style>
-          <a:lnRef idx="2">
-            <a:schemeClr val="accent1">
-              <a:shade val="50000"/>
-            </a:schemeClr>
+          <a:lnRef idx="3">
+            <a:schemeClr val="lt1"/>
           </a:lnRef>
           <a:fillRef idx="1">
-            <a:schemeClr val="accent1"/>
+            <a:schemeClr val="accent6"/>
           </a:fillRef>
-          <a:effectRef idx="0">
-            <a:schemeClr val="accent1"/>
+          <a:effectRef idx="1">
+            <a:schemeClr val="accent6"/>
           </a:effectRef>
           <a:fontRef idx="minor">
             <a:schemeClr val="lt1"/>
@@ -35032,6 +35391,227 @@
           </a:p>
         </p:txBody>
       </p:sp>
+      <p:grpSp>
+        <p:nvGrpSpPr>
+          <p:cNvPr id="51" name="Group 50"/>
+          <p:cNvGrpSpPr/>
+          <p:nvPr/>
+        </p:nvGrpSpPr>
+        <p:grpSpPr>
+          <a:xfrm>
+            <a:off x="494950" y="5904946"/>
+            <a:ext cx="2374085" cy="1237856"/>
+            <a:chOff x="7927596" y="452832"/>
+            <a:chExt cx="2374085" cy="1237856"/>
+          </a:xfrm>
+        </p:grpSpPr>
+        <p:sp>
+          <p:nvSpPr>
+            <p:cNvPr id="52" name="Rectangle 51"/>
+            <p:cNvSpPr/>
+            <p:nvPr/>
+          </p:nvSpPr>
+          <p:spPr>
+            <a:xfrm>
+              <a:off x="7927596" y="452832"/>
+              <a:ext cx="2189527" cy="1237856"/>
+            </a:xfrm>
+            <a:prstGeom prst="rect">
+              <a:avLst/>
+            </a:prstGeom>
+          </p:spPr>
+          <p:style>
+            <a:lnRef idx="2">
+              <a:schemeClr val="dk1"/>
+            </a:lnRef>
+            <a:fillRef idx="1">
+              <a:schemeClr val="lt1"/>
+            </a:fillRef>
+            <a:effectRef idx="0">
+              <a:schemeClr val="dk1"/>
+            </a:effectRef>
+            <a:fontRef idx="minor">
+              <a:schemeClr val="dk1"/>
+            </a:fontRef>
+          </p:style>
+          <p:txBody>
+            <a:bodyPr rtlCol="0" anchor="ctr"/>
+            <a:lstStyle/>
+            <a:p>
+              <a:pPr algn="ctr"/>
+              <a:endParaRPr lang="en-GB"/>
+            </a:p>
+          </p:txBody>
+        </p:sp>
+        <p:sp>
+          <p:nvSpPr>
+            <p:cNvPr id="53" name="Rectangle 52"/>
+            <p:cNvSpPr/>
+            <p:nvPr/>
+          </p:nvSpPr>
+          <p:spPr>
+            <a:xfrm>
+              <a:off x="8072747" y="867132"/>
+              <a:ext cx="425301" cy="321550"/>
+            </a:xfrm>
+            <a:prstGeom prst="rect">
+              <a:avLst/>
+            </a:prstGeom>
+          </p:spPr>
+          <p:style>
+            <a:lnRef idx="1">
+              <a:schemeClr val="accent6"/>
+            </a:lnRef>
+            <a:fillRef idx="3">
+              <a:schemeClr val="accent6"/>
+            </a:fillRef>
+            <a:effectRef idx="2">
+              <a:schemeClr val="accent6"/>
+            </a:effectRef>
+            <a:fontRef idx="minor">
+              <a:schemeClr val="lt1"/>
+            </a:fontRef>
+          </p:style>
+          <p:txBody>
+            <a:bodyPr rtlCol="0" anchor="t"/>
+            <a:lstStyle/>
+            <a:p>
+              <a:pPr algn="ctr"/>
+              <a:endParaRPr lang="en-GB" dirty="0"/>
+            </a:p>
+          </p:txBody>
+        </p:sp>
+        <p:sp>
+          <p:nvSpPr>
+            <p:cNvPr id="54" name="TextBox 53"/>
+            <p:cNvSpPr txBox="1"/>
+            <p:nvPr/>
+          </p:nvSpPr>
+          <p:spPr>
+            <a:xfrm>
+              <a:off x="7989631" y="452832"/>
+              <a:ext cx="581379" cy="369332"/>
+            </a:xfrm>
+            <a:prstGeom prst="rect">
+              <a:avLst/>
+            </a:prstGeom>
+            <a:noFill/>
+          </p:spPr>
+          <p:txBody>
+            <a:bodyPr wrap="square" rtlCol="0">
+              <a:spAutoFit/>
+            </a:bodyPr>
+            <a:lstStyle/>
+            <a:p>
+              <a:r>
+                <a:rPr lang="en-US"/>
+                <a:t>Key</a:t>
+              </a:r>
+              <a:endParaRPr lang="en-GB"/>
+            </a:p>
+          </p:txBody>
+        </p:sp>
+        <p:sp>
+          <p:nvSpPr>
+            <p:cNvPr id="55" name="TextBox 54"/>
+            <p:cNvSpPr txBox="1"/>
+            <p:nvPr/>
+          </p:nvSpPr>
+          <p:spPr>
+            <a:xfrm>
+              <a:off x="8550608" y="838899"/>
+              <a:ext cx="1751073" cy="369332"/>
+            </a:xfrm>
+            <a:prstGeom prst="rect">
+              <a:avLst/>
+            </a:prstGeom>
+            <a:noFill/>
+          </p:spPr>
+          <p:txBody>
+            <a:bodyPr wrap="square" rtlCol="0">
+              <a:spAutoFit/>
+            </a:bodyPr>
+            <a:lstStyle/>
+            <a:p>
+              <a:r>
+                <a:rPr lang="en-US"/>
+                <a:t>Existing Assets</a:t>
+              </a:r>
+              <a:endParaRPr lang="en-GB"/>
+            </a:p>
+          </p:txBody>
+        </p:sp>
+        <p:sp>
+          <p:nvSpPr>
+            <p:cNvPr id="56" name="Rectangle 55"/>
+            <p:cNvSpPr/>
+            <p:nvPr/>
+          </p:nvSpPr>
+          <p:spPr>
+            <a:xfrm>
+              <a:off x="8072747" y="1253617"/>
+              <a:ext cx="425301" cy="321550"/>
+            </a:xfrm>
+            <a:prstGeom prst="rect">
+              <a:avLst/>
+            </a:prstGeom>
+          </p:spPr>
+          <p:style>
+            <a:lnRef idx="2">
+              <a:schemeClr val="accent1">
+                <a:shade val="50000"/>
+              </a:schemeClr>
+            </a:lnRef>
+            <a:fillRef idx="1">
+              <a:schemeClr val="accent1"/>
+            </a:fillRef>
+            <a:effectRef idx="0">
+              <a:schemeClr val="accent1"/>
+            </a:effectRef>
+            <a:fontRef idx="minor">
+              <a:schemeClr val="lt1"/>
+            </a:fontRef>
+          </p:style>
+          <p:txBody>
+            <a:bodyPr rtlCol="0" anchor="t"/>
+            <a:lstStyle/>
+            <a:p>
+              <a:pPr algn="ctr"/>
+              <a:endParaRPr lang="en-GB" dirty="0"/>
+            </a:p>
+          </p:txBody>
+        </p:sp>
+        <p:sp>
+          <p:nvSpPr>
+            <p:cNvPr id="57" name="TextBox 56"/>
+            <p:cNvSpPr txBox="1"/>
+            <p:nvPr/>
+          </p:nvSpPr>
+          <p:spPr>
+            <a:xfrm>
+              <a:off x="8550608" y="1225384"/>
+              <a:ext cx="1751073" cy="369332"/>
+            </a:xfrm>
+            <a:prstGeom prst="rect">
+              <a:avLst/>
+            </a:prstGeom>
+            <a:noFill/>
+          </p:spPr>
+          <p:txBody>
+            <a:bodyPr wrap="square" rtlCol="0">
+              <a:spAutoFit/>
+            </a:bodyPr>
+            <a:lstStyle/>
+            <a:p>
+              <a:r>
+                <a:rPr lang="en-US"/>
+                <a:t>New Assets</a:t>
+              </a:r>
+              <a:endParaRPr lang="en-GB"/>
+            </a:p>
+          </p:txBody>
+        </p:sp>
+      </p:grpSp>
     </p:spTree>
     <p:extLst>
       <p:ext uri="{BB962C8B-B14F-4D97-AF65-F5344CB8AC3E}">

--- a/Documentation/RDMPUniverse.pptx
+++ b/Documentation/RDMPUniverse.pptx
@@ -123,118 +123,150 @@
 </file>
 
 <file path=ppt/diagrams/colors1.xml><?xml version="1.0" encoding="utf-8"?>
-<dgm:colorsDef xmlns:dgm="http://schemas.openxmlformats.org/drawingml/2006/diagram" xmlns:a="http://schemas.openxmlformats.org/drawingml/2006/main" uniqueId="urn:microsoft.com/office/officeart/2005/8/colors/accent1_2">
+<dgm:colorsDef xmlns:dgm="http://schemas.openxmlformats.org/drawingml/2006/diagram" xmlns:a="http://schemas.openxmlformats.org/drawingml/2006/main" uniqueId="urn:microsoft.com/office/officeart/2005/8/colors/accent3_1">
   <dgm:title val=""/>
   <dgm:desc val=""/>
   <dgm:catLst>
-    <dgm:cat type="accent1" pri="11200"/>
+    <dgm:cat type="accent3" pri="11100"/>
   </dgm:catLst>
   <dgm:styleLbl name="node0">
     <dgm:fillClrLst meth="repeat">
-      <a:schemeClr val="accent1"/>
-    </dgm:fillClrLst>
-    <dgm:linClrLst meth="repeat">
       <a:schemeClr val="lt1"/>
-    </dgm:linClrLst>
-    <dgm:effectClrLst/>
-    <dgm:txLinClrLst/>
-    <dgm:txFillClrLst/>
+    </dgm:fillClrLst>
+    <dgm:linClrLst meth="repeat">
+      <a:schemeClr val="accent3">
+        <a:shade val="80000"/>
+      </a:schemeClr>
+    </dgm:linClrLst>
+    <dgm:effectClrLst/>
+    <dgm:txLinClrLst/>
+    <dgm:txFillClrLst meth="repeat">
+      <a:schemeClr val="dk1"/>
+    </dgm:txFillClrLst>
+    <dgm:txEffectClrLst/>
+  </dgm:styleLbl>
+  <dgm:styleLbl name="node1">
+    <dgm:fillClrLst meth="repeat">
+      <a:schemeClr val="lt1"/>
+    </dgm:fillClrLst>
+    <dgm:linClrLst meth="repeat">
+      <a:schemeClr val="accent3">
+        <a:shade val="80000"/>
+      </a:schemeClr>
+    </dgm:linClrLst>
+    <dgm:effectClrLst/>
+    <dgm:txLinClrLst/>
+    <dgm:txFillClrLst meth="repeat">
+      <a:schemeClr val="dk1"/>
+    </dgm:txFillClrLst>
     <dgm:txEffectClrLst/>
   </dgm:styleLbl>
   <dgm:styleLbl name="alignNode1">
     <dgm:fillClrLst meth="repeat">
-      <a:schemeClr val="accent1"/>
-    </dgm:fillClrLst>
-    <dgm:linClrLst meth="repeat">
-      <a:schemeClr val="accent1"/>
-    </dgm:linClrLst>
-    <dgm:effectClrLst/>
-    <dgm:txLinClrLst/>
-    <dgm:txFillClrLst/>
-    <dgm:txEffectClrLst/>
-  </dgm:styleLbl>
-  <dgm:styleLbl name="node1">
-    <dgm:fillClrLst meth="repeat">
-      <a:schemeClr val="accent1"/>
-    </dgm:fillClrLst>
-    <dgm:linClrLst meth="repeat">
       <a:schemeClr val="lt1"/>
-    </dgm:linClrLst>
-    <dgm:effectClrLst/>
-    <dgm:txLinClrLst/>
-    <dgm:txFillClrLst/>
+    </dgm:fillClrLst>
+    <dgm:linClrLst meth="repeat">
+      <a:schemeClr val="accent3">
+        <a:shade val="80000"/>
+      </a:schemeClr>
+    </dgm:linClrLst>
+    <dgm:effectClrLst/>
+    <dgm:txLinClrLst/>
+    <dgm:txFillClrLst meth="repeat">
+      <a:schemeClr val="dk1"/>
+    </dgm:txFillClrLst>
     <dgm:txEffectClrLst/>
   </dgm:styleLbl>
   <dgm:styleLbl name="lnNode1">
     <dgm:fillClrLst meth="repeat">
-      <a:schemeClr val="accent1"/>
-    </dgm:fillClrLst>
-    <dgm:linClrLst meth="repeat">
       <a:schemeClr val="lt1"/>
-    </dgm:linClrLst>
-    <dgm:effectClrLst/>
-    <dgm:txLinClrLst/>
-    <dgm:txFillClrLst/>
+    </dgm:fillClrLst>
+    <dgm:linClrLst meth="repeat">
+      <a:schemeClr val="accent3">
+        <a:shade val="80000"/>
+      </a:schemeClr>
+    </dgm:linClrLst>
+    <dgm:effectClrLst/>
+    <dgm:txLinClrLst/>
+    <dgm:txFillClrLst meth="repeat">
+      <a:schemeClr val="dk1"/>
+    </dgm:txFillClrLst>
     <dgm:txEffectClrLst/>
   </dgm:styleLbl>
   <dgm:styleLbl name="vennNode1">
     <dgm:fillClrLst meth="repeat">
-      <a:schemeClr val="accent1">
+      <a:schemeClr val="lt1">
         <a:alpha val="50000"/>
       </a:schemeClr>
     </dgm:fillClrLst>
     <dgm:linClrLst meth="repeat">
+      <a:schemeClr val="accent3">
+        <a:shade val="80000"/>
+      </a:schemeClr>
+    </dgm:linClrLst>
+    <dgm:effectClrLst/>
+    <dgm:txLinClrLst/>
+    <dgm:txFillClrLst/>
+    <dgm:txEffectClrLst/>
+  </dgm:styleLbl>
+  <dgm:styleLbl name="node2">
+    <dgm:fillClrLst meth="repeat">
       <a:schemeClr val="lt1"/>
-    </dgm:linClrLst>
-    <dgm:effectClrLst/>
-    <dgm:txLinClrLst/>
-    <dgm:txFillClrLst/>
-    <dgm:txEffectClrLst/>
-  </dgm:styleLbl>
-  <dgm:styleLbl name="node2">
-    <dgm:fillClrLst meth="repeat">
-      <a:schemeClr val="accent1"/>
-    </dgm:fillClrLst>
-    <dgm:linClrLst meth="repeat">
+    </dgm:fillClrLst>
+    <dgm:linClrLst meth="repeat">
+      <a:schemeClr val="accent3">
+        <a:shade val="80000"/>
+      </a:schemeClr>
+    </dgm:linClrLst>
+    <dgm:effectClrLst/>
+    <dgm:txLinClrLst/>
+    <dgm:txFillClrLst meth="repeat">
+      <a:schemeClr val="dk1"/>
+    </dgm:txFillClrLst>
+    <dgm:txEffectClrLst/>
+  </dgm:styleLbl>
+  <dgm:styleLbl name="node3">
+    <dgm:fillClrLst meth="repeat">
       <a:schemeClr val="lt1"/>
-    </dgm:linClrLst>
-    <dgm:effectClrLst/>
-    <dgm:txLinClrLst/>
-    <dgm:txFillClrLst/>
-    <dgm:txEffectClrLst/>
-  </dgm:styleLbl>
-  <dgm:styleLbl name="node3">
-    <dgm:fillClrLst meth="repeat">
-      <a:schemeClr val="accent1"/>
-    </dgm:fillClrLst>
-    <dgm:linClrLst meth="repeat">
+    </dgm:fillClrLst>
+    <dgm:linClrLst meth="repeat">
+      <a:schemeClr val="accent3">
+        <a:shade val="80000"/>
+      </a:schemeClr>
+    </dgm:linClrLst>
+    <dgm:effectClrLst/>
+    <dgm:txLinClrLst/>
+    <dgm:txFillClrLst meth="repeat">
+      <a:schemeClr val="dk1"/>
+    </dgm:txFillClrLst>
+    <dgm:txEffectClrLst/>
+  </dgm:styleLbl>
+  <dgm:styleLbl name="node4">
+    <dgm:fillClrLst meth="repeat">
       <a:schemeClr val="lt1"/>
-    </dgm:linClrLst>
-    <dgm:effectClrLst/>
-    <dgm:txLinClrLst/>
-    <dgm:txFillClrLst/>
-    <dgm:txEffectClrLst/>
-  </dgm:styleLbl>
-  <dgm:styleLbl name="node4">
-    <dgm:fillClrLst meth="repeat">
-      <a:schemeClr val="accent1"/>
-    </dgm:fillClrLst>
-    <dgm:linClrLst meth="repeat">
-      <a:schemeClr val="lt1"/>
-    </dgm:linClrLst>
-    <dgm:effectClrLst/>
-    <dgm:txLinClrLst/>
-    <dgm:txFillClrLst/>
+    </dgm:fillClrLst>
+    <dgm:linClrLst meth="repeat">
+      <a:schemeClr val="accent3">
+        <a:shade val="80000"/>
+      </a:schemeClr>
+    </dgm:linClrLst>
+    <dgm:effectClrLst/>
+    <dgm:txLinClrLst/>
+    <dgm:txFillClrLst meth="repeat">
+      <a:schemeClr val="dk1"/>
+    </dgm:txFillClrLst>
     <dgm:txEffectClrLst/>
   </dgm:styleLbl>
   <dgm:styleLbl name="fgImgPlace1">
     <dgm:fillClrLst meth="repeat">
-      <a:schemeClr val="accent1">
-        <a:tint val="50000"/>
+      <a:schemeClr val="accent3">
+        <a:tint val="40000"/>
       </a:schemeClr>
     </dgm:fillClrLst>
     <dgm:linClrLst meth="repeat">
-      <a:schemeClr val="lt1"/>
+      <a:schemeClr val="accent3">
+        <a:shade val="80000"/>
+      </a:schemeClr>
     </dgm:linClrLst>
     <dgm:effectClrLst/>
     <dgm:txLinClrLst/>
@@ -245,12 +277,14 @@
   </dgm:styleLbl>
   <dgm:styleLbl name="alignImgPlace1">
     <dgm:fillClrLst meth="repeat">
-      <a:schemeClr val="accent1">
-        <a:tint val="50000"/>
+      <a:schemeClr val="accent3">
+        <a:tint val="40000"/>
       </a:schemeClr>
     </dgm:fillClrLst>
     <dgm:linClrLst meth="repeat">
-      <a:schemeClr val="lt1"/>
+      <a:schemeClr val="accent3">
+        <a:shade val="80000"/>
+      </a:schemeClr>
     </dgm:linClrLst>
     <dgm:effectClrLst/>
     <dgm:txLinClrLst/>
@@ -261,12 +295,14 @@
   </dgm:styleLbl>
   <dgm:styleLbl name="bgImgPlace1">
     <dgm:fillClrLst meth="repeat">
-      <a:schemeClr val="accent1">
-        <a:tint val="50000"/>
+      <a:schemeClr val="accent3">
+        <a:tint val="40000"/>
       </a:schemeClr>
     </dgm:fillClrLst>
     <dgm:linClrLst meth="repeat">
-      <a:schemeClr val="lt1"/>
+      <a:schemeClr val="accent3">
+        <a:shade val="80000"/>
+      </a:schemeClr>
     </dgm:linClrLst>
     <dgm:effectClrLst/>
     <dgm:txLinClrLst/>
@@ -277,58 +313,64 @@
   </dgm:styleLbl>
   <dgm:styleLbl name="sibTrans2D1">
     <dgm:fillClrLst meth="repeat">
-      <a:schemeClr val="accent1">
+      <a:schemeClr val="accent3">
         <a:tint val="60000"/>
       </a:schemeClr>
     </dgm:fillClrLst>
     <dgm:linClrLst meth="repeat">
-      <a:schemeClr val="accent1">
+      <a:schemeClr val="accent3">
         <a:tint val="60000"/>
       </a:schemeClr>
     </dgm:linClrLst>
     <dgm:effectClrLst/>
     <dgm:txLinClrLst/>
-    <dgm:txFillClrLst/>
+    <dgm:txFillClrLst meth="repeat">
+      <a:schemeClr val="dk1"/>
+    </dgm:txFillClrLst>
     <dgm:txEffectClrLst/>
   </dgm:styleLbl>
   <dgm:styleLbl name="fgSibTrans2D1">
     <dgm:fillClrLst meth="repeat">
-      <a:schemeClr val="accent1">
+      <a:schemeClr val="accent3">
         <a:tint val="60000"/>
       </a:schemeClr>
     </dgm:fillClrLst>
     <dgm:linClrLst meth="repeat">
-      <a:schemeClr val="accent1">
+      <a:schemeClr val="accent3">
         <a:tint val="60000"/>
       </a:schemeClr>
     </dgm:linClrLst>
     <dgm:effectClrLst/>
     <dgm:txLinClrLst/>
-    <dgm:txFillClrLst/>
+    <dgm:txFillClrLst meth="repeat">
+      <a:schemeClr val="dk1"/>
+    </dgm:txFillClrLst>
     <dgm:txEffectClrLst/>
   </dgm:styleLbl>
   <dgm:styleLbl name="bgSibTrans2D1">
     <dgm:fillClrLst meth="repeat">
-      <a:schemeClr val="accent1">
+      <a:schemeClr val="accent3">
         <a:tint val="60000"/>
       </a:schemeClr>
     </dgm:fillClrLst>
     <dgm:linClrLst meth="repeat">
-      <a:schemeClr val="accent1">
+      <a:schemeClr val="accent3">
         <a:tint val="60000"/>
       </a:schemeClr>
     </dgm:linClrLst>
     <dgm:effectClrLst/>
     <dgm:txLinClrLst/>
-    <dgm:txFillClrLst/>
+    <dgm:txFillClrLst meth="repeat">
+      <a:schemeClr val="dk1"/>
+    </dgm:txFillClrLst>
     <dgm:txEffectClrLst/>
   </dgm:styleLbl>
   <dgm:styleLbl name="sibTrans1D1">
     <dgm:fillClrLst meth="repeat">
-      <a:schemeClr val="accent1"/>
-    </dgm:fillClrLst>
-    <dgm:linClrLst meth="repeat">
-      <a:schemeClr val="accent1"/>
+      <a:schemeClr val="accent3"/>
+    </dgm:fillClrLst>
+    <dgm:linClrLst meth="repeat">
+      <a:schemeClr val="accent3"/>
     </dgm:linClrLst>
     <dgm:effectClrLst/>
     <dgm:txLinClrLst/>
@@ -339,12 +381,10 @@
   </dgm:styleLbl>
   <dgm:styleLbl name="callout">
     <dgm:fillClrLst meth="repeat">
-      <a:schemeClr val="accent1"/>
-    </dgm:fillClrLst>
-    <dgm:linClrLst meth="repeat">
-      <a:schemeClr val="accent1">
-        <a:tint val="50000"/>
-      </a:schemeClr>
+      <a:schemeClr val="accent3"/>
+    </dgm:fillClrLst>
+    <dgm:linClrLst meth="repeat">
+      <a:schemeClr val="accent3"/>
     </dgm:linClrLst>
     <dgm:effectClrLst/>
     <dgm:txLinClrLst/>
@@ -355,74 +395,130 @@
   </dgm:styleLbl>
   <dgm:styleLbl name="asst0">
     <dgm:fillClrLst meth="repeat">
-      <a:schemeClr val="accent1"/>
-    </dgm:fillClrLst>
-    <dgm:linClrLst meth="repeat">
       <a:schemeClr val="lt1"/>
-    </dgm:linClrLst>
-    <dgm:effectClrLst/>
-    <dgm:txLinClrLst/>
-    <dgm:txFillClrLst/>
+    </dgm:fillClrLst>
+    <dgm:linClrLst meth="repeat">
+      <a:schemeClr val="accent3">
+        <a:shade val="80000"/>
+      </a:schemeClr>
+    </dgm:linClrLst>
+    <dgm:effectClrLst/>
+    <dgm:txLinClrLst/>
+    <dgm:txFillClrLst meth="repeat">
+      <a:schemeClr val="dk1"/>
+    </dgm:txFillClrLst>
     <dgm:txEffectClrLst/>
   </dgm:styleLbl>
   <dgm:styleLbl name="asst1">
     <dgm:fillClrLst meth="repeat">
-      <a:schemeClr val="accent1"/>
-    </dgm:fillClrLst>
-    <dgm:linClrLst meth="repeat">
       <a:schemeClr val="lt1"/>
-    </dgm:linClrLst>
-    <dgm:effectClrLst/>
-    <dgm:txLinClrLst/>
-    <dgm:txFillClrLst/>
+    </dgm:fillClrLst>
+    <dgm:linClrLst meth="repeat">
+      <a:schemeClr val="accent3">
+        <a:shade val="80000"/>
+      </a:schemeClr>
+    </dgm:linClrLst>
+    <dgm:effectClrLst/>
+    <dgm:txLinClrLst/>
+    <dgm:txFillClrLst meth="repeat">
+      <a:schemeClr val="dk1"/>
+    </dgm:txFillClrLst>
     <dgm:txEffectClrLst/>
   </dgm:styleLbl>
   <dgm:styleLbl name="asst2">
     <dgm:fillClrLst meth="repeat">
-      <a:schemeClr val="accent1"/>
-    </dgm:fillClrLst>
-    <dgm:linClrLst meth="repeat">
       <a:schemeClr val="lt1"/>
-    </dgm:linClrLst>
-    <dgm:effectClrLst/>
-    <dgm:txLinClrLst/>
-    <dgm:txFillClrLst/>
+    </dgm:fillClrLst>
+    <dgm:linClrLst meth="repeat">
+      <a:schemeClr val="accent3">
+        <a:shade val="80000"/>
+      </a:schemeClr>
+    </dgm:linClrLst>
+    <dgm:effectClrLst/>
+    <dgm:txLinClrLst/>
+    <dgm:txFillClrLst meth="repeat">
+      <a:schemeClr val="dk1"/>
+    </dgm:txFillClrLst>
     <dgm:txEffectClrLst/>
   </dgm:styleLbl>
   <dgm:styleLbl name="asst3">
     <dgm:fillClrLst meth="repeat">
-      <a:schemeClr val="accent1"/>
-    </dgm:fillClrLst>
-    <dgm:linClrLst meth="repeat">
       <a:schemeClr val="lt1"/>
-    </dgm:linClrLst>
-    <dgm:effectClrLst/>
-    <dgm:txLinClrLst/>
-    <dgm:txFillClrLst/>
+    </dgm:fillClrLst>
+    <dgm:linClrLst meth="repeat">
+      <a:schemeClr val="accent3">
+        <a:shade val="80000"/>
+      </a:schemeClr>
+    </dgm:linClrLst>
+    <dgm:effectClrLst/>
+    <dgm:txLinClrLst/>
+    <dgm:txFillClrLst meth="repeat">
+      <a:schemeClr val="dk1"/>
+    </dgm:txFillClrLst>
     <dgm:txEffectClrLst/>
   </dgm:styleLbl>
   <dgm:styleLbl name="asst4">
     <dgm:fillClrLst meth="repeat">
-      <a:schemeClr val="accent1"/>
-    </dgm:fillClrLst>
-    <dgm:linClrLst meth="repeat">
       <a:schemeClr val="lt1"/>
-    </dgm:linClrLst>
-    <dgm:effectClrLst/>
-    <dgm:txLinClrLst/>
-    <dgm:txFillClrLst/>
+    </dgm:fillClrLst>
+    <dgm:linClrLst meth="repeat">
+      <a:schemeClr val="accent3">
+        <a:shade val="80000"/>
+      </a:schemeClr>
+    </dgm:linClrLst>
+    <dgm:effectClrLst/>
+    <dgm:txLinClrLst/>
+    <dgm:txFillClrLst meth="repeat">
+      <a:schemeClr val="dk1"/>
+    </dgm:txFillClrLst>
     <dgm:txEffectClrLst/>
   </dgm:styleLbl>
   <dgm:styleLbl name="parChTrans2D1">
     <dgm:fillClrLst meth="repeat">
-      <a:schemeClr val="accent1">
+      <a:schemeClr val="accent3">
         <a:tint val="60000"/>
       </a:schemeClr>
     </dgm:fillClrLst>
     <dgm:linClrLst meth="repeat">
-      <a:schemeClr val="accent1">
+      <a:schemeClr val="accent3">
         <a:tint val="60000"/>
       </a:schemeClr>
+    </dgm:linClrLst>
+    <dgm:effectClrLst/>
+    <dgm:txLinClrLst/>
+    <dgm:txFillClrLst/>
+    <dgm:txEffectClrLst/>
+  </dgm:styleLbl>
+  <dgm:styleLbl name="parChTrans2D2">
+    <dgm:fillClrLst meth="repeat">
+      <a:schemeClr val="accent3"/>
+    </dgm:fillClrLst>
+    <dgm:linClrLst meth="repeat">
+      <a:schemeClr val="accent3"/>
+    </dgm:linClrLst>
+    <dgm:effectClrLst/>
+    <dgm:txLinClrLst/>
+    <dgm:txFillClrLst/>
+    <dgm:txEffectClrLst/>
+  </dgm:styleLbl>
+  <dgm:styleLbl name="parChTrans2D3">
+    <dgm:fillClrLst meth="repeat">
+      <a:schemeClr val="accent3"/>
+    </dgm:fillClrLst>
+    <dgm:linClrLst meth="repeat">
+      <a:schemeClr val="accent3"/>
+    </dgm:linClrLst>
+    <dgm:effectClrLst/>
+    <dgm:txLinClrLst/>
+    <dgm:txFillClrLst/>
+    <dgm:txEffectClrLst/>
+  </dgm:styleLbl>
+  <dgm:styleLbl name="parChTrans2D4">
+    <dgm:fillClrLst meth="repeat">
+      <a:schemeClr val="accent3"/>
+    </dgm:fillClrLst>
+    <dgm:linClrLst meth="repeat">
+      <a:schemeClr val="accent3"/>
     </dgm:linClrLst>
     <dgm:effectClrLst/>
     <dgm:txLinClrLst/>
@@ -431,12 +527,346 @@
     </dgm:txFillClrLst>
     <dgm:txEffectClrLst/>
   </dgm:styleLbl>
-  <dgm:styleLbl name="parChTrans2D2">
-    <dgm:fillClrLst meth="repeat">
-      <a:schemeClr val="accent1"/>
-    </dgm:fillClrLst>
-    <dgm:linClrLst meth="repeat">
-      <a:schemeClr val="accent1"/>
+  <dgm:styleLbl name="parChTrans1D1">
+    <dgm:fillClrLst meth="repeat">
+      <a:schemeClr val="accent3"/>
+    </dgm:fillClrLst>
+    <dgm:linClrLst meth="repeat">
+      <a:schemeClr val="accent3">
+        <a:shade val="60000"/>
+      </a:schemeClr>
+    </dgm:linClrLst>
+    <dgm:effectClrLst/>
+    <dgm:txLinClrLst/>
+    <dgm:txFillClrLst meth="repeat">
+      <a:schemeClr val="tx1"/>
+    </dgm:txFillClrLst>
+    <dgm:txEffectClrLst/>
+  </dgm:styleLbl>
+  <dgm:styleLbl name="parChTrans1D2">
+    <dgm:fillClrLst meth="repeat">
+      <a:schemeClr val="accent3"/>
+    </dgm:fillClrLst>
+    <dgm:linClrLst meth="repeat">
+      <a:schemeClr val="accent3">
+        <a:shade val="60000"/>
+      </a:schemeClr>
+    </dgm:linClrLst>
+    <dgm:effectClrLst/>
+    <dgm:txLinClrLst/>
+    <dgm:txFillClrLst meth="repeat">
+      <a:schemeClr val="tx1"/>
+    </dgm:txFillClrLst>
+    <dgm:txEffectClrLst/>
+  </dgm:styleLbl>
+  <dgm:styleLbl name="parChTrans1D3">
+    <dgm:fillClrLst meth="repeat">
+      <a:schemeClr val="accent3"/>
+    </dgm:fillClrLst>
+    <dgm:linClrLst meth="repeat">
+      <a:schemeClr val="accent3">
+        <a:shade val="80000"/>
+      </a:schemeClr>
+    </dgm:linClrLst>
+    <dgm:effectClrLst/>
+    <dgm:txLinClrLst/>
+    <dgm:txFillClrLst meth="repeat">
+      <a:schemeClr val="tx1"/>
+    </dgm:txFillClrLst>
+    <dgm:txEffectClrLst/>
+  </dgm:styleLbl>
+  <dgm:styleLbl name="parChTrans1D4">
+    <dgm:fillClrLst meth="repeat">
+      <a:schemeClr val="accent3"/>
+    </dgm:fillClrLst>
+    <dgm:linClrLst meth="repeat">
+      <a:schemeClr val="accent3">
+        <a:shade val="80000"/>
+      </a:schemeClr>
+    </dgm:linClrLst>
+    <dgm:effectClrLst/>
+    <dgm:txLinClrLst/>
+    <dgm:txFillClrLst meth="repeat">
+      <a:schemeClr val="tx1"/>
+    </dgm:txFillClrLst>
+    <dgm:txEffectClrLst/>
+  </dgm:styleLbl>
+  <dgm:styleLbl name="fgAcc1">
+    <dgm:fillClrLst meth="repeat">
+      <a:schemeClr val="accent3">
+        <a:alpha val="90000"/>
+        <a:tint val="40000"/>
+      </a:schemeClr>
+    </dgm:fillClrLst>
+    <dgm:linClrLst meth="repeat">
+      <a:schemeClr val="accent3"/>
+    </dgm:linClrLst>
+    <dgm:effectClrLst/>
+    <dgm:txLinClrLst/>
+    <dgm:txFillClrLst meth="repeat">
+      <a:schemeClr val="dk1"/>
+    </dgm:txFillClrLst>
+    <dgm:txEffectClrLst/>
+  </dgm:styleLbl>
+  <dgm:styleLbl name="conFgAcc1">
+    <dgm:fillClrLst meth="repeat">
+      <a:schemeClr val="accent3">
+        <a:alpha val="90000"/>
+        <a:tint val="40000"/>
+      </a:schemeClr>
+    </dgm:fillClrLst>
+    <dgm:linClrLst meth="repeat">
+      <a:schemeClr val="accent3"/>
+    </dgm:linClrLst>
+    <dgm:effectClrLst/>
+    <dgm:txLinClrLst/>
+    <dgm:txFillClrLst meth="repeat">
+      <a:schemeClr val="dk1"/>
+    </dgm:txFillClrLst>
+    <dgm:txEffectClrLst/>
+  </dgm:styleLbl>
+  <dgm:styleLbl name="alignAcc1">
+    <dgm:fillClrLst meth="repeat">
+      <a:schemeClr val="accent3">
+        <a:alpha val="90000"/>
+        <a:tint val="40000"/>
+      </a:schemeClr>
+    </dgm:fillClrLst>
+    <dgm:linClrLst meth="repeat">
+      <a:schemeClr val="accent3"/>
+    </dgm:linClrLst>
+    <dgm:effectClrLst/>
+    <dgm:txLinClrLst/>
+    <dgm:txFillClrLst meth="repeat">
+      <a:schemeClr val="dk1"/>
+    </dgm:txFillClrLst>
+    <dgm:txEffectClrLst/>
+  </dgm:styleLbl>
+  <dgm:styleLbl name="trAlignAcc1">
+    <dgm:fillClrLst meth="repeat">
+      <a:schemeClr val="accent3">
+        <a:alpha val="40000"/>
+        <a:tint val="40000"/>
+      </a:schemeClr>
+    </dgm:fillClrLst>
+    <dgm:linClrLst meth="repeat">
+      <a:schemeClr val="accent3"/>
+    </dgm:linClrLst>
+    <dgm:effectClrLst/>
+    <dgm:txLinClrLst/>
+    <dgm:txFillClrLst meth="repeat">
+      <a:schemeClr val="dk1"/>
+    </dgm:txFillClrLst>
+    <dgm:txEffectClrLst/>
+  </dgm:styleLbl>
+  <dgm:styleLbl name="bgAcc1">
+    <dgm:fillClrLst meth="repeat">
+      <a:schemeClr val="accent3">
+        <a:alpha val="90000"/>
+        <a:tint val="40000"/>
+      </a:schemeClr>
+    </dgm:fillClrLst>
+    <dgm:linClrLst meth="repeat">
+      <a:schemeClr val="accent3"/>
+    </dgm:linClrLst>
+    <dgm:effectClrLst/>
+    <dgm:txLinClrLst/>
+    <dgm:txFillClrLst meth="repeat">
+      <a:schemeClr val="dk1"/>
+    </dgm:txFillClrLst>
+    <dgm:txEffectClrLst/>
+  </dgm:styleLbl>
+  <dgm:styleLbl name="solidFgAcc1">
+    <dgm:fillClrLst meth="repeat">
+      <a:schemeClr val="lt1"/>
+    </dgm:fillClrLst>
+    <dgm:linClrLst meth="repeat">
+      <a:schemeClr val="accent3"/>
+    </dgm:linClrLst>
+    <dgm:effectClrLst/>
+    <dgm:txLinClrLst/>
+    <dgm:txFillClrLst meth="repeat">
+      <a:schemeClr val="dk1"/>
+    </dgm:txFillClrLst>
+    <dgm:txEffectClrLst/>
+  </dgm:styleLbl>
+  <dgm:styleLbl name="solidAlignAcc1">
+    <dgm:fillClrLst meth="repeat">
+      <a:schemeClr val="lt1"/>
+    </dgm:fillClrLst>
+    <dgm:linClrLst meth="repeat">
+      <a:schemeClr val="accent3"/>
+    </dgm:linClrLst>
+    <dgm:effectClrLst/>
+    <dgm:txLinClrLst/>
+    <dgm:txFillClrLst meth="repeat">
+      <a:schemeClr val="dk1"/>
+    </dgm:txFillClrLst>
+    <dgm:txEffectClrLst/>
+  </dgm:styleLbl>
+  <dgm:styleLbl name="solidBgAcc1">
+    <dgm:fillClrLst meth="repeat">
+      <a:schemeClr val="lt1"/>
+    </dgm:fillClrLst>
+    <dgm:linClrLst meth="repeat">
+      <a:schemeClr val="accent3"/>
+    </dgm:linClrLst>
+    <dgm:effectClrLst/>
+    <dgm:txLinClrLst/>
+    <dgm:txFillClrLst meth="repeat">
+      <a:schemeClr val="dk1"/>
+    </dgm:txFillClrLst>
+    <dgm:txEffectClrLst/>
+  </dgm:styleLbl>
+  <dgm:styleLbl name="fgAccFollowNode1">
+    <dgm:fillClrLst meth="repeat">
+      <a:schemeClr val="lt1">
+        <a:alpha val="90000"/>
+        <a:tint val="40000"/>
+      </a:schemeClr>
+    </dgm:fillClrLst>
+    <dgm:linClrLst meth="repeat">
+      <a:schemeClr val="accent3">
+        <a:alpha val="90000"/>
+      </a:schemeClr>
+    </dgm:linClrLst>
+    <dgm:effectClrLst/>
+    <dgm:txLinClrLst/>
+    <dgm:txFillClrLst meth="repeat">
+      <a:schemeClr val="dk1"/>
+    </dgm:txFillClrLst>
+    <dgm:txEffectClrLst/>
+  </dgm:styleLbl>
+  <dgm:styleLbl name="alignAccFollowNode1">
+    <dgm:fillClrLst meth="repeat">
+      <a:schemeClr val="lt1">
+        <a:alpha val="90000"/>
+        <a:tint val="40000"/>
+      </a:schemeClr>
+    </dgm:fillClrLst>
+    <dgm:linClrLst meth="repeat">
+      <a:schemeClr val="accent3">
+        <a:alpha val="90000"/>
+      </a:schemeClr>
+    </dgm:linClrLst>
+    <dgm:effectClrLst/>
+    <dgm:txLinClrLst/>
+    <dgm:txFillClrLst meth="repeat">
+      <a:schemeClr val="dk1"/>
+    </dgm:txFillClrLst>
+    <dgm:txEffectClrLst/>
+  </dgm:styleLbl>
+  <dgm:styleLbl name="bgAccFollowNode1">
+    <dgm:fillClrLst meth="repeat">
+      <a:schemeClr val="lt1">
+        <a:alpha val="90000"/>
+        <a:tint val="40000"/>
+      </a:schemeClr>
+    </dgm:fillClrLst>
+    <dgm:linClrLst meth="repeat">
+      <a:schemeClr val="accent3">
+        <a:alpha val="90000"/>
+      </a:schemeClr>
+    </dgm:linClrLst>
+    <dgm:effectClrLst/>
+    <dgm:txLinClrLst/>
+    <dgm:txFillClrLst meth="repeat">
+      <a:schemeClr val="dk1"/>
+    </dgm:txFillClrLst>
+    <dgm:txEffectClrLst/>
+  </dgm:styleLbl>
+  <dgm:styleLbl name="fgAcc0">
+    <dgm:fillClrLst meth="repeat">
+      <a:schemeClr val="accent3">
+        <a:alpha val="90000"/>
+        <a:tint val="40000"/>
+      </a:schemeClr>
+    </dgm:fillClrLst>
+    <dgm:linClrLst meth="repeat">
+      <a:schemeClr val="accent3"/>
+    </dgm:linClrLst>
+    <dgm:effectClrLst/>
+    <dgm:txLinClrLst/>
+    <dgm:txFillClrLst meth="repeat">
+      <a:schemeClr val="dk1"/>
+    </dgm:txFillClrLst>
+    <dgm:txEffectClrLst/>
+  </dgm:styleLbl>
+  <dgm:styleLbl name="fgAcc2">
+    <dgm:fillClrLst meth="repeat">
+      <a:schemeClr val="accent3">
+        <a:alpha val="90000"/>
+        <a:tint val="40000"/>
+      </a:schemeClr>
+    </dgm:fillClrLst>
+    <dgm:linClrLst meth="repeat">
+      <a:schemeClr val="accent3"/>
+    </dgm:linClrLst>
+    <dgm:effectClrLst/>
+    <dgm:txLinClrLst/>
+    <dgm:txFillClrLst meth="repeat">
+      <a:schemeClr val="dk1"/>
+    </dgm:txFillClrLst>
+    <dgm:txEffectClrLst/>
+  </dgm:styleLbl>
+  <dgm:styleLbl name="fgAcc3">
+    <dgm:fillClrLst meth="repeat">
+      <a:schemeClr val="accent3">
+        <a:alpha val="90000"/>
+        <a:tint val="40000"/>
+      </a:schemeClr>
+    </dgm:fillClrLst>
+    <dgm:linClrLst meth="repeat">
+      <a:schemeClr val="accent3"/>
+    </dgm:linClrLst>
+    <dgm:effectClrLst/>
+    <dgm:txLinClrLst/>
+    <dgm:txFillClrLst meth="repeat">
+      <a:schemeClr val="dk1"/>
+    </dgm:txFillClrLst>
+    <dgm:txEffectClrLst/>
+  </dgm:styleLbl>
+  <dgm:styleLbl name="fgAcc4">
+    <dgm:fillClrLst meth="repeat">
+      <a:schemeClr val="accent3">
+        <a:alpha val="90000"/>
+        <a:tint val="40000"/>
+      </a:schemeClr>
+    </dgm:fillClrLst>
+    <dgm:linClrLst meth="repeat">
+      <a:schemeClr val="accent3"/>
+    </dgm:linClrLst>
+    <dgm:effectClrLst/>
+    <dgm:txLinClrLst/>
+    <dgm:txFillClrLst meth="repeat">
+      <a:schemeClr val="dk1"/>
+    </dgm:txFillClrLst>
+    <dgm:txEffectClrLst/>
+  </dgm:styleLbl>
+  <dgm:styleLbl name="bgShp">
+    <dgm:fillClrLst meth="repeat">
+      <a:schemeClr val="accent3">
+        <a:tint val="40000"/>
+      </a:schemeClr>
+    </dgm:fillClrLst>
+    <dgm:linClrLst meth="repeat">
+      <a:schemeClr val="accent3"/>
+    </dgm:linClrLst>
+    <dgm:effectClrLst/>
+    <dgm:txLinClrLst/>
+    <dgm:txFillClrLst meth="repeat">
+      <a:schemeClr val="dk1"/>
+    </dgm:txFillClrLst>
+    <dgm:txEffectClrLst/>
+  </dgm:styleLbl>
+  <dgm:styleLbl name="dkBgShp">
+    <dgm:fillClrLst meth="repeat">
+      <a:schemeClr val="accent3">
+        <a:shade val="80000"/>
+      </a:schemeClr>
+    </dgm:fillClrLst>
+    <dgm:linClrLst meth="repeat">
+      <a:schemeClr val="accent3"/>
     </dgm:linClrLst>
     <dgm:effectClrLst/>
     <dgm:txLinClrLst/>
@@ -445,12 +875,15 @@
     </dgm:txFillClrLst>
     <dgm:txEffectClrLst/>
   </dgm:styleLbl>
-  <dgm:styleLbl name="parChTrans2D3">
-    <dgm:fillClrLst meth="repeat">
-      <a:schemeClr val="accent1"/>
-    </dgm:fillClrLst>
-    <dgm:linClrLst meth="repeat">
-      <a:schemeClr val="accent1"/>
+  <dgm:styleLbl name="trBgShp">
+    <dgm:fillClrLst meth="repeat">
+      <a:schemeClr val="accent3">
+        <a:tint val="50000"/>
+        <a:alpha val="40000"/>
+      </a:schemeClr>
+    </dgm:fillClrLst>
+    <dgm:linClrLst meth="repeat">
+      <a:schemeClr val="accent3"/>
     </dgm:linClrLst>
     <dgm:effectClrLst/>
     <dgm:txLinClrLst/>
@@ -459,382 +892,9 @@
     </dgm:txFillClrLst>
     <dgm:txEffectClrLst/>
   </dgm:styleLbl>
-  <dgm:styleLbl name="parChTrans2D4">
-    <dgm:fillClrLst meth="repeat">
-      <a:schemeClr val="accent1"/>
-    </dgm:fillClrLst>
-    <dgm:linClrLst meth="repeat">
-      <a:schemeClr val="accent1"/>
-    </dgm:linClrLst>
-    <dgm:effectClrLst/>
-    <dgm:txLinClrLst/>
-    <dgm:txFillClrLst meth="repeat">
-      <a:schemeClr val="lt1"/>
-    </dgm:txFillClrLst>
-    <dgm:txEffectClrLst/>
-  </dgm:styleLbl>
-  <dgm:styleLbl name="parChTrans1D1">
-    <dgm:fillClrLst meth="repeat">
-      <a:schemeClr val="accent1"/>
-    </dgm:fillClrLst>
-    <dgm:linClrLst meth="repeat">
-      <a:schemeClr val="accent1">
-        <a:shade val="60000"/>
-      </a:schemeClr>
-    </dgm:linClrLst>
-    <dgm:effectClrLst/>
-    <dgm:txLinClrLst/>
-    <dgm:txFillClrLst meth="repeat">
-      <a:schemeClr val="tx1"/>
-    </dgm:txFillClrLst>
-    <dgm:txEffectClrLst/>
-  </dgm:styleLbl>
-  <dgm:styleLbl name="parChTrans1D2">
-    <dgm:fillClrLst meth="repeat">
-      <a:schemeClr val="accent1"/>
-    </dgm:fillClrLst>
-    <dgm:linClrLst meth="repeat">
-      <a:schemeClr val="accent1">
-        <a:shade val="60000"/>
-      </a:schemeClr>
-    </dgm:linClrLst>
-    <dgm:effectClrLst/>
-    <dgm:txLinClrLst/>
-    <dgm:txFillClrLst meth="repeat">
-      <a:schemeClr val="tx1"/>
-    </dgm:txFillClrLst>
-    <dgm:txEffectClrLst/>
-  </dgm:styleLbl>
-  <dgm:styleLbl name="parChTrans1D3">
-    <dgm:fillClrLst meth="repeat">
-      <a:schemeClr val="accent1"/>
-    </dgm:fillClrLst>
-    <dgm:linClrLst meth="repeat">
-      <a:schemeClr val="accent1">
-        <a:shade val="80000"/>
-      </a:schemeClr>
-    </dgm:linClrLst>
-    <dgm:effectClrLst/>
-    <dgm:txLinClrLst/>
-    <dgm:txFillClrLst meth="repeat">
-      <a:schemeClr val="tx1"/>
-    </dgm:txFillClrLst>
-    <dgm:txEffectClrLst/>
-  </dgm:styleLbl>
-  <dgm:styleLbl name="parChTrans1D4">
-    <dgm:fillClrLst meth="repeat">
-      <a:schemeClr val="accent1"/>
-    </dgm:fillClrLst>
-    <dgm:linClrLst meth="repeat">
-      <a:schemeClr val="accent1">
-        <a:shade val="80000"/>
-      </a:schemeClr>
-    </dgm:linClrLst>
-    <dgm:effectClrLst/>
-    <dgm:txLinClrLst/>
-    <dgm:txFillClrLst meth="repeat">
-      <a:schemeClr val="tx1"/>
-    </dgm:txFillClrLst>
-    <dgm:txEffectClrLst/>
-  </dgm:styleLbl>
-  <dgm:styleLbl name="fgAcc1">
-    <dgm:fillClrLst meth="repeat">
-      <a:schemeClr val="lt1">
-        <a:alpha val="90000"/>
-      </a:schemeClr>
-    </dgm:fillClrLst>
-    <dgm:linClrLst meth="repeat">
-      <a:schemeClr val="accent1"/>
-    </dgm:linClrLst>
-    <dgm:effectClrLst/>
-    <dgm:txLinClrLst/>
-    <dgm:txFillClrLst meth="repeat">
-      <a:schemeClr val="dk1"/>
-    </dgm:txFillClrLst>
-    <dgm:txEffectClrLst/>
-  </dgm:styleLbl>
-  <dgm:styleLbl name="conFgAcc1">
-    <dgm:fillClrLst meth="repeat">
-      <a:schemeClr val="lt1">
-        <a:alpha val="90000"/>
-      </a:schemeClr>
-    </dgm:fillClrLst>
-    <dgm:linClrLst meth="repeat">
-      <a:schemeClr val="accent1"/>
-    </dgm:linClrLst>
-    <dgm:effectClrLst/>
-    <dgm:txLinClrLst/>
-    <dgm:txFillClrLst meth="repeat">
-      <a:schemeClr val="dk1"/>
-    </dgm:txFillClrLst>
-    <dgm:txEffectClrLst/>
-  </dgm:styleLbl>
-  <dgm:styleLbl name="alignAcc1">
-    <dgm:fillClrLst meth="repeat">
-      <a:schemeClr val="lt1">
-        <a:alpha val="90000"/>
-      </a:schemeClr>
-    </dgm:fillClrLst>
-    <dgm:linClrLst meth="repeat">
-      <a:schemeClr val="accent1"/>
-    </dgm:linClrLst>
-    <dgm:effectClrLst/>
-    <dgm:txLinClrLst/>
-    <dgm:txFillClrLst meth="repeat">
-      <a:schemeClr val="dk1"/>
-    </dgm:txFillClrLst>
-    <dgm:txEffectClrLst/>
-  </dgm:styleLbl>
-  <dgm:styleLbl name="trAlignAcc1">
-    <dgm:fillClrLst meth="repeat">
-      <a:schemeClr val="lt1">
-        <a:alpha val="40000"/>
-      </a:schemeClr>
-    </dgm:fillClrLst>
-    <dgm:linClrLst meth="repeat">
-      <a:schemeClr val="accent1"/>
-    </dgm:linClrLst>
-    <dgm:effectClrLst/>
-    <dgm:txLinClrLst/>
-    <dgm:txFillClrLst meth="repeat">
-      <a:schemeClr val="dk1"/>
-    </dgm:txFillClrLst>
-    <dgm:txEffectClrLst/>
-  </dgm:styleLbl>
-  <dgm:styleLbl name="bgAcc1">
-    <dgm:fillClrLst meth="repeat">
-      <a:schemeClr val="lt1">
-        <a:alpha val="90000"/>
-      </a:schemeClr>
-    </dgm:fillClrLst>
-    <dgm:linClrLst meth="repeat">
-      <a:schemeClr val="accent1"/>
-    </dgm:linClrLst>
-    <dgm:effectClrLst/>
-    <dgm:txLinClrLst/>
-    <dgm:txFillClrLst meth="repeat">
-      <a:schemeClr val="dk1"/>
-    </dgm:txFillClrLst>
-    <dgm:txEffectClrLst/>
-  </dgm:styleLbl>
-  <dgm:styleLbl name="solidFgAcc1">
-    <dgm:fillClrLst meth="repeat">
-      <a:schemeClr val="lt1"/>
-    </dgm:fillClrLst>
-    <dgm:linClrLst meth="repeat">
-      <a:schemeClr val="accent1"/>
-    </dgm:linClrLst>
-    <dgm:effectClrLst/>
-    <dgm:txLinClrLst/>
-    <dgm:txFillClrLst meth="repeat">
-      <a:schemeClr val="dk1"/>
-    </dgm:txFillClrLst>
-    <dgm:txEffectClrLst/>
-  </dgm:styleLbl>
-  <dgm:styleLbl name="solidAlignAcc1">
-    <dgm:fillClrLst meth="repeat">
-      <a:schemeClr val="lt1"/>
-    </dgm:fillClrLst>
-    <dgm:linClrLst meth="repeat">
-      <a:schemeClr val="accent1"/>
-    </dgm:linClrLst>
-    <dgm:effectClrLst/>
-    <dgm:txLinClrLst/>
-    <dgm:txFillClrLst meth="repeat">
-      <a:schemeClr val="dk1"/>
-    </dgm:txFillClrLst>
-    <dgm:txEffectClrLst/>
-  </dgm:styleLbl>
-  <dgm:styleLbl name="solidBgAcc1">
-    <dgm:fillClrLst meth="repeat">
-      <a:schemeClr val="lt1"/>
-    </dgm:fillClrLst>
-    <dgm:linClrLst meth="repeat">
-      <a:schemeClr val="accent1"/>
-    </dgm:linClrLst>
-    <dgm:effectClrLst/>
-    <dgm:txLinClrLst/>
-    <dgm:txFillClrLst meth="repeat">
-      <a:schemeClr val="dk1"/>
-    </dgm:txFillClrLst>
-    <dgm:txEffectClrLst/>
-  </dgm:styleLbl>
-  <dgm:styleLbl name="fgAccFollowNode1">
-    <dgm:fillClrLst meth="repeat">
-      <a:schemeClr val="accent1">
-        <a:alpha val="90000"/>
-        <a:tint val="40000"/>
-      </a:schemeClr>
-    </dgm:fillClrLst>
-    <dgm:linClrLst meth="repeat">
-      <a:schemeClr val="accent1">
-        <a:alpha val="90000"/>
-        <a:tint val="40000"/>
-      </a:schemeClr>
-    </dgm:linClrLst>
-    <dgm:effectClrLst/>
-    <dgm:txLinClrLst/>
-    <dgm:txFillClrLst meth="repeat">
-      <a:schemeClr val="dk1"/>
-    </dgm:txFillClrLst>
-    <dgm:txEffectClrLst/>
-  </dgm:styleLbl>
-  <dgm:styleLbl name="alignAccFollowNode1">
-    <dgm:fillClrLst meth="repeat">
-      <a:schemeClr val="accent1">
-        <a:alpha val="90000"/>
-        <a:tint val="40000"/>
-      </a:schemeClr>
-    </dgm:fillClrLst>
-    <dgm:linClrLst meth="repeat">
-      <a:schemeClr val="accent1">
-        <a:alpha val="90000"/>
-        <a:tint val="40000"/>
-      </a:schemeClr>
-    </dgm:linClrLst>
-    <dgm:effectClrLst/>
-    <dgm:txLinClrLst/>
-    <dgm:txFillClrLst meth="repeat">
-      <a:schemeClr val="dk1"/>
-    </dgm:txFillClrLst>
-    <dgm:txEffectClrLst/>
-  </dgm:styleLbl>
-  <dgm:styleLbl name="bgAccFollowNode1">
-    <dgm:fillClrLst meth="repeat">
-      <a:schemeClr val="accent1">
-        <a:alpha val="90000"/>
-        <a:tint val="40000"/>
-      </a:schemeClr>
-    </dgm:fillClrLst>
-    <dgm:linClrLst meth="repeat">
-      <a:schemeClr val="accent1">
-        <a:alpha val="90000"/>
-        <a:tint val="40000"/>
-      </a:schemeClr>
-    </dgm:linClrLst>
-    <dgm:effectClrLst/>
-    <dgm:txLinClrLst/>
-    <dgm:txFillClrLst meth="repeat">
-      <a:schemeClr val="dk1"/>
-    </dgm:txFillClrLst>
-    <dgm:txEffectClrLst/>
-  </dgm:styleLbl>
-  <dgm:styleLbl name="fgAcc0">
-    <dgm:fillClrLst meth="repeat">
-      <a:schemeClr val="lt1">
-        <a:alpha val="90000"/>
-      </a:schemeClr>
-    </dgm:fillClrLst>
-    <dgm:linClrLst meth="repeat">
-      <a:schemeClr val="accent1"/>
-    </dgm:linClrLst>
-    <dgm:effectClrLst/>
-    <dgm:txLinClrLst/>
-    <dgm:txFillClrLst meth="repeat">
-      <a:schemeClr val="dk1"/>
-    </dgm:txFillClrLst>
-    <dgm:txEffectClrLst/>
-  </dgm:styleLbl>
-  <dgm:styleLbl name="fgAcc2">
-    <dgm:fillClrLst meth="repeat">
-      <a:schemeClr val="lt1">
-        <a:alpha val="90000"/>
-      </a:schemeClr>
-    </dgm:fillClrLst>
-    <dgm:linClrLst meth="repeat">
-      <a:schemeClr val="accent1"/>
-    </dgm:linClrLst>
-    <dgm:effectClrLst/>
-    <dgm:txLinClrLst/>
-    <dgm:txFillClrLst meth="repeat">
-      <a:schemeClr val="dk1"/>
-    </dgm:txFillClrLst>
-    <dgm:txEffectClrLst/>
-  </dgm:styleLbl>
-  <dgm:styleLbl name="fgAcc3">
-    <dgm:fillClrLst meth="repeat">
-      <a:schemeClr val="lt1">
-        <a:alpha val="90000"/>
-      </a:schemeClr>
-    </dgm:fillClrLst>
-    <dgm:linClrLst meth="repeat">
-      <a:schemeClr val="accent1"/>
-    </dgm:linClrLst>
-    <dgm:effectClrLst/>
-    <dgm:txLinClrLst/>
-    <dgm:txFillClrLst meth="repeat">
-      <a:schemeClr val="dk1"/>
-    </dgm:txFillClrLst>
-    <dgm:txEffectClrLst/>
-  </dgm:styleLbl>
-  <dgm:styleLbl name="fgAcc4">
-    <dgm:fillClrLst meth="repeat">
-      <a:schemeClr val="lt1">
-        <a:alpha val="90000"/>
-      </a:schemeClr>
-    </dgm:fillClrLst>
-    <dgm:linClrLst meth="repeat">
-      <a:schemeClr val="accent1"/>
-    </dgm:linClrLst>
-    <dgm:effectClrLst/>
-    <dgm:txLinClrLst/>
-    <dgm:txFillClrLst meth="repeat">
-      <a:schemeClr val="dk1"/>
-    </dgm:txFillClrLst>
-    <dgm:txEffectClrLst/>
-  </dgm:styleLbl>
-  <dgm:styleLbl name="bgShp">
-    <dgm:fillClrLst meth="repeat">
-      <a:schemeClr val="accent1">
-        <a:tint val="40000"/>
-      </a:schemeClr>
-    </dgm:fillClrLst>
-    <dgm:linClrLst meth="repeat">
-      <a:schemeClr val="accent1"/>
-    </dgm:linClrLst>
-    <dgm:effectClrLst/>
-    <dgm:txLinClrLst/>
-    <dgm:txFillClrLst meth="repeat">
-      <a:schemeClr val="dk1"/>
-    </dgm:txFillClrLst>
-    <dgm:txEffectClrLst/>
-  </dgm:styleLbl>
-  <dgm:styleLbl name="dkBgShp">
-    <dgm:fillClrLst meth="repeat">
-      <a:schemeClr val="accent1">
-        <a:shade val="80000"/>
-      </a:schemeClr>
-    </dgm:fillClrLst>
-    <dgm:linClrLst meth="repeat">
-      <a:schemeClr val="accent1"/>
-    </dgm:linClrLst>
-    <dgm:effectClrLst/>
-    <dgm:txLinClrLst/>
-    <dgm:txFillClrLst meth="repeat">
-      <a:schemeClr val="lt1"/>
-    </dgm:txFillClrLst>
-    <dgm:txEffectClrLst/>
-  </dgm:styleLbl>
-  <dgm:styleLbl name="trBgShp">
-    <dgm:fillClrLst meth="repeat">
-      <a:schemeClr val="accent1">
-        <a:tint val="50000"/>
-        <a:alpha val="40000"/>
-      </a:schemeClr>
-    </dgm:fillClrLst>
-    <dgm:linClrLst meth="repeat">
-      <a:schemeClr val="accent1"/>
-    </dgm:linClrLst>
-    <dgm:effectClrLst/>
-    <dgm:txLinClrLst/>
-    <dgm:txFillClrLst meth="repeat">
-      <a:schemeClr val="lt1"/>
-    </dgm:txFillClrLst>
-    <dgm:txEffectClrLst/>
-  </dgm:styleLbl>
   <dgm:styleLbl name="fgShp">
     <dgm:fillClrLst meth="repeat">
-      <a:schemeClr val="accent1">
+      <a:schemeClr val="accent3">
         <a:tint val="60000"/>
       </a:schemeClr>
     </dgm:fillClrLst>
@@ -2364,118 +2424,150 @@
 </file>
 
 <file path=ppt/diagrams/colors3.xml><?xml version="1.0" encoding="utf-8"?>
-<dgm:colorsDef xmlns:dgm="http://schemas.openxmlformats.org/drawingml/2006/diagram" xmlns:a="http://schemas.openxmlformats.org/drawingml/2006/main" uniqueId="urn:microsoft.com/office/officeart/2005/8/colors/accent1_2">
+<dgm:colorsDef xmlns:dgm="http://schemas.openxmlformats.org/drawingml/2006/diagram" xmlns:a="http://schemas.openxmlformats.org/drawingml/2006/main" uniqueId="urn:microsoft.com/office/officeart/2005/8/colors/accent3_1">
   <dgm:title val=""/>
   <dgm:desc val=""/>
   <dgm:catLst>
-    <dgm:cat type="accent1" pri="11200"/>
+    <dgm:cat type="accent3" pri="11100"/>
   </dgm:catLst>
   <dgm:styleLbl name="node0">
     <dgm:fillClrLst meth="repeat">
-      <a:schemeClr val="accent1"/>
-    </dgm:fillClrLst>
-    <dgm:linClrLst meth="repeat">
       <a:schemeClr val="lt1"/>
-    </dgm:linClrLst>
-    <dgm:effectClrLst/>
-    <dgm:txLinClrLst/>
-    <dgm:txFillClrLst/>
+    </dgm:fillClrLst>
+    <dgm:linClrLst meth="repeat">
+      <a:schemeClr val="accent3">
+        <a:shade val="80000"/>
+      </a:schemeClr>
+    </dgm:linClrLst>
+    <dgm:effectClrLst/>
+    <dgm:txLinClrLst/>
+    <dgm:txFillClrLst meth="repeat">
+      <a:schemeClr val="dk1"/>
+    </dgm:txFillClrLst>
+    <dgm:txEffectClrLst/>
+  </dgm:styleLbl>
+  <dgm:styleLbl name="node1">
+    <dgm:fillClrLst meth="repeat">
+      <a:schemeClr val="lt1"/>
+    </dgm:fillClrLst>
+    <dgm:linClrLst meth="repeat">
+      <a:schemeClr val="accent3">
+        <a:shade val="80000"/>
+      </a:schemeClr>
+    </dgm:linClrLst>
+    <dgm:effectClrLst/>
+    <dgm:txLinClrLst/>
+    <dgm:txFillClrLst meth="repeat">
+      <a:schemeClr val="dk1"/>
+    </dgm:txFillClrLst>
     <dgm:txEffectClrLst/>
   </dgm:styleLbl>
   <dgm:styleLbl name="alignNode1">
     <dgm:fillClrLst meth="repeat">
-      <a:schemeClr val="accent1"/>
-    </dgm:fillClrLst>
-    <dgm:linClrLst meth="repeat">
-      <a:schemeClr val="accent1"/>
-    </dgm:linClrLst>
-    <dgm:effectClrLst/>
-    <dgm:txLinClrLst/>
-    <dgm:txFillClrLst/>
-    <dgm:txEffectClrLst/>
-  </dgm:styleLbl>
-  <dgm:styleLbl name="node1">
-    <dgm:fillClrLst meth="repeat">
-      <a:schemeClr val="accent1"/>
-    </dgm:fillClrLst>
-    <dgm:linClrLst meth="repeat">
       <a:schemeClr val="lt1"/>
-    </dgm:linClrLst>
-    <dgm:effectClrLst/>
-    <dgm:txLinClrLst/>
-    <dgm:txFillClrLst/>
+    </dgm:fillClrLst>
+    <dgm:linClrLst meth="repeat">
+      <a:schemeClr val="accent3">
+        <a:shade val="80000"/>
+      </a:schemeClr>
+    </dgm:linClrLst>
+    <dgm:effectClrLst/>
+    <dgm:txLinClrLst/>
+    <dgm:txFillClrLst meth="repeat">
+      <a:schemeClr val="dk1"/>
+    </dgm:txFillClrLst>
     <dgm:txEffectClrLst/>
   </dgm:styleLbl>
   <dgm:styleLbl name="lnNode1">
     <dgm:fillClrLst meth="repeat">
-      <a:schemeClr val="accent1"/>
-    </dgm:fillClrLst>
-    <dgm:linClrLst meth="repeat">
       <a:schemeClr val="lt1"/>
-    </dgm:linClrLst>
-    <dgm:effectClrLst/>
-    <dgm:txLinClrLst/>
-    <dgm:txFillClrLst/>
+    </dgm:fillClrLst>
+    <dgm:linClrLst meth="repeat">
+      <a:schemeClr val="accent3">
+        <a:shade val="80000"/>
+      </a:schemeClr>
+    </dgm:linClrLst>
+    <dgm:effectClrLst/>
+    <dgm:txLinClrLst/>
+    <dgm:txFillClrLst meth="repeat">
+      <a:schemeClr val="dk1"/>
+    </dgm:txFillClrLst>
     <dgm:txEffectClrLst/>
   </dgm:styleLbl>
   <dgm:styleLbl name="vennNode1">
     <dgm:fillClrLst meth="repeat">
-      <a:schemeClr val="accent1">
+      <a:schemeClr val="lt1">
         <a:alpha val="50000"/>
       </a:schemeClr>
     </dgm:fillClrLst>
     <dgm:linClrLst meth="repeat">
+      <a:schemeClr val="accent3">
+        <a:shade val="80000"/>
+      </a:schemeClr>
+    </dgm:linClrLst>
+    <dgm:effectClrLst/>
+    <dgm:txLinClrLst/>
+    <dgm:txFillClrLst/>
+    <dgm:txEffectClrLst/>
+  </dgm:styleLbl>
+  <dgm:styleLbl name="node2">
+    <dgm:fillClrLst meth="repeat">
       <a:schemeClr val="lt1"/>
-    </dgm:linClrLst>
-    <dgm:effectClrLst/>
-    <dgm:txLinClrLst/>
-    <dgm:txFillClrLst/>
-    <dgm:txEffectClrLst/>
-  </dgm:styleLbl>
-  <dgm:styleLbl name="node2">
-    <dgm:fillClrLst meth="repeat">
-      <a:schemeClr val="accent1"/>
-    </dgm:fillClrLst>
-    <dgm:linClrLst meth="repeat">
+    </dgm:fillClrLst>
+    <dgm:linClrLst meth="repeat">
+      <a:schemeClr val="accent3">
+        <a:shade val="80000"/>
+      </a:schemeClr>
+    </dgm:linClrLst>
+    <dgm:effectClrLst/>
+    <dgm:txLinClrLst/>
+    <dgm:txFillClrLst meth="repeat">
+      <a:schemeClr val="dk1"/>
+    </dgm:txFillClrLst>
+    <dgm:txEffectClrLst/>
+  </dgm:styleLbl>
+  <dgm:styleLbl name="node3">
+    <dgm:fillClrLst meth="repeat">
       <a:schemeClr val="lt1"/>
-    </dgm:linClrLst>
-    <dgm:effectClrLst/>
-    <dgm:txLinClrLst/>
-    <dgm:txFillClrLst/>
-    <dgm:txEffectClrLst/>
-  </dgm:styleLbl>
-  <dgm:styleLbl name="node3">
-    <dgm:fillClrLst meth="repeat">
-      <a:schemeClr val="accent1"/>
-    </dgm:fillClrLst>
-    <dgm:linClrLst meth="repeat">
+    </dgm:fillClrLst>
+    <dgm:linClrLst meth="repeat">
+      <a:schemeClr val="accent3">
+        <a:shade val="80000"/>
+      </a:schemeClr>
+    </dgm:linClrLst>
+    <dgm:effectClrLst/>
+    <dgm:txLinClrLst/>
+    <dgm:txFillClrLst meth="repeat">
+      <a:schemeClr val="dk1"/>
+    </dgm:txFillClrLst>
+    <dgm:txEffectClrLst/>
+  </dgm:styleLbl>
+  <dgm:styleLbl name="node4">
+    <dgm:fillClrLst meth="repeat">
       <a:schemeClr val="lt1"/>
-    </dgm:linClrLst>
-    <dgm:effectClrLst/>
-    <dgm:txLinClrLst/>
-    <dgm:txFillClrLst/>
-    <dgm:txEffectClrLst/>
-  </dgm:styleLbl>
-  <dgm:styleLbl name="node4">
-    <dgm:fillClrLst meth="repeat">
-      <a:schemeClr val="accent1"/>
-    </dgm:fillClrLst>
-    <dgm:linClrLst meth="repeat">
-      <a:schemeClr val="lt1"/>
-    </dgm:linClrLst>
-    <dgm:effectClrLst/>
-    <dgm:txLinClrLst/>
-    <dgm:txFillClrLst/>
+    </dgm:fillClrLst>
+    <dgm:linClrLst meth="repeat">
+      <a:schemeClr val="accent3">
+        <a:shade val="80000"/>
+      </a:schemeClr>
+    </dgm:linClrLst>
+    <dgm:effectClrLst/>
+    <dgm:txLinClrLst/>
+    <dgm:txFillClrLst meth="repeat">
+      <a:schemeClr val="dk1"/>
+    </dgm:txFillClrLst>
     <dgm:txEffectClrLst/>
   </dgm:styleLbl>
   <dgm:styleLbl name="fgImgPlace1">
     <dgm:fillClrLst meth="repeat">
-      <a:schemeClr val="accent1">
-        <a:tint val="50000"/>
+      <a:schemeClr val="accent3">
+        <a:tint val="40000"/>
       </a:schemeClr>
     </dgm:fillClrLst>
     <dgm:linClrLst meth="repeat">
-      <a:schemeClr val="lt1"/>
+      <a:schemeClr val="accent3">
+        <a:shade val="80000"/>
+      </a:schemeClr>
     </dgm:linClrLst>
     <dgm:effectClrLst/>
     <dgm:txLinClrLst/>
@@ -2486,12 +2578,14 @@
   </dgm:styleLbl>
   <dgm:styleLbl name="alignImgPlace1">
     <dgm:fillClrLst meth="repeat">
-      <a:schemeClr val="accent1">
-        <a:tint val="50000"/>
+      <a:schemeClr val="accent3">
+        <a:tint val="40000"/>
       </a:schemeClr>
     </dgm:fillClrLst>
     <dgm:linClrLst meth="repeat">
-      <a:schemeClr val="lt1"/>
+      <a:schemeClr val="accent3">
+        <a:shade val="80000"/>
+      </a:schemeClr>
     </dgm:linClrLst>
     <dgm:effectClrLst/>
     <dgm:txLinClrLst/>
@@ -2502,12 +2596,14 @@
   </dgm:styleLbl>
   <dgm:styleLbl name="bgImgPlace1">
     <dgm:fillClrLst meth="repeat">
-      <a:schemeClr val="accent1">
-        <a:tint val="50000"/>
+      <a:schemeClr val="accent3">
+        <a:tint val="40000"/>
       </a:schemeClr>
     </dgm:fillClrLst>
     <dgm:linClrLst meth="repeat">
-      <a:schemeClr val="lt1"/>
+      <a:schemeClr val="accent3">
+        <a:shade val="80000"/>
+      </a:schemeClr>
     </dgm:linClrLst>
     <dgm:effectClrLst/>
     <dgm:txLinClrLst/>
@@ -2518,58 +2614,64 @@
   </dgm:styleLbl>
   <dgm:styleLbl name="sibTrans2D1">
     <dgm:fillClrLst meth="repeat">
-      <a:schemeClr val="accent1">
+      <a:schemeClr val="accent3">
         <a:tint val="60000"/>
       </a:schemeClr>
     </dgm:fillClrLst>
     <dgm:linClrLst meth="repeat">
-      <a:schemeClr val="accent1">
+      <a:schemeClr val="accent3">
         <a:tint val="60000"/>
       </a:schemeClr>
     </dgm:linClrLst>
     <dgm:effectClrLst/>
     <dgm:txLinClrLst/>
-    <dgm:txFillClrLst/>
+    <dgm:txFillClrLst meth="repeat">
+      <a:schemeClr val="dk1"/>
+    </dgm:txFillClrLst>
     <dgm:txEffectClrLst/>
   </dgm:styleLbl>
   <dgm:styleLbl name="fgSibTrans2D1">
     <dgm:fillClrLst meth="repeat">
-      <a:schemeClr val="accent1">
+      <a:schemeClr val="accent3">
         <a:tint val="60000"/>
       </a:schemeClr>
     </dgm:fillClrLst>
     <dgm:linClrLst meth="repeat">
-      <a:schemeClr val="accent1">
+      <a:schemeClr val="accent3">
         <a:tint val="60000"/>
       </a:schemeClr>
     </dgm:linClrLst>
     <dgm:effectClrLst/>
     <dgm:txLinClrLst/>
-    <dgm:txFillClrLst/>
+    <dgm:txFillClrLst meth="repeat">
+      <a:schemeClr val="dk1"/>
+    </dgm:txFillClrLst>
     <dgm:txEffectClrLst/>
   </dgm:styleLbl>
   <dgm:styleLbl name="bgSibTrans2D1">
     <dgm:fillClrLst meth="repeat">
-      <a:schemeClr val="accent1">
+      <a:schemeClr val="accent3">
         <a:tint val="60000"/>
       </a:schemeClr>
     </dgm:fillClrLst>
     <dgm:linClrLst meth="repeat">
-      <a:schemeClr val="accent1">
+      <a:schemeClr val="accent3">
         <a:tint val="60000"/>
       </a:schemeClr>
     </dgm:linClrLst>
     <dgm:effectClrLst/>
     <dgm:txLinClrLst/>
-    <dgm:txFillClrLst/>
+    <dgm:txFillClrLst meth="repeat">
+      <a:schemeClr val="dk1"/>
+    </dgm:txFillClrLst>
     <dgm:txEffectClrLst/>
   </dgm:styleLbl>
   <dgm:styleLbl name="sibTrans1D1">
     <dgm:fillClrLst meth="repeat">
-      <a:schemeClr val="accent1"/>
-    </dgm:fillClrLst>
-    <dgm:linClrLst meth="repeat">
-      <a:schemeClr val="accent1"/>
+      <a:schemeClr val="accent3"/>
+    </dgm:fillClrLst>
+    <dgm:linClrLst meth="repeat">
+      <a:schemeClr val="accent3"/>
     </dgm:linClrLst>
     <dgm:effectClrLst/>
     <dgm:txLinClrLst/>
@@ -2580,12 +2682,10 @@
   </dgm:styleLbl>
   <dgm:styleLbl name="callout">
     <dgm:fillClrLst meth="repeat">
-      <a:schemeClr val="accent1"/>
-    </dgm:fillClrLst>
-    <dgm:linClrLst meth="repeat">
-      <a:schemeClr val="accent1">
-        <a:tint val="50000"/>
-      </a:schemeClr>
+      <a:schemeClr val="accent3"/>
+    </dgm:fillClrLst>
+    <dgm:linClrLst meth="repeat">
+      <a:schemeClr val="accent3"/>
     </dgm:linClrLst>
     <dgm:effectClrLst/>
     <dgm:txLinClrLst/>
@@ -2596,74 +2696,130 @@
   </dgm:styleLbl>
   <dgm:styleLbl name="asst0">
     <dgm:fillClrLst meth="repeat">
-      <a:schemeClr val="accent1"/>
-    </dgm:fillClrLst>
-    <dgm:linClrLst meth="repeat">
       <a:schemeClr val="lt1"/>
-    </dgm:linClrLst>
-    <dgm:effectClrLst/>
-    <dgm:txLinClrLst/>
-    <dgm:txFillClrLst/>
+    </dgm:fillClrLst>
+    <dgm:linClrLst meth="repeat">
+      <a:schemeClr val="accent3">
+        <a:shade val="80000"/>
+      </a:schemeClr>
+    </dgm:linClrLst>
+    <dgm:effectClrLst/>
+    <dgm:txLinClrLst/>
+    <dgm:txFillClrLst meth="repeat">
+      <a:schemeClr val="dk1"/>
+    </dgm:txFillClrLst>
     <dgm:txEffectClrLst/>
   </dgm:styleLbl>
   <dgm:styleLbl name="asst1">
     <dgm:fillClrLst meth="repeat">
-      <a:schemeClr val="accent1"/>
-    </dgm:fillClrLst>
-    <dgm:linClrLst meth="repeat">
       <a:schemeClr val="lt1"/>
-    </dgm:linClrLst>
-    <dgm:effectClrLst/>
-    <dgm:txLinClrLst/>
-    <dgm:txFillClrLst/>
+    </dgm:fillClrLst>
+    <dgm:linClrLst meth="repeat">
+      <a:schemeClr val="accent3">
+        <a:shade val="80000"/>
+      </a:schemeClr>
+    </dgm:linClrLst>
+    <dgm:effectClrLst/>
+    <dgm:txLinClrLst/>
+    <dgm:txFillClrLst meth="repeat">
+      <a:schemeClr val="dk1"/>
+    </dgm:txFillClrLst>
     <dgm:txEffectClrLst/>
   </dgm:styleLbl>
   <dgm:styleLbl name="asst2">
     <dgm:fillClrLst meth="repeat">
-      <a:schemeClr val="accent1"/>
-    </dgm:fillClrLst>
-    <dgm:linClrLst meth="repeat">
       <a:schemeClr val="lt1"/>
-    </dgm:linClrLst>
-    <dgm:effectClrLst/>
-    <dgm:txLinClrLst/>
-    <dgm:txFillClrLst/>
+    </dgm:fillClrLst>
+    <dgm:linClrLst meth="repeat">
+      <a:schemeClr val="accent3">
+        <a:shade val="80000"/>
+      </a:schemeClr>
+    </dgm:linClrLst>
+    <dgm:effectClrLst/>
+    <dgm:txLinClrLst/>
+    <dgm:txFillClrLst meth="repeat">
+      <a:schemeClr val="dk1"/>
+    </dgm:txFillClrLst>
     <dgm:txEffectClrLst/>
   </dgm:styleLbl>
   <dgm:styleLbl name="asst3">
     <dgm:fillClrLst meth="repeat">
-      <a:schemeClr val="accent1"/>
-    </dgm:fillClrLst>
-    <dgm:linClrLst meth="repeat">
       <a:schemeClr val="lt1"/>
-    </dgm:linClrLst>
-    <dgm:effectClrLst/>
-    <dgm:txLinClrLst/>
-    <dgm:txFillClrLst/>
+    </dgm:fillClrLst>
+    <dgm:linClrLst meth="repeat">
+      <a:schemeClr val="accent3">
+        <a:shade val="80000"/>
+      </a:schemeClr>
+    </dgm:linClrLst>
+    <dgm:effectClrLst/>
+    <dgm:txLinClrLst/>
+    <dgm:txFillClrLst meth="repeat">
+      <a:schemeClr val="dk1"/>
+    </dgm:txFillClrLst>
     <dgm:txEffectClrLst/>
   </dgm:styleLbl>
   <dgm:styleLbl name="asst4">
     <dgm:fillClrLst meth="repeat">
-      <a:schemeClr val="accent1"/>
-    </dgm:fillClrLst>
-    <dgm:linClrLst meth="repeat">
       <a:schemeClr val="lt1"/>
-    </dgm:linClrLst>
-    <dgm:effectClrLst/>
-    <dgm:txLinClrLst/>
-    <dgm:txFillClrLst/>
+    </dgm:fillClrLst>
+    <dgm:linClrLst meth="repeat">
+      <a:schemeClr val="accent3">
+        <a:shade val="80000"/>
+      </a:schemeClr>
+    </dgm:linClrLst>
+    <dgm:effectClrLst/>
+    <dgm:txLinClrLst/>
+    <dgm:txFillClrLst meth="repeat">
+      <a:schemeClr val="dk1"/>
+    </dgm:txFillClrLst>
     <dgm:txEffectClrLst/>
   </dgm:styleLbl>
   <dgm:styleLbl name="parChTrans2D1">
     <dgm:fillClrLst meth="repeat">
-      <a:schemeClr val="accent1">
+      <a:schemeClr val="accent3">
         <a:tint val="60000"/>
       </a:schemeClr>
     </dgm:fillClrLst>
     <dgm:linClrLst meth="repeat">
-      <a:schemeClr val="accent1">
+      <a:schemeClr val="accent3">
         <a:tint val="60000"/>
       </a:schemeClr>
+    </dgm:linClrLst>
+    <dgm:effectClrLst/>
+    <dgm:txLinClrLst/>
+    <dgm:txFillClrLst/>
+    <dgm:txEffectClrLst/>
+  </dgm:styleLbl>
+  <dgm:styleLbl name="parChTrans2D2">
+    <dgm:fillClrLst meth="repeat">
+      <a:schemeClr val="accent3"/>
+    </dgm:fillClrLst>
+    <dgm:linClrLst meth="repeat">
+      <a:schemeClr val="accent3"/>
+    </dgm:linClrLst>
+    <dgm:effectClrLst/>
+    <dgm:txLinClrLst/>
+    <dgm:txFillClrLst/>
+    <dgm:txEffectClrLst/>
+  </dgm:styleLbl>
+  <dgm:styleLbl name="parChTrans2D3">
+    <dgm:fillClrLst meth="repeat">
+      <a:schemeClr val="accent3"/>
+    </dgm:fillClrLst>
+    <dgm:linClrLst meth="repeat">
+      <a:schemeClr val="accent3"/>
+    </dgm:linClrLst>
+    <dgm:effectClrLst/>
+    <dgm:txLinClrLst/>
+    <dgm:txFillClrLst/>
+    <dgm:txEffectClrLst/>
+  </dgm:styleLbl>
+  <dgm:styleLbl name="parChTrans2D4">
+    <dgm:fillClrLst meth="repeat">
+      <a:schemeClr val="accent3"/>
+    </dgm:fillClrLst>
+    <dgm:linClrLst meth="repeat">
+      <a:schemeClr val="accent3"/>
     </dgm:linClrLst>
     <dgm:effectClrLst/>
     <dgm:txLinClrLst/>
@@ -2672,12 +2828,346 @@
     </dgm:txFillClrLst>
     <dgm:txEffectClrLst/>
   </dgm:styleLbl>
-  <dgm:styleLbl name="parChTrans2D2">
-    <dgm:fillClrLst meth="repeat">
-      <a:schemeClr val="accent1"/>
-    </dgm:fillClrLst>
-    <dgm:linClrLst meth="repeat">
-      <a:schemeClr val="accent1"/>
+  <dgm:styleLbl name="parChTrans1D1">
+    <dgm:fillClrLst meth="repeat">
+      <a:schemeClr val="accent3"/>
+    </dgm:fillClrLst>
+    <dgm:linClrLst meth="repeat">
+      <a:schemeClr val="accent3">
+        <a:shade val="60000"/>
+      </a:schemeClr>
+    </dgm:linClrLst>
+    <dgm:effectClrLst/>
+    <dgm:txLinClrLst/>
+    <dgm:txFillClrLst meth="repeat">
+      <a:schemeClr val="tx1"/>
+    </dgm:txFillClrLst>
+    <dgm:txEffectClrLst/>
+  </dgm:styleLbl>
+  <dgm:styleLbl name="parChTrans1D2">
+    <dgm:fillClrLst meth="repeat">
+      <a:schemeClr val="accent3"/>
+    </dgm:fillClrLst>
+    <dgm:linClrLst meth="repeat">
+      <a:schemeClr val="accent3">
+        <a:shade val="60000"/>
+      </a:schemeClr>
+    </dgm:linClrLst>
+    <dgm:effectClrLst/>
+    <dgm:txLinClrLst/>
+    <dgm:txFillClrLst meth="repeat">
+      <a:schemeClr val="tx1"/>
+    </dgm:txFillClrLst>
+    <dgm:txEffectClrLst/>
+  </dgm:styleLbl>
+  <dgm:styleLbl name="parChTrans1D3">
+    <dgm:fillClrLst meth="repeat">
+      <a:schemeClr val="accent3"/>
+    </dgm:fillClrLst>
+    <dgm:linClrLst meth="repeat">
+      <a:schemeClr val="accent3">
+        <a:shade val="80000"/>
+      </a:schemeClr>
+    </dgm:linClrLst>
+    <dgm:effectClrLst/>
+    <dgm:txLinClrLst/>
+    <dgm:txFillClrLst meth="repeat">
+      <a:schemeClr val="tx1"/>
+    </dgm:txFillClrLst>
+    <dgm:txEffectClrLst/>
+  </dgm:styleLbl>
+  <dgm:styleLbl name="parChTrans1D4">
+    <dgm:fillClrLst meth="repeat">
+      <a:schemeClr val="accent3"/>
+    </dgm:fillClrLst>
+    <dgm:linClrLst meth="repeat">
+      <a:schemeClr val="accent3">
+        <a:shade val="80000"/>
+      </a:schemeClr>
+    </dgm:linClrLst>
+    <dgm:effectClrLst/>
+    <dgm:txLinClrLst/>
+    <dgm:txFillClrLst meth="repeat">
+      <a:schemeClr val="tx1"/>
+    </dgm:txFillClrLst>
+    <dgm:txEffectClrLst/>
+  </dgm:styleLbl>
+  <dgm:styleLbl name="fgAcc1">
+    <dgm:fillClrLst meth="repeat">
+      <a:schemeClr val="accent3">
+        <a:alpha val="90000"/>
+        <a:tint val="40000"/>
+      </a:schemeClr>
+    </dgm:fillClrLst>
+    <dgm:linClrLst meth="repeat">
+      <a:schemeClr val="accent3"/>
+    </dgm:linClrLst>
+    <dgm:effectClrLst/>
+    <dgm:txLinClrLst/>
+    <dgm:txFillClrLst meth="repeat">
+      <a:schemeClr val="dk1"/>
+    </dgm:txFillClrLst>
+    <dgm:txEffectClrLst/>
+  </dgm:styleLbl>
+  <dgm:styleLbl name="conFgAcc1">
+    <dgm:fillClrLst meth="repeat">
+      <a:schemeClr val="accent3">
+        <a:alpha val="90000"/>
+        <a:tint val="40000"/>
+      </a:schemeClr>
+    </dgm:fillClrLst>
+    <dgm:linClrLst meth="repeat">
+      <a:schemeClr val="accent3"/>
+    </dgm:linClrLst>
+    <dgm:effectClrLst/>
+    <dgm:txLinClrLst/>
+    <dgm:txFillClrLst meth="repeat">
+      <a:schemeClr val="dk1"/>
+    </dgm:txFillClrLst>
+    <dgm:txEffectClrLst/>
+  </dgm:styleLbl>
+  <dgm:styleLbl name="alignAcc1">
+    <dgm:fillClrLst meth="repeat">
+      <a:schemeClr val="accent3">
+        <a:alpha val="90000"/>
+        <a:tint val="40000"/>
+      </a:schemeClr>
+    </dgm:fillClrLst>
+    <dgm:linClrLst meth="repeat">
+      <a:schemeClr val="accent3"/>
+    </dgm:linClrLst>
+    <dgm:effectClrLst/>
+    <dgm:txLinClrLst/>
+    <dgm:txFillClrLst meth="repeat">
+      <a:schemeClr val="dk1"/>
+    </dgm:txFillClrLst>
+    <dgm:txEffectClrLst/>
+  </dgm:styleLbl>
+  <dgm:styleLbl name="trAlignAcc1">
+    <dgm:fillClrLst meth="repeat">
+      <a:schemeClr val="accent3">
+        <a:alpha val="40000"/>
+        <a:tint val="40000"/>
+      </a:schemeClr>
+    </dgm:fillClrLst>
+    <dgm:linClrLst meth="repeat">
+      <a:schemeClr val="accent3"/>
+    </dgm:linClrLst>
+    <dgm:effectClrLst/>
+    <dgm:txLinClrLst/>
+    <dgm:txFillClrLst meth="repeat">
+      <a:schemeClr val="dk1"/>
+    </dgm:txFillClrLst>
+    <dgm:txEffectClrLst/>
+  </dgm:styleLbl>
+  <dgm:styleLbl name="bgAcc1">
+    <dgm:fillClrLst meth="repeat">
+      <a:schemeClr val="accent3">
+        <a:alpha val="90000"/>
+        <a:tint val="40000"/>
+      </a:schemeClr>
+    </dgm:fillClrLst>
+    <dgm:linClrLst meth="repeat">
+      <a:schemeClr val="accent3"/>
+    </dgm:linClrLst>
+    <dgm:effectClrLst/>
+    <dgm:txLinClrLst/>
+    <dgm:txFillClrLst meth="repeat">
+      <a:schemeClr val="dk1"/>
+    </dgm:txFillClrLst>
+    <dgm:txEffectClrLst/>
+  </dgm:styleLbl>
+  <dgm:styleLbl name="solidFgAcc1">
+    <dgm:fillClrLst meth="repeat">
+      <a:schemeClr val="lt1"/>
+    </dgm:fillClrLst>
+    <dgm:linClrLst meth="repeat">
+      <a:schemeClr val="accent3"/>
+    </dgm:linClrLst>
+    <dgm:effectClrLst/>
+    <dgm:txLinClrLst/>
+    <dgm:txFillClrLst meth="repeat">
+      <a:schemeClr val="dk1"/>
+    </dgm:txFillClrLst>
+    <dgm:txEffectClrLst/>
+  </dgm:styleLbl>
+  <dgm:styleLbl name="solidAlignAcc1">
+    <dgm:fillClrLst meth="repeat">
+      <a:schemeClr val="lt1"/>
+    </dgm:fillClrLst>
+    <dgm:linClrLst meth="repeat">
+      <a:schemeClr val="accent3"/>
+    </dgm:linClrLst>
+    <dgm:effectClrLst/>
+    <dgm:txLinClrLst/>
+    <dgm:txFillClrLst meth="repeat">
+      <a:schemeClr val="dk1"/>
+    </dgm:txFillClrLst>
+    <dgm:txEffectClrLst/>
+  </dgm:styleLbl>
+  <dgm:styleLbl name="solidBgAcc1">
+    <dgm:fillClrLst meth="repeat">
+      <a:schemeClr val="lt1"/>
+    </dgm:fillClrLst>
+    <dgm:linClrLst meth="repeat">
+      <a:schemeClr val="accent3"/>
+    </dgm:linClrLst>
+    <dgm:effectClrLst/>
+    <dgm:txLinClrLst/>
+    <dgm:txFillClrLst meth="repeat">
+      <a:schemeClr val="dk1"/>
+    </dgm:txFillClrLst>
+    <dgm:txEffectClrLst/>
+  </dgm:styleLbl>
+  <dgm:styleLbl name="fgAccFollowNode1">
+    <dgm:fillClrLst meth="repeat">
+      <a:schemeClr val="lt1">
+        <a:alpha val="90000"/>
+        <a:tint val="40000"/>
+      </a:schemeClr>
+    </dgm:fillClrLst>
+    <dgm:linClrLst meth="repeat">
+      <a:schemeClr val="accent3">
+        <a:alpha val="90000"/>
+      </a:schemeClr>
+    </dgm:linClrLst>
+    <dgm:effectClrLst/>
+    <dgm:txLinClrLst/>
+    <dgm:txFillClrLst meth="repeat">
+      <a:schemeClr val="dk1"/>
+    </dgm:txFillClrLst>
+    <dgm:txEffectClrLst/>
+  </dgm:styleLbl>
+  <dgm:styleLbl name="alignAccFollowNode1">
+    <dgm:fillClrLst meth="repeat">
+      <a:schemeClr val="lt1">
+        <a:alpha val="90000"/>
+        <a:tint val="40000"/>
+      </a:schemeClr>
+    </dgm:fillClrLst>
+    <dgm:linClrLst meth="repeat">
+      <a:schemeClr val="accent3">
+        <a:alpha val="90000"/>
+      </a:schemeClr>
+    </dgm:linClrLst>
+    <dgm:effectClrLst/>
+    <dgm:txLinClrLst/>
+    <dgm:txFillClrLst meth="repeat">
+      <a:schemeClr val="dk1"/>
+    </dgm:txFillClrLst>
+    <dgm:txEffectClrLst/>
+  </dgm:styleLbl>
+  <dgm:styleLbl name="bgAccFollowNode1">
+    <dgm:fillClrLst meth="repeat">
+      <a:schemeClr val="lt1">
+        <a:alpha val="90000"/>
+        <a:tint val="40000"/>
+      </a:schemeClr>
+    </dgm:fillClrLst>
+    <dgm:linClrLst meth="repeat">
+      <a:schemeClr val="accent3">
+        <a:alpha val="90000"/>
+      </a:schemeClr>
+    </dgm:linClrLst>
+    <dgm:effectClrLst/>
+    <dgm:txLinClrLst/>
+    <dgm:txFillClrLst meth="repeat">
+      <a:schemeClr val="dk1"/>
+    </dgm:txFillClrLst>
+    <dgm:txEffectClrLst/>
+  </dgm:styleLbl>
+  <dgm:styleLbl name="fgAcc0">
+    <dgm:fillClrLst meth="repeat">
+      <a:schemeClr val="accent3">
+        <a:alpha val="90000"/>
+        <a:tint val="40000"/>
+      </a:schemeClr>
+    </dgm:fillClrLst>
+    <dgm:linClrLst meth="repeat">
+      <a:schemeClr val="accent3"/>
+    </dgm:linClrLst>
+    <dgm:effectClrLst/>
+    <dgm:txLinClrLst/>
+    <dgm:txFillClrLst meth="repeat">
+      <a:schemeClr val="dk1"/>
+    </dgm:txFillClrLst>
+    <dgm:txEffectClrLst/>
+  </dgm:styleLbl>
+  <dgm:styleLbl name="fgAcc2">
+    <dgm:fillClrLst meth="repeat">
+      <a:schemeClr val="accent3">
+        <a:alpha val="90000"/>
+        <a:tint val="40000"/>
+      </a:schemeClr>
+    </dgm:fillClrLst>
+    <dgm:linClrLst meth="repeat">
+      <a:schemeClr val="accent3"/>
+    </dgm:linClrLst>
+    <dgm:effectClrLst/>
+    <dgm:txLinClrLst/>
+    <dgm:txFillClrLst meth="repeat">
+      <a:schemeClr val="dk1"/>
+    </dgm:txFillClrLst>
+    <dgm:txEffectClrLst/>
+  </dgm:styleLbl>
+  <dgm:styleLbl name="fgAcc3">
+    <dgm:fillClrLst meth="repeat">
+      <a:schemeClr val="accent3">
+        <a:alpha val="90000"/>
+        <a:tint val="40000"/>
+      </a:schemeClr>
+    </dgm:fillClrLst>
+    <dgm:linClrLst meth="repeat">
+      <a:schemeClr val="accent3"/>
+    </dgm:linClrLst>
+    <dgm:effectClrLst/>
+    <dgm:txLinClrLst/>
+    <dgm:txFillClrLst meth="repeat">
+      <a:schemeClr val="dk1"/>
+    </dgm:txFillClrLst>
+    <dgm:txEffectClrLst/>
+  </dgm:styleLbl>
+  <dgm:styleLbl name="fgAcc4">
+    <dgm:fillClrLst meth="repeat">
+      <a:schemeClr val="accent3">
+        <a:alpha val="90000"/>
+        <a:tint val="40000"/>
+      </a:schemeClr>
+    </dgm:fillClrLst>
+    <dgm:linClrLst meth="repeat">
+      <a:schemeClr val="accent3"/>
+    </dgm:linClrLst>
+    <dgm:effectClrLst/>
+    <dgm:txLinClrLst/>
+    <dgm:txFillClrLst meth="repeat">
+      <a:schemeClr val="dk1"/>
+    </dgm:txFillClrLst>
+    <dgm:txEffectClrLst/>
+  </dgm:styleLbl>
+  <dgm:styleLbl name="bgShp">
+    <dgm:fillClrLst meth="repeat">
+      <a:schemeClr val="accent3">
+        <a:tint val="40000"/>
+      </a:schemeClr>
+    </dgm:fillClrLst>
+    <dgm:linClrLst meth="repeat">
+      <a:schemeClr val="accent3"/>
+    </dgm:linClrLst>
+    <dgm:effectClrLst/>
+    <dgm:txLinClrLst/>
+    <dgm:txFillClrLst meth="repeat">
+      <a:schemeClr val="dk1"/>
+    </dgm:txFillClrLst>
+    <dgm:txEffectClrLst/>
+  </dgm:styleLbl>
+  <dgm:styleLbl name="dkBgShp">
+    <dgm:fillClrLst meth="repeat">
+      <a:schemeClr val="accent3">
+        <a:shade val="80000"/>
+      </a:schemeClr>
+    </dgm:fillClrLst>
+    <dgm:linClrLst meth="repeat">
+      <a:schemeClr val="accent3"/>
     </dgm:linClrLst>
     <dgm:effectClrLst/>
     <dgm:txLinClrLst/>
@@ -2686,12 +3176,15 @@
     </dgm:txFillClrLst>
     <dgm:txEffectClrLst/>
   </dgm:styleLbl>
-  <dgm:styleLbl name="parChTrans2D3">
-    <dgm:fillClrLst meth="repeat">
-      <a:schemeClr val="accent1"/>
-    </dgm:fillClrLst>
-    <dgm:linClrLst meth="repeat">
-      <a:schemeClr val="accent1"/>
+  <dgm:styleLbl name="trBgShp">
+    <dgm:fillClrLst meth="repeat">
+      <a:schemeClr val="accent3">
+        <a:tint val="50000"/>
+        <a:alpha val="40000"/>
+      </a:schemeClr>
+    </dgm:fillClrLst>
+    <dgm:linClrLst meth="repeat">
+      <a:schemeClr val="accent3"/>
     </dgm:linClrLst>
     <dgm:effectClrLst/>
     <dgm:txLinClrLst/>
@@ -2700,382 +3193,9 @@
     </dgm:txFillClrLst>
     <dgm:txEffectClrLst/>
   </dgm:styleLbl>
-  <dgm:styleLbl name="parChTrans2D4">
-    <dgm:fillClrLst meth="repeat">
-      <a:schemeClr val="accent1"/>
-    </dgm:fillClrLst>
-    <dgm:linClrLst meth="repeat">
-      <a:schemeClr val="accent1"/>
-    </dgm:linClrLst>
-    <dgm:effectClrLst/>
-    <dgm:txLinClrLst/>
-    <dgm:txFillClrLst meth="repeat">
-      <a:schemeClr val="lt1"/>
-    </dgm:txFillClrLst>
-    <dgm:txEffectClrLst/>
-  </dgm:styleLbl>
-  <dgm:styleLbl name="parChTrans1D1">
-    <dgm:fillClrLst meth="repeat">
-      <a:schemeClr val="accent1"/>
-    </dgm:fillClrLst>
-    <dgm:linClrLst meth="repeat">
-      <a:schemeClr val="accent1">
-        <a:shade val="60000"/>
-      </a:schemeClr>
-    </dgm:linClrLst>
-    <dgm:effectClrLst/>
-    <dgm:txLinClrLst/>
-    <dgm:txFillClrLst meth="repeat">
-      <a:schemeClr val="tx1"/>
-    </dgm:txFillClrLst>
-    <dgm:txEffectClrLst/>
-  </dgm:styleLbl>
-  <dgm:styleLbl name="parChTrans1D2">
-    <dgm:fillClrLst meth="repeat">
-      <a:schemeClr val="accent1"/>
-    </dgm:fillClrLst>
-    <dgm:linClrLst meth="repeat">
-      <a:schemeClr val="accent1">
-        <a:shade val="60000"/>
-      </a:schemeClr>
-    </dgm:linClrLst>
-    <dgm:effectClrLst/>
-    <dgm:txLinClrLst/>
-    <dgm:txFillClrLst meth="repeat">
-      <a:schemeClr val="tx1"/>
-    </dgm:txFillClrLst>
-    <dgm:txEffectClrLst/>
-  </dgm:styleLbl>
-  <dgm:styleLbl name="parChTrans1D3">
-    <dgm:fillClrLst meth="repeat">
-      <a:schemeClr val="accent1"/>
-    </dgm:fillClrLst>
-    <dgm:linClrLst meth="repeat">
-      <a:schemeClr val="accent1">
-        <a:shade val="80000"/>
-      </a:schemeClr>
-    </dgm:linClrLst>
-    <dgm:effectClrLst/>
-    <dgm:txLinClrLst/>
-    <dgm:txFillClrLst meth="repeat">
-      <a:schemeClr val="tx1"/>
-    </dgm:txFillClrLst>
-    <dgm:txEffectClrLst/>
-  </dgm:styleLbl>
-  <dgm:styleLbl name="parChTrans1D4">
-    <dgm:fillClrLst meth="repeat">
-      <a:schemeClr val="accent1"/>
-    </dgm:fillClrLst>
-    <dgm:linClrLst meth="repeat">
-      <a:schemeClr val="accent1">
-        <a:shade val="80000"/>
-      </a:schemeClr>
-    </dgm:linClrLst>
-    <dgm:effectClrLst/>
-    <dgm:txLinClrLst/>
-    <dgm:txFillClrLst meth="repeat">
-      <a:schemeClr val="tx1"/>
-    </dgm:txFillClrLst>
-    <dgm:txEffectClrLst/>
-  </dgm:styleLbl>
-  <dgm:styleLbl name="fgAcc1">
-    <dgm:fillClrLst meth="repeat">
-      <a:schemeClr val="lt1">
-        <a:alpha val="90000"/>
-      </a:schemeClr>
-    </dgm:fillClrLst>
-    <dgm:linClrLst meth="repeat">
-      <a:schemeClr val="accent1"/>
-    </dgm:linClrLst>
-    <dgm:effectClrLst/>
-    <dgm:txLinClrLst/>
-    <dgm:txFillClrLst meth="repeat">
-      <a:schemeClr val="dk1"/>
-    </dgm:txFillClrLst>
-    <dgm:txEffectClrLst/>
-  </dgm:styleLbl>
-  <dgm:styleLbl name="conFgAcc1">
-    <dgm:fillClrLst meth="repeat">
-      <a:schemeClr val="lt1">
-        <a:alpha val="90000"/>
-      </a:schemeClr>
-    </dgm:fillClrLst>
-    <dgm:linClrLst meth="repeat">
-      <a:schemeClr val="accent1"/>
-    </dgm:linClrLst>
-    <dgm:effectClrLst/>
-    <dgm:txLinClrLst/>
-    <dgm:txFillClrLst meth="repeat">
-      <a:schemeClr val="dk1"/>
-    </dgm:txFillClrLst>
-    <dgm:txEffectClrLst/>
-  </dgm:styleLbl>
-  <dgm:styleLbl name="alignAcc1">
-    <dgm:fillClrLst meth="repeat">
-      <a:schemeClr val="lt1">
-        <a:alpha val="90000"/>
-      </a:schemeClr>
-    </dgm:fillClrLst>
-    <dgm:linClrLst meth="repeat">
-      <a:schemeClr val="accent1"/>
-    </dgm:linClrLst>
-    <dgm:effectClrLst/>
-    <dgm:txLinClrLst/>
-    <dgm:txFillClrLst meth="repeat">
-      <a:schemeClr val="dk1"/>
-    </dgm:txFillClrLst>
-    <dgm:txEffectClrLst/>
-  </dgm:styleLbl>
-  <dgm:styleLbl name="trAlignAcc1">
-    <dgm:fillClrLst meth="repeat">
-      <a:schemeClr val="lt1">
-        <a:alpha val="40000"/>
-      </a:schemeClr>
-    </dgm:fillClrLst>
-    <dgm:linClrLst meth="repeat">
-      <a:schemeClr val="accent1"/>
-    </dgm:linClrLst>
-    <dgm:effectClrLst/>
-    <dgm:txLinClrLst/>
-    <dgm:txFillClrLst meth="repeat">
-      <a:schemeClr val="dk1"/>
-    </dgm:txFillClrLst>
-    <dgm:txEffectClrLst/>
-  </dgm:styleLbl>
-  <dgm:styleLbl name="bgAcc1">
-    <dgm:fillClrLst meth="repeat">
-      <a:schemeClr val="lt1">
-        <a:alpha val="90000"/>
-      </a:schemeClr>
-    </dgm:fillClrLst>
-    <dgm:linClrLst meth="repeat">
-      <a:schemeClr val="accent1"/>
-    </dgm:linClrLst>
-    <dgm:effectClrLst/>
-    <dgm:txLinClrLst/>
-    <dgm:txFillClrLst meth="repeat">
-      <a:schemeClr val="dk1"/>
-    </dgm:txFillClrLst>
-    <dgm:txEffectClrLst/>
-  </dgm:styleLbl>
-  <dgm:styleLbl name="solidFgAcc1">
-    <dgm:fillClrLst meth="repeat">
-      <a:schemeClr val="lt1"/>
-    </dgm:fillClrLst>
-    <dgm:linClrLst meth="repeat">
-      <a:schemeClr val="accent1"/>
-    </dgm:linClrLst>
-    <dgm:effectClrLst/>
-    <dgm:txLinClrLst/>
-    <dgm:txFillClrLst meth="repeat">
-      <a:schemeClr val="dk1"/>
-    </dgm:txFillClrLst>
-    <dgm:txEffectClrLst/>
-  </dgm:styleLbl>
-  <dgm:styleLbl name="solidAlignAcc1">
-    <dgm:fillClrLst meth="repeat">
-      <a:schemeClr val="lt1"/>
-    </dgm:fillClrLst>
-    <dgm:linClrLst meth="repeat">
-      <a:schemeClr val="accent1"/>
-    </dgm:linClrLst>
-    <dgm:effectClrLst/>
-    <dgm:txLinClrLst/>
-    <dgm:txFillClrLst meth="repeat">
-      <a:schemeClr val="dk1"/>
-    </dgm:txFillClrLst>
-    <dgm:txEffectClrLst/>
-  </dgm:styleLbl>
-  <dgm:styleLbl name="solidBgAcc1">
-    <dgm:fillClrLst meth="repeat">
-      <a:schemeClr val="lt1"/>
-    </dgm:fillClrLst>
-    <dgm:linClrLst meth="repeat">
-      <a:schemeClr val="accent1"/>
-    </dgm:linClrLst>
-    <dgm:effectClrLst/>
-    <dgm:txLinClrLst/>
-    <dgm:txFillClrLst meth="repeat">
-      <a:schemeClr val="dk1"/>
-    </dgm:txFillClrLst>
-    <dgm:txEffectClrLst/>
-  </dgm:styleLbl>
-  <dgm:styleLbl name="fgAccFollowNode1">
-    <dgm:fillClrLst meth="repeat">
-      <a:schemeClr val="accent1">
-        <a:alpha val="90000"/>
-        <a:tint val="40000"/>
-      </a:schemeClr>
-    </dgm:fillClrLst>
-    <dgm:linClrLst meth="repeat">
-      <a:schemeClr val="accent1">
-        <a:alpha val="90000"/>
-        <a:tint val="40000"/>
-      </a:schemeClr>
-    </dgm:linClrLst>
-    <dgm:effectClrLst/>
-    <dgm:txLinClrLst/>
-    <dgm:txFillClrLst meth="repeat">
-      <a:schemeClr val="dk1"/>
-    </dgm:txFillClrLst>
-    <dgm:txEffectClrLst/>
-  </dgm:styleLbl>
-  <dgm:styleLbl name="alignAccFollowNode1">
-    <dgm:fillClrLst meth="repeat">
-      <a:schemeClr val="accent1">
-        <a:alpha val="90000"/>
-        <a:tint val="40000"/>
-      </a:schemeClr>
-    </dgm:fillClrLst>
-    <dgm:linClrLst meth="repeat">
-      <a:schemeClr val="accent1">
-        <a:alpha val="90000"/>
-        <a:tint val="40000"/>
-      </a:schemeClr>
-    </dgm:linClrLst>
-    <dgm:effectClrLst/>
-    <dgm:txLinClrLst/>
-    <dgm:txFillClrLst meth="repeat">
-      <a:schemeClr val="dk1"/>
-    </dgm:txFillClrLst>
-    <dgm:txEffectClrLst/>
-  </dgm:styleLbl>
-  <dgm:styleLbl name="bgAccFollowNode1">
-    <dgm:fillClrLst meth="repeat">
-      <a:schemeClr val="accent1">
-        <a:alpha val="90000"/>
-        <a:tint val="40000"/>
-      </a:schemeClr>
-    </dgm:fillClrLst>
-    <dgm:linClrLst meth="repeat">
-      <a:schemeClr val="accent1">
-        <a:alpha val="90000"/>
-        <a:tint val="40000"/>
-      </a:schemeClr>
-    </dgm:linClrLst>
-    <dgm:effectClrLst/>
-    <dgm:txLinClrLst/>
-    <dgm:txFillClrLst meth="repeat">
-      <a:schemeClr val="dk1"/>
-    </dgm:txFillClrLst>
-    <dgm:txEffectClrLst/>
-  </dgm:styleLbl>
-  <dgm:styleLbl name="fgAcc0">
-    <dgm:fillClrLst meth="repeat">
-      <a:schemeClr val="lt1">
-        <a:alpha val="90000"/>
-      </a:schemeClr>
-    </dgm:fillClrLst>
-    <dgm:linClrLst meth="repeat">
-      <a:schemeClr val="accent1"/>
-    </dgm:linClrLst>
-    <dgm:effectClrLst/>
-    <dgm:txLinClrLst/>
-    <dgm:txFillClrLst meth="repeat">
-      <a:schemeClr val="dk1"/>
-    </dgm:txFillClrLst>
-    <dgm:txEffectClrLst/>
-  </dgm:styleLbl>
-  <dgm:styleLbl name="fgAcc2">
-    <dgm:fillClrLst meth="repeat">
-      <a:schemeClr val="lt1">
-        <a:alpha val="90000"/>
-      </a:schemeClr>
-    </dgm:fillClrLst>
-    <dgm:linClrLst meth="repeat">
-      <a:schemeClr val="accent1"/>
-    </dgm:linClrLst>
-    <dgm:effectClrLst/>
-    <dgm:txLinClrLst/>
-    <dgm:txFillClrLst meth="repeat">
-      <a:schemeClr val="dk1"/>
-    </dgm:txFillClrLst>
-    <dgm:txEffectClrLst/>
-  </dgm:styleLbl>
-  <dgm:styleLbl name="fgAcc3">
-    <dgm:fillClrLst meth="repeat">
-      <a:schemeClr val="lt1">
-        <a:alpha val="90000"/>
-      </a:schemeClr>
-    </dgm:fillClrLst>
-    <dgm:linClrLst meth="repeat">
-      <a:schemeClr val="accent1"/>
-    </dgm:linClrLst>
-    <dgm:effectClrLst/>
-    <dgm:txLinClrLst/>
-    <dgm:txFillClrLst meth="repeat">
-      <a:schemeClr val="dk1"/>
-    </dgm:txFillClrLst>
-    <dgm:txEffectClrLst/>
-  </dgm:styleLbl>
-  <dgm:styleLbl name="fgAcc4">
-    <dgm:fillClrLst meth="repeat">
-      <a:schemeClr val="lt1">
-        <a:alpha val="90000"/>
-      </a:schemeClr>
-    </dgm:fillClrLst>
-    <dgm:linClrLst meth="repeat">
-      <a:schemeClr val="accent1"/>
-    </dgm:linClrLst>
-    <dgm:effectClrLst/>
-    <dgm:txLinClrLst/>
-    <dgm:txFillClrLst meth="repeat">
-      <a:schemeClr val="dk1"/>
-    </dgm:txFillClrLst>
-    <dgm:txEffectClrLst/>
-  </dgm:styleLbl>
-  <dgm:styleLbl name="bgShp">
-    <dgm:fillClrLst meth="repeat">
-      <a:schemeClr val="accent1">
-        <a:tint val="40000"/>
-      </a:schemeClr>
-    </dgm:fillClrLst>
-    <dgm:linClrLst meth="repeat">
-      <a:schemeClr val="accent1"/>
-    </dgm:linClrLst>
-    <dgm:effectClrLst/>
-    <dgm:txLinClrLst/>
-    <dgm:txFillClrLst meth="repeat">
-      <a:schemeClr val="dk1"/>
-    </dgm:txFillClrLst>
-    <dgm:txEffectClrLst/>
-  </dgm:styleLbl>
-  <dgm:styleLbl name="dkBgShp">
-    <dgm:fillClrLst meth="repeat">
-      <a:schemeClr val="accent1">
-        <a:shade val="80000"/>
-      </a:schemeClr>
-    </dgm:fillClrLst>
-    <dgm:linClrLst meth="repeat">
-      <a:schemeClr val="accent1"/>
-    </dgm:linClrLst>
-    <dgm:effectClrLst/>
-    <dgm:txLinClrLst/>
-    <dgm:txFillClrLst meth="repeat">
-      <a:schemeClr val="lt1"/>
-    </dgm:txFillClrLst>
-    <dgm:txEffectClrLst/>
-  </dgm:styleLbl>
-  <dgm:styleLbl name="trBgShp">
-    <dgm:fillClrLst meth="repeat">
-      <a:schemeClr val="accent1">
-        <a:tint val="50000"/>
-        <a:alpha val="40000"/>
-      </a:schemeClr>
-    </dgm:fillClrLst>
-    <dgm:linClrLst meth="repeat">
-      <a:schemeClr val="accent1"/>
-    </dgm:linClrLst>
-    <dgm:effectClrLst/>
-    <dgm:txLinClrLst/>
-    <dgm:txFillClrLst meth="repeat">
-      <a:schemeClr val="lt1"/>
-    </dgm:txFillClrLst>
-    <dgm:txEffectClrLst/>
-  </dgm:styleLbl>
   <dgm:styleLbl name="fgShp">
     <dgm:fillClrLst meth="repeat">
-      <a:schemeClr val="accent1">
+      <a:schemeClr val="accent3">
         <a:tint val="60000"/>
       </a:schemeClr>
     </dgm:fillClrLst>
@@ -7596,7 +7716,7 @@
 <dgm:dataModel xmlns:dgm="http://schemas.openxmlformats.org/drawingml/2006/diagram" xmlns:a="http://schemas.openxmlformats.org/drawingml/2006/main">
   <dgm:ptLst>
     <dgm:pt modelId="{19AD1D9E-4511-49A1-8EA2-767F1148FF45}" type="doc">
-      <dgm:prSet loTypeId="urn:microsoft.com/office/officeart/2005/8/layout/cycle6" loCatId="cycle" qsTypeId="urn:microsoft.com/office/officeart/2005/8/quickstyle/simple1" qsCatId="simple" csTypeId="urn:microsoft.com/office/officeart/2005/8/colors/accent1_2" csCatId="accent1" phldr="1"/>
+      <dgm:prSet loTypeId="urn:microsoft.com/office/officeart/2005/8/layout/cycle6" loCatId="cycle" qsTypeId="urn:microsoft.com/office/officeart/2005/8/quickstyle/simple1" qsCatId="simple" csTypeId="urn:microsoft.com/office/officeart/2005/8/colors/accent3_1" csCatId="accent3" phldr="1"/>
       <dgm:spPr/>
       <dgm:t>
         <a:bodyPr/>
@@ -7607,14 +7727,14 @@
       </dgm:t>
     </dgm:pt>
     <dgm:pt modelId="{4C54C7CC-88CA-4CE9-9E6E-533D98873150}">
-      <dgm:prSet phldrT="[Text]"/>
+      <dgm:prSet phldrT="[Text]" custT="1"/>
       <dgm:spPr/>
       <dgm:t>
         <a:bodyPr/>
         <a:lstStyle/>
         <a:p>
           <a:r>
-            <a:rPr lang="en-US" dirty="0"/>
+            <a:rPr lang="en-US" sz="1600" dirty="0"/>
             <a:t>Data Load</a:t>
           </a:r>
         </a:p>
@@ -7643,16 +7763,17 @@
       </dgm:t>
     </dgm:pt>
     <dgm:pt modelId="{D663EB53-B71E-45D5-95CC-4F7C9DBA35F3}">
-      <dgm:prSet phldrT="[Text]"/>
+      <dgm:prSet phldrT="[Text]" custT="1"/>
       <dgm:spPr/>
       <dgm:t>
         <a:bodyPr/>
         <a:lstStyle/>
         <a:p>
           <a:r>
-            <a:rPr lang="en-GB" noProof="0" dirty="0"/>
-            <a:t>Summarisation</a:t>
+            <a:rPr lang="en-GB" sz="1600" noProof="0"/>
+            <a:t>Data Quality</a:t>
           </a:r>
+          <a:endParaRPr lang="en-GB" sz="1600" noProof="0" dirty="0"/>
         </a:p>
       </dgm:t>
     </dgm:pt>
@@ -7679,15 +7800,19 @@
       </dgm:t>
     </dgm:pt>
     <dgm:pt modelId="{EC60F613-0AD8-49F1-BCDE-53B63BCECF67}">
-      <dgm:prSet phldrT="[Text]"/>
+      <dgm:prSet phldrT="[Text]" custT="1"/>
       <dgm:spPr/>
       <dgm:t>
         <a:bodyPr/>
         <a:lstStyle/>
         <a:p>
           <a:r>
-            <a:rPr lang="en-US" dirty="0"/>
-            <a:t>SQL Code Management</a:t>
+            <a:rPr lang="en-US" sz="1600"/>
+            <a:t>SQL Code </a:t>
+          </a:r>
+          <a:r>
+            <a:rPr lang="en-US" sz="1600" dirty="0"/>
+            <a:t>Management</a:t>
           </a:r>
         </a:p>
       </dgm:t>
@@ -7715,14 +7840,14 @@
       </dgm:t>
     </dgm:pt>
     <dgm:pt modelId="{C49CDC3F-0780-4EC8-AF9F-2ED6F2F964E7}">
-      <dgm:prSet phldrT="[Text]"/>
+      <dgm:prSet phldrT="[Text]" custT="1"/>
       <dgm:spPr/>
       <dgm:t>
         <a:bodyPr/>
         <a:lstStyle/>
         <a:p>
           <a:r>
-            <a:rPr lang="en-US" dirty="0"/>
+            <a:rPr lang="en-US" sz="1600" dirty="0"/>
             <a:t>Documentation</a:t>
           </a:r>
         </a:p>
@@ -7751,14 +7876,14 @@
       </dgm:t>
     </dgm:pt>
     <dgm:pt modelId="{E73298F5-30F4-40F0-A548-418EEB3B1D5E}">
-      <dgm:prSet phldrT="[Text]"/>
+      <dgm:prSet phldrT="[Text]" custT="1"/>
       <dgm:spPr/>
       <dgm:t>
         <a:bodyPr/>
         <a:lstStyle/>
         <a:p>
           <a:r>
-            <a:rPr lang="en-US" dirty="0"/>
+            <a:rPr lang="en-US" sz="1600" dirty="0"/>
             <a:t>Audit</a:t>
           </a:r>
         </a:p>
@@ -7787,14 +7912,14 @@
       </dgm:t>
     </dgm:pt>
     <dgm:pt modelId="{E5A54953-BDBF-41CD-B71C-66C970F7CE0A}">
-      <dgm:prSet phldrT="[Text]"/>
+      <dgm:prSet phldrT="[Text]" custT="1"/>
       <dgm:spPr/>
       <dgm:t>
         <a:bodyPr/>
         <a:lstStyle/>
         <a:p>
           <a:r>
-            <a:rPr lang="en-US" dirty="0"/>
+            <a:rPr lang="en-US" sz="1600" dirty="0"/>
             <a:t>Governance</a:t>
           </a:r>
         </a:p>
@@ -8218,7 +8343,7 @@
 <dgm:dataModel xmlns:dgm="http://schemas.openxmlformats.org/drawingml/2006/diagram" xmlns:a="http://schemas.openxmlformats.org/drawingml/2006/main">
   <dgm:ptLst>
     <dgm:pt modelId="{FF9A2B3A-5272-4B6E-8736-7428F0D29B72}" type="doc">
-      <dgm:prSet loTypeId="urn:microsoft.com/office/officeart/2005/8/layout/funnel1" loCatId="process" qsTypeId="urn:microsoft.com/office/officeart/2005/8/quickstyle/simple1" qsCatId="simple" csTypeId="urn:microsoft.com/office/officeart/2005/8/colors/accent1_2" csCatId="accent1" phldr="1"/>
+      <dgm:prSet loTypeId="urn:microsoft.com/office/officeart/2009/3/layout/DescendingProcess" loCatId="process" qsTypeId="urn:microsoft.com/office/officeart/2005/8/quickstyle/simple1" qsCatId="simple" csTypeId="urn:microsoft.com/office/officeart/2005/8/colors/accent1_2" csCatId="accent1" phldr="1"/>
       <dgm:spPr/>
       <dgm:t>
         <a:bodyPr/>
@@ -8236,9 +8361,10 @@
         <a:lstStyle/>
         <a:p>
           <a:r>
-            <a:rPr lang="en-US" dirty="0"/>
-            <a:t>Remote Databases</a:t>
+            <a:rPr lang="en-US"/>
+            <a:t>Database</a:t>
           </a:r>
+          <a:endParaRPr lang="en-US" dirty="0"/>
         </a:p>
       </dgm:t>
     </dgm:pt>
@@ -8308,9 +8434,10 @@
         <a:lstStyle/>
         <a:p>
           <a:r>
-            <a:rPr lang="en-US" dirty="0"/>
-            <a:t>FTP Server</a:t>
+            <a:rPr lang="en-US"/>
+            <a:t>FTP</a:t>
           </a:r>
+          <a:endParaRPr lang="en-US" dirty="0"/>
         </a:p>
       </dgm:t>
     </dgm:pt>
@@ -8369,77 +8496,89 @@
         </a:p>
       </dgm:t>
     </dgm:pt>
-    <dgm:pt modelId="{B30594F7-1C27-46B0-9AA0-19CC7DCBC551}" type="pres">
+    <dgm:pt modelId="{4C2BEE1D-7FD5-408A-9732-A9264E84F553}" type="pres">
       <dgm:prSet presAssocID="{FF9A2B3A-5272-4B6E-8736-7428F0D29B72}" presName="Name0" presStyleCnt="0">
         <dgm:presLayoutVars>
-          <dgm:chMax val="4"/>
-          <dgm:resizeHandles val="exact"/>
+          <dgm:chMax val="7"/>
+          <dgm:chPref val="5"/>
         </dgm:presLayoutVars>
       </dgm:prSet>
       <dgm:spPr/>
     </dgm:pt>
-    <dgm:pt modelId="{A252FEFB-D5ED-4D28-A07F-2C98D05FFD0F}" type="pres">
-      <dgm:prSet presAssocID="{FF9A2B3A-5272-4B6E-8736-7428F0D29B72}" presName="ellipse" presStyleLbl="trBgShp" presStyleIdx="0" presStyleCnt="1"/>
+    <dgm:pt modelId="{69481088-C6C1-470F-81A6-522A8EFB5A87}" type="pres">
+      <dgm:prSet presAssocID="{FF9A2B3A-5272-4B6E-8736-7428F0D29B72}" presName="arrowNode" presStyleLbl="node1" presStyleIdx="0" presStyleCnt="1"/>
       <dgm:spPr/>
     </dgm:pt>
-    <dgm:pt modelId="{01B28E1D-7535-45A7-93DC-6F99644D4901}" type="pres">
-      <dgm:prSet presAssocID="{FF9A2B3A-5272-4B6E-8736-7428F0D29B72}" presName="arrow1" presStyleLbl="fgShp" presStyleIdx="0" presStyleCnt="1"/>
-      <dgm:spPr/>
-    </dgm:pt>
-    <dgm:pt modelId="{ABC684E5-7F5C-4574-852F-8E7CAC7042D8}" type="pres">
-      <dgm:prSet presAssocID="{FF9A2B3A-5272-4B6E-8736-7428F0D29B72}" presName="rectangle" presStyleLbl="revTx" presStyleIdx="0" presStyleCnt="1">
+    <dgm:pt modelId="{FCFB6BC1-84FE-4B59-809A-2BEBAF81DA48}" type="pres">
+      <dgm:prSet presAssocID="{F502BBF1-F190-4893-8835-CD7C352A3DBF}" presName="txNode1" presStyleLbl="revTx" presStyleIdx="0" presStyleCnt="4">
         <dgm:presLayoutVars>
           <dgm:bulletEnabled val="1"/>
         </dgm:presLayoutVars>
       </dgm:prSet>
       <dgm:spPr/>
     </dgm:pt>
-    <dgm:pt modelId="{5E3840EC-FB9C-4F93-88E3-CDF34AA2E2CA}" type="pres">
-      <dgm:prSet presAssocID="{193D89CF-823F-4565-8468-0B0595E01C83}" presName="item1" presStyleLbl="node1" presStyleIdx="0" presStyleCnt="3">
+    <dgm:pt modelId="{F6A8DD03-C1D8-4E86-A479-7D9BCCF53A3E}" type="pres">
+      <dgm:prSet presAssocID="{193D89CF-823F-4565-8468-0B0595E01C83}" presName="txNode2" presStyleLbl="revTx" presStyleIdx="1" presStyleCnt="4">
         <dgm:presLayoutVars>
           <dgm:bulletEnabled val="1"/>
         </dgm:presLayoutVars>
       </dgm:prSet>
       <dgm:spPr/>
     </dgm:pt>
-    <dgm:pt modelId="{82DD6346-FE81-44B8-976F-7A642571E33E}" type="pres">
-      <dgm:prSet presAssocID="{7C7230A5-DCD9-4DD0-861D-69D07DFF52C1}" presName="item2" presStyleLbl="node1" presStyleIdx="1" presStyleCnt="3">
+    <dgm:pt modelId="{876DADAF-1736-4F24-98F4-FB09651327B6}" type="pres">
+      <dgm:prSet presAssocID="{444C0B46-A64C-4A2D-9159-50B6BE1361A2}" presName="dotNode2" presStyleCnt="0"/>
+      <dgm:spPr/>
+    </dgm:pt>
+    <dgm:pt modelId="{8C71DB13-0672-41F2-BAE8-41EBAC4CDD42}" type="pres">
+      <dgm:prSet presAssocID="{444C0B46-A64C-4A2D-9159-50B6BE1361A2}" presName="dotRepeatNode" presStyleLbl="fgShp" presStyleIdx="0" presStyleCnt="2"/>
+      <dgm:spPr/>
+    </dgm:pt>
+    <dgm:pt modelId="{31487FD8-1785-4A1C-A803-F0F104FC7889}" type="pres">
+      <dgm:prSet presAssocID="{7C7230A5-DCD9-4DD0-861D-69D07DFF52C1}" presName="txNode3" presStyleLbl="revTx" presStyleIdx="2" presStyleCnt="4">
         <dgm:presLayoutVars>
           <dgm:bulletEnabled val="1"/>
         </dgm:presLayoutVars>
       </dgm:prSet>
       <dgm:spPr/>
     </dgm:pt>
-    <dgm:pt modelId="{49C2B6D0-9991-43A1-AD51-63D8DE1501D6}" type="pres">
-      <dgm:prSet presAssocID="{A4C51279-08F4-4F39-9B94-4F2BDAA8D782}" presName="item3" presStyleLbl="node1" presStyleIdx="2" presStyleCnt="3">
+    <dgm:pt modelId="{E2CB08B1-109D-4C1B-8E8E-9A964B307A35}" type="pres">
+      <dgm:prSet presAssocID="{0676B333-B7FF-4F3F-925B-6D062637C790}" presName="dotNode3" presStyleCnt="0"/>
+      <dgm:spPr/>
+    </dgm:pt>
+    <dgm:pt modelId="{A24DE632-C160-49F2-9651-6CE36FC87A2F}" type="pres">
+      <dgm:prSet presAssocID="{0676B333-B7FF-4F3F-925B-6D062637C790}" presName="dotRepeatNode" presStyleLbl="fgShp" presStyleIdx="1" presStyleCnt="2"/>
+      <dgm:spPr/>
+    </dgm:pt>
+    <dgm:pt modelId="{29F7D51E-2A8C-4F1C-AF1D-6403F080EB51}" type="pres">
+      <dgm:prSet presAssocID="{A4C51279-08F4-4F39-9B94-4F2BDAA8D782}" presName="txNode4" presStyleLbl="revTx" presStyleIdx="3" presStyleCnt="4">
         <dgm:presLayoutVars>
           <dgm:bulletEnabled val="1"/>
         </dgm:presLayoutVars>
       </dgm:prSet>
       <dgm:spPr/>
     </dgm:pt>
-    <dgm:pt modelId="{10BC400F-FB3B-403F-A525-8AF2109ACCA7}" type="pres">
-      <dgm:prSet presAssocID="{FF9A2B3A-5272-4B6E-8736-7428F0D29B72}" presName="funnel" presStyleLbl="trAlignAcc1" presStyleIdx="0" presStyleCnt="1"/>
-      <dgm:spPr/>
-    </dgm:pt>
   </dgm:ptLst>
   <dgm:cxnLst>
-    <dgm:cxn modelId="{1C14ED07-9DE5-42BD-88B9-F0A39F65E784}" type="presOf" srcId="{A4C51279-08F4-4F39-9B94-4F2BDAA8D782}" destId="{ABC684E5-7F5C-4574-852F-8E7CAC7042D8}" srcOrd="0" destOrd="0" presId="urn:microsoft.com/office/officeart/2005/8/layout/funnel1"/>
-    <dgm:cxn modelId="{F7C2DC31-2AB2-440B-9A25-D057A0971692}" type="presOf" srcId="{7C7230A5-DCD9-4DD0-861D-69D07DFF52C1}" destId="{5E3840EC-FB9C-4F93-88E3-CDF34AA2E2CA}" srcOrd="0" destOrd="0" presId="urn:microsoft.com/office/officeart/2005/8/layout/funnel1"/>
-    <dgm:cxn modelId="{D51C745F-1520-45E9-A57E-86636F80BA31}" type="presOf" srcId="{FF9A2B3A-5272-4B6E-8736-7428F0D29B72}" destId="{B30594F7-1C27-46B0-9AA0-19CC7DCBC551}" srcOrd="0" destOrd="0" presId="urn:microsoft.com/office/officeart/2005/8/layout/funnel1"/>
+    <dgm:cxn modelId="{B6B65131-8979-42A2-B66E-E632AF9D4856}" type="presOf" srcId="{A4C51279-08F4-4F39-9B94-4F2BDAA8D782}" destId="{29F7D51E-2A8C-4F1C-AF1D-6403F080EB51}" srcOrd="0" destOrd="0" presId="urn:microsoft.com/office/officeart/2009/3/layout/DescendingProcess"/>
+    <dgm:cxn modelId="{53DE333B-E5DA-44E9-BF3C-2175CCB28952}" type="presOf" srcId="{FF9A2B3A-5272-4B6E-8736-7428F0D29B72}" destId="{4C2BEE1D-7FD5-408A-9732-A9264E84F553}" srcOrd="0" destOrd="0" presId="urn:microsoft.com/office/officeart/2009/3/layout/DescendingProcess"/>
+    <dgm:cxn modelId="{B7AA7769-D45F-4A0A-8CD1-12248FB219CB}" type="presOf" srcId="{F502BBF1-F190-4893-8835-CD7C352A3DBF}" destId="{FCFB6BC1-84FE-4B59-809A-2BEBAF81DA48}" srcOrd="0" destOrd="0" presId="urn:microsoft.com/office/officeart/2009/3/layout/DescendingProcess"/>
+    <dgm:cxn modelId="{B3E3CE71-5E4A-4742-A360-212802362C30}" type="presOf" srcId="{0676B333-B7FF-4F3F-925B-6D062637C790}" destId="{A24DE632-C160-49F2-9651-6CE36FC87A2F}" srcOrd="0" destOrd="0" presId="urn:microsoft.com/office/officeart/2009/3/layout/DescendingProcess"/>
     <dgm:cxn modelId="{AA2A8779-5BC2-4890-874A-A4597DE906DF}" srcId="{FF9A2B3A-5272-4B6E-8736-7428F0D29B72}" destId="{F502BBF1-F190-4893-8835-CD7C352A3DBF}" srcOrd="0" destOrd="0" parTransId="{8828450B-2A90-4FBA-AB4E-5BCE4F45FAB9}" sibTransId="{4E5F3577-9016-456B-9A71-914BBB186E1C}"/>
+    <dgm:cxn modelId="{34A3DF5A-104D-49E7-9325-D47E89633D39}" type="presOf" srcId="{193D89CF-823F-4565-8468-0B0595E01C83}" destId="{F6A8DD03-C1D8-4E86-A479-7D9BCCF53A3E}" srcOrd="0" destOrd="0" presId="urn:microsoft.com/office/officeart/2009/3/layout/DescendingProcess"/>
     <dgm:cxn modelId="{BC32D983-ABE1-4AF3-AC2C-4B17BE958661}" srcId="{FF9A2B3A-5272-4B6E-8736-7428F0D29B72}" destId="{193D89CF-823F-4565-8468-0B0595E01C83}" srcOrd="1" destOrd="0" parTransId="{495FE3AF-D968-4201-9B03-608E2ECAA645}" sibTransId="{444C0B46-A64C-4A2D-9159-50B6BE1361A2}"/>
-    <dgm:cxn modelId="{7BCFC787-2FC8-48B4-A312-35324E792213}" type="presOf" srcId="{193D89CF-823F-4565-8468-0B0595E01C83}" destId="{82DD6346-FE81-44B8-976F-7A642571E33E}" srcOrd="0" destOrd="0" presId="urn:microsoft.com/office/officeart/2005/8/layout/funnel1"/>
     <dgm:cxn modelId="{566DF99D-1092-4E7C-91F9-26493A86A0CB}" srcId="{FF9A2B3A-5272-4B6E-8736-7428F0D29B72}" destId="{A4C51279-08F4-4F39-9B94-4F2BDAA8D782}" srcOrd="3" destOrd="0" parTransId="{96208382-1D87-4CF2-A054-9F5EFE8F8402}" sibTransId="{5E0C2A01-91D2-4BD4-BDA5-F4ADBB274902}"/>
-    <dgm:cxn modelId="{9D27A3C0-4873-493A-B5EE-B4CFDFB26923}" type="presOf" srcId="{F502BBF1-F190-4893-8835-CD7C352A3DBF}" destId="{49C2B6D0-9991-43A1-AD51-63D8DE1501D6}" srcOrd="0" destOrd="0" presId="urn:microsoft.com/office/officeart/2005/8/layout/funnel1"/>
     <dgm:cxn modelId="{D0A023CD-6229-4827-BE22-8A4AE172849C}" srcId="{FF9A2B3A-5272-4B6E-8736-7428F0D29B72}" destId="{7C7230A5-DCD9-4DD0-861D-69D07DFF52C1}" srcOrd="2" destOrd="0" parTransId="{D183DA9F-B9AC-4C06-828B-449919A7D5F3}" sibTransId="{0676B333-B7FF-4F3F-925B-6D062637C790}"/>
-    <dgm:cxn modelId="{5A48B1E9-7934-41B6-9D72-BC1FA87A1BA7}" type="presParOf" srcId="{B30594F7-1C27-46B0-9AA0-19CC7DCBC551}" destId="{A252FEFB-D5ED-4D28-A07F-2C98D05FFD0F}" srcOrd="0" destOrd="0" presId="urn:microsoft.com/office/officeart/2005/8/layout/funnel1"/>
-    <dgm:cxn modelId="{4BEE3264-42CF-480C-A4A5-55A6C2A585EB}" type="presParOf" srcId="{B30594F7-1C27-46B0-9AA0-19CC7DCBC551}" destId="{01B28E1D-7535-45A7-93DC-6F99644D4901}" srcOrd="1" destOrd="0" presId="urn:microsoft.com/office/officeart/2005/8/layout/funnel1"/>
-    <dgm:cxn modelId="{35921FAB-41B3-4DAE-A62C-963BDA79C3EF}" type="presParOf" srcId="{B30594F7-1C27-46B0-9AA0-19CC7DCBC551}" destId="{ABC684E5-7F5C-4574-852F-8E7CAC7042D8}" srcOrd="2" destOrd="0" presId="urn:microsoft.com/office/officeart/2005/8/layout/funnel1"/>
-    <dgm:cxn modelId="{78D9F874-1627-4007-97A6-5506F907F51B}" type="presParOf" srcId="{B30594F7-1C27-46B0-9AA0-19CC7DCBC551}" destId="{5E3840EC-FB9C-4F93-88E3-CDF34AA2E2CA}" srcOrd="3" destOrd="0" presId="urn:microsoft.com/office/officeart/2005/8/layout/funnel1"/>
-    <dgm:cxn modelId="{38A797C7-83FD-4CA5-86D5-08485F6A04B0}" type="presParOf" srcId="{B30594F7-1C27-46B0-9AA0-19CC7DCBC551}" destId="{82DD6346-FE81-44B8-976F-7A642571E33E}" srcOrd="4" destOrd="0" presId="urn:microsoft.com/office/officeart/2005/8/layout/funnel1"/>
-    <dgm:cxn modelId="{A74CB0A0-87A7-46E6-9C66-10A55741E88A}" type="presParOf" srcId="{B30594F7-1C27-46B0-9AA0-19CC7DCBC551}" destId="{49C2B6D0-9991-43A1-AD51-63D8DE1501D6}" srcOrd="5" destOrd="0" presId="urn:microsoft.com/office/officeart/2005/8/layout/funnel1"/>
-    <dgm:cxn modelId="{28978B30-30B3-4872-800F-865A39C2EDA0}" type="presParOf" srcId="{B30594F7-1C27-46B0-9AA0-19CC7DCBC551}" destId="{10BC400F-FB3B-403F-A525-8AF2109ACCA7}" srcOrd="6" destOrd="0" presId="urn:microsoft.com/office/officeart/2005/8/layout/funnel1"/>
+    <dgm:cxn modelId="{001443D3-7565-4657-8B9C-0B370654620B}" type="presOf" srcId="{7C7230A5-DCD9-4DD0-861D-69D07DFF52C1}" destId="{31487FD8-1785-4A1C-A803-F0F104FC7889}" srcOrd="0" destOrd="0" presId="urn:microsoft.com/office/officeart/2009/3/layout/DescendingProcess"/>
+    <dgm:cxn modelId="{22ECF9D3-8E23-465C-AA03-0C193E8F82CE}" type="presOf" srcId="{444C0B46-A64C-4A2D-9159-50B6BE1361A2}" destId="{8C71DB13-0672-41F2-BAE8-41EBAC4CDD42}" srcOrd="0" destOrd="0" presId="urn:microsoft.com/office/officeart/2009/3/layout/DescendingProcess"/>
+    <dgm:cxn modelId="{0AD47C95-43B9-44FF-AF1F-2F44E0D123C9}" type="presParOf" srcId="{4C2BEE1D-7FD5-408A-9732-A9264E84F553}" destId="{69481088-C6C1-470F-81A6-522A8EFB5A87}" srcOrd="0" destOrd="0" presId="urn:microsoft.com/office/officeart/2009/3/layout/DescendingProcess"/>
+    <dgm:cxn modelId="{26514C57-BBC0-421B-A908-AAC55B7B8E41}" type="presParOf" srcId="{4C2BEE1D-7FD5-408A-9732-A9264E84F553}" destId="{FCFB6BC1-84FE-4B59-809A-2BEBAF81DA48}" srcOrd="1" destOrd="0" presId="urn:microsoft.com/office/officeart/2009/3/layout/DescendingProcess"/>
+    <dgm:cxn modelId="{FC59B321-56DF-4A05-848A-2E66E41661FF}" type="presParOf" srcId="{4C2BEE1D-7FD5-408A-9732-A9264E84F553}" destId="{F6A8DD03-C1D8-4E86-A479-7D9BCCF53A3E}" srcOrd="2" destOrd="0" presId="urn:microsoft.com/office/officeart/2009/3/layout/DescendingProcess"/>
+    <dgm:cxn modelId="{F6C412B5-B7BA-4707-81DB-A9F35619BF6F}" type="presParOf" srcId="{4C2BEE1D-7FD5-408A-9732-A9264E84F553}" destId="{876DADAF-1736-4F24-98F4-FB09651327B6}" srcOrd="3" destOrd="0" presId="urn:microsoft.com/office/officeart/2009/3/layout/DescendingProcess"/>
+    <dgm:cxn modelId="{6E50A2A5-E331-4BB8-A299-5CF4552893F3}" type="presParOf" srcId="{876DADAF-1736-4F24-98F4-FB09651327B6}" destId="{8C71DB13-0672-41F2-BAE8-41EBAC4CDD42}" srcOrd="0" destOrd="0" presId="urn:microsoft.com/office/officeart/2009/3/layout/DescendingProcess"/>
+    <dgm:cxn modelId="{2BDF4355-77C8-4CEF-BAB5-8663EDFE2528}" type="presParOf" srcId="{4C2BEE1D-7FD5-408A-9732-A9264E84F553}" destId="{31487FD8-1785-4A1C-A803-F0F104FC7889}" srcOrd="4" destOrd="0" presId="urn:microsoft.com/office/officeart/2009/3/layout/DescendingProcess"/>
+    <dgm:cxn modelId="{9281665B-F69B-475C-8998-BDDAB762D118}" type="presParOf" srcId="{4C2BEE1D-7FD5-408A-9732-A9264E84F553}" destId="{E2CB08B1-109D-4C1B-8E8E-9A964B307A35}" srcOrd="5" destOrd="0" presId="urn:microsoft.com/office/officeart/2009/3/layout/DescendingProcess"/>
+    <dgm:cxn modelId="{95C564DC-23B9-497B-895F-FB803328000C}" type="presParOf" srcId="{E2CB08B1-109D-4C1B-8E8E-9A964B307A35}" destId="{A24DE632-C160-49F2-9651-6CE36FC87A2F}" srcOrd="0" destOrd="0" presId="urn:microsoft.com/office/officeart/2009/3/layout/DescendingProcess"/>
+    <dgm:cxn modelId="{57BCF18D-4EED-497D-BF79-FE9D3CB66681}" type="presParOf" srcId="{4C2BEE1D-7FD5-408A-9732-A9264E84F553}" destId="{29F7D51E-2A8C-4F1C-AF1D-6403F080EB51}" srcOrd="6" destOrd="0" presId="urn:microsoft.com/office/officeart/2009/3/layout/DescendingProcess"/>
   </dgm:cxnLst>
   <dgm:bg/>
   <dgm:whole/>
@@ -8455,7 +8594,7 @@
 <dgm:dataModel xmlns:dgm="http://schemas.openxmlformats.org/drawingml/2006/diagram" xmlns:a="http://schemas.openxmlformats.org/drawingml/2006/main">
   <dgm:ptLst>
     <dgm:pt modelId="{19AD1D9E-4511-49A1-8EA2-767F1148FF45}" type="doc">
-      <dgm:prSet loTypeId="urn:microsoft.com/office/officeart/2005/8/layout/cycle6" loCatId="cycle" qsTypeId="urn:microsoft.com/office/officeart/2005/8/quickstyle/simple1" qsCatId="simple" csTypeId="urn:microsoft.com/office/officeart/2005/8/colors/accent1_2" csCatId="accent1" phldr="1"/>
+      <dgm:prSet loTypeId="urn:microsoft.com/office/officeart/2005/8/layout/cycle6" loCatId="cycle" qsTypeId="urn:microsoft.com/office/officeart/2005/8/quickstyle/simple1" qsCatId="simple" csTypeId="urn:microsoft.com/office/officeart/2005/8/colors/accent3_1" csCatId="accent3" phldr="1"/>
       <dgm:spPr/>
       <dgm:t>
         <a:bodyPr/>
@@ -8509,9 +8648,10 @@
         <a:lstStyle/>
         <a:p>
           <a:r>
-            <a:rPr lang="en-US" dirty="0"/>
-            <a:t>Release Identifier Allocation</a:t>
+            <a:rPr lang="en-US"/>
+            <a:t>Anonymisation</a:t>
           </a:r>
+          <a:endParaRPr lang="en-US" dirty="0"/>
         </a:p>
       </dgm:t>
     </dgm:pt>
@@ -8840,7 +8980,7 @@
 <dgm:dataModel xmlns:dgm="http://schemas.openxmlformats.org/drawingml/2006/diagram" xmlns:a="http://schemas.openxmlformats.org/drawingml/2006/main">
   <dgm:ptLst>
     <dgm:pt modelId="{FF9A2B3A-5272-4B6E-8736-7428F0D29B72}" type="doc">
-      <dgm:prSet loTypeId="urn:microsoft.com/office/officeart/2005/8/layout/funnel1" loCatId="process" qsTypeId="urn:microsoft.com/office/officeart/2005/8/quickstyle/simple1" qsCatId="simple" csTypeId="urn:microsoft.com/office/officeart/2005/8/colors/accent1_2" csCatId="accent1" phldr="1"/>
+      <dgm:prSet loTypeId="urn:microsoft.com/office/officeart/2009/3/layout/DescendingProcess" loCatId="process" qsTypeId="urn:microsoft.com/office/officeart/2005/8/quickstyle/simple1" qsCatId="simple" csTypeId="urn:microsoft.com/office/officeart/2005/8/colors/accent1_2" csCatId="accent1" phldr="1"/>
       <dgm:spPr/>
       <dgm:t>
         <a:bodyPr/>
@@ -8858,8 +8998,12 @@
         <a:lstStyle/>
         <a:p>
           <a:r>
+            <a:rPr lang="en-US"/>
+            <a:t>Cohort </a:t>
+          </a:r>
+          <a:r>
             <a:rPr lang="en-US" dirty="0"/>
-            <a:t>Identifier Lists</a:t>
+            <a:t>Lists</a:t>
           </a:r>
         </a:p>
       </dgm:t>
@@ -8894,9 +9038,10 @@
         <a:lstStyle/>
         <a:p>
           <a:r>
-            <a:rPr lang="en-US" dirty="0"/>
-            <a:t>Identification Criteria</a:t>
+            <a:rPr lang="en-US"/>
+            <a:t>Inclusion Criteria</a:t>
           </a:r>
+          <a:endParaRPr lang="en-US" dirty="0"/>
         </a:p>
       </dgm:t>
     </dgm:pt>
@@ -8930,9 +9075,10 @@
         <a:lstStyle/>
         <a:p>
           <a:r>
-            <a:rPr lang="en-US" dirty="0"/>
-            <a:t>Refinements of Existing Cohorts</a:t>
+            <a:rPr lang="en-US"/>
+            <a:t>Cohort Refresh</a:t>
           </a:r>
+          <a:endParaRPr lang="en-US" dirty="0"/>
         </a:p>
       </dgm:t>
     </dgm:pt>
@@ -8969,6 +9115,17 @@
         </a:p>
       </dgm:t>
     </dgm:pt>
+    <dgm:pt modelId="{5E0C2A01-91D2-4BD4-BDA5-F4ADBB274902}" type="sibTrans" cxnId="{566DF99D-1092-4E7C-91F9-26493A86A0CB}">
+      <dgm:prSet/>
+      <dgm:spPr/>
+      <dgm:t>
+        <a:bodyPr/>
+        <a:lstStyle/>
+        <a:p>
+          <a:endParaRPr lang="en-US"/>
+        </a:p>
+      </dgm:t>
+    </dgm:pt>
     <dgm:pt modelId="{96208382-1D87-4CF2-A054-9F5EFE8F8402}" type="parTrans" cxnId="{566DF99D-1092-4E7C-91F9-26493A86A0CB}">
       <dgm:prSet/>
       <dgm:spPr/>
@@ -8980,88 +9137,89 @@
         </a:p>
       </dgm:t>
     </dgm:pt>
-    <dgm:pt modelId="{5E0C2A01-91D2-4BD4-BDA5-F4ADBB274902}" type="sibTrans" cxnId="{566DF99D-1092-4E7C-91F9-26493A86A0CB}">
-      <dgm:prSet/>
-      <dgm:spPr/>
-      <dgm:t>
-        <a:bodyPr/>
-        <a:lstStyle/>
-        <a:p>
-          <a:endParaRPr lang="en-US"/>
-        </a:p>
-      </dgm:t>
-    </dgm:pt>
-    <dgm:pt modelId="{B30594F7-1C27-46B0-9AA0-19CC7DCBC551}" type="pres">
+    <dgm:pt modelId="{B2676D1E-ED49-4ACA-BCA9-E6085FDDBCF1}" type="pres">
       <dgm:prSet presAssocID="{FF9A2B3A-5272-4B6E-8736-7428F0D29B72}" presName="Name0" presStyleCnt="0">
         <dgm:presLayoutVars>
-          <dgm:chMax val="4"/>
-          <dgm:resizeHandles val="exact"/>
+          <dgm:chMax val="7"/>
+          <dgm:chPref val="5"/>
         </dgm:presLayoutVars>
       </dgm:prSet>
       <dgm:spPr/>
     </dgm:pt>
-    <dgm:pt modelId="{A252FEFB-D5ED-4D28-A07F-2C98D05FFD0F}" type="pres">
-      <dgm:prSet presAssocID="{FF9A2B3A-5272-4B6E-8736-7428F0D29B72}" presName="ellipse" presStyleLbl="trBgShp" presStyleIdx="0" presStyleCnt="1"/>
+    <dgm:pt modelId="{73CB5B9A-58FD-47F3-869C-D350382994F6}" type="pres">
+      <dgm:prSet presAssocID="{FF9A2B3A-5272-4B6E-8736-7428F0D29B72}" presName="arrowNode" presStyleLbl="node1" presStyleIdx="0" presStyleCnt="1" custFlipHor="1" custLinFactNeighborX="48828" custLinFactNeighborY="-14996"/>
       <dgm:spPr/>
     </dgm:pt>
-    <dgm:pt modelId="{01B28E1D-7535-45A7-93DC-6F99644D4901}" type="pres">
-      <dgm:prSet presAssocID="{FF9A2B3A-5272-4B6E-8736-7428F0D29B72}" presName="arrow1" presStyleLbl="fgShp" presStyleIdx="0" presStyleCnt="1"/>
-      <dgm:spPr/>
-    </dgm:pt>
-    <dgm:pt modelId="{ABC684E5-7F5C-4574-852F-8E7CAC7042D8}" type="pres">
-      <dgm:prSet presAssocID="{FF9A2B3A-5272-4B6E-8736-7428F0D29B72}" presName="rectangle" presStyleLbl="revTx" presStyleIdx="0" presStyleCnt="1">
+    <dgm:pt modelId="{D77E7FED-C63C-48C9-A1BB-085CD411AC8E}" type="pres">
+      <dgm:prSet presAssocID="{F502BBF1-F190-4893-8835-CD7C352A3DBF}" presName="txNode1" presStyleLbl="revTx" presStyleIdx="0" presStyleCnt="4" custFlipHor="1" custLinFactX="26072" custLinFactNeighborX="100000" custLinFactNeighborY="99453">
         <dgm:presLayoutVars>
           <dgm:bulletEnabled val="1"/>
         </dgm:presLayoutVars>
       </dgm:prSet>
       <dgm:spPr/>
     </dgm:pt>
-    <dgm:pt modelId="{5E3840EC-FB9C-4F93-88E3-CDF34AA2E2CA}" type="pres">
-      <dgm:prSet presAssocID="{193D89CF-823F-4565-8468-0B0595E01C83}" presName="item1" presStyleLbl="node1" presStyleIdx="0" presStyleCnt="3">
+    <dgm:pt modelId="{4DCFC195-1990-4446-987E-ED5B33D8F400}" type="pres">
+      <dgm:prSet presAssocID="{193D89CF-823F-4565-8468-0B0595E01C83}" presName="txNode2" presStyleLbl="revTx" presStyleIdx="1" presStyleCnt="4" custFlipHor="1" custLinFactNeighborX="83901" custLinFactNeighborY="5727">
         <dgm:presLayoutVars>
           <dgm:bulletEnabled val="1"/>
         </dgm:presLayoutVars>
       </dgm:prSet>
       <dgm:spPr/>
     </dgm:pt>
-    <dgm:pt modelId="{82DD6346-FE81-44B8-976F-7A642571E33E}" type="pres">
-      <dgm:prSet presAssocID="{7C7230A5-DCD9-4DD0-861D-69D07DFF52C1}" presName="item2" presStyleLbl="node1" presStyleIdx="1" presStyleCnt="3">
+    <dgm:pt modelId="{B788F212-085C-4BE4-8C8C-E584EDD6084F}" type="pres">
+      <dgm:prSet presAssocID="{444C0B46-A64C-4A2D-9159-50B6BE1361A2}" presName="dotNode2" presStyleCnt="0"/>
+      <dgm:spPr/>
+    </dgm:pt>
+    <dgm:pt modelId="{9CAAC12F-B7AB-41C8-ABD1-D45020F17030}" type="pres">
+      <dgm:prSet presAssocID="{444C0B46-A64C-4A2D-9159-50B6BE1361A2}" presName="dotRepeatNode" presStyleLbl="fgShp" presStyleIdx="0" presStyleCnt="2" custFlipHor="1" custLinFactX="1139061" custLinFactNeighborX="1200000" custLinFactNeighborY="27398"/>
+      <dgm:spPr/>
+    </dgm:pt>
+    <dgm:pt modelId="{6D233236-9724-43A1-90EC-1EB01A046A89}" type="pres">
+      <dgm:prSet presAssocID="{7C7230A5-DCD9-4DD0-861D-69D07DFF52C1}" presName="txNode3" presStyleLbl="revTx" presStyleIdx="2" presStyleCnt="4" custFlipHor="1" custLinFactNeighborX="26072" custLinFactNeighborY="-5867">
         <dgm:presLayoutVars>
           <dgm:bulletEnabled val="1"/>
         </dgm:presLayoutVars>
       </dgm:prSet>
       <dgm:spPr/>
     </dgm:pt>
-    <dgm:pt modelId="{49C2B6D0-9991-43A1-AD51-63D8DE1501D6}" type="pres">
-      <dgm:prSet presAssocID="{A4C51279-08F4-4F39-9B94-4F2BDAA8D782}" presName="item3" presStyleLbl="node1" presStyleIdx="2" presStyleCnt="3">
+    <dgm:pt modelId="{078560FB-A571-47A1-947D-5C47EAE1B01A}" type="pres">
+      <dgm:prSet presAssocID="{0676B333-B7FF-4F3F-925B-6D062637C790}" presName="dotNode3" presStyleCnt="0"/>
+      <dgm:spPr/>
+    </dgm:pt>
+    <dgm:pt modelId="{6B863577-8D00-49FD-83C3-01500DD74F1F}" type="pres">
+      <dgm:prSet presAssocID="{0676B333-B7FF-4F3F-925B-6D062637C790}" presName="dotRepeatNode" presStyleLbl="fgShp" presStyleIdx="1" presStyleCnt="2" custFlipHor="1" custLinFactX="300000" custLinFactNeighborX="357781" custLinFactNeighborY="-43057"/>
+      <dgm:spPr/>
+    </dgm:pt>
+    <dgm:pt modelId="{984A3585-D5AA-4B98-AC58-EF5AB08EB6AD}" type="pres">
+      <dgm:prSet presAssocID="{A4C51279-08F4-4F39-9B94-4F2BDAA8D782}" presName="txNode4" presStyleLbl="revTx" presStyleIdx="3" presStyleCnt="4">
         <dgm:presLayoutVars>
           <dgm:bulletEnabled val="1"/>
         </dgm:presLayoutVars>
       </dgm:prSet>
       <dgm:spPr/>
     </dgm:pt>
-    <dgm:pt modelId="{10BC400F-FB3B-403F-A525-8AF2109ACCA7}" type="pres">
-      <dgm:prSet presAssocID="{FF9A2B3A-5272-4B6E-8736-7428F0D29B72}" presName="funnel" presStyleLbl="trAlignAcc1" presStyleIdx="0" presStyleCnt="1"/>
-      <dgm:spPr/>
-    </dgm:pt>
   </dgm:ptLst>
   <dgm:cxnLst>
-    <dgm:cxn modelId="{1C14ED07-9DE5-42BD-88B9-F0A39F65E784}" type="presOf" srcId="{A4C51279-08F4-4F39-9B94-4F2BDAA8D782}" destId="{ABC684E5-7F5C-4574-852F-8E7CAC7042D8}" srcOrd="0" destOrd="0" presId="urn:microsoft.com/office/officeart/2005/8/layout/funnel1"/>
-    <dgm:cxn modelId="{F7C2DC31-2AB2-440B-9A25-D057A0971692}" type="presOf" srcId="{7C7230A5-DCD9-4DD0-861D-69D07DFF52C1}" destId="{5E3840EC-FB9C-4F93-88E3-CDF34AA2E2CA}" srcOrd="0" destOrd="0" presId="urn:microsoft.com/office/officeart/2005/8/layout/funnel1"/>
-    <dgm:cxn modelId="{D51C745F-1520-45E9-A57E-86636F80BA31}" type="presOf" srcId="{FF9A2B3A-5272-4B6E-8736-7428F0D29B72}" destId="{B30594F7-1C27-46B0-9AA0-19CC7DCBC551}" srcOrd="0" destOrd="0" presId="urn:microsoft.com/office/officeart/2005/8/layout/funnel1"/>
+    <dgm:cxn modelId="{8C14290D-2494-4738-B01F-CA36ABF1B682}" type="presOf" srcId="{7C7230A5-DCD9-4DD0-861D-69D07DFF52C1}" destId="{6D233236-9724-43A1-90EC-1EB01A046A89}" srcOrd="0" destOrd="0" presId="urn:microsoft.com/office/officeart/2009/3/layout/DescendingProcess"/>
+    <dgm:cxn modelId="{E8EEE423-AD73-42C2-849C-916376B8FB00}" type="presOf" srcId="{193D89CF-823F-4565-8468-0B0595E01C83}" destId="{4DCFC195-1990-4446-987E-ED5B33D8F400}" srcOrd="0" destOrd="0" presId="urn:microsoft.com/office/officeart/2009/3/layout/DescendingProcess"/>
+    <dgm:cxn modelId="{18F73949-65EA-4ABA-9526-52868661F03A}" type="presOf" srcId="{FF9A2B3A-5272-4B6E-8736-7428F0D29B72}" destId="{B2676D1E-ED49-4ACA-BCA9-E6085FDDBCF1}" srcOrd="0" destOrd="0" presId="urn:microsoft.com/office/officeart/2009/3/layout/DescendingProcess"/>
     <dgm:cxn modelId="{AA2A8779-5BC2-4890-874A-A4597DE906DF}" srcId="{FF9A2B3A-5272-4B6E-8736-7428F0D29B72}" destId="{F502BBF1-F190-4893-8835-CD7C352A3DBF}" srcOrd="0" destOrd="0" parTransId="{8828450B-2A90-4FBA-AB4E-5BCE4F45FAB9}" sibTransId="{4E5F3577-9016-456B-9A71-914BBB186E1C}"/>
+    <dgm:cxn modelId="{31AEC381-AD4F-4A30-A78A-099C25BD7C62}" type="presOf" srcId="{F502BBF1-F190-4893-8835-CD7C352A3DBF}" destId="{D77E7FED-C63C-48C9-A1BB-085CD411AC8E}" srcOrd="0" destOrd="0" presId="urn:microsoft.com/office/officeart/2009/3/layout/DescendingProcess"/>
     <dgm:cxn modelId="{BC32D983-ABE1-4AF3-AC2C-4B17BE958661}" srcId="{FF9A2B3A-5272-4B6E-8736-7428F0D29B72}" destId="{193D89CF-823F-4565-8468-0B0595E01C83}" srcOrd="1" destOrd="0" parTransId="{495FE3AF-D968-4201-9B03-608E2ECAA645}" sibTransId="{444C0B46-A64C-4A2D-9159-50B6BE1361A2}"/>
-    <dgm:cxn modelId="{7BCFC787-2FC8-48B4-A312-35324E792213}" type="presOf" srcId="{193D89CF-823F-4565-8468-0B0595E01C83}" destId="{82DD6346-FE81-44B8-976F-7A642571E33E}" srcOrd="0" destOrd="0" presId="urn:microsoft.com/office/officeart/2005/8/layout/funnel1"/>
     <dgm:cxn modelId="{566DF99D-1092-4E7C-91F9-26493A86A0CB}" srcId="{FF9A2B3A-5272-4B6E-8736-7428F0D29B72}" destId="{A4C51279-08F4-4F39-9B94-4F2BDAA8D782}" srcOrd="3" destOrd="0" parTransId="{96208382-1D87-4CF2-A054-9F5EFE8F8402}" sibTransId="{5E0C2A01-91D2-4BD4-BDA5-F4ADBB274902}"/>
-    <dgm:cxn modelId="{9D27A3C0-4873-493A-B5EE-B4CFDFB26923}" type="presOf" srcId="{F502BBF1-F190-4893-8835-CD7C352A3DBF}" destId="{49C2B6D0-9991-43A1-AD51-63D8DE1501D6}" srcOrd="0" destOrd="0" presId="urn:microsoft.com/office/officeart/2005/8/layout/funnel1"/>
+    <dgm:cxn modelId="{C1DEABAB-BE1B-4330-BB57-89BA1F865163}" type="presOf" srcId="{0676B333-B7FF-4F3F-925B-6D062637C790}" destId="{6B863577-8D00-49FD-83C3-01500DD74F1F}" srcOrd="0" destOrd="0" presId="urn:microsoft.com/office/officeart/2009/3/layout/DescendingProcess"/>
+    <dgm:cxn modelId="{9D8C9AC4-109C-433C-8729-32E89A4919C5}" type="presOf" srcId="{A4C51279-08F4-4F39-9B94-4F2BDAA8D782}" destId="{984A3585-D5AA-4B98-AC58-EF5AB08EB6AD}" srcOrd="0" destOrd="0" presId="urn:microsoft.com/office/officeart/2009/3/layout/DescendingProcess"/>
     <dgm:cxn modelId="{D0A023CD-6229-4827-BE22-8A4AE172849C}" srcId="{FF9A2B3A-5272-4B6E-8736-7428F0D29B72}" destId="{7C7230A5-DCD9-4DD0-861D-69D07DFF52C1}" srcOrd="2" destOrd="0" parTransId="{D183DA9F-B9AC-4C06-828B-449919A7D5F3}" sibTransId="{0676B333-B7FF-4F3F-925B-6D062637C790}"/>
-    <dgm:cxn modelId="{5A48B1E9-7934-41B6-9D72-BC1FA87A1BA7}" type="presParOf" srcId="{B30594F7-1C27-46B0-9AA0-19CC7DCBC551}" destId="{A252FEFB-D5ED-4D28-A07F-2C98D05FFD0F}" srcOrd="0" destOrd="0" presId="urn:microsoft.com/office/officeart/2005/8/layout/funnel1"/>
-    <dgm:cxn modelId="{4BEE3264-42CF-480C-A4A5-55A6C2A585EB}" type="presParOf" srcId="{B30594F7-1C27-46B0-9AA0-19CC7DCBC551}" destId="{01B28E1D-7535-45A7-93DC-6F99644D4901}" srcOrd="1" destOrd="0" presId="urn:microsoft.com/office/officeart/2005/8/layout/funnel1"/>
-    <dgm:cxn modelId="{35921FAB-41B3-4DAE-A62C-963BDA79C3EF}" type="presParOf" srcId="{B30594F7-1C27-46B0-9AA0-19CC7DCBC551}" destId="{ABC684E5-7F5C-4574-852F-8E7CAC7042D8}" srcOrd="2" destOrd="0" presId="urn:microsoft.com/office/officeart/2005/8/layout/funnel1"/>
-    <dgm:cxn modelId="{78D9F874-1627-4007-97A6-5506F907F51B}" type="presParOf" srcId="{B30594F7-1C27-46B0-9AA0-19CC7DCBC551}" destId="{5E3840EC-FB9C-4F93-88E3-CDF34AA2E2CA}" srcOrd="3" destOrd="0" presId="urn:microsoft.com/office/officeart/2005/8/layout/funnel1"/>
-    <dgm:cxn modelId="{38A797C7-83FD-4CA5-86D5-08485F6A04B0}" type="presParOf" srcId="{B30594F7-1C27-46B0-9AA0-19CC7DCBC551}" destId="{82DD6346-FE81-44B8-976F-7A642571E33E}" srcOrd="4" destOrd="0" presId="urn:microsoft.com/office/officeart/2005/8/layout/funnel1"/>
-    <dgm:cxn modelId="{A74CB0A0-87A7-46E6-9C66-10A55741E88A}" type="presParOf" srcId="{B30594F7-1C27-46B0-9AA0-19CC7DCBC551}" destId="{49C2B6D0-9991-43A1-AD51-63D8DE1501D6}" srcOrd="5" destOrd="0" presId="urn:microsoft.com/office/officeart/2005/8/layout/funnel1"/>
-    <dgm:cxn modelId="{28978B30-30B3-4872-800F-865A39C2EDA0}" type="presParOf" srcId="{B30594F7-1C27-46B0-9AA0-19CC7DCBC551}" destId="{10BC400F-FB3B-403F-A525-8AF2109ACCA7}" srcOrd="6" destOrd="0" presId="urn:microsoft.com/office/officeart/2005/8/layout/funnel1"/>
+    <dgm:cxn modelId="{CFB0B0DC-C3A0-4463-AB0A-8E9BB9622221}" type="presOf" srcId="{444C0B46-A64C-4A2D-9159-50B6BE1361A2}" destId="{9CAAC12F-B7AB-41C8-ABD1-D45020F17030}" srcOrd="0" destOrd="0" presId="urn:microsoft.com/office/officeart/2009/3/layout/DescendingProcess"/>
+    <dgm:cxn modelId="{28FD13CF-D367-4ECB-8ADF-E20D0B636CA6}" type="presParOf" srcId="{B2676D1E-ED49-4ACA-BCA9-E6085FDDBCF1}" destId="{73CB5B9A-58FD-47F3-869C-D350382994F6}" srcOrd="0" destOrd="0" presId="urn:microsoft.com/office/officeart/2009/3/layout/DescendingProcess"/>
+    <dgm:cxn modelId="{4459427B-2974-46F5-82A0-EDF6278954F7}" type="presParOf" srcId="{B2676D1E-ED49-4ACA-BCA9-E6085FDDBCF1}" destId="{D77E7FED-C63C-48C9-A1BB-085CD411AC8E}" srcOrd="1" destOrd="0" presId="urn:microsoft.com/office/officeart/2009/3/layout/DescendingProcess"/>
+    <dgm:cxn modelId="{F46DAED7-33CD-40D9-8EAE-98A5EE409E9B}" type="presParOf" srcId="{B2676D1E-ED49-4ACA-BCA9-E6085FDDBCF1}" destId="{4DCFC195-1990-4446-987E-ED5B33D8F400}" srcOrd="2" destOrd="0" presId="urn:microsoft.com/office/officeart/2009/3/layout/DescendingProcess"/>
+    <dgm:cxn modelId="{B5950CF8-99D9-4B3D-85D0-F1F4C64DC687}" type="presParOf" srcId="{B2676D1E-ED49-4ACA-BCA9-E6085FDDBCF1}" destId="{B788F212-085C-4BE4-8C8C-E584EDD6084F}" srcOrd="3" destOrd="0" presId="urn:microsoft.com/office/officeart/2009/3/layout/DescendingProcess"/>
+    <dgm:cxn modelId="{58B2C7B3-3256-4CE0-A87E-CA3E95F0A2A4}" type="presParOf" srcId="{B788F212-085C-4BE4-8C8C-E584EDD6084F}" destId="{9CAAC12F-B7AB-41C8-ABD1-D45020F17030}" srcOrd="0" destOrd="0" presId="urn:microsoft.com/office/officeart/2009/3/layout/DescendingProcess"/>
+    <dgm:cxn modelId="{996CD3CB-2DDD-4126-9740-F0D2A883B589}" type="presParOf" srcId="{B2676D1E-ED49-4ACA-BCA9-E6085FDDBCF1}" destId="{6D233236-9724-43A1-90EC-1EB01A046A89}" srcOrd="4" destOrd="0" presId="urn:microsoft.com/office/officeart/2009/3/layout/DescendingProcess"/>
+    <dgm:cxn modelId="{23ED4F2B-E90F-407B-A25A-46519F0F1A69}" type="presParOf" srcId="{B2676D1E-ED49-4ACA-BCA9-E6085FDDBCF1}" destId="{078560FB-A571-47A1-947D-5C47EAE1B01A}" srcOrd="5" destOrd="0" presId="urn:microsoft.com/office/officeart/2009/3/layout/DescendingProcess"/>
+    <dgm:cxn modelId="{2556C7C3-4AED-4A59-9384-CFF27285B7A6}" type="presParOf" srcId="{078560FB-A571-47A1-947D-5C47EAE1B01A}" destId="{6B863577-8D00-49FD-83C3-01500DD74F1F}" srcOrd="0" destOrd="0" presId="urn:microsoft.com/office/officeart/2009/3/layout/DescendingProcess"/>
+    <dgm:cxn modelId="{C2F8E906-EAF0-4B58-A657-8C99AFCAE58B}" type="presParOf" srcId="{B2676D1E-ED49-4ACA-BCA9-E6085FDDBCF1}" destId="{984A3585-D5AA-4B98-AC58-EF5AB08EB6AD}" srcOrd="6" destOrd="0" presId="urn:microsoft.com/office/officeart/2009/3/layout/DescendingProcess"/>
   </dgm:cxnLst>
   <dgm:bg/>
   <dgm:whole/>
@@ -10872,7 +11030,7 @@
           <a:avLst/>
         </a:prstGeom>
         <a:solidFill>
-          <a:schemeClr val="accent1">
+          <a:schemeClr val="lt1">
             <a:hueOff val="0"/>
             <a:satOff val="0"/>
             <a:lumOff val="0"/>
@@ -10881,7 +11039,8 @@
         </a:solidFill>
         <a:ln w="12700" cap="flat" cmpd="sng" algn="ctr">
           <a:solidFill>
-            <a:schemeClr val="lt1">
+            <a:schemeClr val="accent3">
+              <a:shade val="80000"/>
               <a:hueOff val="0"/>
               <a:satOff val="0"/>
               <a:lumOff val="0"/>
@@ -10908,12 +11067,12 @@
         </a:fontRef>
       </dsp:style>
       <dsp:txBody>
-        <a:bodyPr spcFirstLastPara="0" vert="horz" wrap="square" lIns="49530" tIns="49530" rIns="49530" bIns="49530" numCol="1" spcCol="1270" anchor="ctr" anchorCtr="0">
+        <a:bodyPr spcFirstLastPara="0" vert="horz" wrap="square" lIns="60960" tIns="60960" rIns="60960" bIns="60960" numCol="1" spcCol="1270" anchor="ctr" anchorCtr="0">
           <a:noAutofit/>
         </a:bodyPr>
         <a:lstStyle/>
         <a:p>
-          <a:pPr marL="0" lvl="0" indent="0" algn="ctr" defTabSz="577850">
+          <a:pPr marL="0" lvl="0" indent="0" algn="ctr" defTabSz="711200">
             <a:lnSpc>
               <a:spcPct val="90000"/>
             </a:lnSpc>
@@ -10926,7 +11085,7 @@
             <a:buNone/>
           </a:pPr>
           <a:r>
-            <a:rPr lang="en-US" sz="1300" kern="1200" dirty="0"/>
+            <a:rPr lang="en-US" sz="1600" kern="1200" dirty="0"/>
             <a:t>Data Load</a:t>
           </a:r>
         </a:p>
@@ -10964,7 +11123,7 @@
         <a:noFill/>
         <a:ln w="6350" cap="flat" cmpd="sng" algn="ctr">
           <a:solidFill>
-            <a:schemeClr val="accent1">
+            <a:schemeClr val="accent3">
               <a:hueOff val="0"/>
               <a:satOff val="0"/>
               <a:lumOff val="0"/>
@@ -11003,7 +11162,7 @@
           <a:avLst/>
         </a:prstGeom>
         <a:solidFill>
-          <a:schemeClr val="accent1">
+          <a:schemeClr val="lt1">
             <a:hueOff val="0"/>
             <a:satOff val="0"/>
             <a:lumOff val="0"/>
@@ -11012,7 +11171,8 @@
         </a:solidFill>
         <a:ln w="12700" cap="flat" cmpd="sng" algn="ctr">
           <a:solidFill>
-            <a:schemeClr val="lt1">
+            <a:schemeClr val="accent3">
+              <a:shade val="80000"/>
               <a:hueOff val="0"/>
               <a:satOff val="0"/>
               <a:lumOff val="0"/>
@@ -11039,12 +11199,12 @@
         </a:fontRef>
       </dsp:style>
       <dsp:txBody>
-        <a:bodyPr spcFirstLastPara="0" vert="horz" wrap="square" lIns="49530" tIns="49530" rIns="49530" bIns="49530" numCol="1" spcCol="1270" anchor="ctr" anchorCtr="0">
+        <a:bodyPr spcFirstLastPara="0" vert="horz" wrap="square" lIns="60960" tIns="60960" rIns="60960" bIns="60960" numCol="1" spcCol="1270" anchor="ctr" anchorCtr="0">
           <a:noAutofit/>
         </a:bodyPr>
         <a:lstStyle/>
         <a:p>
-          <a:pPr marL="0" lvl="0" indent="0" algn="ctr" defTabSz="577850">
+          <a:pPr marL="0" lvl="0" indent="0" algn="ctr" defTabSz="711200">
             <a:lnSpc>
               <a:spcPct val="90000"/>
             </a:lnSpc>
@@ -11057,9 +11217,10 @@
             <a:buNone/>
           </a:pPr>
           <a:r>
-            <a:rPr lang="en-GB" sz="1300" kern="1200" noProof="0" dirty="0"/>
-            <a:t>Summarisation</a:t>
+            <a:rPr lang="en-GB" sz="1600" kern="1200" noProof="0"/>
+            <a:t>Data Quality</a:t>
           </a:r>
+          <a:endParaRPr lang="en-GB" sz="1600" kern="1200" noProof="0" dirty="0"/>
         </a:p>
       </dsp:txBody>
       <dsp:txXfrm>
@@ -11095,7 +11256,7 @@
         <a:noFill/>
         <a:ln w="6350" cap="flat" cmpd="sng" algn="ctr">
           <a:solidFill>
-            <a:schemeClr val="accent1">
+            <a:schemeClr val="accent3">
               <a:hueOff val="0"/>
               <a:satOff val="0"/>
               <a:lumOff val="0"/>
@@ -11134,7 +11295,7 @@
           <a:avLst/>
         </a:prstGeom>
         <a:solidFill>
-          <a:schemeClr val="accent1">
+          <a:schemeClr val="lt1">
             <a:hueOff val="0"/>
             <a:satOff val="0"/>
             <a:lumOff val="0"/>
@@ -11143,7 +11304,8 @@
         </a:solidFill>
         <a:ln w="12700" cap="flat" cmpd="sng" algn="ctr">
           <a:solidFill>
-            <a:schemeClr val="lt1">
+            <a:schemeClr val="accent3">
+              <a:shade val="80000"/>
               <a:hueOff val="0"/>
               <a:satOff val="0"/>
               <a:lumOff val="0"/>
@@ -11170,12 +11332,12 @@
         </a:fontRef>
       </dsp:style>
       <dsp:txBody>
-        <a:bodyPr spcFirstLastPara="0" vert="horz" wrap="square" lIns="49530" tIns="49530" rIns="49530" bIns="49530" numCol="1" spcCol="1270" anchor="ctr" anchorCtr="0">
+        <a:bodyPr spcFirstLastPara="0" vert="horz" wrap="square" lIns="60960" tIns="60960" rIns="60960" bIns="60960" numCol="1" spcCol="1270" anchor="ctr" anchorCtr="0">
           <a:noAutofit/>
         </a:bodyPr>
         <a:lstStyle/>
         <a:p>
-          <a:pPr marL="0" lvl="0" indent="0" algn="ctr" defTabSz="577850">
+          <a:pPr marL="0" lvl="0" indent="0" algn="ctr" defTabSz="711200">
             <a:lnSpc>
               <a:spcPct val="90000"/>
             </a:lnSpc>
@@ -11188,8 +11350,12 @@
             <a:buNone/>
           </a:pPr>
           <a:r>
-            <a:rPr lang="en-US" sz="1300" kern="1200" dirty="0"/>
-            <a:t>SQL Code Management</a:t>
+            <a:rPr lang="en-US" sz="1600" kern="1200"/>
+            <a:t>SQL Code </a:t>
+          </a:r>
+          <a:r>
+            <a:rPr lang="en-US" sz="1600" kern="1200" dirty="0"/>
+            <a:t>Management</a:t>
           </a:r>
         </a:p>
       </dsp:txBody>
@@ -11226,7 +11392,7 @@
         <a:noFill/>
         <a:ln w="6350" cap="flat" cmpd="sng" algn="ctr">
           <a:solidFill>
-            <a:schemeClr val="accent1">
+            <a:schemeClr val="accent3">
               <a:hueOff val="0"/>
               <a:satOff val="0"/>
               <a:lumOff val="0"/>
@@ -11265,7 +11431,7 @@
           <a:avLst/>
         </a:prstGeom>
         <a:solidFill>
-          <a:schemeClr val="accent1">
+          <a:schemeClr val="lt1">
             <a:hueOff val="0"/>
             <a:satOff val="0"/>
             <a:lumOff val="0"/>
@@ -11274,7 +11440,8 @@
         </a:solidFill>
         <a:ln w="12700" cap="flat" cmpd="sng" algn="ctr">
           <a:solidFill>
-            <a:schemeClr val="lt1">
+            <a:schemeClr val="accent3">
+              <a:shade val="80000"/>
               <a:hueOff val="0"/>
               <a:satOff val="0"/>
               <a:lumOff val="0"/>
@@ -11301,12 +11468,12 @@
         </a:fontRef>
       </dsp:style>
       <dsp:txBody>
-        <a:bodyPr spcFirstLastPara="0" vert="horz" wrap="square" lIns="49530" tIns="49530" rIns="49530" bIns="49530" numCol="1" spcCol="1270" anchor="ctr" anchorCtr="0">
+        <a:bodyPr spcFirstLastPara="0" vert="horz" wrap="square" lIns="60960" tIns="60960" rIns="60960" bIns="60960" numCol="1" spcCol="1270" anchor="ctr" anchorCtr="0">
           <a:noAutofit/>
         </a:bodyPr>
         <a:lstStyle/>
         <a:p>
-          <a:pPr marL="0" lvl="0" indent="0" algn="ctr" defTabSz="577850">
+          <a:pPr marL="0" lvl="0" indent="0" algn="ctr" defTabSz="711200">
             <a:lnSpc>
               <a:spcPct val="90000"/>
             </a:lnSpc>
@@ -11319,7 +11486,7 @@
             <a:buNone/>
           </a:pPr>
           <a:r>
-            <a:rPr lang="en-US" sz="1300" kern="1200" dirty="0"/>
+            <a:rPr lang="en-US" sz="1600" kern="1200" dirty="0"/>
             <a:t>Documentation</a:t>
           </a:r>
         </a:p>
@@ -11357,7 +11524,7 @@
         <a:noFill/>
         <a:ln w="6350" cap="flat" cmpd="sng" algn="ctr">
           <a:solidFill>
-            <a:schemeClr val="accent1">
+            <a:schemeClr val="accent3">
               <a:hueOff val="0"/>
               <a:satOff val="0"/>
               <a:lumOff val="0"/>
@@ -11396,7 +11563,7 @@
           <a:avLst/>
         </a:prstGeom>
         <a:solidFill>
-          <a:schemeClr val="accent1">
+          <a:schemeClr val="lt1">
             <a:hueOff val="0"/>
             <a:satOff val="0"/>
             <a:lumOff val="0"/>
@@ -11405,7 +11572,8 @@
         </a:solidFill>
         <a:ln w="12700" cap="flat" cmpd="sng" algn="ctr">
           <a:solidFill>
-            <a:schemeClr val="lt1">
+            <a:schemeClr val="accent3">
+              <a:shade val="80000"/>
               <a:hueOff val="0"/>
               <a:satOff val="0"/>
               <a:lumOff val="0"/>
@@ -11432,12 +11600,12 @@
         </a:fontRef>
       </dsp:style>
       <dsp:txBody>
-        <a:bodyPr spcFirstLastPara="0" vert="horz" wrap="square" lIns="49530" tIns="49530" rIns="49530" bIns="49530" numCol="1" spcCol="1270" anchor="ctr" anchorCtr="0">
+        <a:bodyPr spcFirstLastPara="0" vert="horz" wrap="square" lIns="60960" tIns="60960" rIns="60960" bIns="60960" numCol="1" spcCol="1270" anchor="ctr" anchorCtr="0">
           <a:noAutofit/>
         </a:bodyPr>
         <a:lstStyle/>
         <a:p>
-          <a:pPr marL="0" lvl="0" indent="0" algn="ctr" defTabSz="577850">
+          <a:pPr marL="0" lvl="0" indent="0" algn="ctr" defTabSz="711200">
             <a:lnSpc>
               <a:spcPct val="90000"/>
             </a:lnSpc>
@@ -11450,7 +11618,7 @@
             <a:buNone/>
           </a:pPr>
           <a:r>
-            <a:rPr lang="en-US" sz="1300" kern="1200" dirty="0"/>
+            <a:rPr lang="en-US" sz="1600" kern="1200" dirty="0"/>
             <a:t>Audit</a:t>
           </a:r>
         </a:p>
@@ -11488,7 +11656,7 @@
         <a:noFill/>
         <a:ln w="6350" cap="flat" cmpd="sng" algn="ctr">
           <a:solidFill>
-            <a:schemeClr val="accent1">
+            <a:schemeClr val="accent3">
               <a:hueOff val="0"/>
               <a:satOff val="0"/>
               <a:lumOff val="0"/>
@@ -11527,7 +11695,7 @@
           <a:avLst/>
         </a:prstGeom>
         <a:solidFill>
-          <a:schemeClr val="accent1">
+          <a:schemeClr val="lt1">
             <a:hueOff val="0"/>
             <a:satOff val="0"/>
             <a:lumOff val="0"/>
@@ -11536,7 +11704,8 @@
         </a:solidFill>
         <a:ln w="12700" cap="flat" cmpd="sng" algn="ctr">
           <a:solidFill>
-            <a:schemeClr val="lt1">
+            <a:schemeClr val="accent3">
+              <a:shade val="80000"/>
               <a:hueOff val="0"/>
               <a:satOff val="0"/>
               <a:lumOff val="0"/>
@@ -11563,12 +11732,12 @@
         </a:fontRef>
       </dsp:style>
       <dsp:txBody>
-        <a:bodyPr spcFirstLastPara="0" vert="horz" wrap="square" lIns="49530" tIns="49530" rIns="49530" bIns="49530" numCol="1" spcCol="1270" anchor="ctr" anchorCtr="0">
+        <a:bodyPr spcFirstLastPara="0" vert="horz" wrap="square" lIns="60960" tIns="60960" rIns="60960" bIns="60960" numCol="1" spcCol="1270" anchor="ctr" anchorCtr="0">
           <a:noAutofit/>
         </a:bodyPr>
         <a:lstStyle/>
         <a:p>
-          <a:pPr marL="0" lvl="0" indent="0" algn="ctr" defTabSz="577850">
+          <a:pPr marL="0" lvl="0" indent="0" algn="ctr" defTabSz="711200">
             <a:lnSpc>
               <a:spcPct val="90000"/>
             </a:lnSpc>
@@ -11581,7 +11750,7 @@
             <a:buNone/>
           </a:pPr>
           <a:r>
-            <a:rPr lang="en-US" sz="1300" kern="1200" dirty="0"/>
+            <a:rPr lang="en-US" sz="1600" kern="1200" dirty="0"/>
             <a:t>Governance</a:t>
           </a:r>
         </a:p>
@@ -11619,7 +11788,7 @@
         <a:noFill/>
         <a:ln w="6350" cap="flat" cmpd="sng" algn="ctr">
           <a:solidFill>
-            <a:schemeClr val="accent1">
+            <a:schemeClr val="accent3">
               <a:hueOff val="0"/>
               <a:satOff val="0"/>
               <a:lumOff val="0"/>
@@ -12098,36 +12267,46 @@
       <dsp:cNvGrpSpPr/>
     </dsp:nvGrpSpPr>
     <dsp:grpSpPr/>
-    <dsp:sp modelId="{A252FEFB-D5ED-4D28-A07F-2C98D05FFD0F}">
+    <dsp:sp modelId="{69481088-C6C1-470F-81A6-522A8EFB5A87}">
       <dsp:nvSpPr>
         <dsp:cNvPr id="0" name=""/>
         <dsp:cNvSpPr/>
       </dsp:nvSpPr>
       <dsp:spPr>
-        <a:xfrm>
-          <a:off x="1904708" y="126205"/>
-          <a:ext cx="2504703" cy="869850"/>
+        <a:xfrm rot="4396374">
+          <a:off x="1302565" y="493375"/>
+          <a:ext cx="2140342" cy="1492622"/>
         </a:xfrm>
-        <a:prstGeom prst="ellipse">
-          <a:avLst/>
+        <a:prstGeom prst="swooshArrow">
+          <a:avLst>
+            <a:gd name="adj1" fmla="val 16310"/>
+            <a:gd name="adj2" fmla="val 31370"/>
+          </a:avLst>
         </a:prstGeom>
         <a:solidFill>
           <a:schemeClr val="accent1">
-            <a:tint val="50000"/>
-            <a:alpha val="40000"/>
             <a:hueOff val="0"/>
             <a:satOff val="0"/>
             <a:lumOff val="0"/>
             <a:alphaOff val="0"/>
           </a:schemeClr>
         </a:solidFill>
-        <a:ln>
-          <a:noFill/>
+        <a:ln w="12700" cap="flat" cmpd="sng" algn="ctr">
+          <a:solidFill>
+            <a:schemeClr val="lt1">
+              <a:hueOff val="0"/>
+              <a:satOff val="0"/>
+              <a:lumOff val="0"/>
+              <a:alphaOff val="0"/>
+            </a:schemeClr>
+          </a:solidFill>
+          <a:prstDash val="solid"/>
+          <a:miter lim="800000"/>
         </a:ln>
         <a:effectLst/>
       </dsp:spPr>
       <dsp:style>
-        <a:lnRef idx="0">
+        <a:lnRef idx="2">
           <a:scrgbClr r="0" g="0" b="0"/>
         </a:lnRef>
         <a:fillRef idx="1">
@@ -12136,20 +12315,22 @@
         <a:effectRef idx="0">
           <a:scrgbClr r="0" g="0" b="0"/>
         </a:effectRef>
-        <a:fontRef idx="minor"/>
+        <a:fontRef idx="minor">
+          <a:schemeClr val="lt1"/>
+        </a:fontRef>
       </dsp:style>
     </dsp:sp>
-    <dsp:sp modelId="{01B28E1D-7535-45A7-93DC-6F99644D4901}">
+    <dsp:sp modelId="{8C71DB13-0672-41F2-BAE8-41EBAC4CDD42}">
       <dsp:nvSpPr>
         <dsp:cNvPr id="0" name=""/>
         <dsp:cNvSpPr/>
       </dsp:nvSpPr>
       <dsp:spPr>
         <a:xfrm>
-          <a:off x="2918239" y="2256174"/>
-          <a:ext cx="485407" cy="310660"/>
+          <a:off x="2195709" y="754721"/>
+          <a:ext cx="54050" cy="54050"/>
         </a:xfrm>
-        <a:prstGeom prst="downArrow">
+        <a:prstGeom prst="ellipse">
           <a:avLst/>
         </a:prstGeom>
         <a:solidFill>
@@ -12188,78 +12369,22 @@
         <a:fontRef idx="minor"/>
       </dsp:style>
     </dsp:sp>
-    <dsp:sp modelId="{ABC684E5-7F5C-4574-852F-8E7CAC7042D8}">
+    <dsp:sp modelId="{A24DE632-C160-49F2-9651-6CE36FC87A2F}">
       <dsp:nvSpPr>
         <dsp:cNvPr id="0" name=""/>
         <dsp:cNvSpPr/>
       </dsp:nvSpPr>
       <dsp:spPr>
         <a:xfrm>
-          <a:off x="1995965" y="2504703"/>
-          <a:ext cx="2329956" cy="582489"/>
-        </a:xfrm>
-        <a:prstGeom prst="rect">
-          <a:avLst/>
-        </a:prstGeom>
-        <a:noFill/>
-        <a:ln>
-          <a:noFill/>
-        </a:ln>
-        <a:effectLst/>
-      </dsp:spPr>
-      <dsp:style>
-        <a:lnRef idx="0">
-          <a:scrgbClr r="0" g="0" b="0"/>
-        </a:lnRef>
-        <a:fillRef idx="0">
-          <a:scrgbClr r="0" g="0" b="0"/>
-        </a:fillRef>
-        <a:effectRef idx="0">
-          <a:scrgbClr r="0" g="0" b="0"/>
-        </a:effectRef>
-        <a:fontRef idx="minor"/>
-      </dsp:style>
-      <dsp:txBody>
-        <a:bodyPr spcFirstLastPara="0" vert="horz" wrap="square" lIns="142240" tIns="142240" rIns="142240" bIns="142240" numCol="1" spcCol="1270" anchor="ctr" anchorCtr="0">
-          <a:noAutofit/>
-        </a:bodyPr>
-        <a:lstStyle/>
-        <a:p>
-          <a:pPr marL="0" lvl="0" indent="0" algn="ctr" defTabSz="889000">
-            <a:lnSpc>
-              <a:spcPct val="90000"/>
-            </a:lnSpc>
-            <a:spcBef>
-              <a:spcPct val="0"/>
-            </a:spcBef>
-            <a:spcAft>
-              <a:spcPct val="35000"/>
-            </a:spcAft>
-            <a:buNone/>
-          </a:pPr>
-          <a:endParaRPr lang="en-US" sz="2000" kern="1200" dirty="0"/>
-        </a:p>
-      </dsp:txBody>
-      <dsp:txXfrm>
-        <a:off x="1995965" y="2504703"/>
-        <a:ext cx="2329956" cy="582489"/>
-      </dsp:txXfrm>
-    </dsp:sp>
-    <dsp:sp modelId="{5E3840EC-FB9C-4F93-88E3-CDF34AA2E2CA}">
-      <dsp:nvSpPr>
-        <dsp:cNvPr id="0" name=""/>
-        <dsp:cNvSpPr/>
-      </dsp:nvSpPr>
-      <dsp:spPr>
-        <a:xfrm>
-          <a:off x="2815333" y="1063236"/>
-          <a:ext cx="873733" cy="873733"/>
+          <a:off x="2666443" y="1213653"/>
+          <a:ext cx="54050" cy="54050"/>
         </a:xfrm>
         <a:prstGeom prst="ellipse">
           <a:avLst/>
         </a:prstGeom>
         <a:solidFill>
           <a:schemeClr val="accent1">
+            <a:tint val="60000"/>
             <a:hueOff val="0"/>
             <a:satOff val="0"/>
             <a:lumOff val="0"/>
@@ -12290,17 +12415,47 @@
         <a:effectRef idx="0">
           <a:scrgbClr r="0" g="0" b="0"/>
         </a:effectRef>
-        <a:fontRef idx="minor">
-          <a:schemeClr val="lt1"/>
-        </a:fontRef>
+        <a:fontRef idx="minor"/>
+      </dsp:style>
+    </dsp:sp>
+    <dsp:sp modelId="{FCFB6BC1-84FE-4B59-809A-2BEBAF81DA48}">
+      <dsp:nvSpPr>
+        <dsp:cNvPr id="0" name=""/>
+        <dsp:cNvSpPr/>
+      </dsp:nvSpPr>
+      <dsp:spPr>
+        <a:xfrm>
+          <a:off x="1159082" y="0"/>
+          <a:ext cx="1009105" cy="396699"/>
+        </a:xfrm>
+        <a:prstGeom prst="rect">
+          <a:avLst/>
+        </a:prstGeom>
+        <a:noFill/>
+        <a:ln>
+          <a:noFill/>
+        </a:ln>
+        <a:effectLst/>
+      </dsp:spPr>
+      <dsp:style>
+        <a:lnRef idx="0">
+          <a:scrgbClr r="0" g="0" b="0"/>
+        </a:lnRef>
+        <a:fillRef idx="0">
+          <a:scrgbClr r="0" g="0" b="0"/>
+        </a:fillRef>
+        <a:effectRef idx="0">
+          <a:scrgbClr r="0" g="0" b="0"/>
+        </a:effectRef>
+        <a:fontRef idx="minor"/>
       </dsp:style>
       <dsp:txBody>
-        <a:bodyPr spcFirstLastPara="0" vert="horz" wrap="square" lIns="13970" tIns="13970" rIns="13970" bIns="13970" numCol="1" spcCol="1270" anchor="ctr" anchorCtr="0">
+        <a:bodyPr spcFirstLastPara="0" vert="horz" wrap="square" lIns="24130" tIns="24130" rIns="24130" bIns="24130" numCol="1" spcCol="1270" anchor="b" anchorCtr="0">
           <a:noAutofit/>
         </a:bodyPr>
         <a:lstStyle/>
         <a:p>
-          <a:pPr marL="0" lvl="0" indent="0" algn="ctr" defTabSz="488950">
+          <a:pPr marL="0" lvl="0" indent="0" algn="ctr" defTabSz="844550">
             <a:lnSpc>
               <a:spcPct val="90000"/>
             </a:lnSpc>
@@ -12313,72 +12468,55 @@
             <a:buNone/>
           </a:pPr>
           <a:r>
-            <a:rPr lang="en-US" sz="1100" kern="1200" dirty="0"/>
-            <a:t>FTP Server</a:t>
+            <a:rPr lang="en-US" sz="1900" kern="1200"/>
+            <a:t>Database</a:t>
           </a:r>
+          <a:endParaRPr lang="en-US" sz="1900" kern="1200" dirty="0"/>
         </a:p>
       </dsp:txBody>
       <dsp:txXfrm>
-        <a:off x="2943288" y="1191191"/>
-        <a:ext cx="617823" cy="617823"/>
+        <a:off x="1159082" y="0"/>
+        <a:ext cx="1009105" cy="396699"/>
       </dsp:txXfrm>
     </dsp:sp>
-    <dsp:sp modelId="{82DD6346-FE81-44B8-976F-7A642571E33E}">
+    <dsp:sp modelId="{F6A8DD03-C1D8-4E86-A479-7D9BCCF53A3E}">
       <dsp:nvSpPr>
         <dsp:cNvPr id="0" name=""/>
         <dsp:cNvSpPr/>
       </dsp:nvSpPr>
       <dsp:spPr>
         <a:xfrm>
-          <a:off x="2190128" y="407742"/>
-          <a:ext cx="873733" cy="873733"/>
+          <a:off x="2495465" y="583396"/>
+          <a:ext cx="1390928" cy="396699"/>
         </a:xfrm>
-        <a:prstGeom prst="ellipse">
+        <a:prstGeom prst="rect">
           <a:avLst/>
         </a:prstGeom>
-        <a:solidFill>
-          <a:schemeClr val="accent1">
-            <a:hueOff val="0"/>
-            <a:satOff val="0"/>
-            <a:lumOff val="0"/>
-            <a:alphaOff val="0"/>
-          </a:schemeClr>
-        </a:solidFill>
-        <a:ln w="12700" cap="flat" cmpd="sng" algn="ctr">
-          <a:solidFill>
-            <a:schemeClr val="lt1">
-              <a:hueOff val="0"/>
-              <a:satOff val="0"/>
-              <a:lumOff val="0"/>
-              <a:alphaOff val="0"/>
-            </a:schemeClr>
-          </a:solidFill>
-          <a:prstDash val="solid"/>
-          <a:miter lim="800000"/>
+        <a:noFill/>
+        <a:ln>
+          <a:noFill/>
         </a:ln>
         <a:effectLst/>
       </dsp:spPr>
       <dsp:style>
-        <a:lnRef idx="2">
+        <a:lnRef idx="0">
           <a:scrgbClr r="0" g="0" b="0"/>
         </a:lnRef>
-        <a:fillRef idx="1">
+        <a:fillRef idx="0">
           <a:scrgbClr r="0" g="0" b="0"/>
         </a:fillRef>
         <a:effectRef idx="0">
           <a:scrgbClr r="0" g="0" b="0"/>
         </a:effectRef>
-        <a:fontRef idx="minor">
-          <a:schemeClr val="lt1"/>
-        </a:fontRef>
+        <a:fontRef idx="minor"/>
       </dsp:style>
       <dsp:txBody>
-        <a:bodyPr spcFirstLastPara="0" vert="horz" wrap="square" lIns="13970" tIns="13970" rIns="13970" bIns="13970" numCol="1" spcCol="1270" anchor="ctr" anchorCtr="0">
+        <a:bodyPr spcFirstLastPara="0" vert="horz" wrap="square" lIns="24130" tIns="24130" rIns="24130" bIns="24130" numCol="1" spcCol="1270" anchor="ctr" anchorCtr="0">
           <a:noAutofit/>
         </a:bodyPr>
         <a:lstStyle/>
         <a:p>
-          <a:pPr marL="0" lvl="0" indent="0" algn="ctr" defTabSz="488950">
+          <a:pPr marL="0" lvl="0" indent="0" algn="l" defTabSz="844550">
             <a:lnSpc>
               <a:spcPct val="90000"/>
             </a:lnSpc>
@@ -12391,72 +12529,54 @@
             <a:buNone/>
           </a:pPr>
           <a:r>
-            <a:rPr lang="en-US" sz="1100" kern="1200" dirty="0"/>
+            <a:rPr lang="en-US" sz="1900" kern="1200" dirty="0"/>
             <a:t>Flat Files</a:t>
           </a:r>
         </a:p>
       </dsp:txBody>
       <dsp:txXfrm>
-        <a:off x="2318083" y="535697"/>
-        <a:ext cx="617823" cy="617823"/>
+        <a:off x="2495465" y="583396"/>
+        <a:ext cx="1390928" cy="396699"/>
       </dsp:txXfrm>
     </dsp:sp>
-    <dsp:sp modelId="{49C2B6D0-9991-43A1-AD51-63D8DE1501D6}">
+    <dsp:sp modelId="{31487FD8-1785-4A1C-A803-F0F104FC7889}">
       <dsp:nvSpPr>
         <dsp:cNvPr id="0" name=""/>
         <dsp:cNvSpPr/>
       </dsp:nvSpPr>
       <dsp:spPr>
         <a:xfrm>
-          <a:off x="3083278" y="196493"/>
-          <a:ext cx="873733" cy="873733"/>
+          <a:off x="1159082" y="1042328"/>
+          <a:ext cx="1363655" cy="396699"/>
         </a:xfrm>
-        <a:prstGeom prst="ellipse">
+        <a:prstGeom prst="rect">
           <a:avLst/>
         </a:prstGeom>
-        <a:solidFill>
-          <a:schemeClr val="accent1">
-            <a:hueOff val="0"/>
-            <a:satOff val="0"/>
-            <a:lumOff val="0"/>
-            <a:alphaOff val="0"/>
-          </a:schemeClr>
-        </a:solidFill>
-        <a:ln w="12700" cap="flat" cmpd="sng" algn="ctr">
-          <a:solidFill>
-            <a:schemeClr val="lt1">
-              <a:hueOff val="0"/>
-              <a:satOff val="0"/>
-              <a:lumOff val="0"/>
-              <a:alphaOff val="0"/>
-            </a:schemeClr>
-          </a:solidFill>
-          <a:prstDash val="solid"/>
-          <a:miter lim="800000"/>
+        <a:noFill/>
+        <a:ln>
+          <a:noFill/>
         </a:ln>
         <a:effectLst/>
       </dsp:spPr>
       <dsp:style>
-        <a:lnRef idx="2">
+        <a:lnRef idx="0">
           <a:scrgbClr r="0" g="0" b="0"/>
         </a:lnRef>
-        <a:fillRef idx="1">
+        <a:fillRef idx="0">
           <a:scrgbClr r="0" g="0" b="0"/>
         </a:fillRef>
         <a:effectRef idx="0">
           <a:scrgbClr r="0" g="0" b="0"/>
         </a:effectRef>
-        <a:fontRef idx="minor">
-          <a:schemeClr val="lt1"/>
-        </a:fontRef>
+        <a:fontRef idx="minor"/>
       </dsp:style>
       <dsp:txBody>
-        <a:bodyPr spcFirstLastPara="0" vert="horz" wrap="square" lIns="13970" tIns="13970" rIns="13970" bIns="13970" numCol="1" spcCol="1270" anchor="ctr" anchorCtr="0">
+        <a:bodyPr spcFirstLastPara="0" vert="horz" wrap="square" lIns="24130" tIns="24130" rIns="24130" bIns="24130" numCol="1" spcCol="1270" anchor="ctr" anchorCtr="0">
           <a:noAutofit/>
         </a:bodyPr>
         <a:lstStyle/>
         <a:p>
-          <a:pPr marL="0" lvl="0" indent="0" algn="ctr" defTabSz="488950">
+          <a:pPr marL="0" lvl="0" indent="0" algn="r" defTabSz="844550">
             <a:lnSpc>
               <a:spcPct val="90000"/>
             </a:lnSpc>
@@ -12469,57 +12589,41 @@
             <a:buNone/>
           </a:pPr>
           <a:r>
-            <a:rPr lang="en-US" sz="1100" kern="1200" dirty="0"/>
-            <a:t>Remote Databases</a:t>
+            <a:rPr lang="en-US" sz="1900" kern="1200"/>
+            <a:t>FTP</a:t>
           </a:r>
+          <a:endParaRPr lang="en-US" sz="1900" kern="1200" dirty="0"/>
         </a:p>
       </dsp:txBody>
       <dsp:txXfrm>
-        <a:off x="3211233" y="324448"/>
-        <a:ext cx="617823" cy="617823"/>
+        <a:off x="1159082" y="1042328"/>
+        <a:ext cx="1363655" cy="396699"/>
       </dsp:txXfrm>
     </dsp:sp>
-    <dsp:sp modelId="{10BC400F-FB3B-403F-A525-8AF2109ACCA7}">
+    <dsp:sp modelId="{29F7D51E-2A8C-4F1C-AF1D-6403F080EB51}">
       <dsp:nvSpPr>
         <dsp:cNvPr id="0" name=""/>
         <dsp:cNvSpPr/>
       </dsp:nvSpPr>
       <dsp:spPr>
         <a:xfrm>
-          <a:off x="1801802" y="19416"/>
-          <a:ext cx="2718282" cy="2174626"/>
+          <a:off x="2522738" y="2082674"/>
+          <a:ext cx="1363655" cy="396699"/>
         </a:xfrm>
-        <a:prstGeom prst="funnel">
+        <a:prstGeom prst="rect">
           <a:avLst/>
         </a:prstGeom>
-        <a:solidFill>
-          <a:schemeClr val="lt1">
-            <a:alpha val="40000"/>
-            <a:hueOff val="0"/>
-            <a:satOff val="0"/>
-            <a:lumOff val="0"/>
-            <a:alphaOff val="0"/>
-          </a:schemeClr>
-        </a:solidFill>
-        <a:ln w="6350" cap="flat" cmpd="sng" algn="ctr">
-          <a:solidFill>
-            <a:schemeClr val="accent1">
-              <a:hueOff val="0"/>
-              <a:satOff val="0"/>
-              <a:lumOff val="0"/>
-              <a:alphaOff val="0"/>
-            </a:schemeClr>
-          </a:solidFill>
-          <a:prstDash val="solid"/>
-          <a:miter lim="800000"/>
+        <a:noFill/>
+        <a:ln>
+          <a:noFill/>
         </a:ln>
         <a:effectLst/>
       </dsp:spPr>
       <dsp:style>
-        <a:lnRef idx="1">
+        <a:lnRef idx="0">
           <a:scrgbClr r="0" g="0" b="0"/>
         </a:lnRef>
-        <a:fillRef idx="1">
+        <a:fillRef idx="0">
           <a:scrgbClr r="0" g="0" b="0"/>
         </a:fillRef>
         <a:effectRef idx="0">
@@ -12527,6 +12631,31 @@
         </a:effectRef>
         <a:fontRef idx="minor"/>
       </dsp:style>
+      <dsp:txBody>
+        <a:bodyPr spcFirstLastPara="0" vert="horz" wrap="square" lIns="24130" tIns="24130" rIns="24130" bIns="24130" numCol="1" spcCol="1270" anchor="t" anchorCtr="0">
+          <a:noAutofit/>
+        </a:bodyPr>
+        <a:lstStyle/>
+        <a:p>
+          <a:pPr marL="0" lvl="0" indent="0" algn="ctr" defTabSz="844550">
+            <a:lnSpc>
+              <a:spcPct val="90000"/>
+            </a:lnSpc>
+            <a:spcBef>
+              <a:spcPct val="0"/>
+            </a:spcBef>
+            <a:spcAft>
+              <a:spcPct val="35000"/>
+            </a:spcAft>
+            <a:buNone/>
+          </a:pPr>
+          <a:endParaRPr lang="en-US" sz="1900" kern="1200" dirty="0"/>
+        </a:p>
+      </dsp:txBody>
+      <dsp:txXfrm>
+        <a:off x="2522738" y="2082674"/>
+        <a:ext cx="1363655" cy="396699"/>
+      </dsp:txXfrm>
     </dsp:sp>
   </dsp:spTree>
 </dsp:drawing>
@@ -12554,7 +12683,7 @@
           <a:avLst/>
         </a:prstGeom>
         <a:solidFill>
-          <a:schemeClr val="accent1">
+          <a:schemeClr val="lt1">
             <a:hueOff val="0"/>
             <a:satOff val="0"/>
             <a:lumOff val="0"/>
@@ -12563,7 +12692,8 @@
         </a:solidFill>
         <a:ln w="12700" cap="flat" cmpd="sng" algn="ctr">
           <a:solidFill>
-            <a:schemeClr val="lt1">
+            <a:schemeClr val="accent3">
+              <a:shade val="80000"/>
               <a:hueOff val="0"/>
               <a:satOff val="0"/>
               <a:lumOff val="0"/>
@@ -12646,7 +12776,7 @@
         <a:noFill/>
         <a:ln w="6350" cap="flat" cmpd="sng" algn="ctr">
           <a:solidFill>
-            <a:schemeClr val="accent1">
+            <a:schemeClr val="accent3">
               <a:hueOff val="0"/>
               <a:satOff val="0"/>
               <a:lumOff val="0"/>
@@ -12685,7 +12815,7 @@
           <a:avLst/>
         </a:prstGeom>
         <a:solidFill>
-          <a:schemeClr val="accent1">
+          <a:schemeClr val="lt1">
             <a:hueOff val="0"/>
             <a:satOff val="0"/>
             <a:lumOff val="0"/>
@@ -12694,7 +12824,8 @@
         </a:solidFill>
         <a:ln w="12700" cap="flat" cmpd="sng" algn="ctr">
           <a:solidFill>
-            <a:schemeClr val="lt1">
+            <a:schemeClr val="accent3">
+              <a:shade val="80000"/>
               <a:hueOff val="0"/>
               <a:satOff val="0"/>
               <a:lumOff val="0"/>
@@ -12739,9 +12870,10 @@
             <a:buNone/>
           </a:pPr>
           <a:r>
-            <a:rPr lang="en-US" sz="1300" kern="1200" dirty="0"/>
-            <a:t>Release Identifier Allocation</a:t>
+            <a:rPr lang="en-US" sz="1300" kern="1200"/>
+            <a:t>Anonymisation</a:t>
           </a:r>
+          <a:endParaRPr lang="en-US" sz="1300" kern="1200" dirty="0"/>
         </a:p>
       </dsp:txBody>
       <dsp:txXfrm>
@@ -12777,7 +12909,7 @@
         <a:noFill/>
         <a:ln w="6350" cap="flat" cmpd="sng" algn="ctr">
           <a:solidFill>
-            <a:schemeClr val="accent1">
+            <a:schemeClr val="accent3">
               <a:hueOff val="0"/>
               <a:satOff val="0"/>
               <a:lumOff val="0"/>
@@ -12816,7 +12948,7 @@
           <a:avLst/>
         </a:prstGeom>
         <a:solidFill>
-          <a:schemeClr val="accent1">
+          <a:schemeClr val="lt1">
             <a:hueOff val="0"/>
             <a:satOff val="0"/>
             <a:lumOff val="0"/>
@@ -12825,7 +12957,8 @@
         </a:solidFill>
         <a:ln w="12700" cap="flat" cmpd="sng" algn="ctr">
           <a:solidFill>
-            <a:schemeClr val="lt1">
+            <a:schemeClr val="accent3">
+              <a:shade val="80000"/>
               <a:hueOff val="0"/>
               <a:satOff val="0"/>
               <a:lumOff val="0"/>
@@ -12908,7 +13041,7 @@
         <a:noFill/>
         <a:ln w="6350" cap="flat" cmpd="sng" algn="ctr">
           <a:solidFill>
-            <a:schemeClr val="accent1">
+            <a:schemeClr val="accent3">
               <a:hueOff val="0"/>
               <a:satOff val="0"/>
               <a:lumOff val="0"/>
@@ -12947,7 +13080,7 @@
           <a:avLst/>
         </a:prstGeom>
         <a:solidFill>
-          <a:schemeClr val="accent1">
+          <a:schemeClr val="lt1">
             <a:hueOff val="0"/>
             <a:satOff val="0"/>
             <a:lumOff val="0"/>
@@ -12956,7 +13089,8 @@
         </a:solidFill>
         <a:ln w="12700" cap="flat" cmpd="sng" algn="ctr">
           <a:solidFill>
-            <a:schemeClr val="lt1">
+            <a:schemeClr val="accent3">
+              <a:shade val="80000"/>
               <a:hueOff val="0"/>
               <a:satOff val="0"/>
               <a:lumOff val="0"/>
@@ -13039,7 +13173,7 @@
         <a:noFill/>
         <a:ln w="6350" cap="flat" cmpd="sng" algn="ctr">
           <a:solidFill>
-            <a:schemeClr val="accent1">
+            <a:schemeClr val="accent3">
               <a:hueOff val="0"/>
               <a:satOff val="0"/>
               <a:lumOff val="0"/>
@@ -13078,7 +13212,7 @@
           <a:avLst/>
         </a:prstGeom>
         <a:solidFill>
-          <a:schemeClr val="accent1">
+          <a:schemeClr val="lt1">
             <a:hueOff val="0"/>
             <a:satOff val="0"/>
             <a:lumOff val="0"/>
@@ -13087,7 +13221,8 @@
         </a:solidFill>
         <a:ln w="12700" cap="flat" cmpd="sng" algn="ctr">
           <a:solidFill>
-            <a:schemeClr val="lt1">
+            <a:schemeClr val="accent3">
+              <a:shade val="80000"/>
               <a:hueOff val="0"/>
               <a:satOff val="0"/>
               <a:lumOff val="0"/>
@@ -13170,7 +13305,7 @@
         <a:noFill/>
         <a:ln w="6350" cap="flat" cmpd="sng" algn="ctr">
           <a:solidFill>
-            <a:schemeClr val="accent1">
+            <a:schemeClr val="accent3">
               <a:hueOff val="0"/>
               <a:satOff val="0"/>
               <a:lumOff val="0"/>
@@ -13209,7 +13344,7 @@
           <a:avLst/>
         </a:prstGeom>
         <a:solidFill>
-          <a:schemeClr val="accent1">
+          <a:schemeClr val="lt1">
             <a:hueOff val="0"/>
             <a:satOff val="0"/>
             <a:lumOff val="0"/>
@@ -13218,7 +13353,8 @@
         </a:solidFill>
         <a:ln w="12700" cap="flat" cmpd="sng" algn="ctr">
           <a:solidFill>
-            <a:schemeClr val="lt1">
+            <a:schemeClr val="accent3">
+              <a:shade val="80000"/>
               <a:hueOff val="0"/>
               <a:satOff val="0"/>
               <a:lumOff val="0"/>
@@ -13301,7 +13437,7 @@
         <a:noFill/>
         <a:ln w="6350" cap="flat" cmpd="sng" algn="ctr">
           <a:solidFill>
-            <a:schemeClr val="accent1">
+            <a:schemeClr val="accent3">
               <a:hueOff val="0"/>
               <a:satOff val="0"/>
               <a:lumOff val="0"/>
@@ -13338,36 +13474,46 @@
       <dsp:cNvGrpSpPr/>
     </dsp:nvGrpSpPr>
     <dsp:grpSpPr/>
-    <dsp:sp modelId="{A252FEFB-D5ED-4D28-A07F-2C98D05FFD0F}">
+    <dsp:sp modelId="{73CB5B9A-58FD-47F3-869C-D350382994F6}">
       <dsp:nvSpPr>
         <dsp:cNvPr id="0" name=""/>
         <dsp:cNvSpPr/>
       </dsp:nvSpPr>
       <dsp:spPr>
-        <a:xfrm>
-          <a:off x="1904708" y="126205"/>
-          <a:ext cx="2504703" cy="869850"/>
+        <a:xfrm rot="17203626" flipH="1">
+          <a:off x="2683384" y="575282"/>
+          <a:ext cx="2495667" cy="1740416"/>
         </a:xfrm>
-        <a:prstGeom prst="ellipse">
-          <a:avLst/>
+        <a:prstGeom prst="swooshArrow">
+          <a:avLst>
+            <a:gd name="adj1" fmla="val 16310"/>
+            <a:gd name="adj2" fmla="val 31370"/>
+          </a:avLst>
         </a:prstGeom>
         <a:solidFill>
           <a:schemeClr val="accent1">
-            <a:tint val="50000"/>
-            <a:alpha val="40000"/>
             <a:hueOff val="0"/>
             <a:satOff val="0"/>
             <a:lumOff val="0"/>
             <a:alphaOff val="0"/>
           </a:schemeClr>
         </a:solidFill>
-        <a:ln>
-          <a:noFill/>
+        <a:ln w="12700" cap="flat" cmpd="sng" algn="ctr">
+          <a:solidFill>
+            <a:schemeClr val="lt1">
+              <a:hueOff val="0"/>
+              <a:satOff val="0"/>
+              <a:lumOff val="0"/>
+              <a:alphaOff val="0"/>
+            </a:schemeClr>
+          </a:solidFill>
+          <a:prstDash val="solid"/>
+          <a:miter lim="800000"/>
         </a:ln>
         <a:effectLst/>
       </dsp:spPr>
       <dsp:style>
-        <a:lnRef idx="0">
+        <a:lnRef idx="2">
           <a:scrgbClr r="0" g="0" b="0"/>
         </a:lnRef>
         <a:fillRef idx="1">
@@ -13376,20 +13522,22 @@
         <a:effectRef idx="0">
           <a:scrgbClr r="0" g="0" b="0"/>
         </a:effectRef>
-        <a:fontRef idx="minor"/>
+        <a:fontRef idx="minor">
+          <a:schemeClr val="lt1"/>
+        </a:fontRef>
       </dsp:style>
     </dsp:sp>
-    <dsp:sp modelId="{01B28E1D-7535-45A7-93DC-6F99644D4901}">
+    <dsp:sp modelId="{9CAAC12F-B7AB-41C8-ABD1-D45020F17030}">
       <dsp:nvSpPr>
         <dsp:cNvPr id="0" name=""/>
         <dsp:cNvSpPr/>
       </dsp:nvSpPr>
       <dsp:spPr>
-        <a:xfrm>
-          <a:off x="2918239" y="2256174"/>
-          <a:ext cx="485407" cy="310660"/>
+        <a:xfrm flipH="1">
+          <a:off x="4034380" y="897282"/>
+          <a:ext cx="63023" cy="63023"/>
         </a:xfrm>
-        <a:prstGeom prst="downArrow">
+        <a:prstGeom prst="ellipse">
           <a:avLst/>
         </a:prstGeom>
         <a:solidFill>
@@ -13428,78 +13576,22 @@
         <a:fontRef idx="minor"/>
       </dsp:style>
     </dsp:sp>
-    <dsp:sp modelId="{ABC684E5-7F5C-4574-852F-8E7CAC7042D8}">
+    <dsp:sp modelId="{6B863577-8D00-49FD-83C3-01500DD74F1F}">
       <dsp:nvSpPr>
         <dsp:cNvPr id="0" name=""/>
         <dsp:cNvSpPr/>
       </dsp:nvSpPr>
       <dsp:spPr>
-        <a:xfrm>
-          <a:off x="1995965" y="2504703"/>
-          <a:ext cx="2329956" cy="582489"/>
-        </a:xfrm>
-        <a:prstGeom prst="rect">
-          <a:avLst/>
-        </a:prstGeom>
-        <a:noFill/>
-        <a:ln>
-          <a:noFill/>
-        </a:ln>
-        <a:effectLst/>
-      </dsp:spPr>
-      <dsp:style>
-        <a:lnRef idx="0">
-          <a:scrgbClr r="0" g="0" b="0"/>
-        </a:lnRef>
-        <a:fillRef idx="0">
-          <a:scrgbClr r="0" g="0" b="0"/>
-        </a:fillRef>
-        <a:effectRef idx="0">
-          <a:scrgbClr r="0" g="0" b="0"/>
-        </a:effectRef>
-        <a:fontRef idx="minor"/>
-      </dsp:style>
-      <dsp:txBody>
-        <a:bodyPr spcFirstLastPara="0" vert="horz" wrap="square" lIns="142240" tIns="142240" rIns="142240" bIns="142240" numCol="1" spcCol="1270" anchor="ctr" anchorCtr="0">
-          <a:noAutofit/>
-        </a:bodyPr>
-        <a:lstStyle/>
-        <a:p>
-          <a:pPr marL="0" lvl="0" indent="0" algn="ctr" defTabSz="889000">
-            <a:lnSpc>
-              <a:spcPct val="90000"/>
-            </a:lnSpc>
-            <a:spcBef>
-              <a:spcPct val="0"/>
-            </a:spcBef>
-            <a:spcAft>
-              <a:spcPct val="35000"/>
-            </a:spcAft>
-            <a:buNone/>
-          </a:pPr>
-          <a:endParaRPr lang="en-US" sz="2000" kern="1200" dirty="0"/>
-        </a:p>
-      </dsp:txBody>
-      <dsp:txXfrm>
-        <a:off x="1995965" y="2504703"/>
-        <a:ext cx="2329956" cy="582489"/>
-      </dsp:txXfrm>
-    </dsp:sp>
-    <dsp:sp modelId="{5E3840EC-FB9C-4F93-88E3-CDF34AA2E2CA}">
-      <dsp:nvSpPr>
-        <dsp:cNvPr id="0" name=""/>
-        <dsp:cNvSpPr/>
-      </dsp:nvSpPr>
-      <dsp:spPr>
-        <a:xfrm>
-          <a:off x="2815333" y="1063236"/>
-          <a:ext cx="873733" cy="873733"/>
+        <a:xfrm flipH="1">
+          <a:off x="3523662" y="1387999"/>
+          <a:ext cx="63023" cy="63023"/>
         </a:xfrm>
         <a:prstGeom prst="ellipse">
           <a:avLst/>
         </a:prstGeom>
         <a:solidFill>
           <a:schemeClr val="accent1">
+            <a:tint val="60000"/>
             <a:hueOff val="0"/>
             <a:satOff val="0"/>
             <a:lumOff val="0"/>
@@ -13530,17 +13622,47 @@
         <a:effectRef idx="0">
           <a:scrgbClr r="0" g="0" b="0"/>
         </a:effectRef>
-        <a:fontRef idx="minor">
-          <a:schemeClr val="lt1"/>
-        </a:fontRef>
+        <a:fontRef idx="minor"/>
+      </dsp:style>
+    </dsp:sp>
+    <dsp:sp modelId="{D77E7FED-C63C-48C9-A1BB-085CD411AC8E}">
+      <dsp:nvSpPr>
+        <dsp:cNvPr id="0" name=""/>
+        <dsp:cNvSpPr/>
+      </dsp:nvSpPr>
+      <dsp:spPr>
+        <a:xfrm flipH="1">
+          <a:off x="2834905" y="460026"/>
+          <a:ext cx="1176629" cy="462557"/>
+        </a:xfrm>
+        <a:prstGeom prst="rect">
+          <a:avLst/>
+        </a:prstGeom>
+        <a:noFill/>
+        <a:ln>
+          <a:noFill/>
+        </a:ln>
+        <a:effectLst/>
+      </dsp:spPr>
+      <dsp:style>
+        <a:lnRef idx="0">
+          <a:scrgbClr r="0" g="0" b="0"/>
+        </a:lnRef>
+        <a:fillRef idx="0">
+          <a:scrgbClr r="0" g="0" b="0"/>
+        </a:fillRef>
+        <a:effectRef idx="0">
+          <a:scrgbClr r="0" g="0" b="0"/>
+        </a:effectRef>
+        <a:fontRef idx="minor"/>
       </dsp:style>
       <dsp:txBody>
-        <a:bodyPr spcFirstLastPara="0" vert="horz" wrap="square" lIns="10160" tIns="10160" rIns="10160" bIns="10160" numCol="1" spcCol="1270" anchor="ctr" anchorCtr="0">
+        <a:bodyPr spcFirstLastPara="0" vert="horz" wrap="square" lIns="22860" tIns="22860" rIns="22860" bIns="22860" numCol="1" spcCol="1270" anchor="b" anchorCtr="0">
           <a:noAutofit/>
         </a:bodyPr>
         <a:lstStyle/>
         <a:p>
-          <a:pPr marL="0" lvl="0" indent="0" algn="ctr" defTabSz="355600">
+          <a:pPr marL="0" lvl="0" indent="0" algn="ctr" defTabSz="800100">
             <a:lnSpc>
               <a:spcPct val="90000"/>
             </a:lnSpc>
@@ -13553,72 +13675,58 @@
             <a:buNone/>
           </a:pPr>
           <a:r>
-            <a:rPr lang="en-US" sz="800" kern="1200" dirty="0"/>
-            <a:t>Refinements of Existing Cohorts</a:t>
+            <a:rPr lang="en-US" sz="1800" kern="1200"/>
+            <a:t>Cohort </a:t>
+          </a:r>
+          <a:r>
+            <a:rPr lang="en-US" sz="1800" kern="1200" dirty="0"/>
+            <a:t>Lists</a:t>
           </a:r>
         </a:p>
       </dsp:txBody>
       <dsp:txXfrm>
-        <a:off x="2943288" y="1191191"/>
-        <a:ext cx="617823" cy="617823"/>
+        <a:off x="2834905" y="460026"/>
+        <a:ext cx="1176629" cy="462557"/>
       </dsp:txXfrm>
     </dsp:sp>
-    <dsp:sp modelId="{82DD6346-FE81-44B8-976F-7A642571E33E}">
+    <dsp:sp modelId="{4DCFC195-1990-4446-987E-ED5B33D8F400}">
       <dsp:nvSpPr>
         <dsp:cNvPr id="0" name=""/>
         <dsp:cNvSpPr/>
       </dsp:nvSpPr>
       <dsp:spPr>
-        <a:xfrm>
-          <a:off x="2190128" y="407742"/>
-          <a:ext cx="873733" cy="873733"/>
+        <a:xfrm flipH="1">
+          <a:off x="4261249" y="706738"/>
+          <a:ext cx="1621840" cy="462557"/>
         </a:xfrm>
-        <a:prstGeom prst="ellipse">
+        <a:prstGeom prst="rect">
           <a:avLst/>
         </a:prstGeom>
-        <a:solidFill>
-          <a:schemeClr val="accent1">
-            <a:hueOff val="0"/>
-            <a:satOff val="0"/>
-            <a:lumOff val="0"/>
-            <a:alphaOff val="0"/>
-          </a:schemeClr>
-        </a:solidFill>
-        <a:ln w="12700" cap="flat" cmpd="sng" algn="ctr">
-          <a:solidFill>
-            <a:schemeClr val="lt1">
-              <a:hueOff val="0"/>
-              <a:satOff val="0"/>
-              <a:lumOff val="0"/>
-              <a:alphaOff val="0"/>
-            </a:schemeClr>
-          </a:solidFill>
-          <a:prstDash val="solid"/>
-          <a:miter lim="800000"/>
+        <a:noFill/>
+        <a:ln>
+          <a:noFill/>
         </a:ln>
         <a:effectLst/>
       </dsp:spPr>
       <dsp:style>
-        <a:lnRef idx="2">
+        <a:lnRef idx="0">
           <a:scrgbClr r="0" g="0" b="0"/>
         </a:lnRef>
-        <a:fillRef idx="1">
+        <a:fillRef idx="0">
           <a:scrgbClr r="0" g="0" b="0"/>
         </a:fillRef>
         <a:effectRef idx="0">
           <a:scrgbClr r="0" g="0" b="0"/>
         </a:effectRef>
-        <a:fontRef idx="minor">
-          <a:schemeClr val="lt1"/>
-        </a:fontRef>
+        <a:fontRef idx="minor"/>
       </dsp:style>
       <dsp:txBody>
-        <a:bodyPr spcFirstLastPara="0" vert="horz" wrap="square" lIns="10160" tIns="10160" rIns="10160" bIns="10160" numCol="1" spcCol="1270" anchor="ctr" anchorCtr="0">
+        <a:bodyPr spcFirstLastPara="0" vert="horz" wrap="square" lIns="22860" tIns="22860" rIns="22860" bIns="22860" numCol="1" spcCol="1270" anchor="ctr" anchorCtr="0">
           <a:noAutofit/>
         </a:bodyPr>
         <a:lstStyle/>
         <a:p>
-          <a:pPr marL="0" lvl="0" indent="0" algn="ctr" defTabSz="355600">
+          <a:pPr marL="0" lvl="0" indent="0" algn="l" defTabSz="800100">
             <a:lnSpc>
               <a:spcPct val="90000"/>
             </a:lnSpc>
@@ -13631,72 +13739,55 @@
             <a:buNone/>
           </a:pPr>
           <a:r>
-            <a:rPr lang="en-US" sz="800" kern="1200" dirty="0"/>
-            <a:t>Identification Criteria</a:t>
+            <a:rPr lang="en-US" sz="1800" kern="1200"/>
+            <a:t>Inclusion Criteria</a:t>
           </a:r>
+          <a:endParaRPr lang="en-US" sz="1800" kern="1200" dirty="0"/>
         </a:p>
       </dsp:txBody>
       <dsp:txXfrm>
-        <a:off x="2318083" y="535697"/>
-        <a:ext cx="617823" cy="617823"/>
+        <a:off x="4261249" y="706738"/>
+        <a:ext cx="1621840" cy="462557"/>
       </dsp:txXfrm>
     </dsp:sp>
-    <dsp:sp modelId="{49C2B6D0-9991-43A1-AD51-63D8DE1501D6}">
+    <dsp:sp modelId="{6D233236-9724-43A1-90EC-1EB01A046A89}">
       <dsp:nvSpPr>
         <dsp:cNvPr id="0" name=""/>
         <dsp:cNvSpPr/>
       </dsp:nvSpPr>
       <dsp:spPr>
-        <a:xfrm>
-          <a:off x="3083278" y="196493"/>
-          <a:ext cx="873733" cy="873733"/>
+        <a:xfrm flipH="1">
+          <a:off x="1766060" y="1188230"/>
+          <a:ext cx="1590040" cy="462557"/>
         </a:xfrm>
-        <a:prstGeom prst="ellipse">
+        <a:prstGeom prst="rect">
           <a:avLst/>
         </a:prstGeom>
-        <a:solidFill>
-          <a:schemeClr val="accent1">
-            <a:hueOff val="0"/>
-            <a:satOff val="0"/>
-            <a:lumOff val="0"/>
-            <a:alphaOff val="0"/>
-          </a:schemeClr>
-        </a:solidFill>
-        <a:ln w="12700" cap="flat" cmpd="sng" algn="ctr">
-          <a:solidFill>
-            <a:schemeClr val="lt1">
-              <a:hueOff val="0"/>
-              <a:satOff val="0"/>
-              <a:lumOff val="0"/>
-              <a:alphaOff val="0"/>
-            </a:schemeClr>
-          </a:solidFill>
-          <a:prstDash val="solid"/>
-          <a:miter lim="800000"/>
+        <a:noFill/>
+        <a:ln>
+          <a:noFill/>
         </a:ln>
         <a:effectLst/>
       </dsp:spPr>
       <dsp:style>
-        <a:lnRef idx="2">
+        <a:lnRef idx="0">
           <a:scrgbClr r="0" g="0" b="0"/>
         </a:lnRef>
-        <a:fillRef idx="1">
+        <a:fillRef idx="0">
           <a:scrgbClr r="0" g="0" b="0"/>
         </a:fillRef>
         <a:effectRef idx="0">
           <a:scrgbClr r="0" g="0" b="0"/>
         </a:effectRef>
-        <a:fontRef idx="minor">
-          <a:schemeClr val="lt1"/>
-        </a:fontRef>
+        <a:fontRef idx="minor"/>
       </dsp:style>
       <dsp:txBody>
-        <a:bodyPr spcFirstLastPara="0" vert="horz" wrap="square" lIns="10160" tIns="10160" rIns="10160" bIns="10160" numCol="1" spcCol="1270" anchor="ctr" anchorCtr="0">
+        <a:bodyPr spcFirstLastPara="0" vert="horz" wrap="square" lIns="22860" tIns="22860" rIns="22860" bIns="22860" numCol="1" spcCol="1270" anchor="ctr" anchorCtr="0">
           <a:noAutofit/>
         </a:bodyPr>
         <a:lstStyle/>
         <a:p>
-          <a:pPr marL="0" lvl="0" indent="0" algn="ctr" defTabSz="355600">
+          <a:pPr marL="0" lvl="0" indent="0" algn="r" defTabSz="800100">
             <a:lnSpc>
               <a:spcPct val="90000"/>
             </a:lnSpc>
@@ -13709,57 +13800,41 @@
             <a:buNone/>
           </a:pPr>
           <a:r>
-            <a:rPr lang="en-US" sz="800" kern="1200" dirty="0"/>
-            <a:t>Identifier Lists</a:t>
+            <a:rPr lang="en-US" sz="1800" kern="1200"/>
+            <a:t>Cohort Refresh</a:t>
           </a:r>
+          <a:endParaRPr lang="en-US" sz="1800" kern="1200" dirty="0"/>
         </a:p>
       </dsp:txBody>
       <dsp:txXfrm>
-        <a:off x="3211233" y="324448"/>
-        <a:ext cx="617823" cy="617823"/>
+        <a:off x="1766060" y="1188230"/>
+        <a:ext cx="1590040" cy="462557"/>
       </dsp:txXfrm>
     </dsp:sp>
-    <dsp:sp modelId="{10BC400F-FB3B-403F-A525-8AF2109ACCA7}">
+    <dsp:sp modelId="{984A3585-D5AA-4B98-AC58-EF5AB08EB6AD}">
       <dsp:nvSpPr>
         <dsp:cNvPr id="0" name=""/>
         <dsp:cNvSpPr/>
       </dsp:nvSpPr>
       <dsp:spPr>
         <a:xfrm>
-          <a:off x="1801802" y="19416"/>
-          <a:ext cx="2718282" cy="2174626"/>
+          <a:off x="2941544" y="2428424"/>
+          <a:ext cx="1590040" cy="462557"/>
         </a:xfrm>
-        <a:prstGeom prst="funnel">
+        <a:prstGeom prst="rect">
           <a:avLst/>
         </a:prstGeom>
-        <a:solidFill>
-          <a:schemeClr val="lt1">
-            <a:alpha val="40000"/>
-            <a:hueOff val="0"/>
-            <a:satOff val="0"/>
-            <a:lumOff val="0"/>
-            <a:alphaOff val="0"/>
-          </a:schemeClr>
-        </a:solidFill>
-        <a:ln w="6350" cap="flat" cmpd="sng" algn="ctr">
-          <a:solidFill>
-            <a:schemeClr val="accent1">
-              <a:hueOff val="0"/>
-              <a:satOff val="0"/>
-              <a:lumOff val="0"/>
-              <a:alphaOff val="0"/>
-            </a:schemeClr>
-          </a:solidFill>
-          <a:prstDash val="solid"/>
-          <a:miter lim="800000"/>
+        <a:noFill/>
+        <a:ln>
+          <a:noFill/>
         </a:ln>
         <a:effectLst/>
       </dsp:spPr>
       <dsp:style>
-        <a:lnRef idx="1">
+        <a:lnRef idx="0">
           <a:scrgbClr r="0" g="0" b="0"/>
         </a:lnRef>
-        <a:fillRef idx="1">
+        <a:fillRef idx="0">
           <a:scrgbClr r="0" g="0" b="0"/>
         </a:fillRef>
         <a:effectRef idx="0">
@@ -13767,6 +13842,31 @@
         </a:effectRef>
         <a:fontRef idx="minor"/>
       </dsp:style>
+      <dsp:txBody>
+        <a:bodyPr spcFirstLastPara="0" vert="horz" wrap="square" lIns="22860" tIns="22860" rIns="22860" bIns="22860" numCol="1" spcCol="1270" anchor="t" anchorCtr="0">
+          <a:noAutofit/>
+        </a:bodyPr>
+        <a:lstStyle/>
+        <a:p>
+          <a:pPr marL="0" lvl="0" indent="0" algn="ctr" defTabSz="800100">
+            <a:lnSpc>
+              <a:spcPct val="90000"/>
+            </a:lnSpc>
+            <a:spcBef>
+              <a:spcPct val="0"/>
+            </a:spcBef>
+            <a:spcAft>
+              <a:spcPct val="35000"/>
+            </a:spcAft>
+            <a:buNone/>
+          </a:pPr>
+          <a:endParaRPr lang="en-US" sz="1800" kern="1200" dirty="0"/>
+        </a:p>
+      </dsp:txBody>
+      <dsp:txXfrm>
+        <a:off x="2941544" y="2428424"/>
+        <a:ext cx="1590040" cy="462557"/>
+      </dsp:txXfrm>
     </dsp:sp>
   </dsp:spTree>
 </dsp:drawing>
@@ -17934,12 +18034,11 @@
 </file>
 
 <file path=ppt/diagrams/layout2.xml><?xml version="1.0" encoding="utf-8"?>
-<dgm:layoutDef xmlns:dgm="http://schemas.openxmlformats.org/drawingml/2006/diagram" xmlns:a="http://schemas.openxmlformats.org/drawingml/2006/main" uniqueId="urn:microsoft.com/office/officeart/2005/8/layout/funnel1">
+<dgm:layoutDef xmlns:dgm="http://schemas.openxmlformats.org/drawingml/2006/diagram" xmlns:a="http://schemas.openxmlformats.org/drawingml/2006/main" uniqueId="urn:microsoft.com/office/officeart/2009/3/layout/DescendingProcess">
   <dgm:title val=""/>
   <dgm:desc val=""/>
   <dgm:catLst>
-    <dgm:cat type="relationship" pri="2000"/>
-    <dgm:cat type="process" pri="27000"/>
+    <dgm:cat type="process" pri="23500"/>
   </dgm:catLst>
   <dgm:sampData>
     <dgm:dataModel>
@@ -17957,12 +18056,16 @@
         <dgm:pt modelId="4">
           <dgm:prSet phldr="1"/>
         </dgm:pt>
+        <dgm:pt modelId="5">
+          <dgm:prSet phldr="1"/>
+        </dgm:pt>
       </dgm:ptLst>
       <dgm:cxnLst>
-        <dgm:cxn modelId="5" srcId="0" destId="1" srcOrd="0" destOrd="0"/>
-        <dgm:cxn modelId="6" srcId="0" destId="2" srcOrd="1" destOrd="0"/>
-        <dgm:cxn modelId="7" srcId="0" destId="3" srcOrd="2" destOrd="0"/>
-        <dgm:cxn modelId="8" srcId="0" destId="4" srcOrd="3" destOrd="0"/>
+        <dgm:cxn modelId="6" srcId="0" destId="1" srcOrd="0" destOrd="0"/>
+        <dgm:cxn modelId="7" srcId="0" destId="2" srcOrd="1" destOrd="0"/>
+        <dgm:cxn modelId="8" srcId="0" destId="3" srcOrd="2" destOrd="0"/>
+        <dgm:cxn modelId="9" srcId="0" destId="4" srcOrd="3" destOrd="0"/>
+        <dgm:cxn modelId="10" srcId="0" destId="5" srcOrd="4" destOrd="0"/>
       </dgm:cxnLst>
       <dgm:bg/>
       <dgm:whole/>
@@ -17972,12 +18075,20 @@
     <dgm:dataModel>
       <dgm:ptLst>
         <dgm:pt modelId="0" type="doc"/>
-        <dgm:pt modelId="1"/>
-        <dgm:pt modelId="2"/>
+        <dgm:pt modelId="1">
+          <dgm:prSet phldr="1"/>
+        </dgm:pt>
+        <dgm:pt modelId="2">
+          <dgm:prSet phldr="1"/>
+        </dgm:pt>
+        <dgm:pt modelId="3">
+          <dgm:prSet phldr="1"/>
+        </dgm:pt>
       </dgm:ptLst>
       <dgm:cxnLst>
-        <dgm:cxn modelId="3" srcId="0" destId="1" srcOrd="0" destOrd="0"/>
-        <dgm:cxn modelId="4" srcId="0" destId="2" srcOrd="1" destOrd="0"/>
+        <dgm:cxn modelId="4" srcId="0" destId="1" srcOrd="0" destOrd="0"/>
+        <dgm:cxn modelId="5" srcId="0" destId="2" srcOrd="1" destOrd="0"/>
+        <dgm:cxn modelId="6" srcId="0" destId="3" srcOrd="2" destOrd="0"/>
       </dgm:cxnLst>
       <dgm:bg/>
       <dgm:whole/>
@@ -17987,16 +18098,20 @@
     <dgm:dataModel>
       <dgm:ptLst>
         <dgm:pt modelId="0" type="doc"/>
-        <dgm:pt modelId="1"/>
-        <dgm:pt modelId="2"/>
-        <dgm:pt modelId="3"/>
-        <dgm:pt modelId="4"/>
+        <dgm:pt modelId="1">
+          <dgm:prSet phldr="1"/>
+        </dgm:pt>
+        <dgm:pt modelId="2">
+          <dgm:prSet phldr="1"/>
+        </dgm:pt>
+        <dgm:pt modelId="3">
+          <dgm:prSet phldr="1"/>
+        </dgm:pt>
       </dgm:ptLst>
       <dgm:cxnLst>
-        <dgm:cxn modelId="5" srcId="0" destId="1" srcOrd="0" destOrd="0"/>
-        <dgm:cxn modelId="6" srcId="0" destId="2" srcOrd="1" destOrd="0"/>
-        <dgm:cxn modelId="7" srcId="0" destId="3" srcOrd="2" destOrd="0"/>
-        <dgm:cxn modelId="8" srcId="0" destId="4" srcOrd="3" destOrd="0"/>
+        <dgm:cxn modelId="4" srcId="0" destId="1" srcOrd="0" destOrd="0"/>
+        <dgm:cxn modelId="5" srcId="0" destId="2" srcOrd="1" destOrd="0"/>
+        <dgm:cxn modelId="6" srcId="0" destId="3" srcOrd="2" destOrd="0"/>
       </dgm:cxnLst>
       <dgm:bg/>
       <dgm:whole/>
@@ -18004,249 +18119,596 @@
   </dgm:clrData>
   <dgm:layoutNode name="Name0">
     <dgm:varLst>
-      <dgm:chMax val="4"/>
-      <dgm:resizeHandles val="exact"/>
+      <dgm:chMax val="7"/>
+      <dgm:chPref val="5"/>
     </dgm:varLst>
     <dgm:alg type="composite">
-      <dgm:param type="ar" val="1.25"/>
+      <dgm:param type="ar" val="1.1"/>
     </dgm:alg>
     <dgm:shape xmlns:r="http://schemas.openxmlformats.org/officeDocument/2006/relationships" r:blip="">
       <dgm:adjLst/>
     </dgm:shape>
-    <dgm:presOf/>
     <dgm:choose name="Name1">
-      <dgm:if name="Name2" axis="ch" ptType="node" func="cnt" op="equ" val="2">
+      <dgm:if name="Name2" axis="ch" ptType="node" func="cnt" op="equ" val="1">
         <dgm:constrLst>
-          <dgm:constr type="w" for="ch" forName="ellipse" refType="w" fact="0.645"/>
-          <dgm:constr type="h" for="ch" forName="ellipse" refType="h" fact="0.28"/>
-          <dgm:constr type="t" for="ch" forName="ellipse" refType="w" fact="0.0275"/>
-          <dgm:constr type="l" for="ch" forName="ellipse" refType="w" fact="0.0265"/>
-          <dgm:constr type="w" for="ch" forName="arrow1" refType="w" fact="0.125"/>
-          <dgm:constr type="h" for="ch" forName="arrow1" refType="h" fact="0.1"/>
-          <dgm:constr type="t" for="ch" forName="arrow1" refType="h" fact="0.72"/>
-          <dgm:constr type="l" for="ch" forName="arrow1" refType="w" fact="0.2875"/>
-          <dgm:constr type="w" for="ch" forName="rectangle" refType="w" fact="0.6"/>
-          <dgm:constr type="h" for="ch" forName="rectangle" refType="w" refFor="ch" refForName="rectangle" fact="0.25"/>
-          <dgm:constr type="t" for="ch" forName="rectangle" refType="h" fact="0.8"/>
-          <dgm:constr type="l" for="ch" forName="rectangle" refType="w" fact="0.05"/>
-          <dgm:constr type="w" for="ch" forName="item1" refType="w" fact="0.35"/>
-          <dgm:constr type="h" for="ch" forName="item1" refType="w" fact="0.35"/>
-          <dgm:constr type="t" for="ch" forName="item1" refType="h" fact="0.05"/>
-          <dgm:constr type="l" for="ch" forName="item1" refType="w" fact="0.125"/>
-          <dgm:constr type="primFontSz" for="ch" forName="item1" op="equ" val="65"/>
-          <dgm:constr type="w" for="ch" forName="funnel" refType="w" fact="0.7"/>
-          <dgm:constr type="h" for="ch" forName="funnel" refType="h" fact="0.7"/>
-          <dgm:constr type="t" for="ch" forName="funnel"/>
-          <dgm:constr type="l" for="ch" forName="funnel"/>
+          <dgm:constr type="primFontSz" for="ch" ptType="node" op="equ" val="65"/>
+          <dgm:constr type="w" for="ch" forName="arrowNode" refType="w" fact="0.75"/>
+          <dgm:constr type="h" for="ch" forName="arrowNode" refType="h"/>
+          <dgm:constr type="l" for="ch" forName="arrowNode" refType="w" fact="0.07"/>
+          <dgm:constr type="t" for="ch" forName="arrowNode"/>
+          <dgm:constr type="l" for="ch" forName="txNode1" refType="w" fact="0"/>
+          <dgm:constr type="t" for="ch" forName="txNode1" refType="h" fact="0"/>
+          <dgm:constr type="r" for="ch" forName="txNode1" refType="w" fact="0.37"/>
+          <dgm:constr type="h" for="ch" forName="txNode1" refType="h" fact="0.16"/>
         </dgm:constrLst>
       </dgm:if>
-      <dgm:else name="Name3">
+      <dgm:if name="Name3" axis="ch" ptType="node" func="cnt" op="equ" val="2">
         <dgm:constrLst>
-          <dgm:constr type="w" for="ch" forName="ellipse" refType="w" fact="0.645"/>
-          <dgm:constr type="h" for="ch" forName="ellipse" refType="h" fact="0.28"/>
-          <dgm:constr type="t" for="ch" forName="ellipse" refType="w" fact="0.0275"/>
-          <dgm:constr type="l" for="ch" forName="ellipse" refType="w" fact="0.0265"/>
-          <dgm:constr type="w" for="ch" forName="arrow1" refType="w" fact="0.125"/>
-          <dgm:constr type="h" for="ch" forName="arrow1" refType="h" fact="0.1"/>
-          <dgm:constr type="t" for="ch" forName="arrow1" refType="h" fact="0.72"/>
-          <dgm:constr type="l" for="ch" forName="arrow1" refType="w" fact="0.2875"/>
-          <dgm:constr type="w" for="ch" forName="rectangle" refType="w" fact="0.6"/>
-          <dgm:constr type="h" for="ch" forName="rectangle" refType="w" refFor="ch" refForName="rectangle" fact="0.25"/>
-          <dgm:constr type="t" for="ch" forName="rectangle" refType="h" fact="0.8"/>
-          <dgm:constr type="l" for="ch" forName="rectangle" refType="w" fact="0.05"/>
-          <dgm:constr type="primFontSz" for="ch" forName="rectangle" val="65"/>
-          <dgm:constr type="w" for="ch" forName="item1" refType="w" fact="0.225"/>
-          <dgm:constr type="h" for="ch" forName="item1" refType="w" fact="0.225"/>
-          <dgm:constr type="t" for="ch" forName="item1" refType="h" fact="0.336"/>
-          <dgm:constr type="l" for="ch" forName="item1" refType="w" fact="0.261"/>
-          <dgm:constr type="primFontSz" for="ch" forName="item1" val="65"/>
-          <dgm:constr type="w" for="ch" forName="item2" refType="w" fact="0.225"/>
-          <dgm:constr type="h" for="ch" forName="item2" refType="w" fact="0.225"/>
-          <dgm:constr type="t" for="ch" forName="item2" refType="h" fact="0.125"/>
-          <dgm:constr type="l" for="ch" forName="item2" refType="w" fact="0.1"/>
-          <dgm:constr type="primFontSz" for="ch" forName="item2" refType="primFontSz" refFor="ch" refForName="item1" op="equ"/>
-          <dgm:constr type="w" for="ch" forName="item3" refType="w" fact="0.225"/>
-          <dgm:constr type="h" for="ch" forName="item3" refType="w" fact="0.225"/>
-          <dgm:constr type="t" for="ch" forName="item3" refType="h" fact="0.057"/>
-          <dgm:constr type="l" for="ch" forName="item3" refType="w" fact="0.33"/>
-          <dgm:constr type="primFontSz" for="ch" forName="item3" refType="primFontSz" refFor="ch" refForName="item1" op="equ"/>
-          <dgm:constr type="w" for="ch" forName="funnel" refType="w" fact="0.7"/>
-          <dgm:constr type="h" for="ch" forName="funnel" refType="h" fact="0.7"/>
-          <dgm:constr type="t" for="ch" forName="funnel"/>
-          <dgm:constr type="l" for="ch" forName="funnel"/>
+          <dgm:constr type="primFontSz" for="ch" ptType="node" op="equ" val="65"/>
+          <dgm:constr type="w" for="ch" forName="arrowNode" refType="w" fact="0.75"/>
+          <dgm:constr type="h" for="ch" forName="arrowNode" refType="h"/>
+          <dgm:constr type="l" for="ch" forName="arrowNode" refType="w" fact="0.07"/>
+          <dgm:constr type="t" for="ch" forName="arrowNode"/>
+          <dgm:constr type="l" for="ch" forName="txNode1" refType="w" fact="0"/>
+          <dgm:constr type="t" for="ch" forName="txNode1" refType="h" fact="0"/>
+          <dgm:constr type="r" for="ch" forName="txNode1" refType="w" fact="0.37"/>
+          <dgm:constr type="h" for="ch" forName="txNode1" refType="h" fact="0.16"/>
+          <dgm:constr type="l" for="ch" forName="txNode2" refType="w" fact="0.5"/>
+          <dgm:constr type="b" for="ch" forName="txNode2" refType="h"/>
+          <dgm:constr type="r" for="ch" forName="txNode2" refType="w"/>
+          <dgm:constr type="h" for="ch" forName="txNode2" refType="h" fact="0.16"/>
+        </dgm:constrLst>
+      </dgm:if>
+      <dgm:if name="Name4" axis="ch" ptType="node" func="cnt" op="equ" val="3">
+        <dgm:constrLst>
+          <dgm:constr type="primFontSz" for="ch" ptType="node" op="equ" val="65"/>
+          <dgm:constr type="w" for="ch" forName="arrowNode" refType="w" fact="0.75"/>
+          <dgm:constr type="h" for="ch" forName="arrowNode" refType="h"/>
+          <dgm:constr type="l" for="ch" forName="arrowNode" refType="w" fact="0.07"/>
+          <dgm:constr type="t" for="ch" forName="arrowNode"/>
+          <dgm:constr type="l" for="ch" forName="txNode1" refType="w" fact="0"/>
+          <dgm:constr type="t" for="ch" forName="txNode1" refType="h" fact="0"/>
+          <dgm:constr type="r" for="ch" forName="txNode1" refType="w" fact="0.37"/>
+          <dgm:constr type="h" for="ch" forName="txNode1" refType="h" fact="0.16"/>
+          <dgm:constr type="l" for="ch" forName="txNode2" refType="w" fact="0.56"/>
+          <dgm:constr type="ctrY" for="ch" forName="txNode2" refType="h" fact="0.3992"/>
+          <dgm:constr type="r" for="ch" forName="txNode2" refType="w"/>
+          <dgm:constr type="h" for="ch" forName="txNode2" refType="h" fact="0.16"/>
+          <dgm:constr type="l" for="ch" forName="txNode3" refType="w" fact="0.5"/>
+          <dgm:constr type="b" for="ch" forName="txNode3" refType="h"/>
+          <dgm:constr type="r" for="ch" forName="txNode3" refType="w"/>
+          <dgm:constr type="h" for="ch" forName="txNode3" refType="h" fact="0.16"/>
+          <dgm:constr type="ctrX" for="ch" forName="dotNode2" refType="w" fact="0.4782"/>
+          <dgm:constr type="ctrY" for="ch" forName="dotNode2" refType="h" fact="0.3992"/>
+          <dgm:constr type="h" for="ch" forName="dotNode2" refType="h" fact="0.0218"/>
+          <dgm:constr type="w" for="ch" forName="dotNode2" refType="h" refFor="ch" refForName="dotNode2"/>
+        </dgm:constrLst>
+      </dgm:if>
+      <dgm:if name="Name5" axis="ch" ptType="node" func="cnt" op="equ" val="4">
+        <dgm:constrLst>
+          <dgm:constr type="primFontSz" for="ch" ptType="node" op="equ" val="65"/>
+          <dgm:constr type="w" for="ch" forName="arrowNode" refType="w" fact="0.75"/>
+          <dgm:constr type="h" for="ch" forName="arrowNode" refType="h"/>
+          <dgm:constr type="l" for="ch" forName="arrowNode" refType="w" fact="0.07"/>
+          <dgm:constr type="t" for="ch" forName="arrowNode"/>
+          <dgm:constr type="l" for="ch" forName="txNode1" refType="w" fact="0"/>
+          <dgm:constr type="t" for="ch" forName="txNode1" refType="h" fact="0"/>
+          <dgm:constr type="r" for="ch" forName="txNode1" refType="w" fact="0.37"/>
+          <dgm:constr type="h" for="ch" forName="txNode1" refType="h" fact="0.16"/>
+          <dgm:constr type="l" for="ch" forName="txNode2" refType="w" fact="0.49"/>
+          <dgm:constr type="ctrY" for="ch" forName="txNode2" refType="h" fact="0.3153"/>
+          <dgm:constr type="r" for="ch" forName="txNode2" refType="w"/>
+          <dgm:constr type="h" for="ch" forName="txNode2" refType="h" fact="0.16"/>
+          <dgm:constr type="l" for="ch" forName="txNode3" refType="w" fact="0"/>
+          <dgm:constr type="ctrY" for="ch" forName="txNode3" refType="h" fact="0.5004"/>
+          <dgm:constr type="r" for="ch" forName="txNode3" refType="w" fact="0.5"/>
+          <dgm:constr type="h" for="ch" forName="txNode3" refType="h" fact="0.16"/>
+          <dgm:constr type="l" for="ch" forName="txNode4" refType="w" fact="0.5"/>
+          <dgm:constr type="b" for="ch" forName="txNode4" refType="h"/>
+          <dgm:constr type="r" for="ch" forName="txNode4" refType="w"/>
+          <dgm:constr type="h" for="ch" forName="txNode4" refType="h" fact="0.16"/>
+          <dgm:constr type="ctrX" for="ch" forName="dotNode2" refType="w" fact="0.39"/>
+          <dgm:constr type="ctrY" for="ch" forName="dotNode2" refType="h" fact="0.3153"/>
+          <dgm:constr type="h" for="ch" forName="dotNode2" refType="h" fact="0.0218"/>
+          <dgm:constr type="w" for="ch" forName="dotNode2" refType="h" refFor="ch" refForName="dotNode2"/>
+          <dgm:constr type="ctrX" for="ch" forName="dotNode3" refType="w" fact="0.5626"/>
+          <dgm:constr type="ctrY" for="ch" forName="dotNode3" refType="h" fact="0.5004"/>
+          <dgm:constr type="h" for="ch" forName="dotNode3" refType="h" fact="0.0218"/>
+          <dgm:constr type="w" for="ch" forName="dotNode3" refType="h" refFor="ch" refForName="dotNode3"/>
+        </dgm:constrLst>
+      </dgm:if>
+      <dgm:if name="Name6" axis="ch" ptType="node" func="cnt" op="equ" val="5">
+        <dgm:constrLst>
+          <dgm:constr type="primFontSz" for="ch" ptType="node" op="equ" val="65"/>
+          <dgm:constr type="w" for="ch" forName="arrowNode" refType="w" fact="0.75"/>
+          <dgm:constr type="h" for="ch" forName="arrowNode" refType="h"/>
+          <dgm:constr type="l" for="ch" forName="arrowNode" refType="w" fact="0.07"/>
+          <dgm:constr type="t" for="ch" forName="arrowNode"/>
+          <dgm:constr type="l" for="ch" forName="txNode1" refType="w" fact="0"/>
+          <dgm:constr type="t" for="ch" forName="txNode1" refType="h" fact="0"/>
+          <dgm:constr type="r" for="ch" forName="txNode1" refType="w" fact="0.37"/>
+          <dgm:constr type="h" for="ch" forName="txNode1" refType="h" fact="0.16"/>
+          <dgm:constr type="l" for="ch" forName="txNode2" refType="w" fact="0.46"/>
+          <dgm:constr type="ctrY" for="ch" forName="txNode2" refType="h" fact="0.2885"/>
+          <dgm:constr type="r" for="ch" forName="txNode2" refType="w"/>
+          <dgm:constr type="h" for="ch" forName="txNode2" refType="h" fact="0.16"/>
+          <dgm:constr type="l" for="ch" forName="txNode3" refType="w" fact="0"/>
+          <dgm:constr type="ctrY" for="ch" forName="txNode3" refType="h" fact="0.4089"/>
+          <dgm:constr type="r" for="ch" forName="txNode3" refType="w" fact="0.43"/>
+          <dgm:constr type="h" for="ch" forName="txNode3" refType="h" fact="0.16"/>
+          <dgm:constr type="l" for="ch" forName="txNode4" refType="w" fact="0.67"/>
+          <dgm:constr type="ctrY" for="ch" forName="txNode4" refType="h" fact="0.5497"/>
+          <dgm:constr type="r" for="ch" forName="txNode4" refType="w"/>
+          <dgm:constr type="h" for="ch" forName="txNode4" refType="h" fact="0.16"/>
+          <dgm:constr type="l" for="ch" forName="txNode5" refType="w" fact="0.5"/>
+          <dgm:constr type="b" for="ch" forName="txNode5" refType="h"/>
+          <dgm:constr type="r" for="ch" forName="txNode5" refType="w"/>
+          <dgm:constr type="h" for="ch" forName="txNode5" refType="h" fact="0.16"/>
+          <dgm:constr type="ctrX" for="ch" forName="dotNode2" refType="w" fact="0.3565"/>
+          <dgm:constr type="ctrY" for="ch" forName="dotNode2" refType="h" fact="0.2885"/>
+          <dgm:constr type="h" for="ch" forName="dotNode2" refType="h" fact="0.0218"/>
+          <dgm:constr type="w" for="ch" forName="dotNode2" refType="h" refFor="ch" refForName="dotNode2"/>
+          <dgm:constr type="ctrX" for="ch" forName="dotNode3" refType="w" fact="0.4922"/>
+          <dgm:constr type="ctrY" for="ch" forName="dotNode3" refType="h" fact="0.4089"/>
+          <dgm:constr type="h" for="ch" forName="dotNode3" refType="h" fact="0.0218"/>
+          <dgm:constr type="w" for="ch" forName="dotNode3" refType="h" refFor="ch" refForName="dotNode3"/>
+          <dgm:constr type="ctrX" for="ch" forName="dotNode4" refType="w" fact="0.5939"/>
+          <dgm:constr type="ctrY" for="ch" forName="dotNode4" refType="h" fact="0.5497"/>
+          <dgm:constr type="h" for="ch" forName="dotNode4" refType="h" fact="0.0218"/>
+          <dgm:constr type="w" for="ch" forName="dotNode4" refType="h" refFor="ch" refForName="dotNode4"/>
+        </dgm:constrLst>
+      </dgm:if>
+      <dgm:if name="Name7" axis="ch" ptType="node" func="cnt" op="equ" val="6">
+        <dgm:constrLst>
+          <dgm:constr type="primFontSz" for="ch" ptType="node" op="equ" val="65"/>
+          <dgm:constr type="w" for="ch" forName="arrowNode" refType="w" fact="0.75"/>
+          <dgm:constr type="h" for="ch" forName="arrowNode" refType="h"/>
+          <dgm:constr type="l" for="ch" forName="arrowNode" refType="w" fact="0.07"/>
+          <dgm:constr type="t" for="ch" forName="arrowNode"/>
+          <dgm:constr type="l" for="ch" forName="txNode1" refType="w" fact="0"/>
+          <dgm:constr type="t" for="ch" forName="txNode1" refType="h" fact="0"/>
+          <dgm:constr type="r" for="ch" forName="txNode1" refType="w" fact="0.37"/>
+          <dgm:constr type="h" for="ch" forName="txNode1" refType="h" fact="0.16"/>
+          <dgm:constr type="l" for="ch" forName="txNode2" refType="w" fact="0.45"/>
+          <dgm:constr type="ctrY" for="ch" forName="txNode2" refType="h" fact="0.2693"/>
+          <dgm:constr type="r" for="ch" forName="txNode2" refType="w"/>
+          <dgm:constr type="h" for="ch" forName="txNode2" refType="h" fact="0.16"/>
+          <dgm:constr type="l" for="ch" forName="txNode3" refType="w" fact="0"/>
+          <dgm:constr type="ctrY" for="ch" forName="txNode3" refType="h" fact="0.3638"/>
+          <dgm:constr type="r" for="ch" forName="txNode3" refType="w" fact="0.37"/>
+          <dgm:constr type="h" for="ch" forName="txNode3" refType="h" fact="0.16"/>
+          <dgm:constr type="l" for="ch" forName="txNode4" refType="w" fact="0.63"/>
+          <dgm:constr type="ctrY" for="ch" forName="txNode4" refType="h" fact="0.4744"/>
+          <dgm:constr type="r" for="ch" forName="txNode4" refType="w"/>
+          <dgm:constr type="h" for="ch" forName="txNode4" refType="h" fact="0.16"/>
+          <dgm:constr type="l" for="ch" forName="txNode5" refType="w" fact="0"/>
+          <dgm:constr type="ctrY" for="ch" forName="txNode5" refType="h" fact="0.5961"/>
+          <dgm:constr type="r" for="ch" forName="txNode5" refType="w" fact="0.55"/>
+          <dgm:constr type="h" for="ch" forName="txNode5" refType="h" fact="0.16"/>
+          <dgm:constr type="l" for="ch" forName="txNode6" refType="w" fact="0.5"/>
+          <dgm:constr type="b" for="ch" forName="txNode6" refType="h"/>
+          <dgm:constr type="r" for="ch" forName="txNode6" refType="w"/>
+          <dgm:constr type="h" for="ch" forName="txNode6" refType="h" fact="0.16"/>
+          <dgm:constr type="ctrX" for="ch" forName="dotNode2" refType="w" fact="0.33"/>
+          <dgm:constr type="ctrY" for="ch" forName="dotNode2" refType="h" fact="0.2693"/>
+          <dgm:constr type="h" for="ch" forName="dotNode2" refType="h" fact="0.0218"/>
+          <dgm:constr type="w" for="ch" forName="dotNode2" refType="h" refFor="ch" refForName="dotNode2"/>
+          <dgm:constr type="ctrX" for="ch" forName="dotNode3" refType="w" fact="0.4419"/>
+          <dgm:constr type="ctrY" for="ch" forName="dotNode3" refType="h" fact="0.3638"/>
+          <dgm:constr type="h" for="ch" forName="dotNode3" refType="h" fact="0.0218"/>
+          <dgm:constr type="w" for="ch" forName="dotNode3" refType="h" refFor="ch" refForName="dotNode3"/>
+          <dgm:constr type="ctrX" for="ch" forName="dotNode4" refType="w" fact="0.5425"/>
+          <dgm:constr type="ctrY" for="ch" forName="dotNode4" refType="h" fact="0.4744"/>
+          <dgm:constr type="h" for="ch" forName="dotNode4" refType="h" fact="0.0218"/>
+          <dgm:constr type="w" for="ch" forName="dotNode4" refType="h" refFor="ch" refForName="dotNode4"/>
+          <dgm:constr type="ctrX" for="ch" forName="dotNode5" refType="w" fact="0.6153"/>
+          <dgm:constr type="ctrY" for="ch" forName="dotNode5" refType="h" fact="0.5961"/>
+          <dgm:constr type="h" for="ch" forName="dotNode5" refType="h" fact="0.0218"/>
+          <dgm:constr type="w" for="ch" forName="dotNode5" refType="h" refFor="ch" refForName="dotNode5"/>
+        </dgm:constrLst>
+      </dgm:if>
+      <dgm:else name="Name8">
+        <dgm:constrLst>
+          <dgm:constr type="primFontSz" for="ch" ptType="node" op="equ" val="65"/>
+          <dgm:constr type="w" for="ch" forName="arrowNode" refType="w" fact="0.75"/>
+          <dgm:constr type="h" for="ch" forName="arrowNode" refType="h"/>
+          <dgm:constr type="l" for="ch" forName="arrowNode" refType="w" fact="0.07"/>
+          <dgm:constr type="t" for="ch" forName="arrowNode"/>
+          <dgm:constr type="l" for="ch" forName="txNode1" refType="w" fact="0"/>
+          <dgm:constr type="t" for="ch" forName="txNode1" refType="h" fact="0"/>
+          <dgm:constr type="r" for="ch" forName="txNode1" refType="w" fact="0.37"/>
+          <dgm:constr type="h" for="ch" forName="txNode1" refType="h" fact="0.16"/>
+          <dgm:constr type="l" for="ch" forName="txNode2" refType="w" fact="0.44"/>
+          <dgm:constr type="ctrY" for="ch" forName="txNode2" refType="h" fact="0.2693"/>
+          <dgm:constr type="r" for="ch" forName="txNode2" refType="w"/>
+          <dgm:constr type="h" for="ch" forName="txNode2" refType="h" fact="0.16"/>
+          <dgm:constr type="l" for="ch" forName="txNode3" refType="w" fact="0"/>
+          <dgm:constr type="ctrY" for="ch" forName="txNode3" refType="h" fact="0.3424"/>
+          <dgm:constr type="r" for="ch" forName="txNode3" refType="w" fact="0.33"/>
+          <dgm:constr type="h" for="ch" forName="txNode3" refType="h" fact="0.16"/>
+          <dgm:constr type="l" for="ch" forName="txNode4" refType="w" fact="0.61"/>
+          <dgm:constr type="ctrY" for="ch" forName="txNode4" refType="h" fact="0.4276"/>
+          <dgm:constr type="r" for="ch" forName="txNode4" refType="w"/>
+          <dgm:constr type="h" for="ch" forName="txNode4" refType="h" fact="0.16"/>
+          <dgm:constr type="l" for="ch" forName="txNode5" refType="w" fact="0"/>
+          <dgm:constr type="ctrY" for="ch" forName="txNode5" refType="h" fact="0.5218"/>
+          <dgm:constr type="r" for="ch" forName="txNode5" refType="w" fact="0.5"/>
+          <dgm:constr type="h" for="ch" forName="txNode5" refType="h" fact="0.16"/>
+          <dgm:constr type="l" for="ch" forName="txNode6" refType="w" fact="0.71"/>
+          <dgm:constr type="ctrY" for="ch" forName="txNode6" refType="h" fact="0.6179"/>
+          <dgm:constr type="r" for="ch" forName="txNode6" refType="w"/>
+          <dgm:constr type="h" for="ch" forName="txNode6" refType="h" fact="0.16"/>
+          <dgm:constr type="l" for="ch" forName="txNode7" refType="w" fact="0.5"/>
+          <dgm:constr type="b" for="ch" forName="txNode7" refType="h"/>
+          <dgm:constr type="r" for="ch" forName="txNode7" refType="w"/>
+          <dgm:constr type="h" for="ch" forName="txNode7" refType="h" fact="0.16"/>
+          <dgm:constr type="ctrX" for="ch" forName="dotNode2" refType="w" fact="0.33"/>
+          <dgm:constr type="ctrY" for="ch" forName="dotNode2" refType="h" fact="0.2693"/>
+          <dgm:constr type="h" for="ch" forName="dotNode2" refType="h" fact="0.0218"/>
+          <dgm:constr type="w" for="ch" forName="dotNode2" refType="h" refFor="ch" refForName="dotNode2"/>
+          <dgm:constr type="ctrX" for="ch" forName="dotNode3" refType="w" fact="0.425"/>
+          <dgm:constr type="ctrY" for="ch" forName="dotNode3" refType="h" fact="0.3424"/>
+          <dgm:constr type="h" for="ch" forName="dotNode3" refType="h" fact="0.0218"/>
+          <dgm:constr type="w" for="ch" forName="dotNode3" refType="h" refFor="ch" refForName="dotNode3"/>
+          <dgm:constr type="ctrX" for="ch" forName="dotNode4" refType="w" fact="0.505"/>
+          <dgm:constr type="ctrY" for="ch" forName="dotNode4" refType="h" fact="0.4276"/>
+          <dgm:constr type="h" for="ch" forName="dotNode4" refType="h" fact="0.0218"/>
+          <dgm:constr type="w" for="ch" forName="dotNode4" refType="h" refFor="ch" refForName="dotNode4"/>
+          <dgm:constr type="ctrX" for="ch" forName="dotNode5" refType="w" fact="0.5742"/>
+          <dgm:constr type="ctrY" for="ch" forName="dotNode5" refType="h" fact="0.5218"/>
+          <dgm:constr type="h" for="ch" forName="dotNode5" refType="h" fact="0.0218"/>
+          <dgm:constr type="w" for="ch" forName="dotNode5" refType="h" refFor="ch" refForName="dotNode5"/>
+          <dgm:constr type="ctrX" for="ch" forName="dotNode6" refType="w" fact="0.63"/>
+          <dgm:constr type="ctrY" for="ch" forName="dotNode6" refType="h" fact="0.6179"/>
+          <dgm:constr type="h" for="ch" forName="dotNode6" refType="h" fact="0.0218"/>
+          <dgm:constr type="w" for="ch" forName="dotNode6" refType="h" refFor="ch" refForName="dotNode6"/>
         </dgm:constrLst>
       </dgm:else>
     </dgm:choose>
-    <dgm:ruleLst/>
-    <dgm:choose name="Name4">
-      <dgm:if name="Name5" axis="ch" ptType="node" func="cnt" op="gte" val="1">
-        <dgm:layoutNode name="ellipse" styleLbl="trBgShp">
-          <dgm:alg type="sp"/>
-          <dgm:shape xmlns:r="http://schemas.openxmlformats.org/officeDocument/2006/relationships" type="ellipse" r:blip="">
-            <dgm:adjLst/>
-          </dgm:shape>
-          <dgm:presOf/>
-          <dgm:constrLst/>
-          <dgm:ruleLst/>
-        </dgm:layoutNode>
-        <dgm:layoutNode name="arrow1" styleLbl="fgShp">
-          <dgm:alg type="sp"/>
-          <dgm:shape xmlns:r="http://schemas.openxmlformats.org/officeDocument/2006/relationships" type="downArrow" r:blip="">
-            <dgm:adjLst/>
-          </dgm:shape>
-          <dgm:presOf/>
-          <dgm:constrLst/>
-          <dgm:ruleLst/>
-        </dgm:layoutNode>
-        <dgm:layoutNode name="rectangle" styleLbl="revTx">
-          <dgm:varLst>
-            <dgm:bulletEnabled val="1"/>
-          </dgm:varLst>
-          <dgm:alg type="tx">
-            <dgm:param type="txAnchorHorzCh" val="ctr"/>
-          </dgm:alg>
-          <dgm:shape xmlns:r="http://schemas.openxmlformats.org/officeDocument/2006/relationships" type="rect" r:blip="">
-            <dgm:adjLst/>
-          </dgm:shape>
-          <dgm:choose name="Name6">
-            <dgm:if name="Name7" axis="ch" ptType="node" func="cnt" op="equ" val="1">
-              <dgm:presOf axis="ch desOrSelf" ptType="node node" st="1 1" cnt="1 0"/>
-            </dgm:if>
-            <dgm:if name="Name8" axis="ch" ptType="node" func="cnt" op="equ" val="2">
-              <dgm:presOf axis="ch desOrSelf" ptType="node node" st="2 1" cnt="1 0"/>
-            </dgm:if>
-            <dgm:if name="Name9" axis="ch" ptType="node" func="cnt" op="equ" val="3">
-              <dgm:presOf axis="ch desOrSelf" ptType="node node" st="3 1" cnt="1 0"/>
-            </dgm:if>
-            <dgm:else name="Name10">
-              <dgm:presOf axis="ch desOrSelf" ptType="node node" st="4 1" cnt="1 0"/>
-            </dgm:else>
-          </dgm:choose>
-          <dgm:constrLst/>
-          <dgm:ruleLst>
-            <dgm:rule type="primFontSz" val="5" fact="NaN" max="NaN"/>
-          </dgm:ruleLst>
-        </dgm:layoutNode>
-        <dgm:forEach name="Name11" axis="ch" ptType="node" st="2" cnt="1">
-          <dgm:layoutNode name="item1" styleLbl="node1">
-            <dgm:varLst>
-              <dgm:bulletEnabled val="1"/>
-            </dgm:varLst>
-            <dgm:alg type="tx">
-              <dgm:param type="txAnchorVertCh" val="mid"/>
-            </dgm:alg>
+    <dgm:forEach name="Name9" axis="self" ptType="parTrans">
+      <dgm:forEach name="Name10" axis="self" ptType="sibTrans" st="2">
+        <dgm:forEach name="dotRepeat" axis="self">
+          <dgm:layoutNode name="dotRepeatNode" styleLbl="fgShp">
+            <dgm:alg type="sp"/>
             <dgm:shape xmlns:r="http://schemas.openxmlformats.org/officeDocument/2006/relationships" type="ellipse" r:blip="">
               <dgm:adjLst/>
             </dgm:shape>
-            <dgm:choose name="Name12">
-              <dgm:if name="Name13" axis="root ch" ptType="all node" func="cnt" op="equ" val="1">
-                <dgm:presOf/>
-              </dgm:if>
-              <dgm:if name="Name14" axis="root ch" ptType="all node" func="cnt" op="equ" val="2">
-                <dgm:presOf axis="root ch desOrSelf" ptType="all node node" st="1 1 1" cnt="0 1 0"/>
-              </dgm:if>
-              <dgm:if name="Name15" axis="root ch" ptType="all node" func="cnt" op="equ" val="3">
-                <dgm:presOf axis="root ch desOrSelf" ptType="all node node" st="1 2 1" cnt="0 1 0"/>
-              </dgm:if>
-              <dgm:else name="Name16">
-                <dgm:presOf axis="root ch desOrSelf" ptType="all node node" st="1 3 1" cnt="0 1 0"/>
-              </dgm:else>
-            </dgm:choose>
-            <dgm:constrLst>
-              <dgm:constr type="tMarg" refType="primFontSz" fact="0.1"/>
-              <dgm:constr type="bMarg" refType="primFontSz" fact="0.1"/>
-              <dgm:constr type="lMarg" refType="primFontSz" fact="0.1"/>
-              <dgm:constr type="rMarg" refType="primFontSz" fact="0.1"/>
-            </dgm:constrLst>
-            <dgm:ruleLst>
-              <dgm:rule type="primFontSz" val="5" fact="NaN" max="NaN"/>
-            </dgm:ruleLst>
+            <dgm:presOf axis="self"/>
           </dgm:layoutNode>
         </dgm:forEach>
-        <dgm:forEach name="Name17" axis="ch" ptType="node" st="3" cnt="1">
-          <dgm:layoutNode name="item2" styleLbl="node1">
-            <dgm:varLst>
-              <dgm:bulletEnabled val="1"/>
-            </dgm:varLst>
-            <dgm:alg type="tx">
-              <dgm:param type="txAnchorVertCh" val="mid"/>
-            </dgm:alg>
-            <dgm:shape xmlns:r="http://schemas.openxmlformats.org/officeDocument/2006/relationships" type="ellipse" r:blip="">
-              <dgm:adjLst/>
-            </dgm:shape>
-            <dgm:choose name="Name18">
-              <dgm:if name="Name19" axis="root ch" ptType="all node" func="cnt" op="equ" val="1">
-                <dgm:presOf/>
-              </dgm:if>
-              <dgm:if name="Name20" axis="root ch" ptType="all node" func="cnt" op="equ" val="2">
-                <dgm:presOf/>
-              </dgm:if>
-              <dgm:if name="Name21" axis="root ch" ptType="all node" func="cnt" op="equ" val="3">
-                <dgm:presOf axis="root ch desOrSelf" ptType="all node node" st="1 1 1" cnt="0 1 0"/>
-              </dgm:if>
-              <dgm:else name="Name22">
-                <dgm:presOf axis="root ch desOrSelf" ptType="all node node" st="1 2 1" cnt="0 1 0"/>
-              </dgm:else>
-            </dgm:choose>
-            <dgm:constrLst>
-              <dgm:constr type="tMarg" refType="primFontSz" fact="0.1"/>
-              <dgm:constr type="bMarg" refType="primFontSz" fact="0.1"/>
-              <dgm:constr type="lMarg" refType="primFontSz" fact="0.1"/>
-              <dgm:constr type="rMarg" refType="primFontSz" fact="0.1"/>
-            </dgm:constrLst>
-            <dgm:ruleLst>
-              <dgm:rule type="primFontSz" val="5" fact="NaN" max="NaN"/>
-            </dgm:ruleLst>
-          </dgm:layoutNode>
-        </dgm:forEach>
-        <dgm:forEach name="Name23" axis="ch" ptType="node" st="4" cnt="1">
-          <dgm:layoutNode name="item3" styleLbl="node1">
-            <dgm:varLst>
-              <dgm:bulletEnabled val="1"/>
-            </dgm:varLst>
-            <dgm:alg type="tx">
-              <dgm:param type="txAnchorVertCh" val="mid"/>
-            </dgm:alg>
-            <dgm:shape xmlns:r="http://schemas.openxmlformats.org/officeDocument/2006/relationships" type="ellipse" r:blip="">
-              <dgm:adjLst/>
-            </dgm:shape>
-            <dgm:choose name="Name24">
-              <dgm:if name="Name25" axis="root ch" ptType="all node" func="cnt" op="equ" val="1">
-                <dgm:presOf/>
-              </dgm:if>
-              <dgm:if name="Name26" axis="root ch" ptType="all node" func="cnt" op="equ" val="2">
-                <dgm:presOf/>
-              </dgm:if>
-              <dgm:if name="Name27" axis="root ch" ptType="all node" func="cnt" op="equ" val="3">
-                <dgm:presOf/>
-              </dgm:if>
-              <dgm:else name="Name28">
-                <dgm:presOf axis="root ch desOrSelf" ptType="all node node" st="1 1 1" cnt="0 1 0"/>
-              </dgm:else>
-            </dgm:choose>
-            <dgm:constrLst>
-              <dgm:constr type="tMarg" refType="primFontSz" fact="0.1"/>
-              <dgm:constr type="bMarg" refType="primFontSz" fact="0.1"/>
-              <dgm:constr type="lMarg" refType="primFontSz" fact="0.1"/>
-              <dgm:constr type="rMarg" refType="primFontSz" fact="0.1"/>
-            </dgm:constrLst>
-            <dgm:ruleLst>
-              <dgm:rule type="primFontSz" val="5" fact="NaN" max="NaN"/>
-            </dgm:ruleLst>
-          </dgm:layoutNode>
-        </dgm:forEach>
-        <dgm:layoutNode name="funnel" styleLbl="trAlignAcc1">
+      </dgm:forEach>
+    </dgm:forEach>
+    <dgm:choose name="Name11">
+      <dgm:if name="Name12" axis="ch" ptType="node" func="cnt" op="gte" val="1">
+        <dgm:layoutNode name="arrowNode" styleLbl="node1">
           <dgm:alg type="sp"/>
-          <dgm:shape xmlns:r="http://schemas.openxmlformats.org/officeDocument/2006/relationships" type="funnel" r:blip="">
-            <dgm:adjLst/>
+          <dgm:shape xmlns:r="http://schemas.openxmlformats.org/officeDocument/2006/relationships" rot="73.2729" type="swooshArrow" r:blip="">
+            <dgm:adjLst>
+              <dgm:adj idx="1" val="0.1631"/>
+              <dgm:adj idx="2" val="0.3137"/>
+            </dgm:adjLst>
           </dgm:shape>
           <dgm:presOf/>
-          <dgm:constrLst/>
-          <dgm:ruleLst/>
         </dgm:layoutNode>
       </dgm:if>
-      <dgm:else name="Name29"/>
+      <dgm:else name="Name13"/>
     </dgm:choose>
+    <dgm:forEach name="Name14" axis="ch" ptType="node" cnt="1">
+      <dgm:layoutNode name="txNode1" styleLbl="revTx">
+        <dgm:varLst>
+          <dgm:bulletEnabled val="1"/>
+        </dgm:varLst>
+        <dgm:alg type="tx">
+          <dgm:param type="txAnchorVert" val="b"/>
+        </dgm:alg>
+        <dgm:shape xmlns:r="http://schemas.openxmlformats.org/officeDocument/2006/relationships" type="rect" r:blip="" zOrderOff="10">
+          <dgm:adjLst/>
+        </dgm:shape>
+        <dgm:presOf axis="desOrSelf" ptType="node"/>
+        <dgm:constrLst>
+          <dgm:constr type="lMarg" refType="primFontSz" fact="0.1"/>
+          <dgm:constr type="rMarg" refType="primFontSz" fact="0.1"/>
+          <dgm:constr type="tMarg" refType="primFontSz" fact="0.1"/>
+          <dgm:constr type="bMarg" refType="primFontSz" fact="0.1"/>
+        </dgm:constrLst>
+        <dgm:ruleLst>
+          <dgm:rule type="primFontSz" val="5" fact="NaN" max="NaN"/>
+        </dgm:ruleLst>
+      </dgm:layoutNode>
+    </dgm:forEach>
+    <dgm:forEach name="Name15" axis="ch" ptType="node" st="2" cnt="1">
+      <dgm:layoutNode name="txNode2" styleLbl="revTx">
+        <dgm:varLst>
+          <dgm:bulletEnabled val="1"/>
+        </dgm:varLst>
+        <dgm:choose name="Name16">
+          <dgm:if name="Name17" axis="self" ptType="node" func="revPos" op="equ" val="1">
+            <dgm:alg type="tx">
+              <dgm:param type="txAnchorVert" val="t"/>
+            </dgm:alg>
+          </dgm:if>
+          <dgm:if name="Name18" axis="self" ptType="node" func="posOdd" op="equ" val="1">
+            <dgm:alg type="tx">
+              <dgm:param type="parTxLTRAlign" val="r"/>
+              <dgm:param type="parTxRTLAlign" val="r"/>
+            </dgm:alg>
+          </dgm:if>
+          <dgm:else name="Name19">
+            <dgm:alg type="tx">
+              <dgm:param type="parTxLTRAlign" val="l"/>
+              <dgm:param type="parTxRTLAlign" val="l"/>
+            </dgm:alg>
+          </dgm:else>
+        </dgm:choose>
+        <dgm:shape xmlns:r="http://schemas.openxmlformats.org/officeDocument/2006/relationships" type="rect" r:blip="" zOrderOff="10">
+          <dgm:adjLst/>
+        </dgm:shape>
+        <dgm:presOf axis="desOrSelf" ptType="node"/>
+        <dgm:constrLst>
+          <dgm:constr type="lMarg" refType="primFontSz" fact="0.1"/>
+          <dgm:constr type="rMarg" refType="primFontSz" fact="0.1"/>
+          <dgm:constr type="tMarg" refType="primFontSz" fact="0.1"/>
+          <dgm:constr type="bMarg" refType="primFontSz" fact="0.1"/>
+        </dgm:constrLst>
+        <dgm:ruleLst>
+          <dgm:rule type="primFontSz" val="5" fact="NaN" max="NaN"/>
+        </dgm:ruleLst>
+      </dgm:layoutNode>
+      <dgm:choose name="Name20">
+        <dgm:if name="Name21" axis="par ch" ptType="all node" func="cnt" op="neq" val="2">
+          <dgm:forEach name="Name22" axis="follow" ptType="sibTrans" cnt="1">
+            <dgm:layoutNode name="dotNode2">
+              <dgm:alg type="sp"/>
+              <dgm:shape xmlns:r="http://schemas.openxmlformats.org/officeDocument/2006/relationships" r:blip="">
+                <dgm:adjLst/>
+              </dgm:shape>
+              <dgm:presOf/>
+              <dgm:forEach name="Name23" ref="dotRepeat"/>
+            </dgm:layoutNode>
+          </dgm:forEach>
+        </dgm:if>
+        <dgm:else name="Name24"/>
+      </dgm:choose>
+    </dgm:forEach>
+    <dgm:forEach name="Name25" axis="ch" ptType="node" st="3" cnt="1">
+      <dgm:layoutNode name="txNode3" styleLbl="revTx">
+        <dgm:varLst>
+          <dgm:bulletEnabled val="1"/>
+        </dgm:varLst>
+        <dgm:choose name="Name26">
+          <dgm:if name="Name27" axis="self" ptType="node" func="revPos" op="equ" val="1">
+            <dgm:alg type="tx">
+              <dgm:param type="txAnchorVert" val="t"/>
+            </dgm:alg>
+          </dgm:if>
+          <dgm:if name="Name28" axis="self" ptType="node" func="posOdd" op="equ" val="1">
+            <dgm:alg type="tx">
+              <dgm:param type="parTxLTRAlign" val="r"/>
+              <dgm:param type="parTxRTLAlign" val="r"/>
+            </dgm:alg>
+          </dgm:if>
+          <dgm:else name="Name29">
+            <dgm:alg type="tx">
+              <dgm:param type="parTxLTRAlign" val="l"/>
+              <dgm:param type="parTxRTLAlign" val="l"/>
+            </dgm:alg>
+          </dgm:else>
+        </dgm:choose>
+        <dgm:shape xmlns:r="http://schemas.openxmlformats.org/officeDocument/2006/relationships" type="rect" r:blip="" zOrderOff="10">
+          <dgm:adjLst/>
+        </dgm:shape>
+        <dgm:presOf axis="desOrSelf" ptType="node"/>
+        <dgm:constrLst>
+          <dgm:constr type="lMarg" refType="primFontSz" fact="0.1"/>
+          <dgm:constr type="rMarg" refType="primFontSz" fact="0.1"/>
+          <dgm:constr type="tMarg" refType="primFontSz" fact="0.1"/>
+          <dgm:constr type="bMarg" refType="primFontSz" fact="0.1"/>
+        </dgm:constrLst>
+        <dgm:ruleLst>
+          <dgm:rule type="primFontSz" val="5" fact="NaN" max="NaN"/>
+        </dgm:ruleLst>
+      </dgm:layoutNode>
+      <dgm:choose name="Name30">
+        <dgm:if name="Name31" axis="par ch" ptType="all node" func="cnt" op="neq" val="3">
+          <dgm:forEach name="Name32" axis="follow" ptType="sibTrans" cnt="1">
+            <dgm:layoutNode name="dotNode3">
+              <dgm:alg type="sp"/>
+              <dgm:shape xmlns:r="http://schemas.openxmlformats.org/officeDocument/2006/relationships" r:blip="">
+                <dgm:adjLst/>
+              </dgm:shape>
+              <dgm:presOf/>
+              <dgm:forEach name="Name33" ref="dotRepeat"/>
+            </dgm:layoutNode>
+          </dgm:forEach>
+        </dgm:if>
+        <dgm:else name="Name34"/>
+      </dgm:choose>
+    </dgm:forEach>
+    <dgm:forEach name="Name35" axis="ch" ptType="node" st="4" cnt="1">
+      <dgm:layoutNode name="txNode4" styleLbl="revTx">
+        <dgm:varLst>
+          <dgm:bulletEnabled val="1"/>
+        </dgm:varLst>
+        <dgm:choose name="Name36">
+          <dgm:if name="Name37" axis="self" ptType="node" func="revPos" op="equ" val="1">
+            <dgm:alg type="tx">
+              <dgm:param type="txAnchorVert" val="t"/>
+            </dgm:alg>
+          </dgm:if>
+          <dgm:if name="Name38" axis="self" ptType="node" func="posOdd" op="equ" val="1">
+            <dgm:alg type="tx">
+              <dgm:param type="parTxLTRAlign" val="r"/>
+              <dgm:param type="parTxRTLAlign" val="r"/>
+            </dgm:alg>
+          </dgm:if>
+          <dgm:else name="Name39">
+            <dgm:alg type="tx">
+              <dgm:param type="parTxLTRAlign" val="l"/>
+              <dgm:param type="parTxRTLAlign" val="l"/>
+            </dgm:alg>
+          </dgm:else>
+        </dgm:choose>
+        <dgm:shape xmlns:r="http://schemas.openxmlformats.org/officeDocument/2006/relationships" type="rect" r:blip="" zOrderOff="10">
+          <dgm:adjLst/>
+        </dgm:shape>
+        <dgm:presOf axis="desOrSelf" ptType="node"/>
+        <dgm:constrLst>
+          <dgm:constr type="lMarg" refType="primFontSz" fact="0.1"/>
+          <dgm:constr type="rMarg" refType="primFontSz" fact="0.1"/>
+          <dgm:constr type="tMarg" refType="primFontSz" fact="0.1"/>
+          <dgm:constr type="bMarg" refType="primFontSz" fact="0.1"/>
+        </dgm:constrLst>
+        <dgm:ruleLst>
+          <dgm:rule type="primFontSz" val="5" fact="NaN" max="NaN"/>
+        </dgm:ruleLst>
+      </dgm:layoutNode>
+      <dgm:choose name="Name40">
+        <dgm:if name="Name41" axis="par ch" ptType="all node" func="cnt" op="neq" val="4">
+          <dgm:forEach name="Name42" axis="follow" ptType="sibTrans" cnt="1">
+            <dgm:layoutNode name="dotNode4">
+              <dgm:alg type="sp"/>
+              <dgm:shape xmlns:r="http://schemas.openxmlformats.org/officeDocument/2006/relationships" r:blip="">
+                <dgm:adjLst/>
+              </dgm:shape>
+              <dgm:presOf/>
+              <dgm:forEach name="Name43" ref="dotRepeat"/>
+            </dgm:layoutNode>
+          </dgm:forEach>
+        </dgm:if>
+        <dgm:else name="Name44"/>
+      </dgm:choose>
+    </dgm:forEach>
+    <dgm:forEach name="Name45" axis="ch" ptType="node" st="5" cnt="1">
+      <dgm:layoutNode name="txNode5" styleLbl="revTx">
+        <dgm:varLst>
+          <dgm:bulletEnabled val="1"/>
+        </dgm:varLst>
+        <dgm:choose name="Name46">
+          <dgm:if name="Name47" axis="self" ptType="node" func="revPos" op="equ" val="1">
+            <dgm:alg type="tx">
+              <dgm:param type="txAnchorVert" val="t"/>
+            </dgm:alg>
+          </dgm:if>
+          <dgm:if name="Name48" axis="self" ptType="node" func="posOdd" op="equ" val="1">
+            <dgm:alg type="tx">
+              <dgm:param type="parTxLTRAlign" val="r"/>
+              <dgm:param type="parTxRTLAlign" val="r"/>
+            </dgm:alg>
+          </dgm:if>
+          <dgm:else name="Name49">
+            <dgm:alg type="tx">
+              <dgm:param type="parTxLTRAlign" val="l"/>
+              <dgm:param type="parTxRTLAlign" val="l"/>
+            </dgm:alg>
+          </dgm:else>
+        </dgm:choose>
+        <dgm:shape xmlns:r="http://schemas.openxmlformats.org/officeDocument/2006/relationships" type="rect" r:blip="" zOrderOff="10">
+          <dgm:adjLst/>
+        </dgm:shape>
+        <dgm:presOf axis="desOrSelf" ptType="node"/>
+        <dgm:constrLst>
+          <dgm:constr type="lMarg" refType="primFontSz" fact="0.1"/>
+          <dgm:constr type="rMarg" refType="primFontSz" fact="0.1"/>
+          <dgm:constr type="tMarg" refType="primFontSz" fact="0.1"/>
+          <dgm:constr type="bMarg" refType="primFontSz" fact="0.1"/>
+        </dgm:constrLst>
+        <dgm:ruleLst>
+          <dgm:rule type="primFontSz" val="5" fact="NaN" max="NaN"/>
+        </dgm:ruleLst>
+      </dgm:layoutNode>
+      <dgm:choose name="Name50">
+        <dgm:if name="Name51" axis="par ch" ptType="all node" func="cnt" op="neq" val="5">
+          <dgm:forEach name="Name52" axis="follow" ptType="sibTrans" cnt="1">
+            <dgm:layoutNode name="dotNode5">
+              <dgm:alg type="sp"/>
+              <dgm:shape xmlns:r="http://schemas.openxmlformats.org/officeDocument/2006/relationships" r:blip="">
+                <dgm:adjLst/>
+              </dgm:shape>
+              <dgm:presOf/>
+              <dgm:forEach name="Name53" ref="dotRepeat"/>
+            </dgm:layoutNode>
+          </dgm:forEach>
+        </dgm:if>
+        <dgm:else name="Name54"/>
+      </dgm:choose>
+    </dgm:forEach>
+    <dgm:forEach name="Name55" axis="ch" ptType="node" st="6" cnt="1">
+      <dgm:layoutNode name="txNode6" styleLbl="revTx">
+        <dgm:varLst>
+          <dgm:bulletEnabled val="1"/>
+        </dgm:varLst>
+        <dgm:choose name="Name56">
+          <dgm:if name="Name57" axis="self" ptType="node" func="revPos" op="equ" val="1">
+            <dgm:alg type="tx">
+              <dgm:param type="txAnchorVert" val="t"/>
+            </dgm:alg>
+          </dgm:if>
+          <dgm:if name="Name58" axis="self" ptType="node" func="posOdd" op="equ" val="1">
+            <dgm:alg type="tx">
+              <dgm:param type="parTxLTRAlign" val="r"/>
+              <dgm:param type="parTxRTLAlign" val="r"/>
+            </dgm:alg>
+          </dgm:if>
+          <dgm:else name="Name59">
+            <dgm:alg type="tx">
+              <dgm:param type="parTxLTRAlign" val="l"/>
+              <dgm:param type="parTxRTLAlign" val="l"/>
+            </dgm:alg>
+          </dgm:else>
+        </dgm:choose>
+        <dgm:shape xmlns:r="http://schemas.openxmlformats.org/officeDocument/2006/relationships" type="rect" r:blip="" zOrderOff="10">
+          <dgm:adjLst/>
+        </dgm:shape>
+        <dgm:presOf axis="desOrSelf" ptType="node"/>
+        <dgm:constrLst>
+          <dgm:constr type="lMarg" refType="primFontSz" fact="0.1"/>
+          <dgm:constr type="rMarg" refType="primFontSz" fact="0.1"/>
+          <dgm:constr type="tMarg" refType="primFontSz" fact="0.1"/>
+          <dgm:constr type="bMarg" refType="primFontSz" fact="0.1"/>
+        </dgm:constrLst>
+        <dgm:ruleLst>
+          <dgm:rule type="primFontSz" val="5" fact="NaN" max="NaN"/>
+        </dgm:ruleLst>
+      </dgm:layoutNode>
+      <dgm:choose name="Name60">
+        <dgm:if name="Name61" axis="par ch" ptType="all node" func="cnt" op="neq" val="6">
+          <dgm:forEach name="Name62" axis="follow" ptType="sibTrans" cnt="1">
+            <dgm:layoutNode name="dotNode6">
+              <dgm:alg type="sp"/>
+              <dgm:shape xmlns:r="http://schemas.openxmlformats.org/officeDocument/2006/relationships" r:blip="">
+                <dgm:adjLst/>
+              </dgm:shape>
+              <dgm:presOf/>
+              <dgm:forEach name="Name63" ref="dotRepeat"/>
+            </dgm:layoutNode>
+          </dgm:forEach>
+        </dgm:if>
+        <dgm:else name="Name64"/>
+      </dgm:choose>
+    </dgm:forEach>
+    <dgm:forEach name="Name65" axis="ch" ptType="node" st="7" cnt="1">
+      <dgm:layoutNode name="txNode7" styleLbl="revTx">
+        <dgm:varLst>
+          <dgm:bulletEnabled val="1"/>
+        </dgm:varLst>
+        <dgm:alg type="tx">
+          <dgm:param type="txAnchorVert" val="t"/>
+        </dgm:alg>
+        <dgm:shape xmlns:r="http://schemas.openxmlformats.org/officeDocument/2006/relationships" type="rect" r:blip="" zOrderOff="10">
+          <dgm:adjLst/>
+        </dgm:shape>
+        <dgm:presOf axis="desOrSelf" ptType="node"/>
+        <dgm:constrLst>
+          <dgm:constr type="lMarg" refType="primFontSz" fact="0.1"/>
+          <dgm:constr type="rMarg" refType="primFontSz" fact="0.1"/>
+          <dgm:constr type="tMarg" refType="primFontSz" fact="0.1"/>
+          <dgm:constr type="bMarg" refType="primFontSz" fact="0.1"/>
+        </dgm:constrLst>
+        <dgm:ruleLst>
+          <dgm:rule type="primFontSz" val="5" fact="NaN" max="NaN"/>
+        </dgm:ruleLst>
+      </dgm:layoutNode>
+    </dgm:forEach>
   </dgm:layoutNode>
 </dgm:layoutDef>
 </file>
@@ -18461,12 +18923,11 @@
 </file>
 
 <file path=ppt/diagrams/layout4.xml><?xml version="1.0" encoding="utf-8"?>
-<dgm:layoutDef xmlns:dgm="http://schemas.openxmlformats.org/drawingml/2006/diagram" xmlns:a="http://schemas.openxmlformats.org/drawingml/2006/main" uniqueId="urn:microsoft.com/office/officeart/2005/8/layout/funnel1">
+<dgm:layoutDef xmlns:dgm="http://schemas.openxmlformats.org/drawingml/2006/diagram" xmlns:a="http://schemas.openxmlformats.org/drawingml/2006/main" uniqueId="urn:microsoft.com/office/officeart/2009/3/layout/DescendingProcess">
   <dgm:title val=""/>
   <dgm:desc val=""/>
   <dgm:catLst>
-    <dgm:cat type="relationship" pri="2000"/>
-    <dgm:cat type="process" pri="27000"/>
+    <dgm:cat type="process" pri="23500"/>
   </dgm:catLst>
   <dgm:sampData>
     <dgm:dataModel>
@@ -18484,12 +18945,16 @@
         <dgm:pt modelId="4">
           <dgm:prSet phldr="1"/>
         </dgm:pt>
+        <dgm:pt modelId="5">
+          <dgm:prSet phldr="1"/>
+        </dgm:pt>
       </dgm:ptLst>
       <dgm:cxnLst>
-        <dgm:cxn modelId="5" srcId="0" destId="1" srcOrd="0" destOrd="0"/>
-        <dgm:cxn modelId="6" srcId="0" destId="2" srcOrd="1" destOrd="0"/>
-        <dgm:cxn modelId="7" srcId="0" destId="3" srcOrd="2" destOrd="0"/>
-        <dgm:cxn modelId="8" srcId="0" destId="4" srcOrd="3" destOrd="0"/>
+        <dgm:cxn modelId="6" srcId="0" destId="1" srcOrd="0" destOrd="0"/>
+        <dgm:cxn modelId="7" srcId="0" destId="2" srcOrd="1" destOrd="0"/>
+        <dgm:cxn modelId="8" srcId="0" destId="3" srcOrd="2" destOrd="0"/>
+        <dgm:cxn modelId="9" srcId="0" destId="4" srcOrd="3" destOrd="0"/>
+        <dgm:cxn modelId="10" srcId="0" destId="5" srcOrd="4" destOrd="0"/>
       </dgm:cxnLst>
       <dgm:bg/>
       <dgm:whole/>
@@ -18499,12 +18964,20 @@
     <dgm:dataModel>
       <dgm:ptLst>
         <dgm:pt modelId="0" type="doc"/>
-        <dgm:pt modelId="1"/>
-        <dgm:pt modelId="2"/>
+        <dgm:pt modelId="1">
+          <dgm:prSet phldr="1"/>
+        </dgm:pt>
+        <dgm:pt modelId="2">
+          <dgm:prSet phldr="1"/>
+        </dgm:pt>
+        <dgm:pt modelId="3">
+          <dgm:prSet phldr="1"/>
+        </dgm:pt>
       </dgm:ptLst>
       <dgm:cxnLst>
-        <dgm:cxn modelId="3" srcId="0" destId="1" srcOrd="0" destOrd="0"/>
-        <dgm:cxn modelId="4" srcId="0" destId="2" srcOrd="1" destOrd="0"/>
+        <dgm:cxn modelId="4" srcId="0" destId="1" srcOrd="0" destOrd="0"/>
+        <dgm:cxn modelId="5" srcId="0" destId="2" srcOrd="1" destOrd="0"/>
+        <dgm:cxn modelId="6" srcId="0" destId="3" srcOrd="2" destOrd="0"/>
       </dgm:cxnLst>
       <dgm:bg/>
       <dgm:whole/>
@@ -18514,16 +18987,20 @@
     <dgm:dataModel>
       <dgm:ptLst>
         <dgm:pt modelId="0" type="doc"/>
-        <dgm:pt modelId="1"/>
-        <dgm:pt modelId="2"/>
-        <dgm:pt modelId="3"/>
-        <dgm:pt modelId="4"/>
+        <dgm:pt modelId="1">
+          <dgm:prSet phldr="1"/>
+        </dgm:pt>
+        <dgm:pt modelId="2">
+          <dgm:prSet phldr="1"/>
+        </dgm:pt>
+        <dgm:pt modelId="3">
+          <dgm:prSet phldr="1"/>
+        </dgm:pt>
       </dgm:ptLst>
       <dgm:cxnLst>
-        <dgm:cxn modelId="5" srcId="0" destId="1" srcOrd="0" destOrd="0"/>
-        <dgm:cxn modelId="6" srcId="0" destId="2" srcOrd="1" destOrd="0"/>
-        <dgm:cxn modelId="7" srcId="0" destId="3" srcOrd="2" destOrd="0"/>
-        <dgm:cxn modelId="8" srcId="0" destId="4" srcOrd="3" destOrd="0"/>
+        <dgm:cxn modelId="4" srcId="0" destId="1" srcOrd="0" destOrd="0"/>
+        <dgm:cxn modelId="5" srcId="0" destId="2" srcOrd="1" destOrd="0"/>
+        <dgm:cxn modelId="6" srcId="0" destId="3" srcOrd="2" destOrd="0"/>
       </dgm:cxnLst>
       <dgm:bg/>
       <dgm:whole/>
@@ -18531,249 +19008,596 @@
   </dgm:clrData>
   <dgm:layoutNode name="Name0">
     <dgm:varLst>
-      <dgm:chMax val="4"/>
-      <dgm:resizeHandles val="exact"/>
+      <dgm:chMax val="7"/>
+      <dgm:chPref val="5"/>
     </dgm:varLst>
     <dgm:alg type="composite">
-      <dgm:param type="ar" val="1.25"/>
+      <dgm:param type="ar" val="1.1"/>
     </dgm:alg>
     <dgm:shape xmlns:r="http://schemas.openxmlformats.org/officeDocument/2006/relationships" r:blip="">
       <dgm:adjLst/>
     </dgm:shape>
-    <dgm:presOf/>
     <dgm:choose name="Name1">
-      <dgm:if name="Name2" axis="ch" ptType="node" func="cnt" op="equ" val="2">
+      <dgm:if name="Name2" axis="ch" ptType="node" func="cnt" op="equ" val="1">
         <dgm:constrLst>
-          <dgm:constr type="w" for="ch" forName="ellipse" refType="w" fact="0.645"/>
-          <dgm:constr type="h" for="ch" forName="ellipse" refType="h" fact="0.28"/>
-          <dgm:constr type="t" for="ch" forName="ellipse" refType="w" fact="0.0275"/>
-          <dgm:constr type="l" for="ch" forName="ellipse" refType="w" fact="0.0265"/>
-          <dgm:constr type="w" for="ch" forName="arrow1" refType="w" fact="0.125"/>
-          <dgm:constr type="h" for="ch" forName="arrow1" refType="h" fact="0.1"/>
-          <dgm:constr type="t" for="ch" forName="arrow1" refType="h" fact="0.72"/>
-          <dgm:constr type="l" for="ch" forName="arrow1" refType="w" fact="0.2875"/>
-          <dgm:constr type="w" for="ch" forName="rectangle" refType="w" fact="0.6"/>
-          <dgm:constr type="h" for="ch" forName="rectangle" refType="w" refFor="ch" refForName="rectangle" fact="0.25"/>
-          <dgm:constr type="t" for="ch" forName="rectangle" refType="h" fact="0.8"/>
-          <dgm:constr type="l" for="ch" forName="rectangle" refType="w" fact="0.05"/>
-          <dgm:constr type="w" for="ch" forName="item1" refType="w" fact="0.35"/>
-          <dgm:constr type="h" for="ch" forName="item1" refType="w" fact="0.35"/>
-          <dgm:constr type="t" for="ch" forName="item1" refType="h" fact="0.05"/>
-          <dgm:constr type="l" for="ch" forName="item1" refType="w" fact="0.125"/>
-          <dgm:constr type="primFontSz" for="ch" forName="item1" op="equ" val="65"/>
-          <dgm:constr type="w" for="ch" forName="funnel" refType="w" fact="0.7"/>
-          <dgm:constr type="h" for="ch" forName="funnel" refType="h" fact="0.7"/>
-          <dgm:constr type="t" for="ch" forName="funnel"/>
-          <dgm:constr type="l" for="ch" forName="funnel"/>
+          <dgm:constr type="primFontSz" for="ch" ptType="node" op="equ" val="65"/>
+          <dgm:constr type="w" for="ch" forName="arrowNode" refType="w" fact="0.75"/>
+          <dgm:constr type="h" for="ch" forName="arrowNode" refType="h"/>
+          <dgm:constr type="l" for="ch" forName="arrowNode" refType="w" fact="0.07"/>
+          <dgm:constr type="t" for="ch" forName="arrowNode"/>
+          <dgm:constr type="l" for="ch" forName="txNode1" refType="w" fact="0"/>
+          <dgm:constr type="t" for="ch" forName="txNode1" refType="h" fact="0"/>
+          <dgm:constr type="r" for="ch" forName="txNode1" refType="w" fact="0.37"/>
+          <dgm:constr type="h" for="ch" forName="txNode1" refType="h" fact="0.16"/>
         </dgm:constrLst>
       </dgm:if>
-      <dgm:else name="Name3">
+      <dgm:if name="Name3" axis="ch" ptType="node" func="cnt" op="equ" val="2">
         <dgm:constrLst>
-          <dgm:constr type="w" for="ch" forName="ellipse" refType="w" fact="0.645"/>
-          <dgm:constr type="h" for="ch" forName="ellipse" refType="h" fact="0.28"/>
-          <dgm:constr type="t" for="ch" forName="ellipse" refType="w" fact="0.0275"/>
-          <dgm:constr type="l" for="ch" forName="ellipse" refType="w" fact="0.0265"/>
-          <dgm:constr type="w" for="ch" forName="arrow1" refType="w" fact="0.125"/>
-          <dgm:constr type="h" for="ch" forName="arrow1" refType="h" fact="0.1"/>
-          <dgm:constr type="t" for="ch" forName="arrow1" refType="h" fact="0.72"/>
-          <dgm:constr type="l" for="ch" forName="arrow1" refType="w" fact="0.2875"/>
-          <dgm:constr type="w" for="ch" forName="rectangle" refType="w" fact="0.6"/>
-          <dgm:constr type="h" for="ch" forName="rectangle" refType="w" refFor="ch" refForName="rectangle" fact="0.25"/>
-          <dgm:constr type="t" for="ch" forName="rectangle" refType="h" fact="0.8"/>
-          <dgm:constr type="l" for="ch" forName="rectangle" refType="w" fact="0.05"/>
-          <dgm:constr type="primFontSz" for="ch" forName="rectangle" val="65"/>
-          <dgm:constr type="w" for="ch" forName="item1" refType="w" fact="0.225"/>
-          <dgm:constr type="h" for="ch" forName="item1" refType="w" fact="0.225"/>
-          <dgm:constr type="t" for="ch" forName="item1" refType="h" fact="0.336"/>
-          <dgm:constr type="l" for="ch" forName="item1" refType="w" fact="0.261"/>
-          <dgm:constr type="primFontSz" for="ch" forName="item1" val="65"/>
-          <dgm:constr type="w" for="ch" forName="item2" refType="w" fact="0.225"/>
-          <dgm:constr type="h" for="ch" forName="item2" refType="w" fact="0.225"/>
-          <dgm:constr type="t" for="ch" forName="item2" refType="h" fact="0.125"/>
-          <dgm:constr type="l" for="ch" forName="item2" refType="w" fact="0.1"/>
-          <dgm:constr type="primFontSz" for="ch" forName="item2" refType="primFontSz" refFor="ch" refForName="item1" op="equ"/>
-          <dgm:constr type="w" for="ch" forName="item3" refType="w" fact="0.225"/>
-          <dgm:constr type="h" for="ch" forName="item3" refType="w" fact="0.225"/>
-          <dgm:constr type="t" for="ch" forName="item3" refType="h" fact="0.057"/>
-          <dgm:constr type="l" for="ch" forName="item3" refType="w" fact="0.33"/>
-          <dgm:constr type="primFontSz" for="ch" forName="item3" refType="primFontSz" refFor="ch" refForName="item1" op="equ"/>
-          <dgm:constr type="w" for="ch" forName="funnel" refType="w" fact="0.7"/>
-          <dgm:constr type="h" for="ch" forName="funnel" refType="h" fact="0.7"/>
-          <dgm:constr type="t" for="ch" forName="funnel"/>
-          <dgm:constr type="l" for="ch" forName="funnel"/>
+          <dgm:constr type="primFontSz" for="ch" ptType="node" op="equ" val="65"/>
+          <dgm:constr type="w" for="ch" forName="arrowNode" refType="w" fact="0.75"/>
+          <dgm:constr type="h" for="ch" forName="arrowNode" refType="h"/>
+          <dgm:constr type="l" for="ch" forName="arrowNode" refType="w" fact="0.07"/>
+          <dgm:constr type="t" for="ch" forName="arrowNode"/>
+          <dgm:constr type="l" for="ch" forName="txNode1" refType="w" fact="0"/>
+          <dgm:constr type="t" for="ch" forName="txNode1" refType="h" fact="0"/>
+          <dgm:constr type="r" for="ch" forName="txNode1" refType="w" fact="0.37"/>
+          <dgm:constr type="h" for="ch" forName="txNode1" refType="h" fact="0.16"/>
+          <dgm:constr type="l" for="ch" forName="txNode2" refType="w" fact="0.5"/>
+          <dgm:constr type="b" for="ch" forName="txNode2" refType="h"/>
+          <dgm:constr type="r" for="ch" forName="txNode2" refType="w"/>
+          <dgm:constr type="h" for="ch" forName="txNode2" refType="h" fact="0.16"/>
+        </dgm:constrLst>
+      </dgm:if>
+      <dgm:if name="Name4" axis="ch" ptType="node" func="cnt" op="equ" val="3">
+        <dgm:constrLst>
+          <dgm:constr type="primFontSz" for="ch" ptType="node" op="equ" val="65"/>
+          <dgm:constr type="w" for="ch" forName="arrowNode" refType="w" fact="0.75"/>
+          <dgm:constr type="h" for="ch" forName="arrowNode" refType="h"/>
+          <dgm:constr type="l" for="ch" forName="arrowNode" refType="w" fact="0.07"/>
+          <dgm:constr type="t" for="ch" forName="arrowNode"/>
+          <dgm:constr type="l" for="ch" forName="txNode1" refType="w" fact="0"/>
+          <dgm:constr type="t" for="ch" forName="txNode1" refType="h" fact="0"/>
+          <dgm:constr type="r" for="ch" forName="txNode1" refType="w" fact="0.37"/>
+          <dgm:constr type="h" for="ch" forName="txNode1" refType="h" fact="0.16"/>
+          <dgm:constr type="l" for="ch" forName="txNode2" refType="w" fact="0.56"/>
+          <dgm:constr type="ctrY" for="ch" forName="txNode2" refType="h" fact="0.3992"/>
+          <dgm:constr type="r" for="ch" forName="txNode2" refType="w"/>
+          <dgm:constr type="h" for="ch" forName="txNode2" refType="h" fact="0.16"/>
+          <dgm:constr type="l" for="ch" forName="txNode3" refType="w" fact="0.5"/>
+          <dgm:constr type="b" for="ch" forName="txNode3" refType="h"/>
+          <dgm:constr type="r" for="ch" forName="txNode3" refType="w"/>
+          <dgm:constr type="h" for="ch" forName="txNode3" refType="h" fact="0.16"/>
+          <dgm:constr type="ctrX" for="ch" forName="dotNode2" refType="w" fact="0.4782"/>
+          <dgm:constr type="ctrY" for="ch" forName="dotNode2" refType="h" fact="0.3992"/>
+          <dgm:constr type="h" for="ch" forName="dotNode2" refType="h" fact="0.0218"/>
+          <dgm:constr type="w" for="ch" forName="dotNode2" refType="h" refFor="ch" refForName="dotNode2"/>
+        </dgm:constrLst>
+      </dgm:if>
+      <dgm:if name="Name5" axis="ch" ptType="node" func="cnt" op="equ" val="4">
+        <dgm:constrLst>
+          <dgm:constr type="primFontSz" for="ch" ptType="node" op="equ" val="65"/>
+          <dgm:constr type="w" for="ch" forName="arrowNode" refType="w" fact="0.75"/>
+          <dgm:constr type="h" for="ch" forName="arrowNode" refType="h"/>
+          <dgm:constr type="l" for="ch" forName="arrowNode" refType="w" fact="0.07"/>
+          <dgm:constr type="t" for="ch" forName="arrowNode"/>
+          <dgm:constr type="l" for="ch" forName="txNode1" refType="w" fact="0"/>
+          <dgm:constr type="t" for="ch" forName="txNode1" refType="h" fact="0"/>
+          <dgm:constr type="r" for="ch" forName="txNode1" refType="w" fact="0.37"/>
+          <dgm:constr type="h" for="ch" forName="txNode1" refType="h" fact="0.16"/>
+          <dgm:constr type="l" for="ch" forName="txNode2" refType="w" fact="0.49"/>
+          <dgm:constr type="ctrY" for="ch" forName="txNode2" refType="h" fact="0.3153"/>
+          <dgm:constr type="r" for="ch" forName="txNode2" refType="w"/>
+          <dgm:constr type="h" for="ch" forName="txNode2" refType="h" fact="0.16"/>
+          <dgm:constr type="l" for="ch" forName="txNode3" refType="w" fact="0"/>
+          <dgm:constr type="ctrY" for="ch" forName="txNode3" refType="h" fact="0.5004"/>
+          <dgm:constr type="r" for="ch" forName="txNode3" refType="w" fact="0.5"/>
+          <dgm:constr type="h" for="ch" forName="txNode3" refType="h" fact="0.16"/>
+          <dgm:constr type="l" for="ch" forName="txNode4" refType="w" fact="0.5"/>
+          <dgm:constr type="b" for="ch" forName="txNode4" refType="h"/>
+          <dgm:constr type="r" for="ch" forName="txNode4" refType="w"/>
+          <dgm:constr type="h" for="ch" forName="txNode4" refType="h" fact="0.16"/>
+          <dgm:constr type="ctrX" for="ch" forName="dotNode2" refType="w" fact="0.39"/>
+          <dgm:constr type="ctrY" for="ch" forName="dotNode2" refType="h" fact="0.3153"/>
+          <dgm:constr type="h" for="ch" forName="dotNode2" refType="h" fact="0.0218"/>
+          <dgm:constr type="w" for="ch" forName="dotNode2" refType="h" refFor="ch" refForName="dotNode2"/>
+          <dgm:constr type="ctrX" for="ch" forName="dotNode3" refType="w" fact="0.5626"/>
+          <dgm:constr type="ctrY" for="ch" forName="dotNode3" refType="h" fact="0.5004"/>
+          <dgm:constr type="h" for="ch" forName="dotNode3" refType="h" fact="0.0218"/>
+          <dgm:constr type="w" for="ch" forName="dotNode3" refType="h" refFor="ch" refForName="dotNode3"/>
+        </dgm:constrLst>
+      </dgm:if>
+      <dgm:if name="Name6" axis="ch" ptType="node" func="cnt" op="equ" val="5">
+        <dgm:constrLst>
+          <dgm:constr type="primFontSz" for="ch" ptType="node" op="equ" val="65"/>
+          <dgm:constr type="w" for="ch" forName="arrowNode" refType="w" fact="0.75"/>
+          <dgm:constr type="h" for="ch" forName="arrowNode" refType="h"/>
+          <dgm:constr type="l" for="ch" forName="arrowNode" refType="w" fact="0.07"/>
+          <dgm:constr type="t" for="ch" forName="arrowNode"/>
+          <dgm:constr type="l" for="ch" forName="txNode1" refType="w" fact="0"/>
+          <dgm:constr type="t" for="ch" forName="txNode1" refType="h" fact="0"/>
+          <dgm:constr type="r" for="ch" forName="txNode1" refType="w" fact="0.37"/>
+          <dgm:constr type="h" for="ch" forName="txNode1" refType="h" fact="0.16"/>
+          <dgm:constr type="l" for="ch" forName="txNode2" refType="w" fact="0.46"/>
+          <dgm:constr type="ctrY" for="ch" forName="txNode2" refType="h" fact="0.2885"/>
+          <dgm:constr type="r" for="ch" forName="txNode2" refType="w"/>
+          <dgm:constr type="h" for="ch" forName="txNode2" refType="h" fact="0.16"/>
+          <dgm:constr type="l" for="ch" forName="txNode3" refType="w" fact="0"/>
+          <dgm:constr type="ctrY" for="ch" forName="txNode3" refType="h" fact="0.4089"/>
+          <dgm:constr type="r" for="ch" forName="txNode3" refType="w" fact="0.43"/>
+          <dgm:constr type="h" for="ch" forName="txNode3" refType="h" fact="0.16"/>
+          <dgm:constr type="l" for="ch" forName="txNode4" refType="w" fact="0.67"/>
+          <dgm:constr type="ctrY" for="ch" forName="txNode4" refType="h" fact="0.5497"/>
+          <dgm:constr type="r" for="ch" forName="txNode4" refType="w"/>
+          <dgm:constr type="h" for="ch" forName="txNode4" refType="h" fact="0.16"/>
+          <dgm:constr type="l" for="ch" forName="txNode5" refType="w" fact="0.5"/>
+          <dgm:constr type="b" for="ch" forName="txNode5" refType="h"/>
+          <dgm:constr type="r" for="ch" forName="txNode5" refType="w"/>
+          <dgm:constr type="h" for="ch" forName="txNode5" refType="h" fact="0.16"/>
+          <dgm:constr type="ctrX" for="ch" forName="dotNode2" refType="w" fact="0.3565"/>
+          <dgm:constr type="ctrY" for="ch" forName="dotNode2" refType="h" fact="0.2885"/>
+          <dgm:constr type="h" for="ch" forName="dotNode2" refType="h" fact="0.0218"/>
+          <dgm:constr type="w" for="ch" forName="dotNode2" refType="h" refFor="ch" refForName="dotNode2"/>
+          <dgm:constr type="ctrX" for="ch" forName="dotNode3" refType="w" fact="0.4922"/>
+          <dgm:constr type="ctrY" for="ch" forName="dotNode3" refType="h" fact="0.4089"/>
+          <dgm:constr type="h" for="ch" forName="dotNode3" refType="h" fact="0.0218"/>
+          <dgm:constr type="w" for="ch" forName="dotNode3" refType="h" refFor="ch" refForName="dotNode3"/>
+          <dgm:constr type="ctrX" for="ch" forName="dotNode4" refType="w" fact="0.5939"/>
+          <dgm:constr type="ctrY" for="ch" forName="dotNode4" refType="h" fact="0.5497"/>
+          <dgm:constr type="h" for="ch" forName="dotNode4" refType="h" fact="0.0218"/>
+          <dgm:constr type="w" for="ch" forName="dotNode4" refType="h" refFor="ch" refForName="dotNode4"/>
+        </dgm:constrLst>
+      </dgm:if>
+      <dgm:if name="Name7" axis="ch" ptType="node" func="cnt" op="equ" val="6">
+        <dgm:constrLst>
+          <dgm:constr type="primFontSz" for="ch" ptType="node" op="equ" val="65"/>
+          <dgm:constr type="w" for="ch" forName="arrowNode" refType="w" fact="0.75"/>
+          <dgm:constr type="h" for="ch" forName="arrowNode" refType="h"/>
+          <dgm:constr type="l" for="ch" forName="arrowNode" refType="w" fact="0.07"/>
+          <dgm:constr type="t" for="ch" forName="arrowNode"/>
+          <dgm:constr type="l" for="ch" forName="txNode1" refType="w" fact="0"/>
+          <dgm:constr type="t" for="ch" forName="txNode1" refType="h" fact="0"/>
+          <dgm:constr type="r" for="ch" forName="txNode1" refType="w" fact="0.37"/>
+          <dgm:constr type="h" for="ch" forName="txNode1" refType="h" fact="0.16"/>
+          <dgm:constr type="l" for="ch" forName="txNode2" refType="w" fact="0.45"/>
+          <dgm:constr type="ctrY" for="ch" forName="txNode2" refType="h" fact="0.2693"/>
+          <dgm:constr type="r" for="ch" forName="txNode2" refType="w"/>
+          <dgm:constr type="h" for="ch" forName="txNode2" refType="h" fact="0.16"/>
+          <dgm:constr type="l" for="ch" forName="txNode3" refType="w" fact="0"/>
+          <dgm:constr type="ctrY" for="ch" forName="txNode3" refType="h" fact="0.3638"/>
+          <dgm:constr type="r" for="ch" forName="txNode3" refType="w" fact="0.37"/>
+          <dgm:constr type="h" for="ch" forName="txNode3" refType="h" fact="0.16"/>
+          <dgm:constr type="l" for="ch" forName="txNode4" refType="w" fact="0.63"/>
+          <dgm:constr type="ctrY" for="ch" forName="txNode4" refType="h" fact="0.4744"/>
+          <dgm:constr type="r" for="ch" forName="txNode4" refType="w"/>
+          <dgm:constr type="h" for="ch" forName="txNode4" refType="h" fact="0.16"/>
+          <dgm:constr type="l" for="ch" forName="txNode5" refType="w" fact="0"/>
+          <dgm:constr type="ctrY" for="ch" forName="txNode5" refType="h" fact="0.5961"/>
+          <dgm:constr type="r" for="ch" forName="txNode5" refType="w" fact="0.55"/>
+          <dgm:constr type="h" for="ch" forName="txNode5" refType="h" fact="0.16"/>
+          <dgm:constr type="l" for="ch" forName="txNode6" refType="w" fact="0.5"/>
+          <dgm:constr type="b" for="ch" forName="txNode6" refType="h"/>
+          <dgm:constr type="r" for="ch" forName="txNode6" refType="w"/>
+          <dgm:constr type="h" for="ch" forName="txNode6" refType="h" fact="0.16"/>
+          <dgm:constr type="ctrX" for="ch" forName="dotNode2" refType="w" fact="0.33"/>
+          <dgm:constr type="ctrY" for="ch" forName="dotNode2" refType="h" fact="0.2693"/>
+          <dgm:constr type="h" for="ch" forName="dotNode2" refType="h" fact="0.0218"/>
+          <dgm:constr type="w" for="ch" forName="dotNode2" refType="h" refFor="ch" refForName="dotNode2"/>
+          <dgm:constr type="ctrX" for="ch" forName="dotNode3" refType="w" fact="0.4419"/>
+          <dgm:constr type="ctrY" for="ch" forName="dotNode3" refType="h" fact="0.3638"/>
+          <dgm:constr type="h" for="ch" forName="dotNode3" refType="h" fact="0.0218"/>
+          <dgm:constr type="w" for="ch" forName="dotNode3" refType="h" refFor="ch" refForName="dotNode3"/>
+          <dgm:constr type="ctrX" for="ch" forName="dotNode4" refType="w" fact="0.5425"/>
+          <dgm:constr type="ctrY" for="ch" forName="dotNode4" refType="h" fact="0.4744"/>
+          <dgm:constr type="h" for="ch" forName="dotNode4" refType="h" fact="0.0218"/>
+          <dgm:constr type="w" for="ch" forName="dotNode4" refType="h" refFor="ch" refForName="dotNode4"/>
+          <dgm:constr type="ctrX" for="ch" forName="dotNode5" refType="w" fact="0.6153"/>
+          <dgm:constr type="ctrY" for="ch" forName="dotNode5" refType="h" fact="0.5961"/>
+          <dgm:constr type="h" for="ch" forName="dotNode5" refType="h" fact="0.0218"/>
+          <dgm:constr type="w" for="ch" forName="dotNode5" refType="h" refFor="ch" refForName="dotNode5"/>
+        </dgm:constrLst>
+      </dgm:if>
+      <dgm:else name="Name8">
+        <dgm:constrLst>
+          <dgm:constr type="primFontSz" for="ch" ptType="node" op="equ" val="65"/>
+          <dgm:constr type="w" for="ch" forName="arrowNode" refType="w" fact="0.75"/>
+          <dgm:constr type="h" for="ch" forName="arrowNode" refType="h"/>
+          <dgm:constr type="l" for="ch" forName="arrowNode" refType="w" fact="0.07"/>
+          <dgm:constr type="t" for="ch" forName="arrowNode"/>
+          <dgm:constr type="l" for="ch" forName="txNode1" refType="w" fact="0"/>
+          <dgm:constr type="t" for="ch" forName="txNode1" refType="h" fact="0"/>
+          <dgm:constr type="r" for="ch" forName="txNode1" refType="w" fact="0.37"/>
+          <dgm:constr type="h" for="ch" forName="txNode1" refType="h" fact="0.16"/>
+          <dgm:constr type="l" for="ch" forName="txNode2" refType="w" fact="0.44"/>
+          <dgm:constr type="ctrY" for="ch" forName="txNode2" refType="h" fact="0.2693"/>
+          <dgm:constr type="r" for="ch" forName="txNode2" refType="w"/>
+          <dgm:constr type="h" for="ch" forName="txNode2" refType="h" fact="0.16"/>
+          <dgm:constr type="l" for="ch" forName="txNode3" refType="w" fact="0"/>
+          <dgm:constr type="ctrY" for="ch" forName="txNode3" refType="h" fact="0.3424"/>
+          <dgm:constr type="r" for="ch" forName="txNode3" refType="w" fact="0.33"/>
+          <dgm:constr type="h" for="ch" forName="txNode3" refType="h" fact="0.16"/>
+          <dgm:constr type="l" for="ch" forName="txNode4" refType="w" fact="0.61"/>
+          <dgm:constr type="ctrY" for="ch" forName="txNode4" refType="h" fact="0.4276"/>
+          <dgm:constr type="r" for="ch" forName="txNode4" refType="w"/>
+          <dgm:constr type="h" for="ch" forName="txNode4" refType="h" fact="0.16"/>
+          <dgm:constr type="l" for="ch" forName="txNode5" refType="w" fact="0"/>
+          <dgm:constr type="ctrY" for="ch" forName="txNode5" refType="h" fact="0.5218"/>
+          <dgm:constr type="r" for="ch" forName="txNode5" refType="w" fact="0.5"/>
+          <dgm:constr type="h" for="ch" forName="txNode5" refType="h" fact="0.16"/>
+          <dgm:constr type="l" for="ch" forName="txNode6" refType="w" fact="0.71"/>
+          <dgm:constr type="ctrY" for="ch" forName="txNode6" refType="h" fact="0.6179"/>
+          <dgm:constr type="r" for="ch" forName="txNode6" refType="w"/>
+          <dgm:constr type="h" for="ch" forName="txNode6" refType="h" fact="0.16"/>
+          <dgm:constr type="l" for="ch" forName="txNode7" refType="w" fact="0.5"/>
+          <dgm:constr type="b" for="ch" forName="txNode7" refType="h"/>
+          <dgm:constr type="r" for="ch" forName="txNode7" refType="w"/>
+          <dgm:constr type="h" for="ch" forName="txNode7" refType="h" fact="0.16"/>
+          <dgm:constr type="ctrX" for="ch" forName="dotNode2" refType="w" fact="0.33"/>
+          <dgm:constr type="ctrY" for="ch" forName="dotNode2" refType="h" fact="0.2693"/>
+          <dgm:constr type="h" for="ch" forName="dotNode2" refType="h" fact="0.0218"/>
+          <dgm:constr type="w" for="ch" forName="dotNode2" refType="h" refFor="ch" refForName="dotNode2"/>
+          <dgm:constr type="ctrX" for="ch" forName="dotNode3" refType="w" fact="0.425"/>
+          <dgm:constr type="ctrY" for="ch" forName="dotNode3" refType="h" fact="0.3424"/>
+          <dgm:constr type="h" for="ch" forName="dotNode3" refType="h" fact="0.0218"/>
+          <dgm:constr type="w" for="ch" forName="dotNode3" refType="h" refFor="ch" refForName="dotNode3"/>
+          <dgm:constr type="ctrX" for="ch" forName="dotNode4" refType="w" fact="0.505"/>
+          <dgm:constr type="ctrY" for="ch" forName="dotNode4" refType="h" fact="0.4276"/>
+          <dgm:constr type="h" for="ch" forName="dotNode4" refType="h" fact="0.0218"/>
+          <dgm:constr type="w" for="ch" forName="dotNode4" refType="h" refFor="ch" refForName="dotNode4"/>
+          <dgm:constr type="ctrX" for="ch" forName="dotNode5" refType="w" fact="0.5742"/>
+          <dgm:constr type="ctrY" for="ch" forName="dotNode5" refType="h" fact="0.5218"/>
+          <dgm:constr type="h" for="ch" forName="dotNode5" refType="h" fact="0.0218"/>
+          <dgm:constr type="w" for="ch" forName="dotNode5" refType="h" refFor="ch" refForName="dotNode5"/>
+          <dgm:constr type="ctrX" for="ch" forName="dotNode6" refType="w" fact="0.63"/>
+          <dgm:constr type="ctrY" for="ch" forName="dotNode6" refType="h" fact="0.6179"/>
+          <dgm:constr type="h" for="ch" forName="dotNode6" refType="h" fact="0.0218"/>
+          <dgm:constr type="w" for="ch" forName="dotNode6" refType="h" refFor="ch" refForName="dotNode6"/>
         </dgm:constrLst>
       </dgm:else>
     </dgm:choose>
-    <dgm:ruleLst/>
-    <dgm:choose name="Name4">
-      <dgm:if name="Name5" axis="ch" ptType="node" func="cnt" op="gte" val="1">
-        <dgm:layoutNode name="ellipse" styleLbl="trBgShp">
-          <dgm:alg type="sp"/>
-          <dgm:shape xmlns:r="http://schemas.openxmlformats.org/officeDocument/2006/relationships" type="ellipse" r:blip="">
-            <dgm:adjLst/>
-          </dgm:shape>
-          <dgm:presOf/>
-          <dgm:constrLst/>
-          <dgm:ruleLst/>
-        </dgm:layoutNode>
-        <dgm:layoutNode name="arrow1" styleLbl="fgShp">
-          <dgm:alg type="sp"/>
-          <dgm:shape xmlns:r="http://schemas.openxmlformats.org/officeDocument/2006/relationships" type="downArrow" r:blip="">
-            <dgm:adjLst/>
-          </dgm:shape>
-          <dgm:presOf/>
-          <dgm:constrLst/>
-          <dgm:ruleLst/>
-        </dgm:layoutNode>
-        <dgm:layoutNode name="rectangle" styleLbl="revTx">
-          <dgm:varLst>
-            <dgm:bulletEnabled val="1"/>
-          </dgm:varLst>
-          <dgm:alg type="tx">
-            <dgm:param type="txAnchorHorzCh" val="ctr"/>
-          </dgm:alg>
-          <dgm:shape xmlns:r="http://schemas.openxmlformats.org/officeDocument/2006/relationships" type="rect" r:blip="">
-            <dgm:adjLst/>
-          </dgm:shape>
-          <dgm:choose name="Name6">
-            <dgm:if name="Name7" axis="ch" ptType="node" func="cnt" op="equ" val="1">
-              <dgm:presOf axis="ch desOrSelf" ptType="node node" st="1 1" cnt="1 0"/>
-            </dgm:if>
-            <dgm:if name="Name8" axis="ch" ptType="node" func="cnt" op="equ" val="2">
-              <dgm:presOf axis="ch desOrSelf" ptType="node node" st="2 1" cnt="1 0"/>
-            </dgm:if>
-            <dgm:if name="Name9" axis="ch" ptType="node" func="cnt" op="equ" val="3">
-              <dgm:presOf axis="ch desOrSelf" ptType="node node" st="3 1" cnt="1 0"/>
-            </dgm:if>
-            <dgm:else name="Name10">
-              <dgm:presOf axis="ch desOrSelf" ptType="node node" st="4 1" cnt="1 0"/>
-            </dgm:else>
-          </dgm:choose>
-          <dgm:constrLst/>
-          <dgm:ruleLst>
-            <dgm:rule type="primFontSz" val="5" fact="NaN" max="NaN"/>
-          </dgm:ruleLst>
-        </dgm:layoutNode>
-        <dgm:forEach name="Name11" axis="ch" ptType="node" st="2" cnt="1">
-          <dgm:layoutNode name="item1" styleLbl="node1">
-            <dgm:varLst>
-              <dgm:bulletEnabled val="1"/>
-            </dgm:varLst>
-            <dgm:alg type="tx">
-              <dgm:param type="txAnchorVertCh" val="mid"/>
-            </dgm:alg>
+    <dgm:forEach name="Name9" axis="self" ptType="parTrans">
+      <dgm:forEach name="Name10" axis="self" ptType="sibTrans" st="2">
+        <dgm:forEach name="dotRepeat" axis="self">
+          <dgm:layoutNode name="dotRepeatNode" styleLbl="fgShp">
+            <dgm:alg type="sp"/>
             <dgm:shape xmlns:r="http://schemas.openxmlformats.org/officeDocument/2006/relationships" type="ellipse" r:blip="">
               <dgm:adjLst/>
             </dgm:shape>
-            <dgm:choose name="Name12">
-              <dgm:if name="Name13" axis="root ch" ptType="all node" func="cnt" op="equ" val="1">
-                <dgm:presOf/>
-              </dgm:if>
-              <dgm:if name="Name14" axis="root ch" ptType="all node" func="cnt" op="equ" val="2">
-                <dgm:presOf axis="root ch desOrSelf" ptType="all node node" st="1 1 1" cnt="0 1 0"/>
-              </dgm:if>
-              <dgm:if name="Name15" axis="root ch" ptType="all node" func="cnt" op="equ" val="3">
-                <dgm:presOf axis="root ch desOrSelf" ptType="all node node" st="1 2 1" cnt="0 1 0"/>
-              </dgm:if>
-              <dgm:else name="Name16">
-                <dgm:presOf axis="root ch desOrSelf" ptType="all node node" st="1 3 1" cnt="0 1 0"/>
-              </dgm:else>
-            </dgm:choose>
-            <dgm:constrLst>
-              <dgm:constr type="tMarg" refType="primFontSz" fact="0.1"/>
-              <dgm:constr type="bMarg" refType="primFontSz" fact="0.1"/>
-              <dgm:constr type="lMarg" refType="primFontSz" fact="0.1"/>
-              <dgm:constr type="rMarg" refType="primFontSz" fact="0.1"/>
-            </dgm:constrLst>
-            <dgm:ruleLst>
-              <dgm:rule type="primFontSz" val="5" fact="NaN" max="NaN"/>
-            </dgm:ruleLst>
+            <dgm:presOf axis="self"/>
           </dgm:layoutNode>
         </dgm:forEach>
-        <dgm:forEach name="Name17" axis="ch" ptType="node" st="3" cnt="1">
-          <dgm:layoutNode name="item2" styleLbl="node1">
-            <dgm:varLst>
-              <dgm:bulletEnabled val="1"/>
-            </dgm:varLst>
-            <dgm:alg type="tx">
-              <dgm:param type="txAnchorVertCh" val="mid"/>
-            </dgm:alg>
-            <dgm:shape xmlns:r="http://schemas.openxmlformats.org/officeDocument/2006/relationships" type="ellipse" r:blip="">
-              <dgm:adjLst/>
-            </dgm:shape>
-            <dgm:choose name="Name18">
-              <dgm:if name="Name19" axis="root ch" ptType="all node" func="cnt" op="equ" val="1">
-                <dgm:presOf/>
-              </dgm:if>
-              <dgm:if name="Name20" axis="root ch" ptType="all node" func="cnt" op="equ" val="2">
-                <dgm:presOf/>
-              </dgm:if>
-              <dgm:if name="Name21" axis="root ch" ptType="all node" func="cnt" op="equ" val="3">
-                <dgm:presOf axis="root ch desOrSelf" ptType="all node node" st="1 1 1" cnt="0 1 0"/>
-              </dgm:if>
-              <dgm:else name="Name22">
-                <dgm:presOf axis="root ch desOrSelf" ptType="all node node" st="1 2 1" cnt="0 1 0"/>
-              </dgm:else>
-            </dgm:choose>
-            <dgm:constrLst>
-              <dgm:constr type="tMarg" refType="primFontSz" fact="0.1"/>
-              <dgm:constr type="bMarg" refType="primFontSz" fact="0.1"/>
-              <dgm:constr type="lMarg" refType="primFontSz" fact="0.1"/>
-              <dgm:constr type="rMarg" refType="primFontSz" fact="0.1"/>
-            </dgm:constrLst>
-            <dgm:ruleLst>
-              <dgm:rule type="primFontSz" val="5" fact="NaN" max="NaN"/>
-            </dgm:ruleLst>
-          </dgm:layoutNode>
-        </dgm:forEach>
-        <dgm:forEach name="Name23" axis="ch" ptType="node" st="4" cnt="1">
-          <dgm:layoutNode name="item3" styleLbl="node1">
-            <dgm:varLst>
-              <dgm:bulletEnabled val="1"/>
-            </dgm:varLst>
-            <dgm:alg type="tx">
-              <dgm:param type="txAnchorVertCh" val="mid"/>
-            </dgm:alg>
-            <dgm:shape xmlns:r="http://schemas.openxmlformats.org/officeDocument/2006/relationships" type="ellipse" r:blip="">
-              <dgm:adjLst/>
-            </dgm:shape>
-            <dgm:choose name="Name24">
-              <dgm:if name="Name25" axis="root ch" ptType="all node" func="cnt" op="equ" val="1">
-                <dgm:presOf/>
-              </dgm:if>
-              <dgm:if name="Name26" axis="root ch" ptType="all node" func="cnt" op="equ" val="2">
-                <dgm:presOf/>
-              </dgm:if>
-              <dgm:if name="Name27" axis="root ch" ptType="all node" func="cnt" op="equ" val="3">
-                <dgm:presOf/>
-              </dgm:if>
-              <dgm:else name="Name28">
-                <dgm:presOf axis="root ch desOrSelf" ptType="all node node" st="1 1 1" cnt="0 1 0"/>
-              </dgm:else>
-            </dgm:choose>
-            <dgm:constrLst>
-              <dgm:constr type="tMarg" refType="primFontSz" fact="0.1"/>
-              <dgm:constr type="bMarg" refType="primFontSz" fact="0.1"/>
-              <dgm:constr type="lMarg" refType="primFontSz" fact="0.1"/>
-              <dgm:constr type="rMarg" refType="primFontSz" fact="0.1"/>
-            </dgm:constrLst>
-            <dgm:ruleLst>
-              <dgm:rule type="primFontSz" val="5" fact="NaN" max="NaN"/>
-            </dgm:ruleLst>
-          </dgm:layoutNode>
-        </dgm:forEach>
-        <dgm:layoutNode name="funnel" styleLbl="trAlignAcc1">
+      </dgm:forEach>
+    </dgm:forEach>
+    <dgm:choose name="Name11">
+      <dgm:if name="Name12" axis="ch" ptType="node" func="cnt" op="gte" val="1">
+        <dgm:layoutNode name="arrowNode" styleLbl="node1">
           <dgm:alg type="sp"/>
-          <dgm:shape xmlns:r="http://schemas.openxmlformats.org/officeDocument/2006/relationships" type="funnel" r:blip="">
-            <dgm:adjLst/>
+          <dgm:shape xmlns:r="http://schemas.openxmlformats.org/officeDocument/2006/relationships" rot="73.2729" type="swooshArrow" r:blip="">
+            <dgm:adjLst>
+              <dgm:adj idx="1" val="0.1631"/>
+              <dgm:adj idx="2" val="0.3137"/>
+            </dgm:adjLst>
           </dgm:shape>
           <dgm:presOf/>
-          <dgm:constrLst/>
-          <dgm:ruleLst/>
         </dgm:layoutNode>
       </dgm:if>
-      <dgm:else name="Name29"/>
+      <dgm:else name="Name13"/>
     </dgm:choose>
+    <dgm:forEach name="Name14" axis="ch" ptType="node" cnt="1">
+      <dgm:layoutNode name="txNode1" styleLbl="revTx">
+        <dgm:varLst>
+          <dgm:bulletEnabled val="1"/>
+        </dgm:varLst>
+        <dgm:alg type="tx">
+          <dgm:param type="txAnchorVert" val="b"/>
+        </dgm:alg>
+        <dgm:shape xmlns:r="http://schemas.openxmlformats.org/officeDocument/2006/relationships" type="rect" r:blip="" zOrderOff="10">
+          <dgm:adjLst/>
+        </dgm:shape>
+        <dgm:presOf axis="desOrSelf" ptType="node"/>
+        <dgm:constrLst>
+          <dgm:constr type="lMarg" refType="primFontSz" fact="0.1"/>
+          <dgm:constr type="rMarg" refType="primFontSz" fact="0.1"/>
+          <dgm:constr type="tMarg" refType="primFontSz" fact="0.1"/>
+          <dgm:constr type="bMarg" refType="primFontSz" fact="0.1"/>
+        </dgm:constrLst>
+        <dgm:ruleLst>
+          <dgm:rule type="primFontSz" val="5" fact="NaN" max="NaN"/>
+        </dgm:ruleLst>
+      </dgm:layoutNode>
+    </dgm:forEach>
+    <dgm:forEach name="Name15" axis="ch" ptType="node" st="2" cnt="1">
+      <dgm:layoutNode name="txNode2" styleLbl="revTx">
+        <dgm:varLst>
+          <dgm:bulletEnabled val="1"/>
+        </dgm:varLst>
+        <dgm:choose name="Name16">
+          <dgm:if name="Name17" axis="self" ptType="node" func="revPos" op="equ" val="1">
+            <dgm:alg type="tx">
+              <dgm:param type="txAnchorVert" val="t"/>
+            </dgm:alg>
+          </dgm:if>
+          <dgm:if name="Name18" axis="self" ptType="node" func="posOdd" op="equ" val="1">
+            <dgm:alg type="tx">
+              <dgm:param type="parTxLTRAlign" val="r"/>
+              <dgm:param type="parTxRTLAlign" val="r"/>
+            </dgm:alg>
+          </dgm:if>
+          <dgm:else name="Name19">
+            <dgm:alg type="tx">
+              <dgm:param type="parTxLTRAlign" val="l"/>
+              <dgm:param type="parTxRTLAlign" val="l"/>
+            </dgm:alg>
+          </dgm:else>
+        </dgm:choose>
+        <dgm:shape xmlns:r="http://schemas.openxmlformats.org/officeDocument/2006/relationships" type="rect" r:blip="" zOrderOff="10">
+          <dgm:adjLst/>
+        </dgm:shape>
+        <dgm:presOf axis="desOrSelf" ptType="node"/>
+        <dgm:constrLst>
+          <dgm:constr type="lMarg" refType="primFontSz" fact="0.1"/>
+          <dgm:constr type="rMarg" refType="primFontSz" fact="0.1"/>
+          <dgm:constr type="tMarg" refType="primFontSz" fact="0.1"/>
+          <dgm:constr type="bMarg" refType="primFontSz" fact="0.1"/>
+        </dgm:constrLst>
+        <dgm:ruleLst>
+          <dgm:rule type="primFontSz" val="5" fact="NaN" max="NaN"/>
+        </dgm:ruleLst>
+      </dgm:layoutNode>
+      <dgm:choose name="Name20">
+        <dgm:if name="Name21" axis="par ch" ptType="all node" func="cnt" op="neq" val="2">
+          <dgm:forEach name="Name22" axis="follow" ptType="sibTrans" cnt="1">
+            <dgm:layoutNode name="dotNode2">
+              <dgm:alg type="sp"/>
+              <dgm:shape xmlns:r="http://schemas.openxmlformats.org/officeDocument/2006/relationships" r:blip="">
+                <dgm:adjLst/>
+              </dgm:shape>
+              <dgm:presOf/>
+              <dgm:forEach name="Name23" ref="dotRepeat"/>
+            </dgm:layoutNode>
+          </dgm:forEach>
+        </dgm:if>
+        <dgm:else name="Name24"/>
+      </dgm:choose>
+    </dgm:forEach>
+    <dgm:forEach name="Name25" axis="ch" ptType="node" st="3" cnt="1">
+      <dgm:layoutNode name="txNode3" styleLbl="revTx">
+        <dgm:varLst>
+          <dgm:bulletEnabled val="1"/>
+        </dgm:varLst>
+        <dgm:choose name="Name26">
+          <dgm:if name="Name27" axis="self" ptType="node" func="revPos" op="equ" val="1">
+            <dgm:alg type="tx">
+              <dgm:param type="txAnchorVert" val="t"/>
+            </dgm:alg>
+          </dgm:if>
+          <dgm:if name="Name28" axis="self" ptType="node" func="posOdd" op="equ" val="1">
+            <dgm:alg type="tx">
+              <dgm:param type="parTxLTRAlign" val="r"/>
+              <dgm:param type="parTxRTLAlign" val="r"/>
+            </dgm:alg>
+          </dgm:if>
+          <dgm:else name="Name29">
+            <dgm:alg type="tx">
+              <dgm:param type="parTxLTRAlign" val="l"/>
+              <dgm:param type="parTxRTLAlign" val="l"/>
+            </dgm:alg>
+          </dgm:else>
+        </dgm:choose>
+        <dgm:shape xmlns:r="http://schemas.openxmlformats.org/officeDocument/2006/relationships" type="rect" r:blip="" zOrderOff="10">
+          <dgm:adjLst/>
+        </dgm:shape>
+        <dgm:presOf axis="desOrSelf" ptType="node"/>
+        <dgm:constrLst>
+          <dgm:constr type="lMarg" refType="primFontSz" fact="0.1"/>
+          <dgm:constr type="rMarg" refType="primFontSz" fact="0.1"/>
+          <dgm:constr type="tMarg" refType="primFontSz" fact="0.1"/>
+          <dgm:constr type="bMarg" refType="primFontSz" fact="0.1"/>
+        </dgm:constrLst>
+        <dgm:ruleLst>
+          <dgm:rule type="primFontSz" val="5" fact="NaN" max="NaN"/>
+        </dgm:ruleLst>
+      </dgm:layoutNode>
+      <dgm:choose name="Name30">
+        <dgm:if name="Name31" axis="par ch" ptType="all node" func="cnt" op="neq" val="3">
+          <dgm:forEach name="Name32" axis="follow" ptType="sibTrans" cnt="1">
+            <dgm:layoutNode name="dotNode3">
+              <dgm:alg type="sp"/>
+              <dgm:shape xmlns:r="http://schemas.openxmlformats.org/officeDocument/2006/relationships" r:blip="">
+                <dgm:adjLst/>
+              </dgm:shape>
+              <dgm:presOf/>
+              <dgm:forEach name="Name33" ref="dotRepeat"/>
+            </dgm:layoutNode>
+          </dgm:forEach>
+        </dgm:if>
+        <dgm:else name="Name34"/>
+      </dgm:choose>
+    </dgm:forEach>
+    <dgm:forEach name="Name35" axis="ch" ptType="node" st="4" cnt="1">
+      <dgm:layoutNode name="txNode4" styleLbl="revTx">
+        <dgm:varLst>
+          <dgm:bulletEnabled val="1"/>
+        </dgm:varLst>
+        <dgm:choose name="Name36">
+          <dgm:if name="Name37" axis="self" ptType="node" func="revPos" op="equ" val="1">
+            <dgm:alg type="tx">
+              <dgm:param type="txAnchorVert" val="t"/>
+            </dgm:alg>
+          </dgm:if>
+          <dgm:if name="Name38" axis="self" ptType="node" func="posOdd" op="equ" val="1">
+            <dgm:alg type="tx">
+              <dgm:param type="parTxLTRAlign" val="r"/>
+              <dgm:param type="parTxRTLAlign" val="r"/>
+            </dgm:alg>
+          </dgm:if>
+          <dgm:else name="Name39">
+            <dgm:alg type="tx">
+              <dgm:param type="parTxLTRAlign" val="l"/>
+              <dgm:param type="parTxRTLAlign" val="l"/>
+            </dgm:alg>
+          </dgm:else>
+        </dgm:choose>
+        <dgm:shape xmlns:r="http://schemas.openxmlformats.org/officeDocument/2006/relationships" type="rect" r:blip="" zOrderOff="10">
+          <dgm:adjLst/>
+        </dgm:shape>
+        <dgm:presOf axis="desOrSelf" ptType="node"/>
+        <dgm:constrLst>
+          <dgm:constr type="lMarg" refType="primFontSz" fact="0.1"/>
+          <dgm:constr type="rMarg" refType="primFontSz" fact="0.1"/>
+          <dgm:constr type="tMarg" refType="primFontSz" fact="0.1"/>
+          <dgm:constr type="bMarg" refType="primFontSz" fact="0.1"/>
+        </dgm:constrLst>
+        <dgm:ruleLst>
+          <dgm:rule type="primFontSz" val="5" fact="NaN" max="NaN"/>
+        </dgm:ruleLst>
+      </dgm:layoutNode>
+      <dgm:choose name="Name40">
+        <dgm:if name="Name41" axis="par ch" ptType="all node" func="cnt" op="neq" val="4">
+          <dgm:forEach name="Name42" axis="follow" ptType="sibTrans" cnt="1">
+            <dgm:layoutNode name="dotNode4">
+              <dgm:alg type="sp"/>
+              <dgm:shape xmlns:r="http://schemas.openxmlformats.org/officeDocument/2006/relationships" r:blip="">
+                <dgm:adjLst/>
+              </dgm:shape>
+              <dgm:presOf/>
+              <dgm:forEach name="Name43" ref="dotRepeat"/>
+            </dgm:layoutNode>
+          </dgm:forEach>
+        </dgm:if>
+        <dgm:else name="Name44"/>
+      </dgm:choose>
+    </dgm:forEach>
+    <dgm:forEach name="Name45" axis="ch" ptType="node" st="5" cnt="1">
+      <dgm:layoutNode name="txNode5" styleLbl="revTx">
+        <dgm:varLst>
+          <dgm:bulletEnabled val="1"/>
+        </dgm:varLst>
+        <dgm:choose name="Name46">
+          <dgm:if name="Name47" axis="self" ptType="node" func="revPos" op="equ" val="1">
+            <dgm:alg type="tx">
+              <dgm:param type="txAnchorVert" val="t"/>
+            </dgm:alg>
+          </dgm:if>
+          <dgm:if name="Name48" axis="self" ptType="node" func="posOdd" op="equ" val="1">
+            <dgm:alg type="tx">
+              <dgm:param type="parTxLTRAlign" val="r"/>
+              <dgm:param type="parTxRTLAlign" val="r"/>
+            </dgm:alg>
+          </dgm:if>
+          <dgm:else name="Name49">
+            <dgm:alg type="tx">
+              <dgm:param type="parTxLTRAlign" val="l"/>
+              <dgm:param type="parTxRTLAlign" val="l"/>
+            </dgm:alg>
+          </dgm:else>
+        </dgm:choose>
+        <dgm:shape xmlns:r="http://schemas.openxmlformats.org/officeDocument/2006/relationships" type="rect" r:blip="" zOrderOff="10">
+          <dgm:adjLst/>
+        </dgm:shape>
+        <dgm:presOf axis="desOrSelf" ptType="node"/>
+        <dgm:constrLst>
+          <dgm:constr type="lMarg" refType="primFontSz" fact="0.1"/>
+          <dgm:constr type="rMarg" refType="primFontSz" fact="0.1"/>
+          <dgm:constr type="tMarg" refType="primFontSz" fact="0.1"/>
+          <dgm:constr type="bMarg" refType="primFontSz" fact="0.1"/>
+        </dgm:constrLst>
+        <dgm:ruleLst>
+          <dgm:rule type="primFontSz" val="5" fact="NaN" max="NaN"/>
+        </dgm:ruleLst>
+      </dgm:layoutNode>
+      <dgm:choose name="Name50">
+        <dgm:if name="Name51" axis="par ch" ptType="all node" func="cnt" op="neq" val="5">
+          <dgm:forEach name="Name52" axis="follow" ptType="sibTrans" cnt="1">
+            <dgm:layoutNode name="dotNode5">
+              <dgm:alg type="sp"/>
+              <dgm:shape xmlns:r="http://schemas.openxmlformats.org/officeDocument/2006/relationships" r:blip="">
+                <dgm:adjLst/>
+              </dgm:shape>
+              <dgm:presOf/>
+              <dgm:forEach name="Name53" ref="dotRepeat"/>
+            </dgm:layoutNode>
+          </dgm:forEach>
+        </dgm:if>
+        <dgm:else name="Name54"/>
+      </dgm:choose>
+    </dgm:forEach>
+    <dgm:forEach name="Name55" axis="ch" ptType="node" st="6" cnt="1">
+      <dgm:layoutNode name="txNode6" styleLbl="revTx">
+        <dgm:varLst>
+          <dgm:bulletEnabled val="1"/>
+        </dgm:varLst>
+        <dgm:choose name="Name56">
+          <dgm:if name="Name57" axis="self" ptType="node" func="revPos" op="equ" val="1">
+            <dgm:alg type="tx">
+              <dgm:param type="txAnchorVert" val="t"/>
+            </dgm:alg>
+          </dgm:if>
+          <dgm:if name="Name58" axis="self" ptType="node" func="posOdd" op="equ" val="1">
+            <dgm:alg type="tx">
+              <dgm:param type="parTxLTRAlign" val="r"/>
+              <dgm:param type="parTxRTLAlign" val="r"/>
+            </dgm:alg>
+          </dgm:if>
+          <dgm:else name="Name59">
+            <dgm:alg type="tx">
+              <dgm:param type="parTxLTRAlign" val="l"/>
+              <dgm:param type="parTxRTLAlign" val="l"/>
+            </dgm:alg>
+          </dgm:else>
+        </dgm:choose>
+        <dgm:shape xmlns:r="http://schemas.openxmlformats.org/officeDocument/2006/relationships" type="rect" r:blip="" zOrderOff="10">
+          <dgm:adjLst/>
+        </dgm:shape>
+        <dgm:presOf axis="desOrSelf" ptType="node"/>
+        <dgm:constrLst>
+          <dgm:constr type="lMarg" refType="primFontSz" fact="0.1"/>
+          <dgm:constr type="rMarg" refType="primFontSz" fact="0.1"/>
+          <dgm:constr type="tMarg" refType="primFontSz" fact="0.1"/>
+          <dgm:constr type="bMarg" refType="primFontSz" fact="0.1"/>
+        </dgm:constrLst>
+        <dgm:ruleLst>
+          <dgm:rule type="primFontSz" val="5" fact="NaN" max="NaN"/>
+        </dgm:ruleLst>
+      </dgm:layoutNode>
+      <dgm:choose name="Name60">
+        <dgm:if name="Name61" axis="par ch" ptType="all node" func="cnt" op="neq" val="6">
+          <dgm:forEach name="Name62" axis="follow" ptType="sibTrans" cnt="1">
+            <dgm:layoutNode name="dotNode6">
+              <dgm:alg type="sp"/>
+              <dgm:shape xmlns:r="http://schemas.openxmlformats.org/officeDocument/2006/relationships" r:blip="">
+                <dgm:adjLst/>
+              </dgm:shape>
+              <dgm:presOf/>
+              <dgm:forEach name="Name63" ref="dotRepeat"/>
+            </dgm:layoutNode>
+          </dgm:forEach>
+        </dgm:if>
+        <dgm:else name="Name64"/>
+      </dgm:choose>
+    </dgm:forEach>
+    <dgm:forEach name="Name65" axis="ch" ptType="node" st="7" cnt="1">
+      <dgm:layoutNode name="txNode7" styleLbl="revTx">
+        <dgm:varLst>
+          <dgm:bulletEnabled val="1"/>
+        </dgm:varLst>
+        <dgm:alg type="tx">
+          <dgm:param type="txAnchorVert" val="t"/>
+        </dgm:alg>
+        <dgm:shape xmlns:r="http://schemas.openxmlformats.org/officeDocument/2006/relationships" type="rect" r:blip="" zOrderOff="10">
+          <dgm:adjLst/>
+        </dgm:shape>
+        <dgm:presOf axis="desOrSelf" ptType="node"/>
+        <dgm:constrLst>
+          <dgm:constr type="lMarg" refType="primFontSz" fact="0.1"/>
+          <dgm:constr type="rMarg" refType="primFontSz" fact="0.1"/>
+          <dgm:constr type="tMarg" refType="primFontSz" fact="0.1"/>
+          <dgm:constr type="bMarg" refType="primFontSz" fact="0.1"/>
+        </dgm:constrLst>
+        <dgm:ruleLst>
+          <dgm:rule type="primFontSz" val="5" fact="NaN" max="NaN"/>
+        </dgm:ruleLst>
+      </dgm:layoutNode>
+    </dgm:forEach>
   </dgm:layoutNode>
 </dgm:layoutDef>
 </file>
@@ -30354,7 +31178,7 @@
           <a:p>
             <a:fld id="{DFF83554-E58E-427A-AA44-76F2B1DA92C2}" type="datetimeFigureOut">
               <a:rPr lang="en-GB" smtClean="0"/>
-              <a:t>12/09/2017</a:t>
+              <a:t>29/10/2018</a:t>
             </a:fld>
             <a:endParaRPr lang="en-GB" dirty="0"/>
           </a:p>
@@ -31005,7 +31829,7 @@
           <a:p>
             <a:fld id="{1181E1B5-2943-42CC-8B73-D17041E08522}" type="datetimeFigureOut">
               <a:rPr lang="en-GB" smtClean="0"/>
-              <a:t>12/09/2017</a:t>
+              <a:t>29/10/2018</a:t>
             </a:fld>
             <a:endParaRPr lang="en-GB" dirty="0"/>
           </a:p>
@@ -31175,7 +31999,7 @@
           <a:p>
             <a:fld id="{1181E1B5-2943-42CC-8B73-D17041E08522}" type="datetimeFigureOut">
               <a:rPr lang="en-GB" smtClean="0"/>
-              <a:t>12/09/2017</a:t>
+              <a:t>29/10/2018</a:t>
             </a:fld>
             <a:endParaRPr lang="en-GB" dirty="0"/>
           </a:p>
@@ -31355,7 +32179,7 @@
           <a:p>
             <a:fld id="{1181E1B5-2943-42CC-8B73-D17041E08522}" type="datetimeFigureOut">
               <a:rPr lang="en-GB" smtClean="0"/>
-              <a:t>12/09/2017</a:t>
+              <a:t>29/10/2018</a:t>
             </a:fld>
             <a:endParaRPr lang="en-GB" dirty="0"/>
           </a:p>
@@ -31525,7 +32349,7 @@
           <a:p>
             <a:fld id="{1181E1B5-2943-42CC-8B73-D17041E08522}" type="datetimeFigureOut">
               <a:rPr lang="en-GB" smtClean="0"/>
-              <a:t>12/09/2017</a:t>
+              <a:t>29/10/2018</a:t>
             </a:fld>
             <a:endParaRPr lang="en-GB" dirty="0"/>
           </a:p>
@@ -31771,7 +32595,7 @@
           <a:p>
             <a:fld id="{1181E1B5-2943-42CC-8B73-D17041E08522}" type="datetimeFigureOut">
               <a:rPr lang="en-GB" smtClean="0"/>
-              <a:t>12/09/2017</a:t>
+              <a:t>29/10/2018</a:t>
             </a:fld>
             <a:endParaRPr lang="en-GB" dirty="0"/>
           </a:p>
@@ -32003,7 +32827,7 @@
           <a:p>
             <a:fld id="{1181E1B5-2943-42CC-8B73-D17041E08522}" type="datetimeFigureOut">
               <a:rPr lang="en-GB" smtClean="0"/>
-              <a:t>12/09/2017</a:t>
+              <a:t>29/10/2018</a:t>
             </a:fld>
             <a:endParaRPr lang="en-GB" dirty="0"/>
           </a:p>
@@ -32370,7 +33194,7 @@
           <a:p>
             <a:fld id="{1181E1B5-2943-42CC-8B73-D17041E08522}" type="datetimeFigureOut">
               <a:rPr lang="en-GB" smtClean="0"/>
-              <a:t>12/09/2017</a:t>
+              <a:t>29/10/2018</a:t>
             </a:fld>
             <a:endParaRPr lang="en-GB" dirty="0"/>
           </a:p>
@@ -32488,7 +33312,7 @@
           <a:p>
             <a:fld id="{1181E1B5-2943-42CC-8B73-D17041E08522}" type="datetimeFigureOut">
               <a:rPr lang="en-GB" smtClean="0"/>
-              <a:t>12/09/2017</a:t>
+              <a:t>29/10/2018</a:t>
             </a:fld>
             <a:endParaRPr lang="en-GB" dirty="0"/>
           </a:p>
@@ -32583,7 +33407,7 @@
           <a:p>
             <a:fld id="{1181E1B5-2943-42CC-8B73-D17041E08522}" type="datetimeFigureOut">
               <a:rPr lang="en-GB" smtClean="0"/>
-              <a:t>12/09/2017</a:t>
+              <a:t>29/10/2018</a:t>
             </a:fld>
             <a:endParaRPr lang="en-GB" dirty="0"/>
           </a:p>
@@ -32860,7 +33684,7 @@
           <a:p>
             <a:fld id="{1181E1B5-2943-42CC-8B73-D17041E08522}" type="datetimeFigureOut">
               <a:rPr lang="en-GB" smtClean="0"/>
-              <a:t>12/09/2017</a:t>
+              <a:t>29/10/2018</a:t>
             </a:fld>
             <a:endParaRPr lang="en-GB" dirty="0"/>
           </a:p>
@@ -33113,7 +33937,7 @@
           <a:p>
             <a:fld id="{1181E1B5-2943-42CC-8B73-D17041E08522}" type="datetimeFigureOut">
               <a:rPr lang="en-GB" smtClean="0"/>
-              <a:t>12/09/2017</a:t>
+              <a:t>29/10/2018</a:t>
             </a:fld>
             <a:endParaRPr lang="en-GB" dirty="0"/>
           </a:p>
@@ -33326,7 +34150,7 @@
           <a:p>
             <a:fld id="{1181E1B5-2943-42CC-8B73-D17041E08522}" type="datetimeFigureOut">
               <a:rPr lang="en-GB" smtClean="0"/>
-              <a:t>12/09/2017</a:t>
+              <a:t>29/10/2018</a:t>
             </a:fld>
             <a:endParaRPr lang="en-GB" dirty="0"/>
           </a:p>
@@ -38041,50 +38865,6 @@
           <a:chExt cx="0" cy="0"/>
         </a:xfrm>
       </p:grpSpPr>
-      <p:sp>
-        <p:nvSpPr>
-          <p:cNvPr id="13" name="Rectangle 12"/>
-          <p:cNvSpPr/>
-          <p:nvPr/>
-        </p:nvSpPr>
-        <p:spPr>
-          <a:xfrm>
-            <a:off x="5397316" y="2640736"/>
-            <a:ext cx="489133" cy="3768942"/>
-          </a:xfrm>
-          <a:prstGeom prst="rect">
-            <a:avLst/>
-          </a:prstGeom>
-        </p:spPr>
-        <p:style>
-          <a:lnRef idx="2">
-            <a:schemeClr val="accent1">
-              <a:shade val="50000"/>
-            </a:schemeClr>
-          </a:lnRef>
-          <a:fillRef idx="1">
-            <a:schemeClr val="accent1"/>
-          </a:fillRef>
-          <a:effectRef idx="0">
-            <a:schemeClr val="accent1"/>
-          </a:effectRef>
-          <a:fontRef idx="minor">
-            <a:schemeClr val="lt1"/>
-          </a:fontRef>
-        </p:style>
-        <p:txBody>
-          <a:bodyPr vert="vert" rtlCol="0" anchor="ctr"/>
-          <a:lstStyle/>
-          <a:p>
-            <a:pPr algn="ctr"/>
-            <a:r>
-              <a:rPr lang="en-US" dirty="0"/>
-              <a:t>Extractability Firewall</a:t>
-            </a:r>
-            <a:endParaRPr lang="en-GB" dirty="0"/>
-          </a:p>
-        </p:txBody>
-      </p:sp>
       <p:graphicFrame>
         <p:nvGraphicFramePr>
           <p:cNvPr id="18" name="Diagram 17"/>
@@ -38092,7 +38872,7 @@
           <p:nvPr>
             <p:extLst>
               <p:ext uri="{D42A27DB-BD31-4B8C-83A1-F6EECF244321}">
-                <p14:modId xmlns:p14="http://schemas.microsoft.com/office/powerpoint/2010/main" val="838711202"/>
+                <p14:modId xmlns:p14="http://schemas.microsoft.com/office/powerpoint/2010/main" val="324582341"/>
               </p:ext>
             </p:extLst>
           </p:nvPr>
@@ -38114,14 +38894,14 @@
           <p:nvPr>
             <p:extLst>
               <p:ext uri="{D42A27DB-BD31-4B8C-83A1-F6EECF244321}">
-                <p14:modId xmlns:p14="http://schemas.microsoft.com/office/powerpoint/2010/main" val="776750242"/>
+                <p14:modId xmlns:p14="http://schemas.microsoft.com/office/powerpoint/2010/main" val="2714301538"/>
               </p:ext>
             </p:extLst>
           </p:nvPr>
         </p:nvGraphicFramePr>
         <p:xfrm>
-          <a:off x="-356031" y="-1"/>
-          <a:ext cx="6321887" cy="3106609"/>
+          <a:off x="-356031" y="0"/>
+          <a:ext cx="5045477" cy="2479374"/>
         </p:xfrm>
         <a:graphic>
           <a:graphicData uri="http://schemas.openxmlformats.org/drawingml/2006/diagram">
@@ -38136,13 +38916,13 @@
           <p:nvPr>
             <p:extLst>
               <p:ext uri="{D42A27DB-BD31-4B8C-83A1-F6EECF244321}">
-                <p14:modId xmlns:p14="http://schemas.microsoft.com/office/powerpoint/2010/main" val="3129120293"/>
+                <p14:modId xmlns:p14="http://schemas.microsoft.com/office/powerpoint/2010/main" val="16708380"/>
               </p:ext>
             </p:extLst>
           </p:nvPr>
         </p:nvGraphicFramePr>
         <p:xfrm>
-          <a:off x="5164096" y="2156987"/>
+          <a:off x="4008396" y="2156987"/>
           <a:ext cx="7027904" cy="4685270"/>
         </p:xfrm>
         <a:graphic>
@@ -38158,14 +38938,14 @@
           <p:nvPr>
             <p:extLst>
               <p:ext uri="{D42A27DB-BD31-4B8C-83A1-F6EECF244321}">
-                <p14:modId xmlns:p14="http://schemas.microsoft.com/office/powerpoint/2010/main" val="581087330"/>
+                <p14:modId xmlns:p14="http://schemas.microsoft.com/office/powerpoint/2010/main" val="259660367"/>
               </p:ext>
             </p:extLst>
           </p:nvPr>
         </p:nvGraphicFramePr>
         <p:xfrm>
-          <a:off x="5517104" y="0"/>
-          <a:ext cx="6321887" cy="3106609"/>
+          <a:off x="4580801" y="-411608"/>
+          <a:ext cx="5883090" cy="2890982"/>
         </p:xfrm>
         <a:graphic>
           <a:graphicData uri="http://schemas.openxmlformats.org/drawingml/2006/diagram">
@@ -38181,8 +38961,8 @@
         </p:nvSpPr>
         <p:spPr>
           <a:xfrm>
-            <a:off x="1429182" y="3774103"/>
-            <a:ext cx="2751459" cy="1200329"/>
+            <a:off x="1892644" y="3852908"/>
+            <a:ext cx="1824538" cy="1200329"/>
           </a:xfrm>
           <a:prstGeom prst="rect">
             <a:avLst/>
@@ -38197,21 +38977,31 @@
           <a:p>
             <a:pPr algn="ctr"/>
             <a:r>
-              <a:rPr lang="en-US" sz="3600" b="1" cap="none" spc="0" dirty="0">
-                <a:ln w="10160">
+              <a:rPr lang="en-US" sz="3600" b="1" dirty="0">
+                <a:ln w="12700">
                   <a:solidFill>
-                    <a:schemeClr val="accent5"/>
+                    <a:schemeClr val="tx2">
+                      <a:lumMod val="75000"/>
+                    </a:schemeClr>
                   </a:solidFill>
                   <a:prstDash val="solid"/>
                 </a:ln>
-                <a:solidFill>
-                  <a:srgbClr val="FFFFFF"/>
-                </a:solidFill>
+                <a:pattFill prst="dkUpDiag">
+                  <a:fgClr>
+                    <a:schemeClr val="tx2"/>
+                  </a:fgClr>
+                  <a:bgClr>
+                    <a:schemeClr val="tx2">
+                      <a:lumMod val="20000"/>
+                      <a:lumOff val="80000"/>
+                    </a:schemeClr>
+                  </a:bgClr>
+                </a:pattFill>
                 <a:effectLst>
-                  <a:outerShdw blurRad="38100" dist="22860" dir="5400000" algn="tl" rotWithShape="0">
-                    <a:srgbClr val="000000">
-                      <a:alpha val="30000"/>
-                    </a:srgbClr>
+                  <a:outerShdw dist="38100" dir="2640000" algn="bl" rotWithShape="0">
+                    <a:schemeClr val="tx2">
+                      <a:lumMod val="75000"/>
+                    </a:schemeClr>
                   </a:outerShdw>
                 </a:effectLst>
               </a:rPr>
@@ -38221,41 +39011,61 @@
           <a:p>
             <a:pPr algn="ctr"/>
             <a:r>
-              <a:rPr lang="en-US" sz="3600" b="1" dirty="0">
-                <a:ln w="10160">
+              <a:rPr lang="en-US" sz="3600" b="1">
+                <a:ln w="12700">
                   <a:solidFill>
-                    <a:schemeClr val="accent5"/>
+                    <a:schemeClr val="tx2">
+                      <a:lumMod val="75000"/>
+                    </a:schemeClr>
                   </a:solidFill>
                   <a:prstDash val="solid"/>
                 </a:ln>
-                <a:solidFill>
-                  <a:srgbClr val="FFFFFF"/>
-                </a:solidFill>
+                <a:pattFill prst="dkUpDiag">
+                  <a:fgClr>
+                    <a:schemeClr val="tx2"/>
+                  </a:fgClr>
+                  <a:bgClr>
+                    <a:schemeClr val="tx2">
+                      <a:lumMod val="20000"/>
+                      <a:lumOff val="80000"/>
+                    </a:schemeClr>
+                  </a:bgClr>
+                </a:pattFill>
                 <a:effectLst>
-                  <a:outerShdw blurRad="38100" dist="22860" dir="5400000" algn="tl" rotWithShape="0">
-                    <a:srgbClr val="000000">
-                      <a:alpha val="30000"/>
-                    </a:srgbClr>
+                  <a:outerShdw dist="38100" dir="2640000" algn="bl" rotWithShape="0">
+                    <a:schemeClr val="tx2">
+                      <a:lumMod val="75000"/>
+                    </a:schemeClr>
                   </a:outerShdw>
                 </a:effectLst>
               </a:rPr>
-              <a:t>Management</a:t>
+              <a:t>Curation</a:t>
             </a:r>
-            <a:endParaRPr lang="en-US" sz="3600" b="1" cap="none" spc="0" dirty="0">
-              <a:ln w="10160">
+            <a:endParaRPr lang="en-US" sz="3600" b="1" dirty="0">
+              <a:ln w="12700">
                 <a:solidFill>
-                  <a:schemeClr val="accent5"/>
+                  <a:schemeClr val="tx2">
+                    <a:lumMod val="75000"/>
+                  </a:schemeClr>
                 </a:solidFill>
                 <a:prstDash val="solid"/>
               </a:ln>
-              <a:solidFill>
-                <a:srgbClr val="FFFFFF"/>
-              </a:solidFill>
+              <a:pattFill prst="dkUpDiag">
+                <a:fgClr>
+                  <a:schemeClr val="tx2"/>
+                </a:fgClr>
+                <a:bgClr>
+                  <a:schemeClr val="tx2">
+                    <a:lumMod val="20000"/>
+                    <a:lumOff val="80000"/>
+                  </a:schemeClr>
+                </a:bgClr>
+              </a:pattFill>
               <a:effectLst>
-                <a:outerShdw blurRad="38100" dist="22860" dir="5400000" algn="tl" rotWithShape="0">
-                  <a:srgbClr val="000000">
-                    <a:alpha val="30000"/>
-                  </a:srgbClr>
+                <a:outerShdw dist="38100" dir="2640000" algn="bl" rotWithShape="0">
+                  <a:schemeClr val="tx2">
+                    <a:lumMod val="75000"/>
+                  </a:schemeClr>
                 </a:outerShdw>
               </a:effectLst>
             </a:endParaRPr>
@@ -38270,8 +39080,8 @@
         </p:nvSpPr>
         <p:spPr>
           <a:xfrm>
-            <a:off x="7614550" y="3774102"/>
-            <a:ext cx="2126993" cy="1200329"/>
+            <a:off x="6250204" y="3852908"/>
+            <a:ext cx="2544287" cy="1200329"/>
           </a:xfrm>
           <a:prstGeom prst="rect">
             <a:avLst/>
@@ -38286,68 +39096,98 @@
           <a:p>
             <a:pPr algn="ctr"/>
             <a:r>
-              <a:rPr lang="en-US" sz="3600" b="1" cap="none" spc="0" dirty="0">
-                <a:ln w="10160">
+              <a:rPr lang="en-US" sz="3600" b="1">
+                <a:ln w="12700">
                   <a:solidFill>
-                    <a:schemeClr val="accent5"/>
+                    <a:schemeClr val="tx2">
+                      <a:lumMod val="75000"/>
+                    </a:schemeClr>
                   </a:solidFill>
                   <a:prstDash val="solid"/>
                 </a:ln>
-                <a:solidFill>
-                  <a:srgbClr val="FFFFFF"/>
-                </a:solidFill>
+                <a:pattFill prst="dkUpDiag">
+                  <a:fgClr>
+                    <a:schemeClr val="tx2"/>
+                  </a:fgClr>
+                  <a:bgClr>
+                    <a:schemeClr val="tx2">
+                      <a:lumMod val="20000"/>
+                      <a:lumOff val="80000"/>
+                    </a:schemeClr>
+                  </a:bgClr>
+                </a:pattFill>
                 <a:effectLst>
-                  <a:outerShdw blurRad="38100" dist="22860" dir="5400000" algn="tl" rotWithShape="0">
-                    <a:srgbClr val="000000">
-                      <a:alpha val="30000"/>
-                    </a:srgbClr>
+                  <a:outerShdw dist="38100" dir="2640000" algn="bl" rotWithShape="0">
+                    <a:schemeClr val="tx2">
+                      <a:lumMod val="75000"/>
+                    </a:schemeClr>
                   </a:outerShdw>
                 </a:effectLst>
               </a:rPr>
-              <a:t>Project</a:t>
+              <a:t>Project Data</a:t>
             </a:r>
+            <a:endParaRPr lang="en-US" sz="3600" b="1" dirty="0">
+              <a:ln w="12700">
+                <a:solidFill>
+                  <a:schemeClr val="tx2">
+                    <a:lumMod val="75000"/>
+                  </a:schemeClr>
+                </a:solidFill>
+                <a:prstDash val="solid"/>
+              </a:ln>
+              <a:pattFill prst="dkUpDiag">
+                <a:fgClr>
+                  <a:schemeClr val="tx2"/>
+                </a:fgClr>
+                <a:bgClr>
+                  <a:schemeClr val="tx2">
+                    <a:lumMod val="20000"/>
+                    <a:lumOff val="80000"/>
+                  </a:schemeClr>
+                </a:bgClr>
+              </a:pattFill>
+              <a:effectLst>
+                <a:outerShdw dist="38100" dir="2640000" algn="bl" rotWithShape="0">
+                  <a:schemeClr val="tx2">
+                    <a:lumMod val="75000"/>
+                  </a:schemeClr>
+                </a:outerShdw>
+              </a:effectLst>
+            </a:endParaRPr>
           </a:p>
           <a:p>
             <a:pPr algn="ctr"/>
             <a:r>
               <a:rPr lang="en-US" sz="3600" b="1" dirty="0">
-                <a:ln w="10160">
+                <a:ln w="12700">
                   <a:solidFill>
-                    <a:schemeClr val="accent5"/>
+                    <a:schemeClr val="tx2">
+                      <a:lumMod val="75000"/>
+                    </a:schemeClr>
                   </a:solidFill>
                   <a:prstDash val="solid"/>
                 </a:ln>
-                <a:solidFill>
-                  <a:srgbClr val="FFFFFF"/>
-                </a:solidFill>
+                <a:pattFill prst="dkUpDiag">
+                  <a:fgClr>
+                    <a:schemeClr val="tx2"/>
+                  </a:fgClr>
+                  <a:bgClr>
+                    <a:schemeClr val="tx2">
+                      <a:lumMod val="20000"/>
+                      <a:lumOff val="80000"/>
+                    </a:schemeClr>
+                  </a:bgClr>
+                </a:pattFill>
                 <a:effectLst>
-                  <a:outerShdw blurRad="38100" dist="22860" dir="5400000" algn="tl" rotWithShape="0">
-                    <a:srgbClr val="000000">
-                      <a:alpha val="30000"/>
-                    </a:srgbClr>
+                  <a:outerShdw dist="38100" dir="2640000" algn="bl" rotWithShape="0">
+                    <a:schemeClr val="tx2">
+                      <a:lumMod val="75000"/>
+                    </a:schemeClr>
                   </a:outerShdw>
                 </a:effectLst>
               </a:rPr>
               <a:t>Extraction</a:t>
             </a:r>
-            <a:endParaRPr lang="en-US" sz="3600" b="1" cap="none" spc="0" dirty="0">
-              <a:ln w="10160">
-                <a:solidFill>
-                  <a:schemeClr val="accent5"/>
-                </a:solidFill>
-                <a:prstDash val="solid"/>
-              </a:ln>
-              <a:solidFill>
-                <a:srgbClr val="FFFFFF"/>
-              </a:solidFill>
-              <a:effectLst>
-                <a:outerShdw blurRad="38100" dist="22860" dir="5400000" algn="tl" rotWithShape="0">
-                  <a:srgbClr val="000000">
-                    <a:alpha val="30000"/>
-                  </a:srgbClr>
-                </a:outerShdw>
-              </a:effectLst>
-            </a:endParaRPr>
           </a:p>
         </p:txBody>
       </p:sp>

--- a/Documentation/RDMPUniverse.pptx
+++ b/Documentation/RDMPUniverse.pptx
@@ -5,18 +5,17 @@
     <p:sldMasterId id="2147483648" r:id="rId1"/>
   </p:sldMasterIdLst>
   <p:notesMasterIdLst>
-    <p:notesMasterId r:id="rId11"/>
+    <p:notesMasterId r:id="rId10"/>
   </p:notesMasterIdLst>
   <p:sldIdLst>
     <p:sldId id="262" r:id="rId2"/>
     <p:sldId id="263" r:id="rId3"/>
-    <p:sldId id="256" r:id="rId4"/>
-    <p:sldId id="257" r:id="rId5"/>
-    <p:sldId id="264" r:id="rId6"/>
-    <p:sldId id="261" r:id="rId7"/>
-    <p:sldId id="258" r:id="rId8"/>
-    <p:sldId id="259" r:id="rId9"/>
-    <p:sldId id="260" r:id="rId10"/>
+    <p:sldId id="257" r:id="rId4"/>
+    <p:sldId id="264" r:id="rId5"/>
+    <p:sldId id="261" r:id="rId6"/>
+    <p:sldId id="258" r:id="rId7"/>
+    <p:sldId id="259" r:id="rId8"/>
+    <p:sldId id="260" r:id="rId9"/>
   </p:sldIdLst>
   <p:sldSz cx="12192000" cy="6858000"/>
   <p:notesSz cx="6858000" cy="9144000"/>
@@ -37542,7 +37541,7 @@
           <a:p>
             <a:fld id="{DFF83554-E58E-427A-AA44-76F2B1DA92C2}" type="datetimeFigureOut">
               <a:rPr lang="en-GB" smtClean="0"/>
-              <a:t>05/11/2018</a:t>
+              <a:t>14/06/2019</a:t>
             </a:fld>
             <a:endParaRPr lang="en-GB" dirty="0"/>
           </a:p>
@@ -37875,7 +37874,7 @@
           <a:p>
             <a:fld id="{EE3BBC52-ABBD-4F4C-AF69-27CD2273FA71}" type="slidenum">
               <a:rPr lang="en-GB" smtClean="0"/>
-              <a:t>4</a:t>
+              <a:t>3</a:t>
             </a:fld>
             <a:endParaRPr lang="en-GB" dirty="0"/>
           </a:p>
@@ -37959,7 +37958,7 @@
           <a:p>
             <a:fld id="{EE3BBC52-ABBD-4F4C-AF69-27CD2273FA71}" type="slidenum">
               <a:rPr lang="en-GB" smtClean="0"/>
-              <a:t>6</a:t>
+              <a:t>5</a:t>
             </a:fld>
             <a:endParaRPr lang="en-GB" dirty="0"/>
           </a:p>
@@ -38043,7 +38042,7 @@
           <a:p>
             <a:fld id="{EE3BBC52-ABBD-4F4C-AF69-27CD2273FA71}" type="slidenum">
               <a:rPr lang="en-GB" smtClean="0"/>
-              <a:t>7</a:t>
+              <a:t>6</a:t>
             </a:fld>
             <a:endParaRPr lang="en-GB" dirty="0"/>
           </a:p>
@@ -38193,7 +38192,7 @@
           <a:p>
             <a:fld id="{1181E1B5-2943-42CC-8B73-D17041E08522}" type="datetimeFigureOut">
               <a:rPr lang="en-GB" smtClean="0"/>
-              <a:t>05/11/2018</a:t>
+              <a:t>14/06/2019</a:t>
             </a:fld>
             <a:endParaRPr lang="en-GB" dirty="0"/>
           </a:p>
@@ -38363,7 +38362,7 @@
           <a:p>
             <a:fld id="{1181E1B5-2943-42CC-8B73-D17041E08522}" type="datetimeFigureOut">
               <a:rPr lang="en-GB" smtClean="0"/>
-              <a:t>05/11/2018</a:t>
+              <a:t>14/06/2019</a:t>
             </a:fld>
             <a:endParaRPr lang="en-GB" dirty="0"/>
           </a:p>
@@ -38543,7 +38542,7 @@
           <a:p>
             <a:fld id="{1181E1B5-2943-42CC-8B73-D17041E08522}" type="datetimeFigureOut">
               <a:rPr lang="en-GB" smtClean="0"/>
-              <a:t>05/11/2018</a:t>
+              <a:t>14/06/2019</a:t>
             </a:fld>
             <a:endParaRPr lang="en-GB" dirty="0"/>
           </a:p>
@@ -38713,7 +38712,7 @@
           <a:p>
             <a:fld id="{1181E1B5-2943-42CC-8B73-D17041E08522}" type="datetimeFigureOut">
               <a:rPr lang="en-GB" smtClean="0"/>
-              <a:t>05/11/2018</a:t>
+              <a:t>14/06/2019</a:t>
             </a:fld>
             <a:endParaRPr lang="en-GB" dirty="0"/>
           </a:p>
@@ -38959,7 +38958,7 @@
           <a:p>
             <a:fld id="{1181E1B5-2943-42CC-8B73-D17041E08522}" type="datetimeFigureOut">
               <a:rPr lang="en-GB" smtClean="0"/>
-              <a:t>05/11/2018</a:t>
+              <a:t>14/06/2019</a:t>
             </a:fld>
             <a:endParaRPr lang="en-GB" dirty="0"/>
           </a:p>
@@ -39191,7 +39190,7 @@
           <a:p>
             <a:fld id="{1181E1B5-2943-42CC-8B73-D17041E08522}" type="datetimeFigureOut">
               <a:rPr lang="en-GB" smtClean="0"/>
-              <a:t>05/11/2018</a:t>
+              <a:t>14/06/2019</a:t>
             </a:fld>
             <a:endParaRPr lang="en-GB" dirty="0"/>
           </a:p>
@@ -39558,7 +39557,7 @@
           <a:p>
             <a:fld id="{1181E1B5-2943-42CC-8B73-D17041E08522}" type="datetimeFigureOut">
               <a:rPr lang="en-GB" smtClean="0"/>
-              <a:t>05/11/2018</a:t>
+              <a:t>14/06/2019</a:t>
             </a:fld>
             <a:endParaRPr lang="en-GB" dirty="0"/>
           </a:p>
@@ -39676,7 +39675,7 @@
           <a:p>
             <a:fld id="{1181E1B5-2943-42CC-8B73-D17041E08522}" type="datetimeFigureOut">
               <a:rPr lang="en-GB" smtClean="0"/>
-              <a:t>05/11/2018</a:t>
+              <a:t>14/06/2019</a:t>
             </a:fld>
             <a:endParaRPr lang="en-GB" dirty="0"/>
           </a:p>
@@ -39771,7 +39770,7 @@
           <a:p>
             <a:fld id="{1181E1B5-2943-42CC-8B73-D17041E08522}" type="datetimeFigureOut">
               <a:rPr lang="en-GB" smtClean="0"/>
-              <a:t>05/11/2018</a:t>
+              <a:t>14/06/2019</a:t>
             </a:fld>
             <a:endParaRPr lang="en-GB" dirty="0"/>
           </a:p>
@@ -40048,7 +40047,7 @@
           <a:p>
             <a:fld id="{1181E1B5-2943-42CC-8B73-D17041E08522}" type="datetimeFigureOut">
               <a:rPr lang="en-GB" smtClean="0"/>
-              <a:t>05/11/2018</a:t>
+              <a:t>14/06/2019</a:t>
             </a:fld>
             <a:endParaRPr lang="en-GB" dirty="0"/>
           </a:p>
@@ -40301,7 +40300,7 @@
           <a:p>
             <a:fld id="{1181E1B5-2943-42CC-8B73-D17041E08522}" type="datetimeFigureOut">
               <a:rPr lang="en-GB" smtClean="0"/>
-              <a:t>05/11/2018</a:t>
+              <a:t>14/06/2019</a:t>
             </a:fld>
             <a:endParaRPr lang="en-GB" dirty="0"/>
           </a:p>
@@ -40514,7 +40513,7 @@
           <a:p>
             <a:fld id="{1181E1B5-2943-42CC-8B73-D17041E08522}" type="datetimeFigureOut">
               <a:rPr lang="en-GB" smtClean="0"/>
-              <a:t>05/11/2018</a:t>
+              <a:t>14/06/2019</a:t>
             </a:fld>
             <a:endParaRPr lang="en-GB" dirty="0"/>
           </a:p>
@@ -42830,2405 +42829,6 @@
           <a:chExt cx="0" cy="0"/>
         </a:xfrm>
       </p:grpSpPr>
-      <p:sp>
-        <p:nvSpPr>
-          <p:cNvPr id="42" name="Rectangle 41"/>
-          <p:cNvSpPr/>
-          <p:nvPr/>
-        </p:nvSpPr>
-        <p:spPr>
-          <a:xfrm>
-            <a:off x="619124" y="5336959"/>
-            <a:ext cx="4205156" cy="932463"/>
-          </a:xfrm>
-          <a:prstGeom prst="rect">
-            <a:avLst/>
-          </a:prstGeom>
-        </p:spPr>
-        <p:style>
-          <a:lnRef idx="1">
-            <a:schemeClr val="accent1"/>
-          </a:lnRef>
-          <a:fillRef idx="2">
-            <a:schemeClr val="accent1"/>
-          </a:fillRef>
-          <a:effectRef idx="1">
-            <a:schemeClr val="accent1"/>
-          </a:effectRef>
-          <a:fontRef idx="minor">
-            <a:schemeClr val="dk1"/>
-          </a:fontRef>
-        </p:style>
-        <p:txBody>
-          <a:bodyPr rtlCol="0" anchor="ctr"/>
-          <a:lstStyle/>
-          <a:p>
-            <a:pPr algn="ctr"/>
-            <a:endParaRPr lang="en-GB" dirty="0"/>
-          </a:p>
-        </p:txBody>
-      </p:sp>
-      <p:sp>
-        <p:nvSpPr>
-          <p:cNvPr id="19" name="Rectangle 18"/>
-          <p:cNvSpPr/>
-          <p:nvPr/>
-        </p:nvSpPr>
-        <p:spPr>
-          <a:xfrm>
-            <a:off x="2589421" y="3526589"/>
-            <a:ext cx="3871899" cy="1323517"/>
-          </a:xfrm>
-          <a:prstGeom prst="rect">
-            <a:avLst/>
-          </a:prstGeom>
-        </p:spPr>
-        <p:style>
-          <a:lnRef idx="1">
-            <a:schemeClr val="accent2"/>
-          </a:lnRef>
-          <a:fillRef idx="2">
-            <a:schemeClr val="accent2"/>
-          </a:fillRef>
-          <a:effectRef idx="1">
-            <a:schemeClr val="accent2"/>
-          </a:effectRef>
-          <a:fontRef idx="minor">
-            <a:schemeClr val="dk1"/>
-          </a:fontRef>
-        </p:style>
-        <p:txBody>
-          <a:bodyPr rtlCol="0" anchor="ctr"/>
-          <a:lstStyle/>
-          <a:p>
-            <a:pPr algn="ctr"/>
-            <a:endParaRPr lang="en-GB" dirty="0"/>
-          </a:p>
-        </p:txBody>
-      </p:sp>
-      <p:pic>
-        <p:nvPicPr>
-          <p:cNvPr id="4" name="Picture 3"/>
-          <p:cNvPicPr/>
-          <p:nvPr/>
-        </p:nvPicPr>
-        <p:blipFill>
-          <a:blip r:embed="rId2"/>
-          <a:stretch>
-            <a:fillRect/>
-          </a:stretch>
-        </p:blipFill>
-        <p:spPr>
-          <a:xfrm>
-            <a:off x="2955490" y="4164455"/>
-            <a:ext cx="310515" cy="310515"/>
-          </a:xfrm>
-          <a:prstGeom prst="rect">
-            <a:avLst/>
-          </a:prstGeom>
-        </p:spPr>
-      </p:pic>
-      <p:pic>
-        <p:nvPicPr>
-          <p:cNvPr id="6" name="Picture 5"/>
-          <p:cNvPicPr/>
-          <p:nvPr/>
-        </p:nvPicPr>
-        <p:blipFill>
-          <a:blip r:embed="rId3"/>
-          <a:stretch>
-            <a:fillRect/>
-          </a:stretch>
-        </p:blipFill>
-        <p:spPr>
-          <a:xfrm>
-            <a:off x="4081724" y="3584968"/>
-            <a:ext cx="310515" cy="269240"/>
-          </a:xfrm>
-          <a:prstGeom prst="rect">
-            <a:avLst/>
-          </a:prstGeom>
-        </p:spPr>
-      </p:pic>
-      <p:pic>
-        <p:nvPicPr>
-          <p:cNvPr id="8" name="Picture 7"/>
-          <p:cNvPicPr/>
-          <p:nvPr/>
-        </p:nvPicPr>
-        <p:blipFill>
-          <a:blip r:embed="rId4"/>
-          <a:stretch>
-            <a:fillRect/>
-          </a:stretch>
-        </p:blipFill>
-        <p:spPr>
-          <a:xfrm>
-            <a:off x="4080565" y="4174377"/>
-            <a:ext cx="369570" cy="333375"/>
-          </a:xfrm>
-          <a:prstGeom prst="rect">
-            <a:avLst/>
-          </a:prstGeom>
-        </p:spPr>
-      </p:pic>
-      <p:pic>
-        <p:nvPicPr>
-          <p:cNvPr id="9" name="Picture 8"/>
-          <p:cNvPicPr/>
-          <p:nvPr/>
-        </p:nvPicPr>
-        <p:blipFill>
-          <a:blip r:embed="rId5"/>
-          <a:stretch>
-            <a:fillRect/>
-          </a:stretch>
-        </p:blipFill>
-        <p:spPr>
-          <a:xfrm>
-            <a:off x="2882498" y="3600606"/>
-            <a:ext cx="419100" cy="419100"/>
-          </a:xfrm>
-          <a:prstGeom prst="rect">
-            <a:avLst/>
-          </a:prstGeom>
-        </p:spPr>
-      </p:pic>
-      <p:sp>
-        <p:nvSpPr>
-          <p:cNvPr id="10" name="Rectangle 9"/>
-          <p:cNvSpPr/>
-          <p:nvPr/>
-        </p:nvSpPr>
-        <p:spPr>
-          <a:xfrm>
-            <a:off x="285708" y="1114699"/>
-            <a:ext cx="5022847" cy="1830703"/>
-          </a:xfrm>
-          <a:prstGeom prst="rect">
-            <a:avLst/>
-          </a:prstGeom>
-        </p:spPr>
-        <p:style>
-          <a:lnRef idx="1">
-            <a:schemeClr val="accent1"/>
-          </a:lnRef>
-          <a:fillRef idx="2">
-            <a:schemeClr val="accent1"/>
-          </a:fillRef>
-          <a:effectRef idx="1">
-            <a:schemeClr val="accent1"/>
-          </a:effectRef>
-          <a:fontRef idx="minor">
-            <a:schemeClr val="dk1"/>
-          </a:fontRef>
-        </p:style>
-        <p:txBody>
-          <a:bodyPr rtlCol="0" anchor="ctr"/>
-          <a:lstStyle/>
-          <a:p>
-            <a:pPr algn="ctr"/>
-            <a:endParaRPr lang="en-GB" dirty="0"/>
-          </a:p>
-        </p:txBody>
-      </p:sp>
-      <p:sp>
-        <p:nvSpPr>
-          <p:cNvPr id="11" name="TextBox 10"/>
-          <p:cNvSpPr txBox="1"/>
-          <p:nvPr/>
-        </p:nvSpPr>
-        <p:spPr>
-          <a:xfrm>
-            <a:off x="1338947" y="830164"/>
-            <a:ext cx="3609800" cy="369332"/>
-          </a:xfrm>
-          <a:prstGeom prst="rect">
-            <a:avLst/>
-          </a:prstGeom>
-          <a:noFill/>
-        </p:spPr>
-        <p:txBody>
-          <a:bodyPr wrap="square" rtlCol="0">
-            <a:spAutoFit/>
-          </a:bodyPr>
-          <a:lstStyle/>
-          <a:p>
-            <a:r>
-              <a:rPr lang="en-US" dirty="0"/>
-              <a:t>Platform Databases (SQL Server 1)</a:t>
-            </a:r>
-            <a:endParaRPr lang="en-GB" dirty="0"/>
-          </a:p>
-        </p:txBody>
-      </p:sp>
-      <p:pic>
-        <p:nvPicPr>
-          <p:cNvPr id="14" name="Picture 13"/>
-          <p:cNvPicPr>
-            <a:picLocks noChangeAspect="1"/>
-          </p:cNvPicPr>
-          <p:nvPr/>
-        </p:nvPicPr>
-        <p:blipFill>
-          <a:blip r:embed="rId6"/>
-          <a:stretch>
-            <a:fillRect/>
-          </a:stretch>
-        </p:blipFill>
-        <p:spPr>
-          <a:xfrm>
-            <a:off x="2057196" y="1299805"/>
-            <a:ext cx="400805" cy="420262"/>
-          </a:xfrm>
-          <a:prstGeom prst="rect">
-            <a:avLst/>
-          </a:prstGeom>
-        </p:spPr>
-      </p:pic>
-      <p:sp>
-        <p:nvSpPr>
-          <p:cNvPr id="15" name="TextBox 14"/>
-          <p:cNvSpPr txBox="1"/>
-          <p:nvPr/>
-        </p:nvSpPr>
-        <p:spPr>
-          <a:xfrm>
-            <a:off x="1366971" y="1653627"/>
-            <a:ext cx="1781258" cy="430887"/>
-          </a:xfrm>
-          <a:prstGeom prst="rect">
-            <a:avLst/>
-          </a:prstGeom>
-          <a:noFill/>
-        </p:spPr>
-        <p:txBody>
-          <a:bodyPr wrap="none" rtlCol="0">
-            <a:spAutoFit/>
-          </a:bodyPr>
-          <a:lstStyle/>
-          <a:p>
-            <a:pPr algn="ctr"/>
-            <a:r>
-              <a:rPr lang="en-US" sz="1100" dirty="0"/>
-              <a:t>Catalogue</a:t>
-            </a:r>
-          </a:p>
-          <a:p>
-            <a:pPr algn="ctr"/>
-            <a:r>
-              <a:rPr lang="en-US" sz="1100" dirty="0"/>
-              <a:t>(dataset configuration data)</a:t>
-            </a:r>
-            <a:endParaRPr lang="en-GB" sz="1100" dirty="0"/>
-          </a:p>
-        </p:txBody>
-      </p:sp>
-      <p:pic>
-        <p:nvPicPr>
-          <p:cNvPr id="16" name="Picture 15"/>
-          <p:cNvPicPr>
-            <a:picLocks noChangeAspect="1"/>
-          </p:cNvPicPr>
-          <p:nvPr/>
-        </p:nvPicPr>
-        <p:blipFill>
-          <a:blip r:embed="rId6"/>
-          <a:stretch>
-            <a:fillRect/>
-          </a:stretch>
-        </p:blipFill>
-        <p:spPr>
-          <a:xfrm>
-            <a:off x="3907593" y="1233365"/>
-            <a:ext cx="400805" cy="420262"/>
-          </a:xfrm>
-          <a:prstGeom prst="rect">
-            <a:avLst/>
-          </a:prstGeom>
-        </p:spPr>
-      </p:pic>
-      <p:sp>
-        <p:nvSpPr>
-          <p:cNvPr id="17" name="TextBox 16"/>
-          <p:cNvSpPr txBox="1"/>
-          <p:nvPr/>
-        </p:nvSpPr>
-        <p:spPr>
-          <a:xfrm>
-            <a:off x="3037028" y="1653626"/>
-            <a:ext cx="2141933" cy="430887"/>
-          </a:xfrm>
-          <a:prstGeom prst="rect">
-            <a:avLst/>
-          </a:prstGeom>
-          <a:noFill/>
-        </p:spPr>
-        <p:txBody>
-          <a:bodyPr wrap="none" rtlCol="0">
-            <a:spAutoFit/>
-          </a:bodyPr>
-          <a:lstStyle/>
-          <a:p>
-            <a:pPr algn="ctr"/>
-            <a:r>
-              <a:rPr lang="en-US" sz="1100" dirty="0"/>
-              <a:t>DataExport</a:t>
-            </a:r>
-          </a:p>
-          <a:p>
-            <a:pPr algn="ctr"/>
-            <a:r>
-              <a:rPr lang="en-US" sz="1100" dirty="0"/>
-              <a:t>(project extraction configurations)</a:t>
-            </a:r>
-            <a:endParaRPr lang="en-GB" sz="1100" dirty="0"/>
-          </a:p>
-        </p:txBody>
-      </p:sp>
-      <p:sp>
-        <p:nvSpPr>
-          <p:cNvPr id="18" name="Rectangle 17"/>
-          <p:cNvSpPr/>
-          <p:nvPr/>
-        </p:nvSpPr>
-        <p:spPr>
-          <a:xfrm>
-            <a:off x="4916523" y="5336959"/>
-            <a:ext cx="3517557" cy="1399905"/>
-          </a:xfrm>
-          <a:prstGeom prst="rect">
-            <a:avLst/>
-          </a:prstGeom>
-        </p:spPr>
-        <p:style>
-          <a:lnRef idx="1">
-            <a:schemeClr val="accent1"/>
-          </a:lnRef>
-          <a:fillRef idx="2">
-            <a:schemeClr val="accent1"/>
-          </a:fillRef>
-          <a:effectRef idx="1">
-            <a:schemeClr val="accent1"/>
-          </a:effectRef>
-          <a:fontRef idx="minor">
-            <a:schemeClr val="dk1"/>
-          </a:fontRef>
-        </p:style>
-        <p:txBody>
-          <a:bodyPr rtlCol="0" anchor="ctr"/>
-          <a:lstStyle/>
-          <a:p>
-            <a:pPr algn="ctr"/>
-            <a:endParaRPr lang="en-GB" dirty="0"/>
-          </a:p>
-        </p:txBody>
-      </p:sp>
-      <p:sp>
-        <p:nvSpPr>
-          <p:cNvPr id="20" name="TextBox 19"/>
-          <p:cNvSpPr txBox="1"/>
-          <p:nvPr/>
-        </p:nvSpPr>
-        <p:spPr>
-          <a:xfrm>
-            <a:off x="2922385" y="3201199"/>
-            <a:ext cx="3609800" cy="369332"/>
-          </a:xfrm>
-          <a:prstGeom prst="rect">
-            <a:avLst/>
-          </a:prstGeom>
-          <a:noFill/>
-        </p:spPr>
-        <p:txBody>
-          <a:bodyPr wrap="square" rtlCol="0">
-            <a:spAutoFit/>
-          </a:bodyPr>
-          <a:lstStyle/>
-          <a:p>
-            <a:r>
-              <a:rPr lang="en-US" dirty="0"/>
-              <a:t>Data Analyst PC</a:t>
-            </a:r>
-            <a:endParaRPr lang="en-GB" dirty="0"/>
-          </a:p>
-        </p:txBody>
-      </p:sp>
-      <p:pic>
-        <p:nvPicPr>
-          <p:cNvPr id="21" name="Picture 20"/>
-          <p:cNvPicPr>
-            <a:picLocks noChangeAspect="1"/>
-          </p:cNvPicPr>
-          <p:nvPr/>
-        </p:nvPicPr>
-        <p:blipFill>
-          <a:blip r:embed="rId6"/>
-          <a:stretch>
-            <a:fillRect/>
-          </a:stretch>
-        </p:blipFill>
-        <p:spPr>
-          <a:xfrm>
-            <a:off x="2057196" y="2161312"/>
-            <a:ext cx="400805" cy="420262"/>
-          </a:xfrm>
-          <a:prstGeom prst="rect">
-            <a:avLst/>
-          </a:prstGeom>
-        </p:spPr>
-      </p:pic>
-      <p:sp>
-        <p:nvSpPr>
-          <p:cNvPr id="22" name="TextBox 21"/>
-          <p:cNvSpPr txBox="1"/>
-          <p:nvPr/>
-        </p:nvSpPr>
-        <p:spPr>
-          <a:xfrm>
-            <a:off x="1417470" y="2515134"/>
-            <a:ext cx="1680268" cy="430887"/>
-          </a:xfrm>
-          <a:prstGeom prst="rect">
-            <a:avLst/>
-          </a:prstGeom>
-          <a:noFill/>
-        </p:spPr>
-        <p:txBody>
-          <a:bodyPr wrap="none" rtlCol="0">
-            <a:spAutoFit/>
-          </a:bodyPr>
-          <a:lstStyle/>
-          <a:p>
-            <a:pPr algn="ctr"/>
-            <a:r>
-              <a:rPr lang="en-US" sz="1100" dirty="0"/>
-              <a:t>Logging</a:t>
-            </a:r>
-          </a:p>
-          <a:p>
-            <a:pPr algn="ctr"/>
-            <a:r>
-              <a:rPr lang="en-US" sz="1100" dirty="0"/>
-              <a:t>(log of all RDMP activities)</a:t>
-            </a:r>
-          </a:p>
-        </p:txBody>
-      </p:sp>
-      <p:pic>
-        <p:nvPicPr>
-          <p:cNvPr id="23" name="Picture 22"/>
-          <p:cNvPicPr>
-            <a:picLocks noChangeAspect="1"/>
-          </p:cNvPicPr>
-          <p:nvPr/>
-        </p:nvPicPr>
-        <p:blipFill>
-          <a:blip r:embed="rId6"/>
-          <a:stretch>
-            <a:fillRect/>
-          </a:stretch>
-        </p:blipFill>
-        <p:spPr>
-          <a:xfrm>
-            <a:off x="7596320" y="5436924"/>
-            <a:ext cx="400805" cy="420262"/>
-          </a:xfrm>
-          <a:prstGeom prst="rect">
-            <a:avLst/>
-          </a:prstGeom>
-        </p:spPr>
-      </p:pic>
-      <p:sp>
-        <p:nvSpPr>
-          <p:cNvPr id="24" name="TextBox 23"/>
-          <p:cNvSpPr txBox="1"/>
-          <p:nvPr/>
-        </p:nvSpPr>
-        <p:spPr>
-          <a:xfrm>
-            <a:off x="7159372" y="5790746"/>
-            <a:ext cx="1274708" cy="600164"/>
-          </a:xfrm>
-          <a:prstGeom prst="rect">
-            <a:avLst/>
-          </a:prstGeom>
-          <a:noFill/>
-        </p:spPr>
-        <p:txBody>
-          <a:bodyPr wrap="none" rtlCol="0">
-            <a:spAutoFit/>
-          </a:bodyPr>
-          <a:lstStyle/>
-          <a:p>
-            <a:pPr algn="ctr"/>
-            <a:r>
-              <a:rPr lang="en-US" sz="1100" dirty="0"/>
-              <a:t>Cohorts</a:t>
-            </a:r>
-          </a:p>
-          <a:p>
-            <a:pPr algn="ctr"/>
-            <a:r>
-              <a:rPr lang="en-US" sz="1100" dirty="0"/>
-              <a:t>(Patients you have </a:t>
-            </a:r>
-          </a:p>
-          <a:p>
-            <a:pPr algn="ctr"/>
-            <a:r>
-              <a:rPr lang="en-US" sz="1100" dirty="0"/>
-              <a:t>Released data for)</a:t>
-            </a:r>
-          </a:p>
-        </p:txBody>
-      </p:sp>
-      <p:pic>
-        <p:nvPicPr>
-          <p:cNvPr id="30" name="Picture 29"/>
-          <p:cNvPicPr>
-            <a:picLocks noChangeAspect="1"/>
-          </p:cNvPicPr>
-          <p:nvPr/>
-        </p:nvPicPr>
-        <p:blipFill>
-          <a:blip r:embed="rId6"/>
-          <a:stretch>
-            <a:fillRect/>
-          </a:stretch>
-        </p:blipFill>
-        <p:spPr>
-          <a:xfrm>
-            <a:off x="5211605" y="5436924"/>
-            <a:ext cx="400805" cy="420262"/>
-          </a:xfrm>
-          <a:prstGeom prst="rect">
-            <a:avLst/>
-          </a:prstGeom>
-        </p:spPr>
-      </p:pic>
-      <p:sp>
-        <p:nvSpPr>
-          <p:cNvPr id="31" name="TextBox 30"/>
-          <p:cNvSpPr txBox="1"/>
-          <p:nvPr/>
-        </p:nvSpPr>
-        <p:spPr>
-          <a:xfrm>
-            <a:off x="4916524" y="5790746"/>
-            <a:ext cx="990976" cy="261610"/>
-          </a:xfrm>
-          <a:prstGeom prst="rect">
-            <a:avLst/>
-          </a:prstGeom>
-          <a:noFill/>
-        </p:spPr>
-        <p:txBody>
-          <a:bodyPr wrap="none" rtlCol="0">
-            <a:spAutoFit/>
-          </a:bodyPr>
-          <a:lstStyle/>
-          <a:p>
-            <a:pPr algn="ctr"/>
-            <a:r>
-              <a:rPr lang="en-US" sz="1100" dirty="0"/>
-              <a:t>DLE_STAGING</a:t>
-            </a:r>
-          </a:p>
-        </p:txBody>
-      </p:sp>
-      <p:pic>
-        <p:nvPicPr>
-          <p:cNvPr id="32" name="Picture 31"/>
-          <p:cNvPicPr>
-            <a:picLocks noChangeAspect="1"/>
-          </p:cNvPicPr>
-          <p:nvPr/>
-        </p:nvPicPr>
-        <p:blipFill>
-          <a:blip r:embed="rId6"/>
-          <a:stretch>
-            <a:fillRect/>
-          </a:stretch>
-        </p:blipFill>
-        <p:spPr>
-          <a:xfrm>
-            <a:off x="4080565" y="5484713"/>
-            <a:ext cx="400805" cy="420262"/>
-          </a:xfrm>
-          <a:prstGeom prst="rect">
-            <a:avLst/>
-          </a:prstGeom>
-        </p:spPr>
-      </p:pic>
-      <p:sp>
-        <p:nvSpPr>
-          <p:cNvPr id="33" name="TextBox 32"/>
-          <p:cNvSpPr txBox="1"/>
-          <p:nvPr/>
-        </p:nvSpPr>
-        <p:spPr>
-          <a:xfrm>
-            <a:off x="3676479" y="5838535"/>
-            <a:ext cx="1208984" cy="430887"/>
-          </a:xfrm>
-          <a:prstGeom prst="rect">
-            <a:avLst/>
-          </a:prstGeom>
-          <a:noFill/>
-        </p:spPr>
-        <p:txBody>
-          <a:bodyPr wrap="none" rtlCol="0">
-            <a:spAutoFit/>
-          </a:bodyPr>
-          <a:lstStyle/>
-          <a:p>
-            <a:pPr algn="ctr"/>
-            <a:r>
-              <a:rPr lang="en-US" sz="1100" dirty="0"/>
-              <a:t>RAW</a:t>
-            </a:r>
-          </a:p>
-          <a:p>
-            <a:pPr algn="ctr"/>
-            <a:r>
-              <a:rPr lang="en-US" sz="1100" dirty="0"/>
-              <a:t>(Identifiable data)</a:t>
-            </a:r>
-          </a:p>
-        </p:txBody>
-      </p:sp>
-      <p:pic>
-        <p:nvPicPr>
-          <p:cNvPr id="34" name="Picture 33"/>
-          <p:cNvPicPr>
-            <a:picLocks noChangeAspect="1"/>
-          </p:cNvPicPr>
-          <p:nvPr/>
-        </p:nvPicPr>
-        <p:blipFill>
-          <a:blip r:embed="rId6"/>
-          <a:stretch>
-            <a:fillRect/>
-          </a:stretch>
-        </p:blipFill>
-        <p:spPr>
-          <a:xfrm>
-            <a:off x="6360236" y="5436924"/>
-            <a:ext cx="400805" cy="420262"/>
-          </a:xfrm>
-          <a:prstGeom prst="rect">
-            <a:avLst/>
-          </a:prstGeom>
-        </p:spPr>
-      </p:pic>
-      <p:sp>
-        <p:nvSpPr>
-          <p:cNvPr id="35" name="TextBox 34"/>
-          <p:cNvSpPr txBox="1"/>
-          <p:nvPr/>
-        </p:nvSpPr>
-        <p:spPr>
-          <a:xfrm>
-            <a:off x="5897639" y="5790746"/>
-            <a:ext cx="1326005" cy="430887"/>
-          </a:xfrm>
-          <a:prstGeom prst="rect">
-            <a:avLst/>
-          </a:prstGeom>
-          <a:noFill/>
-        </p:spPr>
-        <p:txBody>
-          <a:bodyPr wrap="none" rtlCol="0">
-            <a:spAutoFit/>
-          </a:bodyPr>
-          <a:lstStyle/>
-          <a:p>
-            <a:pPr algn="ctr"/>
-            <a:r>
-              <a:rPr lang="en-US" sz="1100" dirty="0"/>
-              <a:t>Agency Data</a:t>
-            </a:r>
-          </a:p>
-          <a:p>
-            <a:pPr algn="ctr"/>
-            <a:r>
-              <a:rPr lang="en-US" sz="1100" dirty="0"/>
-              <a:t>(Your LIVE datasets)</a:t>
-            </a:r>
-          </a:p>
-        </p:txBody>
-      </p:sp>
-      <p:pic>
-        <p:nvPicPr>
-          <p:cNvPr id="36" name="Picture 35"/>
-          <p:cNvPicPr>
-            <a:picLocks noChangeAspect="1"/>
-          </p:cNvPicPr>
-          <p:nvPr/>
-        </p:nvPicPr>
-        <p:blipFill>
-          <a:blip r:embed="rId6"/>
-          <a:stretch>
-            <a:fillRect/>
-          </a:stretch>
-        </p:blipFill>
-        <p:spPr>
-          <a:xfrm>
-            <a:off x="3201688" y="2126802"/>
-            <a:ext cx="400805" cy="420262"/>
-          </a:xfrm>
-          <a:prstGeom prst="rect">
-            <a:avLst/>
-          </a:prstGeom>
-        </p:spPr>
-      </p:pic>
-      <p:sp>
-        <p:nvSpPr>
-          <p:cNvPr id="37" name="TextBox 36"/>
-          <p:cNvSpPr txBox="1"/>
-          <p:nvPr/>
-        </p:nvSpPr>
-        <p:spPr>
-          <a:xfrm>
-            <a:off x="2734281" y="2480624"/>
-            <a:ext cx="1335623" cy="261610"/>
-          </a:xfrm>
-          <a:prstGeom prst="rect">
-            <a:avLst/>
-          </a:prstGeom>
-          <a:noFill/>
-        </p:spPr>
-        <p:txBody>
-          <a:bodyPr wrap="none" rtlCol="0">
-            <a:spAutoFit/>
-          </a:bodyPr>
-          <a:lstStyle/>
-          <a:p>
-            <a:pPr algn="ctr"/>
-            <a:r>
-              <a:rPr lang="en-US" sz="1100" dirty="0"/>
-              <a:t>Data Quality Results</a:t>
-            </a:r>
-          </a:p>
-        </p:txBody>
-      </p:sp>
-      <p:sp>
-        <p:nvSpPr>
-          <p:cNvPr id="38" name="Rectangle 37"/>
-          <p:cNvSpPr/>
-          <p:nvPr/>
-        </p:nvSpPr>
-        <p:spPr>
-          <a:xfrm>
-            <a:off x="5412505" y="1017207"/>
-            <a:ext cx="3917633" cy="1356714"/>
-          </a:xfrm>
-          <a:prstGeom prst="rect">
-            <a:avLst/>
-          </a:prstGeom>
-        </p:spPr>
-        <p:style>
-          <a:lnRef idx="1">
-            <a:schemeClr val="accent1"/>
-          </a:lnRef>
-          <a:fillRef idx="2">
-            <a:schemeClr val="accent1"/>
-          </a:fillRef>
-          <a:effectRef idx="1">
-            <a:schemeClr val="accent1"/>
-          </a:effectRef>
-          <a:fontRef idx="minor">
-            <a:schemeClr val="dk1"/>
-          </a:fontRef>
-        </p:style>
-        <p:txBody>
-          <a:bodyPr rtlCol="0" anchor="ctr"/>
-          <a:lstStyle/>
-          <a:p>
-            <a:pPr algn="ctr"/>
-            <a:endParaRPr lang="en-GB" dirty="0"/>
-          </a:p>
-        </p:txBody>
-      </p:sp>
-      <p:sp>
-        <p:nvSpPr>
-          <p:cNvPr id="39" name="TextBox 38"/>
-          <p:cNvSpPr txBox="1"/>
-          <p:nvPr/>
-        </p:nvSpPr>
-        <p:spPr>
-          <a:xfrm>
-            <a:off x="5369029" y="706104"/>
-            <a:ext cx="5213245" cy="369332"/>
-          </a:xfrm>
-          <a:prstGeom prst="rect">
-            <a:avLst/>
-          </a:prstGeom>
-          <a:noFill/>
-        </p:spPr>
-        <p:txBody>
-          <a:bodyPr wrap="square" rtlCol="0">
-            <a:spAutoFit/>
-          </a:bodyPr>
-          <a:lstStyle/>
-          <a:p>
-            <a:r>
-              <a:rPr lang="en-US" dirty="0"/>
-              <a:t>Anonymisation Databases – Optional (SQL Server 3)</a:t>
-            </a:r>
-            <a:endParaRPr lang="en-GB" dirty="0"/>
-          </a:p>
-        </p:txBody>
-      </p:sp>
-      <p:pic>
-        <p:nvPicPr>
-          <p:cNvPr id="25" name="Picture 24"/>
-          <p:cNvPicPr>
-            <a:picLocks noChangeAspect="1"/>
-          </p:cNvPicPr>
-          <p:nvPr/>
-        </p:nvPicPr>
-        <p:blipFill>
-          <a:blip r:embed="rId6"/>
-          <a:stretch>
-            <a:fillRect/>
-          </a:stretch>
-        </p:blipFill>
-        <p:spPr>
-          <a:xfrm>
-            <a:off x="5997534" y="1199496"/>
-            <a:ext cx="400805" cy="420262"/>
-          </a:xfrm>
-          <a:prstGeom prst="rect">
-            <a:avLst/>
-          </a:prstGeom>
-        </p:spPr>
-      </p:pic>
-      <p:sp>
-        <p:nvSpPr>
-          <p:cNvPr id="26" name="TextBox 25"/>
-          <p:cNvSpPr txBox="1"/>
-          <p:nvPr/>
-        </p:nvSpPr>
-        <p:spPr>
-          <a:xfrm>
-            <a:off x="5369030" y="1553318"/>
-            <a:ext cx="1657825" cy="430887"/>
-          </a:xfrm>
-          <a:prstGeom prst="rect">
-            <a:avLst/>
-          </a:prstGeom>
-          <a:noFill/>
-        </p:spPr>
-        <p:txBody>
-          <a:bodyPr wrap="none" rtlCol="0">
-            <a:spAutoFit/>
-          </a:bodyPr>
-          <a:lstStyle/>
-          <a:p>
-            <a:pPr algn="ctr"/>
-            <a:r>
-              <a:rPr lang="en-US" sz="1100" dirty="0"/>
-              <a:t>Anonymisation Identifiers</a:t>
-            </a:r>
-          </a:p>
-          <a:p>
-            <a:pPr algn="ctr"/>
-            <a:r>
-              <a:rPr lang="en-US" sz="1100" dirty="0"/>
-              <a:t>(OnLoad anonymisation)</a:t>
-            </a:r>
-          </a:p>
-        </p:txBody>
-      </p:sp>
-      <p:pic>
-        <p:nvPicPr>
-          <p:cNvPr id="40" name="Picture 39"/>
-          <p:cNvPicPr>
-            <a:picLocks noChangeAspect="1"/>
-          </p:cNvPicPr>
-          <p:nvPr/>
-        </p:nvPicPr>
-        <p:blipFill>
-          <a:blip r:embed="rId6"/>
-          <a:stretch>
-            <a:fillRect/>
-          </a:stretch>
-        </p:blipFill>
-        <p:spPr>
-          <a:xfrm>
-            <a:off x="7753168" y="1199496"/>
-            <a:ext cx="400805" cy="420262"/>
-          </a:xfrm>
-          <a:prstGeom prst="rect">
-            <a:avLst/>
-          </a:prstGeom>
-        </p:spPr>
-      </p:pic>
-      <p:sp>
-        <p:nvSpPr>
-          <p:cNvPr id="41" name="TextBox 40"/>
-          <p:cNvSpPr txBox="1"/>
-          <p:nvPr/>
-        </p:nvSpPr>
-        <p:spPr>
-          <a:xfrm>
-            <a:off x="7124671" y="1553318"/>
-            <a:ext cx="1657825" cy="430887"/>
-          </a:xfrm>
-          <a:prstGeom prst="rect">
-            <a:avLst/>
-          </a:prstGeom>
-          <a:noFill/>
-        </p:spPr>
-        <p:txBody>
-          <a:bodyPr wrap="none" rtlCol="0">
-            <a:spAutoFit/>
-          </a:bodyPr>
-          <a:lstStyle/>
-          <a:p>
-            <a:pPr algn="ctr"/>
-            <a:r>
-              <a:rPr lang="en-US" sz="1100" dirty="0"/>
-              <a:t>Dumped Identifiable Data</a:t>
-            </a:r>
-          </a:p>
-          <a:p>
-            <a:pPr algn="ctr"/>
-            <a:r>
-              <a:rPr lang="en-US" sz="1100" dirty="0"/>
-              <a:t>(Names/Addresses etc.)</a:t>
-            </a:r>
-          </a:p>
-        </p:txBody>
-      </p:sp>
-      <p:sp>
-        <p:nvSpPr>
-          <p:cNvPr id="45" name="Right Arrow 44"/>
-          <p:cNvSpPr/>
-          <p:nvPr/>
-        </p:nvSpPr>
-        <p:spPr>
-          <a:xfrm>
-            <a:off x="5553985" y="5647055"/>
-            <a:ext cx="918033" cy="129178"/>
-          </a:xfrm>
-          <a:prstGeom prst="rightArrow">
-            <a:avLst/>
-          </a:prstGeom>
-          <a:solidFill>
-            <a:schemeClr val="accent6">
-              <a:alpha val="51000"/>
-            </a:schemeClr>
-          </a:solidFill>
-          <a:ln>
-            <a:solidFill>
-              <a:schemeClr val="accent6">
-                <a:shade val="50000"/>
-                <a:alpha val="50000"/>
-              </a:schemeClr>
-            </a:solidFill>
-          </a:ln>
-        </p:spPr>
-        <p:style>
-          <a:lnRef idx="2">
-            <a:schemeClr val="accent6">
-              <a:shade val="50000"/>
-            </a:schemeClr>
-          </a:lnRef>
-          <a:fillRef idx="1">
-            <a:schemeClr val="accent6"/>
-          </a:fillRef>
-          <a:effectRef idx="0">
-            <a:schemeClr val="accent6"/>
-          </a:effectRef>
-          <a:fontRef idx="minor">
-            <a:schemeClr val="lt1"/>
-          </a:fontRef>
-        </p:style>
-        <p:txBody>
-          <a:bodyPr rtlCol="0" anchor="ctr"/>
-          <a:lstStyle/>
-          <a:p>
-            <a:pPr algn="ctr"/>
-            <a:endParaRPr lang="en-GB" dirty="0"/>
-          </a:p>
-        </p:txBody>
-      </p:sp>
-      <p:sp>
-        <p:nvSpPr>
-          <p:cNvPr id="48" name="Rectangle 47"/>
-          <p:cNvSpPr/>
-          <p:nvPr/>
-        </p:nvSpPr>
-        <p:spPr>
-          <a:xfrm>
-            <a:off x="285708" y="3371683"/>
-            <a:ext cx="2028305" cy="1555145"/>
-          </a:xfrm>
-          <a:prstGeom prst="rect">
-            <a:avLst/>
-          </a:prstGeom>
-        </p:spPr>
-        <p:style>
-          <a:lnRef idx="1">
-            <a:schemeClr val="accent4"/>
-          </a:lnRef>
-          <a:fillRef idx="2">
-            <a:schemeClr val="accent4"/>
-          </a:fillRef>
-          <a:effectRef idx="1">
-            <a:schemeClr val="accent4"/>
-          </a:effectRef>
-          <a:fontRef idx="minor">
-            <a:schemeClr val="dk1"/>
-          </a:fontRef>
-        </p:style>
-        <p:txBody>
-          <a:bodyPr rtlCol="0" anchor="ctr"/>
-          <a:lstStyle/>
-          <a:p>
-            <a:pPr algn="ctr"/>
-            <a:endParaRPr lang="en-GB" dirty="0"/>
-          </a:p>
-        </p:txBody>
-      </p:sp>
-      <p:sp>
-        <p:nvSpPr>
-          <p:cNvPr id="49" name="TextBox 48"/>
-          <p:cNvSpPr txBox="1"/>
-          <p:nvPr/>
-        </p:nvSpPr>
-        <p:spPr>
-          <a:xfrm>
-            <a:off x="142358" y="3030200"/>
-            <a:ext cx="3609800" cy="369332"/>
-          </a:xfrm>
-          <a:prstGeom prst="rect">
-            <a:avLst/>
-          </a:prstGeom>
-          <a:noFill/>
-        </p:spPr>
-        <p:txBody>
-          <a:bodyPr wrap="square" rtlCol="0">
-            <a:spAutoFit/>
-          </a:bodyPr>
-          <a:lstStyle/>
-          <a:p>
-            <a:r>
-              <a:rPr lang="en-US" dirty="0"/>
-              <a:t>Dataset Folders (File Server 1)</a:t>
-            </a:r>
-            <a:endParaRPr lang="en-GB" dirty="0"/>
-          </a:p>
-        </p:txBody>
-      </p:sp>
-      <p:sp>
-        <p:nvSpPr>
-          <p:cNvPr id="50" name="Rectangle 49"/>
-          <p:cNvSpPr/>
-          <p:nvPr/>
-        </p:nvSpPr>
-        <p:spPr>
-          <a:xfrm>
-            <a:off x="8445295" y="3434779"/>
-            <a:ext cx="2028305" cy="1393664"/>
-          </a:xfrm>
-          <a:prstGeom prst="rect">
-            <a:avLst/>
-          </a:prstGeom>
-        </p:spPr>
-        <p:style>
-          <a:lnRef idx="1">
-            <a:schemeClr val="accent4"/>
-          </a:lnRef>
-          <a:fillRef idx="2">
-            <a:schemeClr val="accent4"/>
-          </a:fillRef>
-          <a:effectRef idx="1">
-            <a:schemeClr val="accent4"/>
-          </a:effectRef>
-          <a:fontRef idx="minor">
-            <a:schemeClr val="dk1"/>
-          </a:fontRef>
-        </p:style>
-        <p:txBody>
-          <a:bodyPr rtlCol="0" anchor="ctr"/>
-          <a:lstStyle/>
-          <a:p>
-            <a:pPr algn="ctr"/>
-            <a:endParaRPr lang="en-GB" dirty="0"/>
-          </a:p>
-        </p:txBody>
-      </p:sp>
-      <p:sp>
-        <p:nvSpPr>
-          <p:cNvPr id="51" name="TextBox 50"/>
-          <p:cNvSpPr txBox="1"/>
-          <p:nvPr/>
-        </p:nvSpPr>
-        <p:spPr>
-          <a:xfrm>
-            <a:off x="8301945" y="3093295"/>
-            <a:ext cx="3609800" cy="369332"/>
-          </a:xfrm>
-          <a:prstGeom prst="rect">
-            <a:avLst/>
-          </a:prstGeom>
-          <a:noFill/>
-        </p:spPr>
-        <p:txBody>
-          <a:bodyPr wrap="square" rtlCol="0">
-            <a:spAutoFit/>
-          </a:bodyPr>
-          <a:lstStyle/>
-          <a:p>
-            <a:r>
-              <a:rPr lang="en-US" dirty="0"/>
-              <a:t>Safe Haven Extracts (File Server 2)</a:t>
-            </a:r>
-            <a:endParaRPr lang="en-GB" dirty="0"/>
-          </a:p>
-        </p:txBody>
-      </p:sp>
-      <p:pic>
-        <p:nvPicPr>
-          <p:cNvPr id="52" name="Picture 51"/>
-          <p:cNvPicPr>
-            <a:picLocks noChangeAspect="1"/>
-          </p:cNvPicPr>
-          <p:nvPr/>
-        </p:nvPicPr>
-        <p:blipFill>
-          <a:blip r:embed="rId7"/>
-          <a:stretch>
-            <a:fillRect/>
-          </a:stretch>
-        </p:blipFill>
-        <p:spPr>
-          <a:xfrm>
-            <a:off x="1053738" y="4274722"/>
-            <a:ext cx="626466" cy="435045"/>
-          </a:xfrm>
-          <a:prstGeom prst="rect">
-            <a:avLst/>
-          </a:prstGeom>
-        </p:spPr>
-      </p:pic>
-      <p:pic>
-        <p:nvPicPr>
-          <p:cNvPr id="53" name="Picture 52"/>
-          <p:cNvPicPr>
-            <a:picLocks noChangeAspect="1"/>
-          </p:cNvPicPr>
-          <p:nvPr/>
-        </p:nvPicPr>
-        <p:blipFill>
-          <a:blip r:embed="rId7"/>
-          <a:stretch>
-            <a:fillRect/>
-          </a:stretch>
-        </p:blipFill>
-        <p:spPr>
-          <a:xfrm>
-            <a:off x="1086654" y="3445712"/>
-            <a:ext cx="626466" cy="435045"/>
-          </a:xfrm>
-          <a:prstGeom prst="rect">
-            <a:avLst/>
-          </a:prstGeom>
-        </p:spPr>
-      </p:pic>
-      <p:sp>
-        <p:nvSpPr>
-          <p:cNvPr id="54" name="TextBox 53"/>
-          <p:cNvSpPr txBox="1"/>
-          <p:nvPr/>
-        </p:nvSpPr>
-        <p:spPr>
-          <a:xfrm>
-            <a:off x="442037" y="3825240"/>
-            <a:ext cx="1872628" cy="430887"/>
-          </a:xfrm>
-          <a:prstGeom prst="rect">
-            <a:avLst/>
-          </a:prstGeom>
-          <a:noFill/>
-        </p:spPr>
-        <p:txBody>
-          <a:bodyPr wrap="none" rtlCol="0">
-            <a:spAutoFit/>
-          </a:bodyPr>
-          <a:lstStyle/>
-          <a:p>
-            <a:pPr algn="ctr"/>
-            <a:r>
-              <a:rPr lang="en-US" sz="1100" dirty="0"/>
-              <a:t>Attachments (e.g. third party </a:t>
-            </a:r>
-          </a:p>
-          <a:p>
-            <a:pPr algn="ctr"/>
-            <a:r>
-              <a:rPr lang="en-US" sz="1100" dirty="0"/>
-              <a:t>Metadata documents)</a:t>
-            </a:r>
-          </a:p>
-        </p:txBody>
-      </p:sp>
-      <p:sp>
-        <p:nvSpPr>
-          <p:cNvPr id="55" name="TextBox 54"/>
-          <p:cNvSpPr txBox="1"/>
-          <p:nvPr/>
-        </p:nvSpPr>
-        <p:spPr>
-          <a:xfrm>
-            <a:off x="487943" y="4645301"/>
-            <a:ext cx="1696298" cy="261610"/>
-          </a:xfrm>
-          <a:prstGeom prst="rect">
-            <a:avLst/>
-          </a:prstGeom>
-          <a:noFill/>
-        </p:spPr>
-        <p:txBody>
-          <a:bodyPr wrap="none" rtlCol="0">
-            <a:spAutoFit/>
-          </a:bodyPr>
-          <a:lstStyle/>
-          <a:p>
-            <a:pPr algn="ctr"/>
-            <a:r>
-              <a:rPr lang="en-US" sz="1100" dirty="0"/>
-              <a:t>Files you are trying to load</a:t>
-            </a:r>
-          </a:p>
-        </p:txBody>
-      </p:sp>
-      <p:sp>
-        <p:nvSpPr>
-          <p:cNvPr id="56" name="Right Arrow 55"/>
-          <p:cNvSpPr/>
-          <p:nvPr/>
-        </p:nvSpPr>
-        <p:spPr>
-          <a:xfrm rot="18532077">
-            <a:off x="3636041" y="3790847"/>
-            <a:ext cx="4479776" cy="172604"/>
-          </a:xfrm>
-          <a:prstGeom prst="rightArrow">
-            <a:avLst/>
-          </a:prstGeom>
-          <a:solidFill>
-            <a:schemeClr val="accent6">
-              <a:alpha val="51000"/>
-            </a:schemeClr>
-          </a:solidFill>
-          <a:ln>
-            <a:solidFill>
-              <a:schemeClr val="accent6">
-                <a:shade val="50000"/>
-                <a:alpha val="50000"/>
-              </a:schemeClr>
-            </a:solidFill>
-          </a:ln>
-        </p:spPr>
-        <p:style>
-          <a:lnRef idx="2">
-            <a:schemeClr val="accent6">
-              <a:shade val="50000"/>
-            </a:schemeClr>
-          </a:lnRef>
-          <a:fillRef idx="1">
-            <a:schemeClr val="accent6"/>
-          </a:fillRef>
-          <a:effectRef idx="0">
-            <a:schemeClr val="accent6"/>
-          </a:effectRef>
-          <a:fontRef idx="minor">
-            <a:schemeClr val="lt1"/>
-          </a:fontRef>
-        </p:style>
-        <p:txBody>
-          <a:bodyPr rtlCol="0" anchor="ctr"/>
-          <a:lstStyle/>
-          <a:p>
-            <a:pPr algn="ctr"/>
-            <a:endParaRPr lang="en-GB" dirty="0"/>
-          </a:p>
-        </p:txBody>
-      </p:sp>
-      <p:sp>
-        <p:nvSpPr>
-          <p:cNvPr id="46" name="Right Arrow 45"/>
-          <p:cNvSpPr/>
-          <p:nvPr/>
-        </p:nvSpPr>
-        <p:spPr>
-          <a:xfrm rot="1358621">
-            <a:off x="1416908" y="4999609"/>
-            <a:ext cx="2906750" cy="174095"/>
-          </a:xfrm>
-          <a:prstGeom prst="rightArrow">
-            <a:avLst/>
-          </a:prstGeom>
-          <a:solidFill>
-            <a:schemeClr val="accent6">
-              <a:alpha val="51000"/>
-            </a:schemeClr>
-          </a:solidFill>
-          <a:ln>
-            <a:solidFill>
-              <a:schemeClr val="accent6">
-                <a:shade val="50000"/>
-                <a:alpha val="50000"/>
-              </a:schemeClr>
-            </a:solidFill>
-          </a:ln>
-        </p:spPr>
-        <p:style>
-          <a:lnRef idx="2">
-            <a:schemeClr val="accent6">
-              <a:shade val="50000"/>
-            </a:schemeClr>
-          </a:lnRef>
-          <a:fillRef idx="1">
-            <a:schemeClr val="accent6"/>
-          </a:fillRef>
-          <a:effectRef idx="0">
-            <a:schemeClr val="accent6"/>
-          </a:effectRef>
-          <a:fontRef idx="minor">
-            <a:schemeClr val="lt1"/>
-          </a:fontRef>
-        </p:style>
-        <p:txBody>
-          <a:bodyPr rtlCol="0" anchor="ctr"/>
-          <a:lstStyle/>
-          <a:p>
-            <a:pPr algn="ctr"/>
-            <a:endParaRPr lang="en-GB" dirty="0"/>
-          </a:p>
-        </p:txBody>
-      </p:sp>
-      <p:sp>
-        <p:nvSpPr>
-          <p:cNvPr id="43" name="TextBox 42"/>
-          <p:cNvSpPr txBox="1"/>
-          <p:nvPr/>
-        </p:nvSpPr>
-        <p:spPr>
-          <a:xfrm>
-            <a:off x="539636" y="5021105"/>
-            <a:ext cx="4376887" cy="369332"/>
-          </a:xfrm>
-          <a:prstGeom prst="rect">
-            <a:avLst/>
-          </a:prstGeom>
-          <a:noFill/>
-        </p:spPr>
-        <p:txBody>
-          <a:bodyPr wrap="square" rtlCol="0">
-            <a:spAutoFit/>
-          </a:bodyPr>
-          <a:lstStyle/>
-          <a:p>
-            <a:r>
-              <a:rPr lang="en-US" dirty="0"/>
-              <a:t>Identifiable Data Load Server (SQL Server 4)</a:t>
-            </a:r>
-            <a:endParaRPr lang="en-GB" dirty="0"/>
-          </a:p>
-        </p:txBody>
-      </p:sp>
-      <p:sp>
-        <p:nvSpPr>
-          <p:cNvPr id="57" name="TextBox 56"/>
-          <p:cNvSpPr txBox="1"/>
-          <p:nvPr/>
-        </p:nvSpPr>
-        <p:spPr>
-          <a:xfrm>
-            <a:off x="3610931" y="3835632"/>
-            <a:ext cx="1394934" cy="261610"/>
-          </a:xfrm>
-          <a:prstGeom prst="rect">
-            <a:avLst/>
-          </a:prstGeom>
-          <a:noFill/>
-        </p:spPr>
-        <p:txBody>
-          <a:bodyPr wrap="none" rtlCol="0">
-            <a:spAutoFit/>
-          </a:bodyPr>
-          <a:lstStyle/>
-          <a:p>
-            <a:pPr algn="ctr"/>
-            <a:r>
-              <a:rPr lang="en-US" sz="1100" dirty="0"/>
-              <a:t>Loading (</a:t>
-            </a:r>
-            <a:r>
-              <a:rPr lang="en-US" sz="1100" dirty="0">
-                <a:solidFill>
-                  <a:schemeClr val="accent6"/>
-                </a:solidFill>
-              </a:rPr>
-              <a:t>Green Path</a:t>
-            </a:r>
-            <a:r>
-              <a:rPr lang="en-US" sz="1100" dirty="0"/>
-              <a:t>)</a:t>
-            </a:r>
-          </a:p>
-        </p:txBody>
-      </p:sp>
-      <p:sp>
-        <p:nvSpPr>
-          <p:cNvPr id="58" name="Right Arrow 57"/>
-          <p:cNvSpPr/>
-          <p:nvPr/>
-        </p:nvSpPr>
-        <p:spPr>
-          <a:xfrm rot="19307199">
-            <a:off x="7773506" y="5086268"/>
-            <a:ext cx="1470156" cy="128304"/>
-          </a:xfrm>
-          <a:prstGeom prst="rightArrow">
-            <a:avLst/>
-          </a:prstGeom>
-          <a:gradFill>
-            <a:gsLst>
-              <a:gs pos="0">
-                <a:srgbClr val="FF0000"/>
-              </a:gs>
-              <a:gs pos="50000">
-                <a:schemeClr val="accent2">
-                  <a:lumMod val="105000"/>
-                  <a:satMod val="103000"/>
-                  <a:tint val="73000"/>
-                </a:schemeClr>
-              </a:gs>
-              <a:gs pos="100000">
-                <a:schemeClr val="accent2">
-                  <a:lumMod val="105000"/>
-                  <a:satMod val="109000"/>
-                  <a:tint val="81000"/>
-                </a:schemeClr>
-              </a:gs>
-            </a:gsLst>
-          </a:gradFill>
-          <a:ln/>
-        </p:spPr>
-        <p:style>
-          <a:lnRef idx="1">
-            <a:schemeClr val="accent2"/>
-          </a:lnRef>
-          <a:fillRef idx="2">
-            <a:schemeClr val="accent2"/>
-          </a:fillRef>
-          <a:effectRef idx="1">
-            <a:schemeClr val="accent2"/>
-          </a:effectRef>
-          <a:fontRef idx="minor">
-            <a:schemeClr val="dk1"/>
-          </a:fontRef>
-        </p:style>
-        <p:txBody>
-          <a:bodyPr rtlCol="0" anchor="ctr"/>
-          <a:lstStyle/>
-          <a:p>
-            <a:pPr algn="ctr"/>
-            <a:endParaRPr lang="en-GB" dirty="0"/>
-          </a:p>
-        </p:txBody>
-      </p:sp>
-      <p:sp>
-        <p:nvSpPr>
-          <p:cNvPr id="59" name="Right Arrow 58"/>
-          <p:cNvSpPr/>
-          <p:nvPr/>
-        </p:nvSpPr>
-        <p:spPr>
-          <a:xfrm rot="20221367">
-            <a:off x="6513165" y="5059167"/>
-            <a:ext cx="2545682" cy="124920"/>
-          </a:xfrm>
-          <a:prstGeom prst="rightArrow">
-            <a:avLst/>
-          </a:prstGeom>
-          <a:gradFill>
-            <a:gsLst>
-              <a:gs pos="0">
-                <a:srgbClr val="FF0000"/>
-              </a:gs>
-              <a:gs pos="50000">
-                <a:schemeClr val="accent2">
-                  <a:lumMod val="105000"/>
-                  <a:satMod val="103000"/>
-                  <a:tint val="73000"/>
-                </a:schemeClr>
-              </a:gs>
-              <a:gs pos="100000">
-                <a:schemeClr val="accent2">
-                  <a:lumMod val="105000"/>
-                  <a:satMod val="109000"/>
-                  <a:tint val="81000"/>
-                </a:schemeClr>
-              </a:gs>
-            </a:gsLst>
-          </a:gradFill>
-          <a:ln/>
-        </p:spPr>
-        <p:style>
-          <a:lnRef idx="1">
-            <a:schemeClr val="accent2"/>
-          </a:lnRef>
-          <a:fillRef idx="2">
-            <a:schemeClr val="accent2"/>
-          </a:fillRef>
-          <a:effectRef idx="1">
-            <a:schemeClr val="accent2"/>
-          </a:effectRef>
-          <a:fontRef idx="minor">
-            <a:schemeClr val="dk1"/>
-          </a:fontRef>
-        </p:style>
-        <p:txBody>
-          <a:bodyPr rtlCol="0" anchor="ctr"/>
-          <a:lstStyle/>
-          <a:p>
-            <a:pPr algn="ctr"/>
-            <a:endParaRPr lang="en-GB" dirty="0"/>
-          </a:p>
-        </p:txBody>
-      </p:sp>
-      <p:sp>
-        <p:nvSpPr>
-          <p:cNvPr id="27" name="TextBox 26"/>
-          <p:cNvSpPr txBox="1"/>
-          <p:nvPr/>
-        </p:nvSpPr>
-        <p:spPr>
-          <a:xfrm>
-            <a:off x="4861081" y="5021105"/>
-            <a:ext cx="3609800" cy="369332"/>
-          </a:xfrm>
-          <a:prstGeom prst="rect">
-            <a:avLst/>
-          </a:prstGeom>
-          <a:noFill/>
-        </p:spPr>
-        <p:txBody>
-          <a:bodyPr wrap="square" rtlCol="0">
-            <a:spAutoFit/>
-          </a:bodyPr>
-          <a:lstStyle/>
-          <a:p>
-            <a:r>
-              <a:rPr lang="en-US" dirty="0"/>
-              <a:t>Data Repository (SQL Server 2)</a:t>
-            </a:r>
-            <a:endParaRPr lang="en-GB" dirty="0"/>
-          </a:p>
-        </p:txBody>
-      </p:sp>
-      <p:pic>
-        <p:nvPicPr>
-          <p:cNvPr id="60" name="Picture 59"/>
-          <p:cNvPicPr>
-            <a:picLocks noChangeAspect="1"/>
-          </p:cNvPicPr>
-          <p:nvPr/>
-        </p:nvPicPr>
-        <p:blipFill>
-          <a:blip r:embed="rId7"/>
-          <a:stretch>
-            <a:fillRect/>
-          </a:stretch>
-        </p:blipFill>
-        <p:spPr>
-          <a:xfrm>
-            <a:off x="9157449" y="3825240"/>
-            <a:ext cx="626466" cy="435045"/>
-          </a:xfrm>
-          <a:prstGeom prst="rect">
-            <a:avLst/>
-          </a:prstGeom>
-        </p:spPr>
-      </p:pic>
-      <p:sp>
-        <p:nvSpPr>
-          <p:cNvPr id="61" name="TextBox 60"/>
-          <p:cNvSpPr txBox="1"/>
-          <p:nvPr/>
-        </p:nvSpPr>
-        <p:spPr>
-          <a:xfrm>
-            <a:off x="8604484" y="4195819"/>
-            <a:ext cx="1670650" cy="430887"/>
-          </a:xfrm>
-          <a:prstGeom prst="rect">
-            <a:avLst/>
-          </a:prstGeom>
-          <a:noFill/>
-        </p:spPr>
-        <p:txBody>
-          <a:bodyPr wrap="none" rtlCol="0">
-            <a:spAutoFit/>
-          </a:bodyPr>
-          <a:lstStyle/>
-          <a:p>
-            <a:pPr algn="ctr"/>
-            <a:r>
-              <a:rPr lang="en-US" sz="1100" dirty="0"/>
-              <a:t>Project Extracts</a:t>
-            </a:r>
-          </a:p>
-          <a:p>
-            <a:pPr algn="ctr"/>
-            <a:r>
-              <a:rPr lang="en-US" sz="1100" dirty="0"/>
-              <a:t>(OnExtract anonymisation</a:t>
-            </a:r>
-          </a:p>
-        </p:txBody>
-      </p:sp>
-      <p:sp>
-        <p:nvSpPr>
-          <p:cNvPr id="64" name="TextBox 63"/>
-          <p:cNvSpPr txBox="1"/>
-          <p:nvPr/>
-        </p:nvSpPr>
-        <p:spPr>
-          <a:xfrm>
-            <a:off x="3596439" y="4437005"/>
-            <a:ext cx="1354083" cy="430887"/>
-          </a:xfrm>
-          <a:prstGeom prst="rect">
-            <a:avLst/>
-          </a:prstGeom>
-          <a:noFill/>
-        </p:spPr>
-        <p:txBody>
-          <a:bodyPr wrap="square" rtlCol="0">
-            <a:spAutoFit/>
-          </a:bodyPr>
-          <a:lstStyle/>
-          <a:p>
-            <a:pPr algn="ctr"/>
-            <a:r>
-              <a:rPr lang="en-US" sz="1100" dirty="0"/>
-              <a:t>Data Quality Engine</a:t>
-            </a:r>
-          </a:p>
-          <a:p>
-            <a:pPr algn="ctr"/>
-            <a:r>
-              <a:rPr lang="en-US" sz="1100" dirty="0">
-                <a:solidFill>
-                  <a:schemeClr val="accent4">
-                    <a:lumMod val="60000"/>
-                    <a:lumOff val="40000"/>
-                  </a:schemeClr>
-                </a:solidFill>
-              </a:rPr>
-              <a:t>(Orange Path)</a:t>
-            </a:r>
-          </a:p>
-        </p:txBody>
-      </p:sp>
-      <p:sp>
-        <p:nvSpPr>
-          <p:cNvPr id="65" name="TextBox 64"/>
-          <p:cNvSpPr txBox="1"/>
-          <p:nvPr/>
-        </p:nvSpPr>
-        <p:spPr>
-          <a:xfrm>
-            <a:off x="2749662" y="4427070"/>
-            <a:ext cx="788999" cy="430887"/>
-          </a:xfrm>
-          <a:prstGeom prst="rect">
-            <a:avLst/>
-          </a:prstGeom>
-          <a:noFill/>
-        </p:spPr>
-        <p:txBody>
-          <a:bodyPr wrap="none" rtlCol="0">
-            <a:spAutoFit/>
-          </a:bodyPr>
-          <a:lstStyle/>
-          <a:p>
-            <a:pPr algn="ctr"/>
-            <a:r>
-              <a:rPr lang="en-US" sz="1100" dirty="0"/>
-              <a:t>Catalogue </a:t>
-            </a:r>
-          </a:p>
-          <a:p>
-            <a:pPr algn="ctr"/>
-            <a:r>
-              <a:rPr lang="en-US" sz="1100" dirty="0"/>
-              <a:t>Manager</a:t>
-            </a:r>
-          </a:p>
-        </p:txBody>
-      </p:sp>
-      <p:sp>
-        <p:nvSpPr>
-          <p:cNvPr id="66" name="TextBox 65"/>
-          <p:cNvSpPr txBox="1"/>
-          <p:nvPr/>
-        </p:nvSpPr>
-        <p:spPr>
-          <a:xfrm>
-            <a:off x="2716146" y="3969810"/>
-            <a:ext cx="805029" cy="261610"/>
-          </a:xfrm>
-          <a:prstGeom prst="rect">
-            <a:avLst/>
-          </a:prstGeom>
-          <a:noFill/>
-        </p:spPr>
-        <p:txBody>
-          <a:bodyPr wrap="none" rtlCol="0">
-            <a:spAutoFit/>
-          </a:bodyPr>
-          <a:lstStyle/>
-          <a:p>
-            <a:pPr algn="ctr"/>
-            <a:r>
-              <a:rPr lang="en-US" sz="1100" dirty="0"/>
-              <a:t>Dashboard</a:t>
-            </a:r>
-          </a:p>
-        </p:txBody>
-      </p:sp>
-      <p:pic>
-        <p:nvPicPr>
-          <p:cNvPr id="67" name="Picture 66"/>
-          <p:cNvPicPr>
-            <a:picLocks noChangeAspect="1"/>
-          </p:cNvPicPr>
-          <p:nvPr/>
-        </p:nvPicPr>
-        <p:blipFill>
-          <a:blip r:embed="rId8"/>
-          <a:stretch>
-            <a:fillRect/>
-          </a:stretch>
-        </p:blipFill>
-        <p:spPr>
-          <a:xfrm>
-            <a:off x="6687172" y="2388060"/>
-            <a:ext cx="566525" cy="566525"/>
-          </a:xfrm>
-          <a:prstGeom prst="rect">
-            <a:avLst/>
-          </a:prstGeom>
-        </p:spPr>
-      </p:pic>
-      <p:sp>
-        <p:nvSpPr>
-          <p:cNvPr id="69" name="TextBox 68"/>
-          <p:cNvSpPr txBox="1"/>
-          <p:nvPr/>
-        </p:nvSpPr>
-        <p:spPr>
-          <a:xfrm>
-            <a:off x="6443202" y="2877633"/>
-            <a:ext cx="1167306" cy="430887"/>
-          </a:xfrm>
-          <a:prstGeom prst="rect">
-            <a:avLst/>
-          </a:prstGeom>
-          <a:noFill/>
-        </p:spPr>
-        <p:txBody>
-          <a:bodyPr wrap="none" rtlCol="0">
-            <a:spAutoFit/>
-          </a:bodyPr>
-          <a:lstStyle/>
-          <a:p>
-            <a:pPr algn="ctr"/>
-            <a:r>
-              <a:rPr lang="en-US" sz="1100" dirty="0"/>
-              <a:t>Optional on load </a:t>
-            </a:r>
-          </a:p>
-          <a:p>
-            <a:pPr algn="ctr"/>
-            <a:r>
-              <a:rPr lang="en-US" sz="1100" dirty="0"/>
-              <a:t>anonymisation</a:t>
-            </a:r>
-          </a:p>
-        </p:txBody>
-      </p:sp>
-      <p:pic>
-        <p:nvPicPr>
-          <p:cNvPr id="70" name="Picture 69"/>
-          <p:cNvPicPr>
-            <a:picLocks noChangeAspect="1"/>
-          </p:cNvPicPr>
-          <p:nvPr/>
-        </p:nvPicPr>
-        <p:blipFill>
-          <a:blip r:embed="rId8"/>
-          <a:stretch>
-            <a:fillRect/>
-          </a:stretch>
-        </p:blipFill>
-        <p:spPr>
-          <a:xfrm>
-            <a:off x="8886816" y="4782229"/>
-            <a:ext cx="566525" cy="566525"/>
-          </a:xfrm>
-          <a:prstGeom prst="rect">
-            <a:avLst/>
-          </a:prstGeom>
-        </p:spPr>
-      </p:pic>
-      <p:sp>
-        <p:nvSpPr>
-          <p:cNvPr id="71" name="TextBox 70"/>
-          <p:cNvSpPr txBox="1"/>
-          <p:nvPr/>
-        </p:nvSpPr>
-        <p:spPr>
-          <a:xfrm>
-            <a:off x="8420029" y="5271802"/>
-            <a:ext cx="1612942" cy="430887"/>
-          </a:xfrm>
-          <a:prstGeom prst="rect">
-            <a:avLst/>
-          </a:prstGeom>
-          <a:noFill/>
-        </p:spPr>
-        <p:txBody>
-          <a:bodyPr wrap="none" rtlCol="0">
-            <a:spAutoFit/>
-          </a:bodyPr>
-          <a:lstStyle/>
-          <a:p>
-            <a:pPr algn="ctr"/>
-            <a:r>
-              <a:rPr lang="en-US" sz="1100" dirty="0"/>
-              <a:t>Mandatory on extraction</a:t>
-            </a:r>
-          </a:p>
-          <a:p>
-            <a:pPr algn="ctr"/>
-            <a:r>
-              <a:rPr lang="en-US" sz="1100" dirty="0"/>
-              <a:t>anonymisation</a:t>
-            </a:r>
-          </a:p>
-        </p:txBody>
-      </p:sp>
-      <p:pic>
-        <p:nvPicPr>
-          <p:cNvPr id="68" name="Picture 67"/>
-          <p:cNvPicPr>
-            <a:picLocks noChangeAspect="1"/>
-          </p:cNvPicPr>
-          <p:nvPr/>
-        </p:nvPicPr>
-        <p:blipFill>
-          <a:blip r:embed="rId6"/>
-          <a:stretch>
-            <a:fillRect/>
-          </a:stretch>
-        </p:blipFill>
-        <p:spPr>
-          <a:xfrm>
-            <a:off x="4439929" y="2329670"/>
-            <a:ext cx="400805" cy="420262"/>
-          </a:xfrm>
-          <a:prstGeom prst="rect">
-            <a:avLst/>
-          </a:prstGeom>
-        </p:spPr>
-      </p:pic>
-      <p:sp>
-        <p:nvSpPr>
-          <p:cNvPr id="72" name="TextBox 71"/>
-          <p:cNvSpPr txBox="1"/>
-          <p:nvPr/>
-        </p:nvSpPr>
-        <p:spPr>
-          <a:xfrm>
-            <a:off x="3925236" y="2683492"/>
-            <a:ext cx="1430200" cy="261610"/>
-          </a:xfrm>
-          <a:prstGeom prst="rect">
-            <a:avLst/>
-          </a:prstGeom>
-          <a:noFill/>
-        </p:spPr>
-        <p:txBody>
-          <a:bodyPr wrap="none" rtlCol="0">
-            <a:spAutoFit/>
-          </a:bodyPr>
-          <a:lstStyle/>
-          <a:p>
-            <a:pPr algn="ctr"/>
-            <a:r>
-              <a:rPr lang="en-US" sz="1100" dirty="0"/>
-              <a:t>Cached Query Results</a:t>
-            </a:r>
-          </a:p>
-        </p:txBody>
-      </p:sp>
-      <p:sp>
-        <p:nvSpPr>
-          <p:cNvPr id="2" name="Rectangle 1"/>
-          <p:cNvSpPr/>
-          <p:nvPr/>
-        </p:nvSpPr>
-        <p:spPr>
-          <a:xfrm>
-            <a:off x="2624732" y="217552"/>
-            <a:ext cx="1683666" cy="479681"/>
-          </a:xfrm>
-          <a:prstGeom prst="rect">
-            <a:avLst/>
-          </a:prstGeom>
-        </p:spPr>
-        <p:style>
-          <a:lnRef idx="2">
-            <a:schemeClr val="accent1">
-              <a:shade val="50000"/>
-            </a:schemeClr>
-          </a:lnRef>
-          <a:fillRef idx="1">
-            <a:schemeClr val="accent1"/>
-          </a:fillRef>
-          <a:effectRef idx="0">
-            <a:schemeClr val="accent1"/>
-          </a:effectRef>
-          <a:fontRef idx="minor">
-            <a:schemeClr val="lt1"/>
-          </a:fontRef>
-        </p:style>
-        <p:txBody>
-          <a:bodyPr rtlCol="0" anchor="ctr"/>
-          <a:lstStyle/>
-          <a:p>
-            <a:pPr algn="ctr"/>
-            <a:r>
-              <a:rPr lang="en-GB" dirty="0"/>
-              <a:t>Web Service</a:t>
-            </a:r>
-          </a:p>
-        </p:txBody>
-      </p:sp>
-      <p:pic>
-        <p:nvPicPr>
-          <p:cNvPr id="73" name="Picture 72"/>
-          <p:cNvPicPr>
-            <a:picLocks noChangeAspect="1"/>
-          </p:cNvPicPr>
-          <p:nvPr/>
-        </p:nvPicPr>
-        <p:blipFill>
-          <a:blip r:embed="rId8"/>
-          <a:stretch>
-            <a:fillRect/>
-          </a:stretch>
-        </p:blipFill>
-        <p:spPr>
-          <a:xfrm>
-            <a:off x="4003998" y="364608"/>
-            <a:ext cx="566525" cy="566525"/>
-          </a:xfrm>
-          <a:prstGeom prst="rect">
-            <a:avLst/>
-          </a:prstGeom>
-        </p:spPr>
-      </p:pic>
-      <p:sp>
-        <p:nvSpPr>
-          <p:cNvPr id="74" name="Right Arrow 73"/>
-          <p:cNvSpPr/>
-          <p:nvPr/>
-        </p:nvSpPr>
-        <p:spPr>
-          <a:xfrm rot="18532077">
-            <a:off x="3788441" y="3943247"/>
-            <a:ext cx="4479776" cy="172604"/>
-          </a:xfrm>
-          <a:prstGeom prst="rightArrow">
-            <a:avLst/>
-          </a:prstGeom>
-          <a:solidFill>
-            <a:schemeClr val="accent6">
-              <a:alpha val="51000"/>
-            </a:schemeClr>
-          </a:solidFill>
-          <a:ln>
-            <a:solidFill>
-              <a:schemeClr val="accent6">
-                <a:shade val="50000"/>
-                <a:alpha val="50000"/>
-              </a:schemeClr>
-            </a:solidFill>
-          </a:ln>
-        </p:spPr>
-        <p:style>
-          <a:lnRef idx="2">
-            <a:schemeClr val="accent6">
-              <a:shade val="50000"/>
-            </a:schemeClr>
-          </a:lnRef>
-          <a:fillRef idx="1">
-            <a:schemeClr val="accent6"/>
-          </a:fillRef>
-          <a:effectRef idx="0">
-            <a:schemeClr val="accent6"/>
-          </a:effectRef>
-          <a:fontRef idx="minor">
-            <a:schemeClr val="lt1"/>
-          </a:fontRef>
-        </p:style>
-        <p:txBody>
-          <a:bodyPr rtlCol="0" anchor="ctr"/>
-          <a:lstStyle/>
-          <a:p>
-            <a:pPr algn="ctr"/>
-            <a:endParaRPr lang="en-GB" dirty="0"/>
-          </a:p>
-        </p:txBody>
-      </p:sp>
-      <p:sp>
-        <p:nvSpPr>
-          <p:cNvPr id="44" name="Right Arrow 43"/>
-          <p:cNvSpPr/>
-          <p:nvPr/>
-        </p:nvSpPr>
-        <p:spPr>
-          <a:xfrm rot="15838627">
-            <a:off x="3713463" y="1574649"/>
-            <a:ext cx="1548240" cy="121025"/>
-          </a:xfrm>
-          <a:prstGeom prst="rightArrow">
-            <a:avLst/>
-          </a:prstGeom>
-          <a:ln/>
-        </p:spPr>
-        <p:style>
-          <a:lnRef idx="1">
-            <a:schemeClr val="accent4"/>
-          </a:lnRef>
-          <a:fillRef idx="2">
-            <a:schemeClr val="accent4"/>
-          </a:fillRef>
-          <a:effectRef idx="1">
-            <a:schemeClr val="accent4"/>
-          </a:effectRef>
-          <a:fontRef idx="minor">
-            <a:schemeClr val="dk1"/>
-          </a:fontRef>
-        </p:style>
-        <p:txBody>
-          <a:bodyPr rtlCol="0" anchor="ctr"/>
-          <a:lstStyle/>
-          <a:p>
-            <a:pPr algn="ctr"/>
-            <a:endParaRPr lang="en-GB" dirty="0">
-              <a:ln>
-                <a:solidFill>
-                  <a:sysClr val="windowText" lastClr="000000"/>
-                </a:solidFill>
-              </a:ln>
-            </a:endParaRPr>
-          </a:p>
-        </p:txBody>
-      </p:sp>
-      <p:sp>
-        <p:nvSpPr>
-          <p:cNvPr id="75" name="Right Arrow 74"/>
-          <p:cNvSpPr/>
-          <p:nvPr/>
-        </p:nvSpPr>
-        <p:spPr>
-          <a:xfrm rot="17500067">
-            <a:off x="3108932" y="1446399"/>
-            <a:ext cx="1414664" cy="121025"/>
-          </a:xfrm>
-          <a:prstGeom prst="rightArrow">
-            <a:avLst/>
-          </a:prstGeom>
-          <a:ln/>
-        </p:spPr>
-        <p:style>
-          <a:lnRef idx="1">
-            <a:schemeClr val="accent4"/>
-          </a:lnRef>
-          <a:fillRef idx="2">
-            <a:schemeClr val="accent4"/>
-          </a:fillRef>
-          <a:effectRef idx="1">
-            <a:schemeClr val="accent4"/>
-          </a:effectRef>
-          <a:fontRef idx="minor">
-            <a:schemeClr val="dk1"/>
-          </a:fontRef>
-        </p:style>
-        <p:txBody>
-          <a:bodyPr rtlCol="0" anchor="ctr"/>
-          <a:lstStyle/>
-          <a:p>
-            <a:pPr algn="ctr"/>
-            <a:endParaRPr lang="en-GB" dirty="0">
-              <a:ln>
-                <a:solidFill>
-                  <a:sysClr val="windowText" lastClr="000000"/>
-                </a:solidFill>
-              </a:ln>
-            </a:endParaRPr>
-          </a:p>
-        </p:txBody>
-      </p:sp>
-      <p:sp>
-        <p:nvSpPr>
-          <p:cNvPr id="76" name="Right Arrow 75"/>
-          <p:cNvSpPr/>
-          <p:nvPr/>
-        </p:nvSpPr>
-        <p:spPr>
-          <a:xfrm rot="19969985">
-            <a:off x="2344444" y="1083277"/>
-            <a:ext cx="1805138" cy="121025"/>
-          </a:xfrm>
-          <a:prstGeom prst="rightArrow">
-            <a:avLst/>
-          </a:prstGeom>
-          <a:ln/>
-        </p:spPr>
-        <p:style>
-          <a:lnRef idx="1">
-            <a:schemeClr val="accent4"/>
-          </a:lnRef>
-          <a:fillRef idx="2">
-            <a:schemeClr val="accent4"/>
-          </a:fillRef>
-          <a:effectRef idx="1">
-            <a:schemeClr val="accent4"/>
-          </a:effectRef>
-          <a:fontRef idx="minor">
-            <a:schemeClr val="dk1"/>
-          </a:fontRef>
-        </p:style>
-        <p:txBody>
-          <a:bodyPr rtlCol="0" anchor="ctr"/>
-          <a:lstStyle/>
-          <a:p>
-            <a:pPr algn="ctr"/>
-            <a:endParaRPr lang="en-GB" dirty="0">
-              <a:ln>
-                <a:solidFill>
-                  <a:sysClr val="windowText" lastClr="000000"/>
-                </a:solidFill>
-              </a:ln>
-            </a:endParaRPr>
-          </a:p>
-        </p:txBody>
-      </p:sp>
-      <p:sp>
-        <p:nvSpPr>
-          <p:cNvPr id="77" name="Right Arrow 76"/>
-          <p:cNvSpPr/>
-          <p:nvPr/>
-        </p:nvSpPr>
-        <p:spPr>
-          <a:xfrm rot="14164671">
-            <a:off x="4097680" y="4125413"/>
-            <a:ext cx="3148423" cy="166105"/>
-          </a:xfrm>
-          <a:prstGeom prst="rightArrow">
-            <a:avLst/>
-          </a:prstGeom>
-          <a:ln/>
-        </p:spPr>
-        <p:style>
-          <a:lnRef idx="1">
-            <a:schemeClr val="accent4"/>
-          </a:lnRef>
-          <a:fillRef idx="2">
-            <a:schemeClr val="accent4"/>
-          </a:fillRef>
-          <a:effectRef idx="1">
-            <a:schemeClr val="accent4"/>
-          </a:effectRef>
-          <a:fontRef idx="minor">
-            <a:schemeClr val="dk1"/>
-          </a:fontRef>
-        </p:style>
-        <p:txBody>
-          <a:bodyPr rtlCol="0" anchor="ctr"/>
-          <a:lstStyle/>
-          <a:p>
-            <a:pPr algn="ctr"/>
-            <a:endParaRPr lang="en-GB" dirty="0">
-              <a:ln>
-                <a:solidFill>
-                  <a:sysClr val="windowText" lastClr="000000"/>
-                </a:solidFill>
-              </a:ln>
-            </a:endParaRPr>
-          </a:p>
-        </p:txBody>
-      </p:sp>
-      <p:pic>
-        <p:nvPicPr>
-          <p:cNvPr id="5" name="Picture 4"/>
-          <p:cNvPicPr/>
-          <p:nvPr/>
-        </p:nvPicPr>
-        <p:blipFill>
-          <a:blip r:embed="rId9"/>
-          <a:stretch>
-            <a:fillRect/>
-          </a:stretch>
-        </p:blipFill>
-        <p:spPr>
-          <a:xfrm>
-            <a:off x="5412505" y="3588497"/>
-            <a:ext cx="318770" cy="318770"/>
-          </a:xfrm>
-          <a:prstGeom prst="rect">
-            <a:avLst/>
-          </a:prstGeom>
-        </p:spPr>
-      </p:pic>
-      <p:pic>
-        <p:nvPicPr>
-          <p:cNvPr id="7" name="Picture 6"/>
-          <p:cNvPicPr/>
-          <p:nvPr/>
-        </p:nvPicPr>
-        <p:blipFill>
-          <a:blip r:embed="rId10"/>
-          <a:stretch>
-            <a:fillRect/>
-          </a:stretch>
-        </p:blipFill>
-        <p:spPr>
-          <a:xfrm>
-            <a:off x="5308555" y="4107006"/>
-            <a:ext cx="333375" cy="333375"/>
-          </a:xfrm>
-          <a:prstGeom prst="rect">
-            <a:avLst/>
-          </a:prstGeom>
-        </p:spPr>
-      </p:pic>
-      <p:sp>
-        <p:nvSpPr>
-          <p:cNvPr id="62" name="TextBox 61"/>
-          <p:cNvSpPr txBox="1"/>
-          <p:nvPr/>
-        </p:nvSpPr>
-        <p:spPr>
-          <a:xfrm>
-            <a:off x="4947301" y="3847513"/>
-            <a:ext cx="1394934" cy="261610"/>
-          </a:xfrm>
-          <a:prstGeom prst="rect">
-            <a:avLst/>
-          </a:prstGeom>
-          <a:noFill/>
-        </p:spPr>
-        <p:txBody>
-          <a:bodyPr wrap="none" rtlCol="0">
-            <a:spAutoFit/>
-          </a:bodyPr>
-          <a:lstStyle/>
-          <a:p>
-            <a:pPr algn="ctr"/>
-            <a:r>
-              <a:rPr lang="en-US" sz="1100" dirty="0"/>
-              <a:t>Extraction (</a:t>
-            </a:r>
-            <a:r>
-              <a:rPr lang="en-US" sz="1100" dirty="0">
-                <a:solidFill>
-                  <a:srgbClr val="FF0000"/>
-                </a:solidFill>
-              </a:rPr>
-              <a:t>Red Path</a:t>
-            </a:r>
-            <a:r>
-              <a:rPr lang="en-US" sz="1100" dirty="0"/>
-              <a:t>)</a:t>
-            </a:r>
-          </a:p>
-        </p:txBody>
-      </p:sp>
-      <p:sp>
-        <p:nvSpPr>
-          <p:cNvPr id="63" name="TextBox 62"/>
-          <p:cNvSpPr txBox="1"/>
-          <p:nvPr/>
-        </p:nvSpPr>
-        <p:spPr>
-          <a:xfrm>
-            <a:off x="4800028" y="4398281"/>
-            <a:ext cx="1412566" cy="261610"/>
-          </a:xfrm>
-          <a:prstGeom prst="rect">
-            <a:avLst/>
-          </a:prstGeom>
-          <a:noFill/>
-        </p:spPr>
-        <p:txBody>
-          <a:bodyPr wrap="none" rtlCol="0">
-            <a:spAutoFit/>
-          </a:bodyPr>
-          <a:lstStyle/>
-          <a:p>
-            <a:pPr algn="ctr"/>
-            <a:r>
-              <a:rPr lang="en-US" sz="1100" dirty="0"/>
-              <a:t>Cohort Identification</a:t>
-            </a:r>
-          </a:p>
-        </p:txBody>
-      </p:sp>
-    </p:spTree>
-    <p:extLst>
-      <p:ext uri="{BB962C8B-B14F-4D97-AF65-F5344CB8AC3E}">
-        <p14:creationId xmlns:p14="http://schemas.microsoft.com/office/powerpoint/2010/main" val="2138483977"/>
-      </p:ext>
-    </p:extLst>
-  </p:cSld>
-  <p:clrMapOvr>
-    <a:masterClrMapping/>
-  </p:clrMapOvr>
-</p:sld>
-</file>
-
-<file path=ppt/slides/slide4.xml><?xml version="1.0" encoding="utf-8"?>
-<p:sld xmlns:a="http://schemas.openxmlformats.org/drawingml/2006/main" xmlns:r="http://schemas.openxmlformats.org/officeDocument/2006/relationships" xmlns:p="http://schemas.openxmlformats.org/presentationml/2006/main">
-  <p:cSld>
-    <p:spTree>
-      <p:nvGrpSpPr>
-        <p:cNvPr id="1" name=""/>
-        <p:cNvGrpSpPr/>
-        <p:nvPr/>
-      </p:nvGrpSpPr>
-      <p:grpSpPr>
-        <a:xfrm>
-          <a:off x="0" y="0"/>
-          <a:ext cx="0" cy="0"/>
-          <a:chOff x="0" y="0"/>
-          <a:chExt cx="0" cy="0"/>
-        </a:xfrm>
-      </p:grpSpPr>
       <p:graphicFrame>
         <p:nvGraphicFramePr>
           <p:cNvPr id="18" name="Diagram 17"/>
@@ -45568,7 +43168,7 @@
 </p:sld>
 </file>
 
-<file path=ppt/slides/slide5.xml><?xml version="1.0" encoding="utf-8"?>
+<file path=ppt/slides/slide4.xml><?xml version="1.0" encoding="utf-8"?>
 <p:sld xmlns:a="http://schemas.openxmlformats.org/drawingml/2006/main" xmlns:r="http://schemas.openxmlformats.org/officeDocument/2006/relationships" xmlns:p="http://schemas.openxmlformats.org/presentationml/2006/main">
   <p:cSld>
     <p:spTree>
@@ -45779,7 +43379,7 @@
 </p:sld>
 </file>
 
-<file path=ppt/slides/slide6.xml><?xml version="1.0" encoding="utf-8"?>
+<file path=ppt/slides/slide5.xml><?xml version="1.0" encoding="utf-8"?>
 <p:sld xmlns:a="http://schemas.openxmlformats.org/drawingml/2006/main" xmlns:r="http://schemas.openxmlformats.org/officeDocument/2006/relationships" xmlns:p="http://schemas.openxmlformats.org/presentationml/2006/main">
   <p:cSld>
     <p:spTree>
@@ -46085,7 +43685,7 @@
 </p:sld>
 </file>
 
-<file path=ppt/slides/slide7.xml><?xml version="1.0" encoding="utf-8"?>
+<file path=ppt/slides/slide6.xml><?xml version="1.0" encoding="utf-8"?>
 <p:sld xmlns:a="http://schemas.openxmlformats.org/drawingml/2006/main" xmlns:r="http://schemas.openxmlformats.org/officeDocument/2006/relationships" xmlns:p="http://schemas.openxmlformats.org/presentationml/2006/main">
   <p:cSld>
     <p:spTree>
@@ -46270,7 +43870,7 @@
 </p:sld>
 </file>
 
-<file path=ppt/slides/slide8.xml><?xml version="1.0" encoding="utf-8"?>
+<file path=ppt/slides/slide7.xml><?xml version="1.0" encoding="utf-8"?>
 <p:sld xmlns:a="http://schemas.openxmlformats.org/drawingml/2006/main" xmlns:r="http://schemas.openxmlformats.org/officeDocument/2006/relationships" xmlns:p="http://schemas.openxmlformats.org/presentationml/2006/main">
   <p:cSld>
     <p:spTree>
@@ -46433,7 +44033,7 @@
 </p:sld>
 </file>
 
-<file path=ppt/slides/slide9.xml><?xml version="1.0" encoding="utf-8"?>
+<file path=ppt/slides/slide8.xml><?xml version="1.0" encoding="utf-8"?>
 <p:sld xmlns:a="http://schemas.openxmlformats.org/drawingml/2006/main" xmlns:r="http://schemas.openxmlformats.org/officeDocument/2006/relationships" xmlns:p="http://schemas.openxmlformats.org/presentationml/2006/main">
   <p:cSld>
     <p:spTree>
